--- a/Meeting/20190516 Meeting/20190516 Meeting.pptx
+++ b/Meeting/20190516 Meeting/20190516 Meeting.pptx
@@ -5,32 +5,38 @@
     <p:sldMasterId id="2147483648" r:id="rId4"/>
   </p:sldMasterIdLst>
   <p:notesMasterIdLst>
-    <p:notesMasterId r:id="rId28"/>
+    <p:notesMasterId r:id="rId34"/>
   </p:notesMasterIdLst>
   <p:sldIdLst>
     <p:sldId id="314" r:id="rId5"/>
-    <p:sldId id="340" r:id="rId6"/>
-    <p:sldId id="348" r:id="rId7"/>
-    <p:sldId id="349" r:id="rId8"/>
-    <p:sldId id="355" r:id="rId9"/>
-    <p:sldId id="367" r:id="rId10"/>
-    <p:sldId id="356" r:id="rId11"/>
-    <p:sldId id="358" r:id="rId12"/>
-    <p:sldId id="359" r:id="rId13"/>
-    <p:sldId id="363" r:id="rId14"/>
-    <p:sldId id="364" r:id="rId15"/>
-    <p:sldId id="328" r:id="rId16"/>
-    <p:sldId id="339" r:id="rId17"/>
-    <p:sldId id="368" r:id="rId18"/>
-    <p:sldId id="329" r:id="rId19"/>
-    <p:sldId id="369" r:id="rId20"/>
-    <p:sldId id="351" r:id="rId21"/>
-    <p:sldId id="353" r:id="rId22"/>
-    <p:sldId id="330" r:id="rId23"/>
-    <p:sldId id="352" r:id="rId24"/>
-    <p:sldId id="354" r:id="rId25"/>
-    <p:sldId id="362" r:id="rId26"/>
-    <p:sldId id="366" r:id="rId27"/>
+    <p:sldId id="370" r:id="rId6"/>
+    <p:sldId id="373" r:id="rId7"/>
+    <p:sldId id="371" r:id="rId8"/>
+    <p:sldId id="372" r:id="rId9"/>
+    <p:sldId id="375" r:id="rId10"/>
+    <p:sldId id="374" r:id="rId11"/>
+    <p:sldId id="340" r:id="rId12"/>
+    <p:sldId id="348" r:id="rId13"/>
+    <p:sldId id="376" r:id="rId14"/>
+    <p:sldId id="349" r:id="rId15"/>
+    <p:sldId id="355" r:id="rId16"/>
+    <p:sldId id="367" r:id="rId17"/>
+    <p:sldId id="356" r:id="rId18"/>
+    <p:sldId id="377" r:id="rId19"/>
+    <p:sldId id="328" r:id="rId20"/>
+    <p:sldId id="339" r:id="rId21"/>
+    <p:sldId id="329" r:id="rId22"/>
+    <p:sldId id="369" r:id="rId23"/>
+    <p:sldId id="351" r:id="rId24"/>
+    <p:sldId id="353" r:id="rId25"/>
+    <p:sldId id="378" r:id="rId26"/>
+    <p:sldId id="330" r:id="rId27"/>
+    <p:sldId id="368" r:id="rId28"/>
+    <p:sldId id="352" r:id="rId29"/>
+    <p:sldId id="354" r:id="rId30"/>
+    <p:sldId id="379" r:id="rId31"/>
+    <p:sldId id="366" r:id="rId32"/>
+    <p:sldId id="362" r:id="rId33"/>
   </p:sldIdLst>
   <p:sldSz cx="12192000" cy="6858000"/>
   <p:notesSz cx="6858000" cy="9144000"/>
@@ -1354,7 +1360,7 @@
           <a:p>
             <a:fld id="{4B9FA8AB-93ED-4030-B179-2AF13832ABA7}" type="slidenum">
               <a:rPr lang="zh-TW" altLang="en-US" smtClean="0"/>
-              <a:t>2</a:t>
+              <a:t>8</a:t>
             </a:fld>
             <a:endParaRPr lang="zh-TW" altLang="en-US"/>
           </a:p>
@@ -1480,7 +1486,7 @@
           <a:p>
             <a:fld id="{4B9FA8AB-93ED-4030-B179-2AF13832ABA7}" type="slidenum">
               <a:rPr lang="zh-TW" altLang="en-US" smtClean="0"/>
-              <a:t>12</a:t>
+              <a:t>16</a:t>
             </a:fld>
             <a:endParaRPr lang="zh-TW" altLang="en-US"/>
           </a:p>
@@ -1564,7 +1570,7 @@
           <a:p>
             <a:fld id="{4B9FA8AB-93ED-4030-B179-2AF13832ABA7}" type="slidenum">
               <a:rPr lang="zh-TW" altLang="en-US" smtClean="0"/>
-              <a:t>19</a:t>
+              <a:t>23</a:t>
             </a:fld>
             <a:endParaRPr lang="zh-TW" altLang="en-US"/>
           </a:p>
@@ -23640,7 +23646,1732 @@
 </file>
 
 <file path=ppt/slides/slide10.xml><?xml version="1.0" encoding="utf-8"?>
-<p:sld xmlns:a="http://schemas.openxmlformats.org/drawingml/2006/main" xmlns:r="http://schemas.openxmlformats.org/officeDocument/2006/relationships" xmlns:p="http://schemas.openxmlformats.org/presentationml/2006/main" show="0">
+<p:sld xmlns:a="http://schemas.openxmlformats.org/drawingml/2006/main" xmlns:r="http://schemas.openxmlformats.org/officeDocument/2006/relationships" xmlns:p="http://schemas.openxmlformats.org/presentationml/2006/main">
+  <p:cSld>
+    <p:spTree>
+      <p:nvGrpSpPr>
+        <p:cNvPr id="1" name=""/>
+        <p:cNvGrpSpPr/>
+        <p:nvPr/>
+      </p:nvGrpSpPr>
+      <p:grpSpPr>
+        <a:xfrm>
+          <a:off x="0" y="0"/>
+          <a:ext cx="0" cy="0"/>
+          <a:chOff x="0" y="0"/>
+          <a:chExt cx="0" cy="0"/>
+        </a:xfrm>
+      </p:grpSpPr>
+      <p:sp>
+        <p:nvSpPr>
+          <p:cNvPr id="3" name="投影片編號版面配置區 2"/>
+          <p:cNvSpPr>
+            <a:spLocks noGrp="1"/>
+          </p:cNvSpPr>
+          <p:nvPr>
+            <p:ph type="sldNum" sz="quarter" idx="4"/>
+          </p:nvPr>
+        </p:nvSpPr>
+        <p:spPr/>
+        <p:txBody>
+          <a:bodyPr/>
+          <a:lstStyle/>
+          <a:p>
+            <a:fld id="{6F0746BA-D1AA-4FF4-8D48-BDBC7FF48778}" type="slidenum">
+              <a:rPr lang="fr-FR" smtClean="0"/>
+              <a:t>10</a:t>
+            </a:fld>
+            <a:endParaRPr lang="fr-FR"/>
+          </a:p>
+        </p:txBody>
+      </p:sp>
+      <p:pic>
+        <p:nvPicPr>
+          <p:cNvPr id="6" name="圖片 5"/>
+          <p:cNvPicPr>
+            <a:picLocks noChangeAspect="1"/>
+          </p:cNvPicPr>
+          <p:nvPr/>
+        </p:nvPicPr>
+        <p:blipFill>
+          <a:blip r:embed="rId2">
+            <a:clrChange>
+              <a:clrFrom>
+                <a:srgbClr val="FFFFFF"/>
+              </a:clrFrom>
+              <a:clrTo>
+                <a:srgbClr val="FFFFFF">
+                  <a:alpha val="0"/>
+                </a:srgbClr>
+              </a:clrTo>
+            </a:clrChange>
+          </a:blip>
+          <a:stretch>
+            <a:fillRect/>
+          </a:stretch>
+        </p:blipFill>
+        <p:spPr>
+          <a:xfrm>
+            <a:off x="2756521" y="1"/>
+            <a:ext cx="6403767" cy="3428999"/>
+          </a:xfrm>
+          <a:prstGeom prst="rect">
+            <a:avLst/>
+          </a:prstGeom>
+        </p:spPr>
+      </p:pic>
+      <p:pic>
+        <p:nvPicPr>
+          <p:cNvPr id="7" name="圖片 6"/>
+          <p:cNvPicPr>
+            <a:picLocks noChangeAspect="1"/>
+          </p:cNvPicPr>
+          <p:nvPr/>
+        </p:nvPicPr>
+        <p:blipFill>
+          <a:blip r:embed="rId3">
+            <a:clrChange>
+              <a:clrFrom>
+                <a:srgbClr val="FFFFFF"/>
+              </a:clrFrom>
+              <a:clrTo>
+                <a:srgbClr val="FFFFFF">
+                  <a:alpha val="0"/>
+                </a:srgbClr>
+              </a:clrTo>
+            </a:clrChange>
+          </a:blip>
+          <a:stretch>
+            <a:fillRect/>
+          </a:stretch>
+        </p:blipFill>
+        <p:spPr>
+          <a:xfrm>
+            <a:off x="2821902" y="3429000"/>
+            <a:ext cx="6314271" cy="3429000"/>
+          </a:xfrm>
+          <a:prstGeom prst="rect">
+            <a:avLst/>
+          </a:prstGeom>
+        </p:spPr>
+      </p:pic>
+      <p:sp>
+        <p:nvSpPr>
+          <p:cNvPr id="8" name="文字方塊 7"/>
+          <p:cNvSpPr txBox="1"/>
+          <p:nvPr/>
+        </p:nvSpPr>
+        <p:spPr>
+          <a:xfrm>
+            <a:off x="1392867" y="1562985"/>
+            <a:ext cx="773610" cy="427425"/>
+          </a:xfrm>
+          <a:prstGeom prst="rect">
+            <a:avLst/>
+          </a:prstGeom>
+          <a:noFill/>
+        </p:spPr>
+        <p:txBody>
+          <a:bodyPr wrap="none" lIns="0" rtlCol="0" anchor="t">
+            <a:spAutoFit/>
+          </a:bodyPr>
+          <a:lstStyle/>
+          <a:p>
+            <a:pPr algn="l">
+              <a:lnSpc>
+                <a:spcPct val="120000"/>
+              </a:lnSpc>
+            </a:pPr>
+            <a:r>
+              <a:rPr lang="en-US" altLang="zh-TW" sz="2000" dirty="0" smtClean="0">
+                <a:latin typeface="Segoe UI Light" panose="020B0502040204020203" pitchFamily="34" charset="0"/>
+                <a:cs typeface="Segoe UI Light" panose="020B0502040204020203" pitchFamily="34" charset="0"/>
+              </a:rPr>
+              <a:t>Step 3</a:t>
+            </a:r>
+            <a:endParaRPr lang="zh-TW" altLang="en-US" sz="2000" dirty="0" smtClean="0">
+              <a:latin typeface="Segoe UI Light" panose="020B0502040204020203" pitchFamily="34" charset="0"/>
+              <a:cs typeface="Segoe UI Light" panose="020B0502040204020203" pitchFamily="34" charset="0"/>
+            </a:endParaRPr>
+          </a:p>
+        </p:txBody>
+      </p:sp>
+      <p:sp>
+        <p:nvSpPr>
+          <p:cNvPr id="9" name="文字方塊 8"/>
+          <p:cNvSpPr txBox="1"/>
+          <p:nvPr/>
+        </p:nvSpPr>
+        <p:spPr>
+          <a:xfrm>
+            <a:off x="1392867" y="4716075"/>
+            <a:ext cx="773610" cy="427425"/>
+          </a:xfrm>
+          <a:prstGeom prst="rect">
+            <a:avLst/>
+          </a:prstGeom>
+          <a:noFill/>
+        </p:spPr>
+        <p:txBody>
+          <a:bodyPr wrap="none" lIns="0" rtlCol="0" anchor="t">
+            <a:spAutoFit/>
+          </a:bodyPr>
+          <a:lstStyle/>
+          <a:p>
+            <a:pPr algn="l">
+              <a:lnSpc>
+                <a:spcPct val="120000"/>
+              </a:lnSpc>
+            </a:pPr>
+            <a:r>
+              <a:rPr lang="en-US" altLang="zh-TW" sz="2000" dirty="0" smtClean="0">
+                <a:latin typeface="Segoe UI Light" panose="020B0502040204020203" pitchFamily="34" charset="0"/>
+                <a:cs typeface="Segoe UI Light" panose="020B0502040204020203" pitchFamily="34" charset="0"/>
+              </a:rPr>
+              <a:t>Step 9</a:t>
+            </a:r>
+            <a:endParaRPr lang="zh-TW" altLang="en-US" sz="2000" dirty="0" smtClean="0">
+              <a:latin typeface="Segoe UI Light" panose="020B0502040204020203" pitchFamily="34" charset="0"/>
+              <a:cs typeface="Segoe UI Light" panose="020B0502040204020203" pitchFamily="34" charset="0"/>
+            </a:endParaRPr>
+          </a:p>
+        </p:txBody>
+      </p:sp>
+    </p:spTree>
+    <p:extLst>
+      <p:ext uri="{BB962C8B-B14F-4D97-AF65-F5344CB8AC3E}">
+        <p14:creationId xmlns:p14="http://schemas.microsoft.com/office/powerpoint/2010/main" val="734092546"/>
+      </p:ext>
+    </p:extLst>
+  </p:cSld>
+  <p:clrMapOvr>
+    <a:masterClrMapping/>
+  </p:clrMapOvr>
+  <mc:AlternateContent xmlns:mc="http://schemas.openxmlformats.org/markup-compatibility/2006" xmlns:p14="http://schemas.microsoft.com/office/powerpoint/2010/main">
+    <mc:Choice Requires="p14">
+      <p:transition spd="med" p14:dur="700">
+        <p:fade/>
+      </p:transition>
+    </mc:Choice>
+    <mc:Fallback xmlns="">
+      <p:transition spd="med">
+        <p:fade/>
+      </p:transition>
+    </mc:Fallback>
+  </mc:AlternateContent>
+  <p:timing>
+    <p:tnLst>
+      <p:par>
+        <p:cTn id="1" dur="indefinite" restart="never" nodeType="tmRoot"/>
+      </p:par>
+    </p:tnLst>
+  </p:timing>
+</p:sld>
+</file>
+
+<file path=ppt/slides/slide11.xml><?xml version="1.0" encoding="utf-8"?>
+<p:sld xmlns:a="http://schemas.openxmlformats.org/drawingml/2006/main" xmlns:r="http://schemas.openxmlformats.org/officeDocument/2006/relationships" xmlns:p="http://schemas.openxmlformats.org/presentationml/2006/main">
+  <p:cSld>
+    <p:spTree>
+      <p:nvGrpSpPr>
+        <p:cNvPr id="1" name=""/>
+        <p:cNvGrpSpPr/>
+        <p:nvPr/>
+      </p:nvGrpSpPr>
+      <p:grpSpPr>
+        <a:xfrm>
+          <a:off x="0" y="0"/>
+          <a:ext cx="0" cy="0"/>
+          <a:chOff x="0" y="0"/>
+          <a:chExt cx="0" cy="0"/>
+        </a:xfrm>
+      </p:grpSpPr>
+      <p:pic>
+        <p:nvPicPr>
+          <p:cNvPr id="24" name="圖片 23"/>
+          <p:cNvPicPr>
+            <a:picLocks noChangeAspect="1"/>
+          </p:cNvPicPr>
+          <p:nvPr/>
+        </p:nvPicPr>
+        <p:blipFill>
+          <a:blip r:embed="rId3">
+            <a:clrChange>
+              <a:clrFrom>
+                <a:srgbClr val="FFFFFF"/>
+              </a:clrFrom>
+              <a:clrTo>
+                <a:srgbClr val="FFFFFF">
+                  <a:alpha val="0"/>
+                </a:srgbClr>
+              </a:clrTo>
+            </a:clrChange>
+          </a:blip>
+          <a:stretch>
+            <a:fillRect/>
+          </a:stretch>
+        </p:blipFill>
+        <p:spPr>
+          <a:xfrm>
+            <a:off x="6320124" y="1906474"/>
+            <a:ext cx="5533501" cy="4144000"/>
+          </a:xfrm>
+          <a:prstGeom prst="rect">
+            <a:avLst/>
+          </a:prstGeom>
+        </p:spPr>
+      </p:pic>
+      <p:pic>
+        <p:nvPicPr>
+          <p:cNvPr id="23" name="圖片 22"/>
+          <p:cNvPicPr>
+            <a:picLocks noChangeAspect="1"/>
+          </p:cNvPicPr>
+          <p:nvPr/>
+        </p:nvPicPr>
+        <p:blipFill>
+          <a:blip r:embed="rId4">
+            <a:clrChange>
+              <a:clrFrom>
+                <a:srgbClr val="FFFFFF"/>
+              </a:clrFrom>
+              <a:clrTo>
+                <a:srgbClr val="FFFFFF">
+                  <a:alpha val="0"/>
+                </a:srgbClr>
+              </a:clrTo>
+            </a:clrChange>
+          </a:blip>
+          <a:stretch>
+            <a:fillRect/>
+          </a:stretch>
+        </p:blipFill>
+        <p:spPr>
+          <a:xfrm>
+            <a:off x="353243" y="1902804"/>
+            <a:ext cx="5533501" cy="4144000"/>
+          </a:xfrm>
+          <a:prstGeom prst="rect">
+            <a:avLst/>
+          </a:prstGeom>
+        </p:spPr>
+      </p:pic>
+      <p:sp>
+        <p:nvSpPr>
+          <p:cNvPr id="2" name="文字版面配置區 1"/>
+          <p:cNvSpPr>
+            <a:spLocks noGrp="1"/>
+          </p:cNvSpPr>
+          <p:nvPr>
+            <p:ph type="body" sz="quarter" idx="10"/>
+          </p:nvPr>
+        </p:nvSpPr>
+        <p:spPr>
+          <a:xfrm>
+            <a:off x="839788" y="660400"/>
+            <a:ext cx="6900714" cy="2048766"/>
+          </a:xfrm>
+        </p:spPr>
+        <p:txBody>
+          <a:bodyPr/>
+          <a:lstStyle/>
+          <a:p>
+            <a:r>
+              <a:rPr lang="en-US" altLang="zh-TW" dirty="0">
+                <a:latin typeface="Segoe UI Light" panose="020B0502040204020203" pitchFamily="34" charset="0"/>
+                <a:cs typeface="Segoe UI Light" panose="020B0502040204020203" pitchFamily="34" charset="0"/>
+              </a:rPr>
+              <a:t>Modal Pushover Analysis</a:t>
+            </a:r>
+            <a:endParaRPr lang="zh-TW" altLang="en-US" dirty="0">
+              <a:latin typeface="Segoe UI Light" panose="020B0502040204020203" pitchFamily="34" charset="0"/>
+              <a:cs typeface="Segoe UI Light" panose="020B0502040204020203" pitchFamily="34" charset="0"/>
+            </a:endParaRPr>
+          </a:p>
+          <a:p>
+            <a:endParaRPr lang="zh-TW" altLang="en-US" dirty="0"/>
+          </a:p>
+        </p:txBody>
+      </p:sp>
+      <p:sp>
+        <p:nvSpPr>
+          <p:cNvPr id="3" name="投影片編號版面配置區 2"/>
+          <p:cNvSpPr>
+            <a:spLocks noGrp="1"/>
+          </p:cNvSpPr>
+          <p:nvPr>
+            <p:ph type="sldNum" sz="quarter" idx="4"/>
+          </p:nvPr>
+        </p:nvSpPr>
+        <p:spPr/>
+        <p:txBody>
+          <a:bodyPr/>
+          <a:lstStyle/>
+          <a:p>
+            <a:fld id="{6F0746BA-D1AA-4FF4-8D48-BDBC7FF48778}" type="slidenum">
+              <a:rPr lang="fr-FR" smtClean="0"/>
+              <a:t>11</a:t>
+            </a:fld>
+            <a:endParaRPr lang="fr-FR" dirty="0"/>
+          </a:p>
+        </p:txBody>
+      </p:sp>
+      <p:graphicFrame>
+        <p:nvGraphicFramePr>
+          <p:cNvPr id="12" name="物件 11"/>
+          <p:cNvGraphicFramePr>
+            <a:graphicFrameLocks noChangeAspect="1"/>
+          </p:cNvGraphicFramePr>
+          <p:nvPr>
+            <p:extLst>
+              <p:ext uri="{D42A27DB-BD31-4B8C-83A1-F6EECF244321}">
+                <p14:modId xmlns:p14="http://schemas.microsoft.com/office/powerpoint/2010/main" val="4196577559"/>
+              </p:ext>
+            </p:extLst>
+          </p:nvPr>
+        </p:nvGraphicFramePr>
+        <p:xfrm>
+          <a:off x="1998663" y="2967038"/>
+          <a:ext cx="1003300" cy="241300"/>
+        </p:xfrm>
+        <a:graphic>
+          <a:graphicData uri="http://schemas.openxmlformats.org/presentationml/2006/ole">
+            <mc:AlternateContent xmlns:mc="http://schemas.openxmlformats.org/markup-compatibility/2006">
+              <mc:Choice xmlns:v="urn:schemas-microsoft-com:vml" Requires="v">
+                <p:oleObj spid="_x0000_s2134" name="Equation" r:id="rId5" imgW="1002960" imgH="241200" progId="Equation.DSMT4">
+                  <p:embed/>
+                </p:oleObj>
+              </mc:Choice>
+              <mc:Fallback>
+                <p:oleObj name="Equation" r:id="rId5" imgW="1002960" imgH="241200" progId="Equation.DSMT4">
+                  <p:embed/>
+                  <p:pic>
+                    <p:nvPicPr>
+                      <p:cNvPr id="6" name="物件 5"/>
+                      <p:cNvPicPr/>
+                      <p:nvPr/>
+                    </p:nvPicPr>
+                    <p:blipFill>
+                      <a:blip r:embed="rId6"/>
+                      <a:stretch>
+                        <a:fillRect/>
+                      </a:stretch>
+                    </p:blipFill>
+                    <p:spPr>
+                      <a:xfrm>
+                        <a:off x="1998663" y="2967038"/>
+                        <a:ext cx="1003300" cy="241300"/>
+                      </a:xfrm>
+                      <a:prstGeom prst="rect">
+                        <a:avLst/>
+                      </a:prstGeom>
+                    </p:spPr>
+                  </p:pic>
+                </p:oleObj>
+              </mc:Fallback>
+            </mc:AlternateContent>
+          </a:graphicData>
+        </a:graphic>
+      </p:graphicFrame>
+      <p:graphicFrame>
+        <p:nvGraphicFramePr>
+          <p:cNvPr id="13" name="物件 12"/>
+          <p:cNvGraphicFramePr>
+            <a:graphicFrameLocks noChangeAspect="1"/>
+          </p:cNvGraphicFramePr>
+          <p:nvPr>
+            <p:extLst>
+              <p:ext uri="{D42A27DB-BD31-4B8C-83A1-F6EECF244321}">
+                <p14:modId xmlns:p14="http://schemas.microsoft.com/office/powerpoint/2010/main" val="2602679641"/>
+              </p:ext>
+            </p:extLst>
+          </p:nvPr>
+        </p:nvGraphicFramePr>
+        <p:xfrm>
+          <a:off x="3132138" y="2468563"/>
+          <a:ext cx="876300" cy="241300"/>
+        </p:xfrm>
+        <a:graphic>
+          <a:graphicData uri="http://schemas.openxmlformats.org/presentationml/2006/ole">
+            <mc:AlternateContent xmlns:mc="http://schemas.openxmlformats.org/markup-compatibility/2006">
+              <mc:Choice xmlns:v="urn:schemas-microsoft-com:vml" Requires="v">
+                <p:oleObj spid="_x0000_s2135" name="Equation" r:id="rId7" imgW="876240" imgH="241200" progId="Equation.DSMT4">
+                  <p:embed/>
+                </p:oleObj>
+              </mc:Choice>
+              <mc:Fallback>
+                <p:oleObj name="Equation" r:id="rId7" imgW="876240" imgH="241200" progId="Equation.DSMT4">
+                  <p:embed/>
+                  <p:pic>
+                    <p:nvPicPr>
+                      <p:cNvPr id="7" name="物件 6"/>
+                      <p:cNvPicPr/>
+                      <p:nvPr/>
+                    </p:nvPicPr>
+                    <p:blipFill>
+                      <a:blip r:embed="rId8"/>
+                      <a:stretch>
+                        <a:fillRect/>
+                      </a:stretch>
+                    </p:blipFill>
+                    <p:spPr>
+                      <a:xfrm>
+                        <a:off x="3132138" y="2468563"/>
+                        <a:ext cx="876300" cy="241300"/>
+                      </a:xfrm>
+                      <a:prstGeom prst="rect">
+                        <a:avLst/>
+                      </a:prstGeom>
+                    </p:spPr>
+                  </p:pic>
+                </p:oleObj>
+              </mc:Fallback>
+            </mc:AlternateContent>
+          </a:graphicData>
+        </a:graphic>
+      </p:graphicFrame>
+      <p:graphicFrame>
+        <p:nvGraphicFramePr>
+          <p:cNvPr id="14" name="物件 13"/>
+          <p:cNvGraphicFramePr>
+            <a:graphicFrameLocks noChangeAspect="1"/>
+          </p:cNvGraphicFramePr>
+          <p:nvPr>
+            <p:extLst>
+              <p:ext uri="{D42A27DB-BD31-4B8C-83A1-F6EECF244321}">
+                <p14:modId xmlns:p14="http://schemas.microsoft.com/office/powerpoint/2010/main" val="138284910"/>
+              </p:ext>
+            </p:extLst>
+          </p:nvPr>
+        </p:nvGraphicFramePr>
+        <p:xfrm>
+          <a:off x="5921060" y="4762647"/>
+          <a:ext cx="1028700" cy="241300"/>
+        </p:xfrm>
+        <a:graphic>
+          <a:graphicData uri="http://schemas.openxmlformats.org/presentationml/2006/ole">
+            <mc:AlternateContent xmlns:mc="http://schemas.openxmlformats.org/markup-compatibility/2006">
+              <mc:Choice xmlns:v="urn:schemas-microsoft-com:vml" Requires="v">
+                <p:oleObj spid="_x0000_s2136" name="Equation" r:id="rId9" imgW="1028520" imgH="241200" progId="Equation.DSMT4">
+                  <p:embed/>
+                </p:oleObj>
+              </mc:Choice>
+              <mc:Fallback>
+                <p:oleObj name="Equation" r:id="rId9" imgW="1028520" imgH="241200" progId="Equation.DSMT4">
+                  <p:embed/>
+                  <p:pic>
+                    <p:nvPicPr>
+                      <p:cNvPr id="12" name="物件 11"/>
+                      <p:cNvPicPr/>
+                      <p:nvPr/>
+                    </p:nvPicPr>
+                    <p:blipFill>
+                      <a:blip r:embed="rId10"/>
+                      <a:stretch>
+                        <a:fillRect/>
+                      </a:stretch>
+                    </p:blipFill>
+                    <p:spPr>
+                      <a:xfrm>
+                        <a:off x="5921060" y="4762647"/>
+                        <a:ext cx="1028700" cy="241300"/>
+                      </a:xfrm>
+                      <a:prstGeom prst="rect">
+                        <a:avLst/>
+                      </a:prstGeom>
+                    </p:spPr>
+                  </p:pic>
+                </p:oleObj>
+              </mc:Fallback>
+            </mc:AlternateContent>
+          </a:graphicData>
+        </a:graphic>
+      </p:graphicFrame>
+      <p:graphicFrame>
+        <p:nvGraphicFramePr>
+          <p:cNvPr id="15" name="物件 14"/>
+          <p:cNvGraphicFramePr>
+            <a:graphicFrameLocks noChangeAspect="1"/>
+          </p:cNvGraphicFramePr>
+          <p:nvPr>
+            <p:extLst>
+              <p:ext uri="{D42A27DB-BD31-4B8C-83A1-F6EECF244321}">
+                <p14:modId xmlns:p14="http://schemas.microsoft.com/office/powerpoint/2010/main" val="3354505892"/>
+              </p:ext>
+            </p:extLst>
+          </p:nvPr>
+        </p:nvGraphicFramePr>
+        <p:xfrm>
+          <a:off x="7369175" y="4252913"/>
+          <a:ext cx="914400" cy="241300"/>
+        </p:xfrm>
+        <a:graphic>
+          <a:graphicData uri="http://schemas.openxmlformats.org/presentationml/2006/ole">
+            <mc:AlternateContent xmlns:mc="http://schemas.openxmlformats.org/markup-compatibility/2006">
+              <mc:Choice xmlns:v="urn:schemas-microsoft-com:vml" Requires="v">
+                <p:oleObj spid="_x0000_s2137" name="Equation" r:id="rId11" imgW="914400" imgH="241200" progId="Equation.DSMT4">
+                  <p:embed/>
+                </p:oleObj>
+              </mc:Choice>
+              <mc:Fallback>
+                <p:oleObj name="Equation" r:id="rId11" imgW="914400" imgH="241200" progId="Equation.DSMT4">
+                  <p:embed/>
+                  <p:pic>
+                    <p:nvPicPr>
+                      <p:cNvPr id="13" name="物件 12"/>
+                      <p:cNvPicPr/>
+                      <p:nvPr/>
+                    </p:nvPicPr>
+                    <p:blipFill>
+                      <a:blip r:embed="rId12"/>
+                      <a:stretch>
+                        <a:fillRect/>
+                      </a:stretch>
+                    </p:blipFill>
+                    <p:spPr>
+                      <a:xfrm>
+                        <a:off x="7369175" y="4252913"/>
+                        <a:ext cx="914400" cy="241300"/>
+                      </a:xfrm>
+                      <a:prstGeom prst="rect">
+                        <a:avLst/>
+                      </a:prstGeom>
+                    </p:spPr>
+                  </p:pic>
+                </p:oleObj>
+              </mc:Fallback>
+            </mc:AlternateContent>
+          </a:graphicData>
+        </a:graphic>
+      </p:graphicFrame>
+      <p:graphicFrame>
+        <p:nvGraphicFramePr>
+          <p:cNvPr id="16" name="物件 15"/>
+          <p:cNvGraphicFramePr>
+            <a:graphicFrameLocks noChangeAspect="1"/>
+          </p:cNvGraphicFramePr>
+          <p:nvPr>
+            <p:extLst>
+              <p:ext uri="{D42A27DB-BD31-4B8C-83A1-F6EECF244321}">
+                <p14:modId xmlns:p14="http://schemas.microsoft.com/office/powerpoint/2010/main" val="947274777"/>
+              </p:ext>
+            </p:extLst>
+          </p:nvPr>
+        </p:nvGraphicFramePr>
+        <p:xfrm>
+          <a:off x="9793570" y="906243"/>
+          <a:ext cx="1003300" cy="241300"/>
+        </p:xfrm>
+        <a:graphic>
+          <a:graphicData uri="http://schemas.openxmlformats.org/presentationml/2006/ole">
+            <mc:AlternateContent xmlns:mc="http://schemas.openxmlformats.org/markup-compatibility/2006">
+              <mc:Choice xmlns:v="urn:schemas-microsoft-com:vml" Requires="v">
+                <p:oleObj spid="_x0000_s2138" name="Equation" r:id="rId13" imgW="1002960" imgH="241200" progId="Equation.DSMT4">
+                  <p:embed/>
+                </p:oleObj>
+              </mc:Choice>
+              <mc:Fallback>
+                <p:oleObj name="Equation" r:id="rId13" imgW="1002960" imgH="241200" progId="Equation.DSMT4">
+                  <p:embed/>
+                  <p:pic>
+                    <p:nvPicPr>
+                      <p:cNvPr id="12" name="物件 11"/>
+                      <p:cNvPicPr/>
+                      <p:nvPr/>
+                    </p:nvPicPr>
+                    <p:blipFill>
+                      <a:blip r:embed="rId14"/>
+                      <a:stretch>
+                        <a:fillRect/>
+                      </a:stretch>
+                    </p:blipFill>
+                    <p:spPr>
+                      <a:xfrm>
+                        <a:off x="9793570" y="906243"/>
+                        <a:ext cx="1003300" cy="241300"/>
+                      </a:xfrm>
+                      <a:prstGeom prst="rect">
+                        <a:avLst/>
+                      </a:prstGeom>
+                    </p:spPr>
+                  </p:pic>
+                </p:oleObj>
+              </mc:Fallback>
+            </mc:AlternateContent>
+          </a:graphicData>
+        </a:graphic>
+      </p:graphicFrame>
+      <p:graphicFrame>
+        <p:nvGraphicFramePr>
+          <p:cNvPr id="17" name="物件 16"/>
+          <p:cNvGraphicFramePr>
+            <a:graphicFrameLocks noChangeAspect="1"/>
+          </p:cNvGraphicFramePr>
+          <p:nvPr>
+            <p:extLst>
+              <p:ext uri="{D42A27DB-BD31-4B8C-83A1-F6EECF244321}">
+                <p14:modId xmlns:p14="http://schemas.microsoft.com/office/powerpoint/2010/main" val="1333083113"/>
+              </p:ext>
+            </p:extLst>
+          </p:nvPr>
+        </p:nvGraphicFramePr>
+        <p:xfrm>
+          <a:off x="9812338" y="1411288"/>
+          <a:ext cx="876300" cy="241300"/>
+        </p:xfrm>
+        <a:graphic>
+          <a:graphicData uri="http://schemas.openxmlformats.org/presentationml/2006/ole">
+            <mc:AlternateContent xmlns:mc="http://schemas.openxmlformats.org/markup-compatibility/2006">
+              <mc:Choice xmlns:v="urn:schemas-microsoft-com:vml" Requires="v">
+                <p:oleObj spid="_x0000_s2139" name="Equation" r:id="rId15" imgW="876240" imgH="241200" progId="Equation.DSMT4">
+                  <p:embed/>
+                </p:oleObj>
+              </mc:Choice>
+              <mc:Fallback>
+                <p:oleObj name="Equation" r:id="rId15" imgW="876240" imgH="241200" progId="Equation.DSMT4">
+                  <p:embed/>
+                  <p:pic>
+                    <p:nvPicPr>
+                      <p:cNvPr id="13" name="物件 12"/>
+                      <p:cNvPicPr/>
+                      <p:nvPr/>
+                    </p:nvPicPr>
+                    <p:blipFill>
+                      <a:blip r:embed="rId16"/>
+                      <a:stretch>
+                        <a:fillRect/>
+                      </a:stretch>
+                    </p:blipFill>
+                    <p:spPr>
+                      <a:xfrm>
+                        <a:off x="9812338" y="1411288"/>
+                        <a:ext cx="876300" cy="241300"/>
+                      </a:xfrm>
+                      <a:prstGeom prst="rect">
+                        <a:avLst/>
+                      </a:prstGeom>
+                    </p:spPr>
+                  </p:pic>
+                </p:oleObj>
+              </mc:Fallback>
+            </mc:AlternateContent>
+          </a:graphicData>
+        </a:graphic>
+      </p:graphicFrame>
+      <p:graphicFrame>
+        <p:nvGraphicFramePr>
+          <p:cNvPr id="18" name="物件 17"/>
+          <p:cNvGraphicFramePr>
+            <a:graphicFrameLocks noChangeAspect="1"/>
+          </p:cNvGraphicFramePr>
+          <p:nvPr>
+            <p:extLst>
+              <p:ext uri="{D42A27DB-BD31-4B8C-83A1-F6EECF244321}">
+                <p14:modId xmlns:p14="http://schemas.microsoft.com/office/powerpoint/2010/main" val="305654316"/>
+              </p:ext>
+            </p:extLst>
+          </p:nvPr>
+        </p:nvGraphicFramePr>
+        <p:xfrm>
+          <a:off x="8144890" y="1134024"/>
+          <a:ext cx="609600" cy="241300"/>
+        </p:xfrm>
+        <a:graphic>
+          <a:graphicData uri="http://schemas.openxmlformats.org/presentationml/2006/ole">
+            <mc:AlternateContent xmlns:mc="http://schemas.openxmlformats.org/markup-compatibility/2006">
+              <mc:Choice xmlns:v="urn:schemas-microsoft-com:vml" Requires="v">
+                <p:oleObj spid="_x0000_s2140" name="Equation" r:id="rId17" imgW="609480" imgH="241200" progId="Equation.DSMT4">
+                  <p:embed/>
+                </p:oleObj>
+              </mc:Choice>
+              <mc:Fallback>
+                <p:oleObj name="Equation" r:id="rId17" imgW="609480" imgH="241200" progId="Equation.DSMT4">
+                  <p:embed/>
+                  <p:pic>
+                    <p:nvPicPr>
+                      <p:cNvPr id="0" name=""/>
+                      <p:cNvPicPr/>
+                      <p:nvPr/>
+                    </p:nvPicPr>
+                    <p:blipFill>
+                      <a:blip r:embed="rId18"/>
+                      <a:stretch>
+                        <a:fillRect/>
+                      </a:stretch>
+                    </p:blipFill>
+                    <p:spPr>
+                      <a:xfrm>
+                        <a:off x="8144890" y="1134024"/>
+                        <a:ext cx="609600" cy="241300"/>
+                      </a:xfrm>
+                      <a:prstGeom prst="rect">
+                        <a:avLst/>
+                      </a:prstGeom>
+                    </p:spPr>
+                  </p:pic>
+                </p:oleObj>
+              </mc:Fallback>
+            </mc:AlternateContent>
+          </a:graphicData>
+        </a:graphic>
+      </p:graphicFrame>
+      <p:cxnSp>
+        <p:nvCxnSpPr>
+          <p:cNvPr id="22" name="直線單箭頭接點 21"/>
+          <p:cNvCxnSpPr/>
+          <p:nvPr/>
+        </p:nvCxnSpPr>
+        <p:spPr>
+          <a:xfrm>
+            <a:off x="8941982" y="1254674"/>
+            <a:ext cx="574158" cy="0"/>
+          </a:xfrm>
+          <a:prstGeom prst="straightConnector1">
+            <a:avLst/>
+          </a:prstGeom>
+          <a:ln>
+            <a:solidFill>
+              <a:schemeClr val="tx1"/>
+            </a:solidFill>
+            <a:tailEnd type="triangle"/>
+          </a:ln>
+        </p:spPr>
+        <p:style>
+          <a:lnRef idx="1">
+            <a:schemeClr val="accent1"/>
+          </a:lnRef>
+          <a:fillRef idx="0">
+            <a:schemeClr val="accent1"/>
+          </a:fillRef>
+          <a:effectRef idx="0">
+            <a:schemeClr val="accent1"/>
+          </a:effectRef>
+          <a:fontRef idx="minor">
+            <a:schemeClr val="tx1"/>
+          </a:fontRef>
+        </p:style>
+      </p:cxnSp>
+    </p:spTree>
+    <p:extLst>
+      <p:ext uri="{BB962C8B-B14F-4D97-AF65-F5344CB8AC3E}">
+        <p14:creationId xmlns:p14="http://schemas.microsoft.com/office/powerpoint/2010/main" val="4167026960"/>
+      </p:ext>
+    </p:extLst>
+  </p:cSld>
+  <p:clrMapOvr>
+    <a:masterClrMapping/>
+  </p:clrMapOvr>
+  <mc:AlternateContent xmlns:mc="http://schemas.openxmlformats.org/markup-compatibility/2006" xmlns:p14="http://schemas.microsoft.com/office/powerpoint/2010/main">
+    <mc:Choice Requires="p14">
+      <p:transition spd="med" p14:dur="700">
+        <p:fade/>
+      </p:transition>
+    </mc:Choice>
+    <mc:Fallback xmlns="">
+      <p:transition spd="med">
+        <p:fade/>
+      </p:transition>
+    </mc:Fallback>
+  </mc:AlternateContent>
+  <p:timing>
+    <p:tnLst>
+      <p:par>
+        <p:cTn id="1" dur="indefinite" restart="never" nodeType="tmRoot"/>
+      </p:par>
+    </p:tnLst>
+  </p:timing>
+</p:sld>
+</file>
+
+<file path=ppt/slides/slide12.xml><?xml version="1.0" encoding="utf-8"?>
+<p:sld xmlns:a="http://schemas.openxmlformats.org/drawingml/2006/main" xmlns:r="http://schemas.openxmlformats.org/officeDocument/2006/relationships" xmlns:p="http://schemas.openxmlformats.org/presentationml/2006/main">
+  <p:cSld>
+    <p:spTree>
+      <p:nvGrpSpPr>
+        <p:cNvPr id="1" name=""/>
+        <p:cNvGrpSpPr/>
+        <p:nvPr/>
+      </p:nvGrpSpPr>
+      <p:grpSpPr>
+        <a:xfrm>
+          <a:off x="0" y="0"/>
+          <a:ext cx="0" cy="0"/>
+          <a:chOff x="0" y="0"/>
+          <a:chExt cx="0" cy="0"/>
+        </a:xfrm>
+      </p:grpSpPr>
+      <p:pic>
+        <p:nvPicPr>
+          <p:cNvPr id="10" name="圖片 9"/>
+          <p:cNvPicPr>
+            <a:picLocks noChangeAspect="1"/>
+          </p:cNvPicPr>
+          <p:nvPr/>
+        </p:nvPicPr>
+        <p:blipFill>
+          <a:blip r:embed="rId3">
+            <a:clrChange>
+              <a:clrFrom>
+                <a:srgbClr val="FFFFFF"/>
+              </a:clrFrom>
+              <a:clrTo>
+                <a:srgbClr val="FFFFFF">
+                  <a:alpha val="0"/>
+                </a:srgbClr>
+              </a:clrTo>
+            </a:clrChange>
+          </a:blip>
+          <a:stretch>
+            <a:fillRect/>
+          </a:stretch>
+        </p:blipFill>
+        <p:spPr>
+          <a:xfrm>
+            <a:off x="6316997" y="1909893"/>
+            <a:ext cx="5533501" cy="4144000"/>
+          </a:xfrm>
+          <a:prstGeom prst="rect">
+            <a:avLst/>
+          </a:prstGeom>
+        </p:spPr>
+      </p:pic>
+      <p:sp>
+        <p:nvSpPr>
+          <p:cNvPr id="2" name="文字版面配置區 1"/>
+          <p:cNvSpPr>
+            <a:spLocks noGrp="1"/>
+          </p:cNvSpPr>
+          <p:nvPr>
+            <p:ph type="body" sz="quarter" idx="10"/>
+          </p:nvPr>
+        </p:nvSpPr>
+        <p:spPr/>
+        <p:txBody>
+          <a:bodyPr/>
+          <a:lstStyle/>
+          <a:p>
+            <a:r>
+              <a:rPr lang="en-US" altLang="zh-TW" dirty="0" smtClean="0"/>
+              <a:t>Multiple Hinges</a:t>
+            </a:r>
+            <a:endParaRPr lang="zh-TW" altLang="en-US" dirty="0"/>
+          </a:p>
+        </p:txBody>
+      </p:sp>
+      <p:sp>
+        <p:nvSpPr>
+          <p:cNvPr id="3" name="投影片編號版面配置區 2"/>
+          <p:cNvSpPr>
+            <a:spLocks noGrp="1"/>
+          </p:cNvSpPr>
+          <p:nvPr>
+            <p:ph type="sldNum" sz="quarter" idx="4"/>
+          </p:nvPr>
+        </p:nvSpPr>
+        <p:spPr/>
+        <p:txBody>
+          <a:bodyPr/>
+          <a:lstStyle/>
+          <a:p>
+            <a:fld id="{6F0746BA-D1AA-4FF4-8D48-BDBC7FF48778}" type="slidenum">
+              <a:rPr lang="fr-FR" smtClean="0"/>
+              <a:t>12</a:t>
+            </a:fld>
+            <a:endParaRPr lang="fr-FR"/>
+          </a:p>
+        </p:txBody>
+      </p:sp>
+      <p:graphicFrame>
+        <p:nvGraphicFramePr>
+          <p:cNvPr id="7" name="物件 6"/>
+          <p:cNvGraphicFramePr>
+            <a:graphicFrameLocks noChangeAspect="1"/>
+          </p:cNvGraphicFramePr>
+          <p:nvPr>
+            <p:extLst>
+              <p:ext uri="{D42A27DB-BD31-4B8C-83A1-F6EECF244321}">
+                <p14:modId xmlns:p14="http://schemas.microsoft.com/office/powerpoint/2010/main" val="4108171258"/>
+              </p:ext>
+            </p:extLst>
+          </p:nvPr>
+        </p:nvGraphicFramePr>
+        <p:xfrm>
+          <a:off x="7958138" y="2671763"/>
+          <a:ext cx="1016000" cy="241300"/>
+        </p:xfrm>
+        <a:graphic>
+          <a:graphicData uri="http://schemas.openxmlformats.org/presentationml/2006/ole">
+            <mc:AlternateContent xmlns:mc="http://schemas.openxmlformats.org/markup-compatibility/2006">
+              <mc:Choice xmlns:v="urn:schemas-microsoft-com:vml" Requires="v">
+                <p:oleObj spid="_x0000_s3096" name="Equation" r:id="rId4" imgW="1015920" imgH="241200" progId="Equation.DSMT4">
+                  <p:embed/>
+                </p:oleObj>
+              </mc:Choice>
+              <mc:Fallback>
+                <p:oleObj name="Equation" r:id="rId4" imgW="1015920" imgH="241200" progId="Equation.DSMT4">
+                  <p:embed/>
+                  <p:pic>
+                    <p:nvPicPr>
+                      <p:cNvPr id="16" name="物件 15"/>
+                      <p:cNvPicPr/>
+                      <p:nvPr/>
+                    </p:nvPicPr>
+                    <p:blipFill>
+                      <a:blip r:embed="rId5"/>
+                      <a:stretch>
+                        <a:fillRect/>
+                      </a:stretch>
+                    </p:blipFill>
+                    <p:spPr>
+                      <a:xfrm>
+                        <a:off x="7958138" y="2671763"/>
+                        <a:ext cx="1016000" cy="241300"/>
+                      </a:xfrm>
+                      <a:prstGeom prst="rect">
+                        <a:avLst/>
+                      </a:prstGeom>
+                    </p:spPr>
+                  </p:pic>
+                </p:oleObj>
+              </mc:Fallback>
+            </mc:AlternateContent>
+          </a:graphicData>
+        </a:graphic>
+      </p:graphicFrame>
+      <p:graphicFrame>
+        <p:nvGraphicFramePr>
+          <p:cNvPr id="8" name="物件 7"/>
+          <p:cNvGraphicFramePr>
+            <a:graphicFrameLocks noChangeAspect="1"/>
+          </p:cNvGraphicFramePr>
+          <p:nvPr>
+            <p:extLst>
+              <p:ext uri="{D42A27DB-BD31-4B8C-83A1-F6EECF244321}">
+                <p14:modId xmlns:p14="http://schemas.microsoft.com/office/powerpoint/2010/main" val="1543588508"/>
+              </p:ext>
+            </p:extLst>
+          </p:nvPr>
+        </p:nvGraphicFramePr>
+        <p:xfrm>
+          <a:off x="9812338" y="3121025"/>
+          <a:ext cx="876300" cy="241300"/>
+        </p:xfrm>
+        <a:graphic>
+          <a:graphicData uri="http://schemas.openxmlformats.org/presentationml/2006/ole">
+            <mc:AlternateContent xmlns:mc="http://schemas.openxmlformats.org/markup-compatibility/2006">
+              <mc:Choice xmlns:v="urn:schemas-microsoft-com:vml" Requires="v">
+                <p:oleObj spid="_x0000_s3097" name="Equation" r:id="rId6" imgW="876240" imgH="241200" progId="Equation.DSMT4">
+                  <p:embed/>
+                </p:oleObj>
+              </mc:Choice>
+              <mc:Fallback>
+                <p:oleObj name="Equation" r:id="rId6" imgW="876240" imgH="241200" progId="Equation.DSMT4">
+                  <p:embed/>
+                  <p:pic>
+                    <p:nvPicPr>
+                      <p:cNvPr id="17" name="物件 16"/>
+                      <p:cNvPicPr/>
+                      <p:nvPr/>
+                    </p:nvPicPr>
+                    <p:blipFill>
+                      <a:blip r:embed="rId7"/>
+                      <a:stretch>
+                        <a:fillRect/>
+                      </a:stretch>
+                    </p:blipFill>
+                    <p:spPr>
+                      <a:xfrm>
+                        <a:off x="9812338" y="3121025"/>
+                        <a:ext cx="876300" cy="241300"/>
+                      </a:xfrm>
+                      <a:prstGeom prst="rect">
+                        <a:avLst/>
+                      </a:prstGeom>
+                    </p:spPr>
+                  </p:pic>
+                </p:oleObj>
+              </mc:Fallback>
+            </mc:AlternateContent>
+          </a:graphicData>
+        </a:graphic>
+      </p:graphicFrame>
+      <p:pic>
+        <p:nvPicPr>
+          <p:cNvPr id="9" name="圖片 8"/>
+          <p:cNvPicPr>
+            <a:picLocks noChangeAspect="1"/>
+          </p:cNvPicPr>
+          <p:nvPr/>
+        </p:nvPicPr>
+        <p:blipFill>
+          <a:blip r:embed="rId8">
+            <a:clrChange>
+              <a:clrFrom>
+                <a:srgbClr val="FFFFFF"/>
+              </a:clrFrom>
+              <a:clrTo>
+                <a:srgbClr val="FFFFFF">
+                  <a:alpha val="0"/>
+                </a:srgbClr>
+              </a:clrTo>
+            </a:clrChange>
+          </a:blip>
+          <a:stretch>
+            <a:fillRect/>
+          </a:stretch>
+        </p:blipFill>
+        <p:spPr>
+          <a:xfrm>
+            <a:off x="9465" y="2554937"/>
+            <a:ext cx="6086535" cy="3370090"/>
+          </a:xfrm>
+          <a:prstGeom prst="rect">
+            <a:avLst/>
+          </a:prstGeom>
+        </p:spPr>
+      </p:pic>
+    </p:spTree>
+    <p:extLst>
+      <p:ext uri="{BB962C8B-B14F-4D97-AF65-F5344CB8AC3E}">
+        <p14:creationId xmlns:p14="http://schemas.microsoft.com/office/powerpoint/2010/main" val="875753245"/>
+      </p:ext>
+    </p:extLst>
+  </p:cSld>
+  <p:clrMapOvr>
+    <a:masterClrMapping/>
+  </p:clrMapOvr>
+  <mc:AlternateContent xmlns:mc="http://schemas.openxmlformats.org/markup-compatibility/2006" xmlns:p14="http://schemas.microsoft.com/office/powerpoint/2010/main">
+    <mc:Choice Requires="p14">
+      <p:transition spd="med" p14:dur="700">
+        <p:fade/>
+      </p:transition>
+    </mc:Choice>
+    <mc:Fallback xmlns="">
+      <p:transition spd="med">
+        <p:fade/>
+      </p:transition>
+    </mc:Fallback>
+  </mc:AlternateContent>
+  <p:timing>
+    <p:tnLst>
+      <p:par>
+        <p:cTn id="1" dur="indefinite" restart="never" nodeType="tmRoot"/>
+      </p:par>
+    </p:tnLst>
+  </p:timing>
+</p:sld>
+</file>
+
+<file path=ppt/slides/slide13.xml><?xml version="1.0" encoding="utf-8"?>
+<p:sld xmlns:a="http://schemas.openxmlformats.org/drawingml/2006/main" xmlns:r="http://schemas.openxmlformats.org/officeDocument/2006/relationships" xmlns:p="http://schemas.openxmlformats.org/presentationml/2006/main">
+  <p:cSld>
+    <p:spTree>
+      <p:nvGrpSpPr>
+        <p:cNvPr id="1" name=""/>
+        <p:cNvGrpSpPr/>
+        <p:nvPr/>
+      </p:nvGrpSpPr>
+      <p:grpSpPr>
+        <a:xfrm>
+          <a:off x="0" y="0"/>
+          <a:ext cx="0" cy="0"/>
+          <a:chOff x="0" y="0"/>
+          <a:chExt cx="0" cy="0"/>
+        </a:xfrm>
+      </p:grpSpPr>
+      <p:pic>
+        <p:nvPicPr>
+          <p:cNvPr id="6" name="圖片 5"/>
+          <p:cNvPicPr>
+            <a:picLocks noChangeAspect="1"/>
+          </p:cNvPicPr>
+          <p:nvPr/>
+        </p:nvPicPr>
+        <p:blipFill>
+          <a:blip r:embed="rId3">
+            <a:clrChange>
+              <a:clrFrom>
+                <a:srgbClr val="FFFFFF"/>
+              </a:clrFrom>
+              <a:clrTo>
+                <a:srgbClr val="FFFFFF">
+                  <a:alpha val="0"/>
+                </a:srgbClr>
+              </a:clrTo>
+            </a:clrChange>
+          </a:blip>
+          <a:stretch>
+            <a:fillRect/>
+          </a:stretch>
+        </p:blipFill>
+        <p:spPr>
+          <a:xfrm>
+            <a:off x="352617" y="1909887"/>
+            <a:ext cx="5533501" cy="4144000"/>
+          </a:xfrm>
+          <a:prstGeom prst="rect">
+            <a:avLst/>
+          </a:prstGeom>
+        </p:spPr>
+      </p:pic>
+      <p:pic>
+        <p:nvPicPr>
+          <p:cNvPr id="7" name="圖片 6"/>
+          <p:cNvPicPr>
+            <a:picLocks noChangeAspect="1"/>
+          </p:cNvPicPr>
+          <p:nvPr/>
+        </p:nvPicPr>
+        <p:blipFill>
+          <a:blip r:embed="rId4">
+            <a:clrChange>
+              <a:clrFrom>
+                <a:srgbClr val="FFFFFF"/>
+              </a:clrFrom>
+              <a:clrTo>
+                <a:srgbClr val="FFFFFF">
+                  <a:alpha val="0"/>
+                </a:srgbClr>
+              </a:clrTo>
+            </a:clrChange>
+          </a:blip>
+          <a:stretch>
+            <a:fillRect/>
+          </a:stretch>
+        </p:blipFill>
+        <p:spPr>
+          <a:xfrm>
+            <a:off x="6324083" y="1901768"/>
+            <a:ext cx="5533501" cy="4144000"/>
+          </a:xfrm>
+          <a:prstGeom prst="rect">
+            <a:avLst/>
+          </a:prstGeom>
+        </p:spPr>
+      </p:pic>
+      <p:sp>
+        <p:nvSpPr>
+          <p:cNvPr id="2" name="文字版面配置區 1"/>
+          <p:cNvSpPr>
+            <a:spLocks noGrp="1"/>
+          </p:cNvSpPr>
+          <p:nvPr>
+            <p:ph type="body" sz="quarter" idx="10"/>
+          </p:nvPr>
+        </p:nvSpPr>
+        <p:spPr>
+          <a:xfrm>
+            <a:off x="839788" y="660400"/>
+            <a:ext cx="6900714" cy="2048766"/>
+          </a:xfrm>
+        </p:spPr>
+        <p:txBody>
+          <a:bodyPr/>
+          <a:lstStyle/>
+          <a:p>
+            <a:r>
+              <a:rPr lang="en-US" altLang="zh-TW" dirty="0">
+                <a:latin typeface="Segoe UI Light" panose="020B0502040204020203" pitchFamily="34" charset="0"/>
+                <a:cs typeface="Segoe UI Light" panose="020B0502040204020203" pitchFamily="34" charset="0"/>
+              </a:rPr>
+              <a:t>Modal Pushover Analysis</a:t>
+            </a:r>
+            <a:endParaRPr lang="zh-TW" altLang="en-US" dirty="0">
+              <a:latin typeface="Segoe UI Light" panose="020B0502040204020203" pitchFamily="34" charset="0"/>
+              <a:cs typeface="Segoe UI Light" panose="020B0502040204020203" pitchFamily="34" charset="0"/>
+            </a:endParaRPr>
+          </a:p>
+          <a:p>
+            <a:endParaRPr lang="zh-TW" altLang="en-US" dirty="0"/>
+          </a:p>
+        </p:txBody>
+      </p:sp>
+      <p:sp>
+        <p:nvSpPr>
+          <p:cNvPr id="3" name="投影片編號版面配置區 2"/>
+          <p:cNvSpPr>
+            <a:spLocks noGrp="1"/>
+          </p:cNvSpPr>
+          <p:nvPr>
+            <p:ph type="sldNum" sz="quarter" idx="4"/>
+          </p:nvPr>
+        </p:nvSpPr>
+        <p:spPr/>
+        <p:txBody>
+          <a:bodyPr/>
+          <a:lstStyle/>
+          <a:p>
+            <a:fld id="{6F0746BA-D1AA-4FF4-8D48-BDBC7FF48778}" type="slidenum">
+              <a:rPr lang="fr-FR" smtClean="0"/>
+              <a:t>13</a:t>
+            </a:fld>
+            <a:endParaRPr lang="fr-FR" dirty="0"/>
+          </a:p>
+        </p:txBody>
+      </p:sp>
+      <p:graphicFrame>
+        <p:nvGraphicFramePr>
+          <p:cNvPr id="12" name="物件 11"/>
+          <p:cNvGraphicFramePr>
+            <a:graphicFrameLocks noChangeAspect="1"/>
+          </p:cNvGraphicFramePr>
+          <p:nvPr>
+            <p:extLst>
+              <p:ext uri="{D42A27DB-BD31-4B8C-83A1-F6EECF244321}">
+                <p14:modId xmlns:p14="http://schemas.microsoft.com/office/powerpoint/2010/main" val="611013835"/>
+              </p:ext>
+            </p:extLst>
+          </p:nvPr>
+        </p:nvGraphicFramePr>
+        <p:xfrm>
+          <a:off x="1940406" y="2588516"/>
+          <a:ext cx="1016000" cy="241300"/>
+        </p:xfrm>
+        <a:graphic>
+          <a:graphicData uri="http://schemas.openxmlformats.org/presentationml/2006/ole">
+            <mc:AlternateContent xmlns:mc="http://schemas.openxmlformats.org/markup-compatibility/2006">
+              <mc:Choice xmlns:v="urn:schemas-microsoft-com:vml" Requires="v">
+                <p:oleObj spid="_x0000_s4182" name="Equation" r:id="rId5" imgW="1015920" imgH="241200" progId="Equation.DSMT4">
+                  <p:embed/>
+                </p:oleObj>
+              </mc:Choice>
+              <mc:Fallback>
+                <p:oleObj name="Equation" r:id="rId5" imgW="1015920" imgH="241200" progId="Equation.DSMT4">
+                  <p:embed/>
+                  <p:pic>
+                    <p:nvPicPr>
+                      <p:cNvPr id="12" name="物件 11"/>
+                      <p:cNvPicPr/>
+                      <p:nvPr/>
+                    </p:nvPicPr>
+                    <p:blipFill>
+                      <a:blip r:embed="rId6"/>
+                      <a:stretch>
+                        <a:fillRect/>
+                      </a:stretch>
+                    </p:blipFill>
+                    <p:spPr>
+                      <a:xfrm>
+                        <a:off x="1940406" y="2588516"/>
+                        <a:ext cx="1016000" cy="241300"/>
+                      </a:xfrm>
+                      <a:prstGeom prst="rect">
+                        <a:avLst/>
+                      </a:prstGeom>
+                    </p:spPr>
+                  </p:pic>
+                </p:oleObj>
+              </mc:Fallback>
+            </mc:AlternateContent>
+          </a:graphicData>
+        </a:graphic>
+      </p:graphicFrame>
+      <p:graphicFrame>
+        <p:nvGraphicFramePr>
+          <p:cNvPr id="13" name="物件 12"/>
+          <p:cNvGraphicFramePr>
+            <a:graphicFrameLocks noChangeAspect="1"/>
+          </p:cNvGraphicFramePr>
+          <p:nvPr>
+            <p:extLst>
+              <p:ext uri="{D42A27DB-BD31-4B8C-83A1-F6EECF244321}">
+                <p14:modId xmlns:p14="http://schemas.microsoft.com/office/powerpoint/2010/main" val="1064404973"/>
+              </p:ext>
+            </p:extLst>
+          </p:nvPr>
+        </p:nvGraphicFramePr>
+        <p:xfrm>
+          <a:off x="3119367" y="2305826"/>
+          <a:ext cx="876300" cy="241300"/>
+        </p:xfrm>
+        <a:graphic>
+          <a:graphicData uri="http://schemas.openxmlformats.org/presentationml/2006/ole">
+            <mc:AlternateContent xmlns:mc="http://schemas.openxmlformats.org/markup-compatibility/2006">
+              <mc:Choice xmlns:v="urn:schemas-microsoft-com:vml" Requires="v">
+                <p:oleObj spid="_x0000_s4183" name="Equation" r:id="rId7" imgW="876240" imgH="241200" progId="Equation.DSMT4">
+                  <p:embed/>
+                </p:oleObj>
+              </mc:Choice>
+              <mc:Fallback>
+                <p:oleObj name="Equation" r:id="rId7" imgW="876240" imgH="241200" progId="Equation.DSMT4">
+                  <p:embed/>
+                  <p:pic>
+                    <p:nvPicPr>
+                      <p:cNvPr id="13" name="物件 12"/>
+                      <p:cNvPicPr/>
+                      <p:nvPr/>
+                    </p:nvPicPr>
+                    <p:blipFill>
+                      <a:blip r:embed="rId8"/>
+                      <a:stretch>
+                        <a:fillRect/>
+                      </a:stretch>
+                    </p:blipFill>
+                    <p:spPr>
+                      <a:xfrm>
+                        <a:off x="3119367" y="2305826"/>
+                        <a:ext cx="876300" cy="241300"/>
+                      </a:xfrm>
+                      <a:prstGeom prst="rect">
+                        <a:avLst/>
+                      </a:prstGeom>
+                    </p:spPr>
+                  </p:pic>
+                </p:oleObj>
+              </mc:Fallback>
+            </mc:AlternateContent>
+          </a:graphicData>
+        </a:graphic>
+      </p:graphicFrame>
+      <p:graphicFrame>
+        <p:nvGraphicFramePr>
+          <p:cNvPr id="14" name="物件 13"/>
+          <p:cNvGraphicFramePr>
+            <a:graphicFrameLocks noChangeAspect="1"/>
+          </p:cNvGraphicFramePr>
+          <p:nvPr>
+            <p:extLst>
+              <p:ext uri="{D42A27DB-BD31-4B8C-83A1-F6EECF244321}">
+                <p14:modId xmlns:p14="http://schemas.microsoft.com/office/powerpoint/2010/main" val="2128760737"/>
+              </p:ext>
+            </p:extLst>
+          </p:nvPr>
+        </p:nvGraphicFramePr>
+        <p:xfrm>
+          <a:off x="5921060" y="4762647"/>
+          <a:ext cx="1028700" cy="241300"/>
+        </p:xfrm>
+        <a:graphic>
+          <a:graphicData uri="http://schemas.openxmlformats.org/presentationml/2006/ole">
+            <mc:AlternateContent xmlns:mc="http://schemas.openxmlformats.org/markup-compatibility/2006">
+              <mc:Choice xmlns:v="urn:schemas-microsoft-com:vml" Requires="v">
+                <p:oleObj spid="_x0000_s4184" name="Equation" r:id="rId9" imgW="1028520" imgH="241200" progId="Equation.DSMT4">
+                  <p:embed/>
+                </p:oleObj>
+              </mc:Choice>
+              <mc:Fallback>
+                <p:oleObj name="Equation" r:id="rId9" imgW="1028520" imgH="241200" progId="Equation.DSMT4">
+                  <p:embed/>
+                  <p:pic>
+                    <p:nvPicPr>
+                      <p:cNvPr id="14" name="物件 13"/>
+                      <p:cNvPicPr/>
+                      <p:nvPr/>
+                    </p:nvPicPr>
+                    <p:blipFill>
+                      <a:blip r:embed="rId10"/>
+                      <a:stretch>
+                        <a:fillRect/>
+                      </a:stretch>
+                    </p:blipFill>
+                    <p:spPr>
+                      <a:xfrm>
+                        <a:off x="5921060" y="4762647"/>
+                        <a:ext cx="1028700" cy="241300"/>
+                      </a:xfrm>
+                      <a:prstGeom prst="rect">
+                        <a:avLst/>
+                      </a:prstGeom>
+                    </p:spPr>
+                  </p:pic>
+                </p:oleObj>
+              </mc:Fallback>
+            </mc:AlternateContent>
+          </a:graphicData>
+        </a:graphic>
+      </p:graphicFrame>
+      <p:graphicFrame>
+        <p:nvGraphicFramePr>
+          <p:cNvPr id="15" name="物件 14"/>
+          <p:cNvGraphicFramePr>
+            <a:graphicFrameLocks noChangeAspect="1"/>
+          </p:cNvGraphicFramePr>
+          <p:nvPr>
+            <p:extLst>
+              <p:ext uri="{D42A27DB-BD31-4B8C-83A1-F6EECF244321}">
+                <p14:modId xmlns:p14="http://schemas.microsoft.com/office/powerpoint/2010/main" val="2313981862"/>
+              </p:ext>
+            </p:extLst>
+          </p:nvPr>
+        </p:nvGraphicFramePr>
+        <p:xfrm>
+          <a:off x="7461008" y="4251559"/>
+          <a:ext cx="901700" cy="241300"/>
+        </p:xfrm>
+        <a:graphic>
+          <a:graphicData uri="http://schemas.openxmlformats.org/presentationml/2006/ole">
+            <mc:AlternateContent xmlns:mc="http://schemas.openxmlformats.org/markup-compatibility/2006">
+              <mc:Choice xmlns:v="urn:schemas-microsoft-com:vml" Requires="v">
+                <p:oleObj spid="_x0000_s4185" name="Equation" r:id="rId11" imgW="901440" imgH="241200" progId="Equation.DSMT4">
+                  <p:embed/>
+                </p:oleObj>
+              </mc:Choice>
+              <mc:Fallback>
+                <p:oleObj name="Equation" r:id="rId11" imgW="901440" imgH="241200" progId="Equation.DSMT4">
+                  <p:embed/>
+                  <p:pic>
+                    <p:nvPicPr>
+                      <p:cNvPr id="15" name="物件 14"/>
+                      <p:cNvPicPr/>
+                      <p:nvPr/>
+                    </p:nvPicPr>
+                    <p:blipFill>
+                      <a:blip r:embed="rId12"/>
+                      <a:stretch>
+                        <a:fillRect/>
+                      </a:stretch>
+                    </p:blipFill>
+                    <p:spPr>
+                      <a:xfrm>
+                        <a:off x="7461008" y="4251559"/>
+                        <a:ext cx="901700" cy="241300"/>
+                      </a:xfrm>
+                      <a:prstGeom prst="rect">
+                        <a:avLst/>
+                      </a:prstGeom>
+                    </p:spPr>
+                  </p:pic>
+                </p:oleObj>
+              </mc:Fallback>
+            </mc:AlternateContent>
+          </a:graphicData>
+        </a:graphic>
+      </p:graphicFrame>
+      <p:graphicFrame>
+        <p:nvGraphicFramePr>
+          <p:cNvPr id="16" name="物件 15"/>
+          <p:cNvGraphicFramePr>
+            <a:graphicFrameLocks noChangeAspect="1"/>
+          </p:cNvGraphicFramePr>
+          <p:nvPr>
+            <p:extLst>
+              <p:ext uri="{D42A27DB-BD31-4B8C-83A1-F6EECF244321}">
+                <p14:modId xmlns:p14="http://schemas.microsoft.com/office/powerpoint/2010/main" val="1806231091"/>
+              </p:ext>
+            </p:extLst>
+          </p:nvPr>
+        </p:nvGraphicFramePr>
+        <p:xfrm>
+          <a:off x="9793570" y="906243"/>
+          <a:ext cx="1003300" cy="241300"/>
+        </p:xfrm>
+        <a:graphic>
+          <a:graphicData uri="http://schemas.openxmlformats.org/presentationml/2006/ole">
+            <mc:AlternateContent xmlns:mc="http://schemas.openxmlformats.org/markup-compatibility/2006">
+              <mc:Choice xmlns:v="urn:schemas-microsoft-com:vml" Requires="v">
+                <p:oleObj spid="_x0000_s4186" name="Equation" r:id="rId13" imgW="1002960" imgH="241200" progId="Equation.DSMT4">
+                  <p:embed/>
+                </p:oleObj>
+              </mc:Choice>
+              <mc:Fallback>
+                <p:oleObj name="Equation" r:id="rId13" imgW="1002960" imgH="241200" progId="Equation.DSMT4">
+                  <p:embed/>
+                  <p:pic>
+                    <p:nvPicPr>
+                      <p:cNvPr id="16" name="物件 15"/>
+                      <p:cNvPicPr/>
+                      <p:nvPr/>
+                    </p:nvPicPr>
+                    <p:blipFill>
+                      <a:blip r:embed="rId14"/>
+                      <a:stretch>
+                        <a:fillRect/>
+                      </a:stretch>
+                    </p:blipFill>
+                    <p:spPr>
+                      <a:xfrm>
+                        <a:off x="9793570" y="906243"/>
+                        <a:ext cx="1003300" cy="241300"/>
+                      </a:xfrm>
+                      <a:prstGeom prst="rect">
+                        <a:avLst/>
+                      </a:prstGeom>
+                    </p:spPr>
+                  </p:pic>
+                </p:oleObj>
+              </mc:Fallback>
+            </mc:AlternateContent>
+          </a:graphicData>
+        </a:graphic>
+      </p:graphicFrame>
+      <p:graphicFrame>
+        <p:nvGraphicFramePr>
+          <p:cNvPr id="17" name="物件 16"/>
+          <p:cNvGraphicFramePr>
+            <a:graphicFrameLocks noChangeAspect="1"/>
+          </p:cNvGraphicFramePr>
+          <p:nvPr>
+            <p:extLst>
+              <p:ext uri="{D42A27DB-BD31-4B8C-83A1-F6EECF244321}">
+                <p14:modId xmlns:p14="http://schemas.microsoft.com/office/powerpoint/2010/main" val="2320907781"/>
+              </p:ext>
+            </p:extLst>
+          </p:nvPr>
+        </p:nvGraphicFramePr>
+        <p:xfrm>
+          <a:off x="9812338" y="1411288"/>
+          <a:ext cx="876300" cy="241300"/>
+        </p:xfrm>
+        <a:graphic>
+          <a:graphicData uri="http://schemas.openxmlformats.org/presentationml/2006/ole">
+            <mc:AlternateContent xmlns:mc="http://schemas.openxmlformats.org/markup-compatibility/2006">
+              <mc:Choice xmlns:v="urn:schemas-microsoft-com:vml" Requires="v">
+                <p:oleObj spid="_x0000_s4187" name="Equation" r:id="rId15" imgW="876240" imgH="241200" progId="Equation.DSMT4">
+                  <p:embed/>
+                </p:oleObj>
+              </mc:Choice>
+              <mc:Fallback>
+                <p:oleObj name="Equation" r:id="rId15" imgW="876240" imgH="241200" progId="Equation.DSMT4">
+                  <p:embed/>
+                  <p:pic>
+                    <p:nvPicPr>
+                      <p:cNvPr id="17" name="物件 16"/>
+                      <p:cNvPicPr/>
+                      <p:nvPr/>
+                    </p:nvPicPr>
+                    <p:blipFill>
+                      <a:blip r:embed="rId16"/>
+                      <a:stretch>
+                        <a:fillRect/>
+                      </a:stretch>
+                    </p:blipFill>
+                    <p:spPr>
+                      <a:xfrm>
+                        <a:off x="9812338" y="1411288"/>
+                        <a:ext cx="876300" cy="241300"/>
+                      </a:xfrm>
+                      <a:prstGeom prst="rect">
+                        <a:avLst/>
+                      </a:prstGeom>
+                    </p:spPr>
+                  </p:pic>
+                </p:oleObj>
+              </mc:Fallback>
+            </mc:AlternateContent>
+          </a:graphicData>
+        </a:graphic>
+      </p:graphicFrame>
+      <p:graphicFrame>
+        <p:nvGraphicFramePr>
+          <p:cNvPr id="18" name="物件 17"/>
+          <p:cNvGraphicFramePr>
+            <a:graphicFrameLocks noChangeAspect="1"/>
+          </p:cNvGraphicFramePr>
+          <p:nvPr/>
+        </p:nvGraphicFramePr>
+        <p:xfrm>
+          <a:off x="8144890" y="1134024"/>
+          <a:ext cx="609600" cy="241300"/>
+        </p:xfrm>
+        <a:graphic>
+          <a:graphicData uri="http://schemas.openxmlformats.org/presentationml/2006/ole">
+            <mc:AlternateContent xmlns:mc="http://schemas.openxmlformats.org/markup-compatibility/2006">
+              <mc:Choice xmlns:v="urn:schemas-microsoft-com:vml" Requires="v">
+                <p:oleObj spid="_x0000_s4188" name="Equation" r:id="rId17" imgW="609480" imgH="241200" progId="Equation.DSMT4">
+                  <p:embed/>
+                </p:oleObj>
+              </mc:Choice>
+              <mc:Fallback>
+                <p:oleObj name="Equation" r:id="rId17" imgW="609480" imgH="241200" progId="Equation.DSMT4">
+                  <p:embed/>
+                  <p:pic>
+                    <p:nvPicPr>
+                      <p:cNvPr id="18" name="物件 17"/>
+                      <p:cNvPicPr/>
+                      <p:nvPr/>
+                    </p:nvPicPr>
+                    <p:blipFill>
+                      <a:blip r:embed="rId18"/>
+                      <a:stretch>
+                        <a:fillRect/>
+                      </a:stretch>
+                    </p:blipFill>
+                    <p:spPr>
+                      <a:xfrm>
+                        <a:off x="8144890" y="1134024"/>
+                        <a:ext cx="609600" cy="241300"/>
+                      </a:xfrm>
+                      <a:prstGeom prst="rect">
+                        <a:avLst/>
+                      </a:prstGeom>
+                    </p:spPr>
+                  </p:pic>
+                </p:oleObj>
+              </mc:Fallback>
+            </mc:AlternateContent>
+          </a:graphicData>
+        </a:graphic>
+      </p:graphicFrame>
+      <p:cxnSp>
+        <p:nvCxnSpPr>
+          <p:cNvPr id="22" name="直線單箭頭接點 21"/>
+          <p:cNvCxnSpPr/>
+          <p:nvPr/>
+        </p:nvCxnSpPr>
+        <p:spPr>
+          <a:xfrm>
+            <a:off x="8941982" y="1254674"/>
+            <a:ext cx="574158" cy="0"/>
+          </a:xfrm>
+          <a:prstGeom prst="straightConnector1">
+            <a:avLst/>
+          </a:prstGeom>
+          <a:ln>
+            <a:solidFill>
+              <a:schemeClr val="tx1"/>
+            </a:solidFill>
+            <a:tailEnd type="triangle"/>
+          </a:ln>
+        </p:spPr>
+        <p:style>
+          <a:lnRef idx="1">
+            <a:schemeClr val="accent1"/>
+          </a:lnRef>
+          <a:fillRef idx="0">
+            <a:schemeClr val="accent1"/>
+          </a:fillRef>
+          <a:effectRef idx="0">
+            <a:schemeClr val="accent1"/>
+          </a:effectRef>
+          <a:fontRef idx="minor">
+            <a:schemeClr val="tx1"/>
+          </a:fontRef>
+        </p:style>
+      </p:cxnSp>
+    </p:spTree>
+    <p:extLst>
+      <p:ext uri="{BB962C8B-B14F-4D97-AF65-F5344CB8AC3E}">
+        <p14:creationId xmlns:p14="http://schemas.microsoft.com/office/powerpoint/2010/main" val="3898458054"/>
+      </p:ext>
+    </p:extLst>
+  </p:cSld>
+  <p:clrMapOvr>
+    <a:masterClrMapping/>
+  </p:clrMapOvr>
+  <mc:AlternateContent xmlns:mc="http://schemas.openxmlformats.org/markup-compatibility/2006" xmlns:p14="http://schemas.microsoft.com/office/powerpoint/2010/main">
+    <mc:Choice Requires="p14">
+      <p:transition spd="med" p14:dur="700">
+        <p:fade/>
+      </p:transition>
+    </mc:Choice>
+    <mc:Fallback xmlns="">
+      <p:transition spd="med">
+        <p:fade/>
+      </p:transition>
+    </mc:Fallback>
+  </mc:AlternateContent>
+  <p:timing>
+    <p:tnLst>
+      <p:par>
+        <p:cTn id="1" dur="indefinite" restart="never" nodeType="tmRoot"/>
+      </p:par>
+    </p:tnLst>
+  </p:timing>
+</p:sld>
+</file>
+
+<file path=ppt/slides/slide14.xml><?xml version="1.0" encoding="utf-8"?>
+<p:sld xmlns:a="http://schemas.openxmlformats.org/drawingml/2006/main" xmlns:r="http://schemas.openxmlformats.org/officeDocument/2006/relationships" xmlns:p="http://schemas.openxmlformats.org/presentationml/2006/main">
   <p:cSld>
     <p:spTree>
       <p:nvGrpSpPr>
@@ -23666,14 +25397,19 @@
             <p:ph type="body" sz="quarter" idx="10"/>
           </p:nvPr>
         </p:nvSpPr>
-        <p:spPr/>
+        <p:spPr>
+          <a:xfrm>
+            <a:off x="839788" y="660400"/>
+            <a:ext cx="8995328" cy="1311128"/>
+          </a:xfrm>
+        </p:spPr>
         <p:txBody>
           <a:bodyPr/>
           <a:lstStyle/>
           <a:p>
             <a:r>
-              <a:rPr lang="en-US" altLang="zh-TW" dirty="0" smtClean="0"/>
-              <a:t>Normal Side</a:t>
+              <a:rPr lang="en-US" altLang="zh-TW" dirty="0"/>
+              <a:t>Multi-Modes Combination </a:t>
             </a:r>
             <a:endParaRPr lang="zh-TW" altLang="en-US" dirty="0"/>
           </a:p>
@@ -23696,7 +25432,7 @@
           <a:p>
             <a:fld id="{6F0746BA-D1AA-4FF4-8D48-BDBC7FF48778}" type="slidenum">
               <a:rPr lang="fr-FR" smtClean="0"/>
-              <a:t>10</a:t>
+              <a:t>14</a:t>
             </a:fld>
             <a:endParaRPr lang="fr-FR"/>
           </a:p>
@@ -23704,127 +25440,170 @@
       </p:sp>
       <p:pic>
         <p:nvPicPr>
-          <p:cNvPr id="4" name="圖片 3"/>
+          <p:cNvPr id="5" name="圖片 4"/>
           <p:cNvPicPr>
             <a:picLocks noChangeAspect="1"/>
           </p:cNvPicPr>
           <p:nvPr/>
         </p:nvPicPr>
         <p:blipFill>
-          <a:blip r:embed="rId2"/>
+          <a:blip r:embed="rId3">
+            <a:clrChange>
+              <a:clrFrom>
+                <a:srgbClr val="FFFFFF"/>
+              </a:clrFrom>
+              <a:clrTo>
+                <a:srgbClr val="FFFFFF">
+                  <a:alpha val="0"/>
+                </a:srgbClr>
+              </a:clrTo>
+            </a:clrChange>
+          </a:blip>
           <a:stretch>
             <a:fillRect/>
           </a:stretch>
         </p:blipFill>
         <p:spPr>
           <a:xfrm>
-            <a:off x="3423750" y="1427000"/>
-            <a:ext cx="5344500" cy="4004000"/>
+            <a:off x="3329249" y="1909896"/>
+            <a:ext cx="5533501" cy="4144000"/>
           </a:xfrm>
           <a:prstGeom prst="rect">
             <a:avLst/>
           </a:prstGeom>
         </p:spPr>
       </p:pic>
-      <p:sp>
-        <p:nvSpPr>
-          <p:cNvPr id="5" name="文字方塊 4"/>
-          <p:cNvSpPr txBox="1"/>
-          <p:nvPr/>
-        </p:nvSpPr>
-        <p:spPr>
-          <a:xfrm>
-            <a:off x="8902995" y="2415330"/>
-            <a:ext cx="940322" cy="427425"/>
-          </a:xfrm>
-          <a:prstGeom prst="rect">
-            <a:avLst/>
-          </a:prstGeom>
-          <a:noFill/>
-        </p:spPr>
-        <p:txBody>
-          <a:bodyPr wrap="none" lIns="0" rtlCol="0" anchor="t">
-            <a:spAutoFit/>
-          </a:bodyPr>
-          <a:lstStyle/>
-          <a:p>
-            <a:pPr algn="l">
-              <a:lnSpc>
-                <a:spcPct val="120000"/>
-              </a:lnSpc>
-            </a:pPr>
-            <a:r>
-              <a:rPr lang="en-US" altLang="zh-TW" sz="2000" dirty="0" smtClean="0">
-                <a:latin typeface="Segoe UI Light" panose="020B0502040204020203" pitchFamily="34" charset="0"/>
-                <a:cs typeface="Segoe UI Light" panose="020B0502040204020203" pitchFamily="34" charset="0"/>
-              </a:rPr>
-              <a:t>Ra=1.56</a:t>
-            </a:r>
-            <a:endParaRPr lang="zh-TW" altLang="en-US" sz="2000" dirty="0" smtClean="0">
-              <a:latin typeface="Segoe UI Light" panose="020B0502040204020203" pitchFamily="34" charset="0"/>
-              <a:cs typeface="Segoe UI Light" panose="020B0502040204020203" pitchFamily="34" charset="0"/>
-            </a:endParaRPr>
-          </a:p>
-        </p:txBody>
-      </p:sp>
-      <p:sp>
-        <p:nvSpPr>
-          <p:cNvPr id="6" name="文字方塊 5"/>
-          <p:cNvSpPr txBox="1"/>
-          <p:nvPr/>
-        </p:nvSpPr>
-        <p:spPr>
-          <a:xfrm>
-            <a:off x="10380921" y="2425962"/>
-            <a:ext cx="815288" cy="427425"/>
-          </a:xfrm>
-          <a:prstGeom prst="rect">
-            <a:avLst/>
-          </a:prstGeom>
-          <a:noFill/>
-        </p:spPr>
-        <p:txBody>
-          <a:bodyPr wrap="none" lIns="0" rtlCol="0" anchor="t">
-            <a:spAutoFit/>
-          </a:bodyPr>
-          <a:lstStyle/>
-          <a:p>
-            <a:pPr algn="l">
-              <a:lnSpc>
-                <a:spcPct val="120000"/>
-              </a:lnSpc>
-            </a:pPr>
-            <a:r>
-              <a:rPr lang="en-US" altLang="zh-TW" sz="2000" dirty="0" smtClean="0">
-                <a:latin typeface="Segoe UI Light" panose="020B0502040204020203" pitchFamily="34" charset="0"/>
-                <a:cs typeface="Segoe UI Light" panose="020B0502040204020203" pitchFamily="34" charset="0"/>
-              </a:rPr>
-              <a:t>R=1.74</a:t>
-            </a:r>
-            <a:endParaRPr lang="zh-TW" altLang="en-US" sz="2000" dirty="0" smtClean="0">
-              <a:latin typeface="Segoe UI Light" panose="020B0502040204020203" pitchFamily="34" charset="0"/>
-              <a:cs typeface="Segoe UI Light" panose="020B0502040204020203" pitchFamily="34" charset="0"/>
-            </a:endParaRPr>
-          </a:p>
-        </p:txBody>
-      </p:sp>
+      <p:graphicFrame>
+        <p:nvGraphicFramePr>
+          <p:cNvPr id="6" name="物件 5"/>
+          <p:cNvGraphicFramePr>
+            <a:graphicFrameLocks noChangeAspect="1"/>
+          </p:cNvGraphicFramePr>
+          <p:nvPr>
+            <p:extLst>
+              <p:ext uri="{D42A27DB-BD31-4B8C-83A1-F6EECF244321}">
+                <p14:modId xmlns:p14="http://schemas.microsoft.com/office/powerpoint/2010/main" val="114569736"/>
+              </p:ext>
+            </p:extLst>
+          </p:nvPr>
+        </p:nvGraphicFramePr>
+        <p:xfrm>
+          <a:off x="7581900" y="2798763"/>
+          <a:ext cx="1041400" cy="241300"/>
+        </p:xfrm>
+        <a:graphic>
+          <a:graphicData uri="http://schemas.openxmlformats.org/presentationml/2006/ole">
+            <mc:AlternateContent xmlns:mc="http://schemas.openxmlformats.org/markup-compatibility/2006">
+              <mc:Choice xmlns:v="urn:schemas-microsoft-com:vml" Requires="v">
+                <p:oleObj spid="_x0000_s5134" name="Equation" r:id="rId4" imgW="1041120" imgH="241200" progId="Equation.DSMT4">
+                  <p:embed/>
+                </p:oleObj>
+              </mc:Choice>
+              <mc:Fallback>
+                <p:oleObj name="Equation" r:id="rId4" imgW="1041120" imgH="241200" progId="Equation.DSMT4">
+                  <p:embed/>
+                  <p:pic>
+                    <p:nvPicPr>
+                      <p:cNvPr id="7" name="物件 6"/>
+                      <p:cNvPicPr/>
+                      <p:nvPr/>
+                    </p:nvPicPr>
+                    <p:blipFill>
+                      <a:blip r:embed="rId5"/>
+                      <a:stretch>
+                        <a:fillRect/>
+                      </a:stretch>
+                    </p:blipFill>
+                    <p:spPr>
+                      <a:xfrm>
+                        <a:off x="7581900" y="2798763"/>
+                        <a:ext cx="1041400" cy="241300"/>
+                      </a:xfrm>
+                      <a:prstGeom prst="rect">
+                        <a:avLst/>
+                      </a:prstGeom>
+                    </p:spPr>
+                  </p:pic>
+                </p:oleObj>
+              </mc:Fallback>
+            </mc:AlternateContent>
+          </a:graphicData>
+        </a:graphic>
+      </p:graphicFrame>
+      <p:graphicFrame>
+        <p:nvGraphicFramePr>
+          <p:cNvPr id="7" name="物件 6"/>
+          <p:cNvGraphicFramePr>
+            <a:graphicFrameLocks noChangeAspect="1"/>
+          </p:cNvGraphicFramePr>
+          <p:nvPr>
+            <p:extLst>
+              <p:ext uri="{D42A27DB-BD31-4B8C-83A1-F6EECF244321}">
+                <p14:modId xmlns:p14="http://schemas.microsoft.com/office/powerpoint/2010/main" val="1421931513"/>
+              </p:ext>
+            </p:extLst>
+          </p:nvPr>
+        </p:nvGraphicFramePr>
+        <p:xfrm>
+          <a:off x="1766573" y="3638996"/>
+          <a:ext cx="1358900" cy="685800"/>
+        </p:xfrm>
+        <a:graphic>
+          <a:graphicData uri="http://schemas.openxmlformats.org/presentationml/2006/ole">
+            <mc:AlternateContent xmlns:mc="http://schemas.openxmlformats.org/markup-compatibility/2006">
+              <mc:Choice xmlns:v="urn:schemas-microsoft-com:vml" Requires="v">
+                <p:oleObj spid="_x0000_s5135" name="Equation" r:id="rId6" imgW="1358640" imgH="685800" progId="Equation.DSMT4">
+                  <p:embed/>
+                </p:oleObj>
+              </mc:Choice>
+              <mc:Fallback>
+                <p:oleObj name="Equation" r:id="rId6" imgW="1358640" imgH="685800" progId="Equation.DSMT4">
+                  <p:embed/>
+                  <p:pic>
+                    <p:nvPicPr>
+                      <p:cNvPr id="6" name="物件 5"/>
+                      <p:cNvPicPr/>
+                      <p:nvPr/>
+                    </p:nvPicPr>
+                    <p:blipFill>
+                      <a:blip r:embed="rId7"/>
+                      <a:stretch>
+                        <a:fillRect/>
+                      </a:stretch>
+                    </p:blipFill>
+                    <p:spPr>
+                      <a:xfrm>
+                        <a:off x="1766573" y="3638996"/>
+                        <a:ext cx="1358900" cy="685800"/>
+                      </a:xfrm>
+                      <a:prstGeom prst="rect">
+                        <a:avLst/>
+                      </a:prstGeom>
+                    </p:spPr>
+                  </p:pic>
+                </p:oleObj>
+              </mc:Fallback>
+            </mc:AlternateContent>
+          </a:graphicData>
+        </a:graphic>
+      </p:graphicFrame>
     </p:spTree>
     <p:extLst>
       <p:ext uri="{BB962C8B-B14F-4D97-AF65-F5344CB8AC3E}">
-        <p14:creationId xmlns:p14="http://schemas.microsoft.com/office/powerpoint/2010/main" val="1710884310"/>
+        <p14:creationId xmlns:p14="http://schemas.microsoft.com/office/powerpoint/2010/main" val="4209680809"/>
       </p:ext>
     </p:extLst>
   </p:cSld>
   <p:clrMapOvr>
     <a:masterClrMapping/>
   </p:clrMapOvr>
-  <mc:AlternateContent xmlns:mc="http://schemas.openxmlformats.org/markup-compatibility/2006">
-    <mc:Choice xmlns:p14="http://schemas.microsoft.com/office/powerpoint/2010/main" Requires="p14">
+  <mc:AlternateContent xmlns:mc="http://schemas.openxmlformats.org/markup-compatibility/2006" xmlns:p14="http://schemas.microsoft.com/office/powerpoint/2010/main">
+    <mc:Choice Requires="p14">
       <p:transition spd="med" p14:dur="700">
         <p:fade/>
       </p:transition>
     </mc:Choice>
-    <mc:Fallback>
+    <mc:Fallback xmlns="">
       <p:transition spd="med">
         <p:fade/>
       </p:transition>
@@ -23840,8 +25619,8 @@
 </p:sld>
 </file>
 
-<file path=ppt/slides/slide11.xml><?xml version="1.0" encoding="utf-8"?>
-<p:sld xmlns:a="http://schemas.openxmlformats.org/drawingml/2006/main" xmlns:r="http://schemas.openxmlformats.org/officeDocument/2006/relationships" xmlns:p="http://schemas.openxmlformats.org/presentationml/2006/main" show="0">
+<file path=ppt/slides/slide15.xml><?xml version="1.0" encoding="utf-8"?>
+<p:sld xmlns:a="http://schemas.openxmlformats.org/drawingml/2006/main" xmlns:r="http://schemas.openxmlformats.org/officeDocument/2006/relationships" xmlns:p="http://schemas.openxmlformats.org/presentationml/2006/main">
   <p:cSld>
     <p:spTree>
       <p:nvGrpSpPr>
@@ -23859,25 +25638,6 @@
       </p:grpSpPr>
       <p:sp>
         <p:nvSpPr>
-          <p:cNvPr id="2" name="文字版面配置區 1"/>
-          <p:cNvSpPr>
-            <a:spLocks noGrp="1"/>
-          </p:cNvSpPr>
-          <p:nvPr>
-            <p:ph type="body" sz="quarter" idx="10"/>
-          </p:nvPr>
-        </p:nvSpPr>
-        <p:spPr/>
-        <p:txBody>
-          <a:bodyPr/>
-          <a:lstStyle/>
-          <a:p>
-            <a:endParaRPr lang="zh-TW" altLang="en-US"/>
-          </a:p>
-        </p:txBody>
-      </p:sp>
-      <p:sp>
-        <p:nvSpPr>
           <p:cNvPr id="3" name="投影片編號版面配置區 2"/>
           <p:cNvSpPr>
             <a:spLocks noGrp="1"/>
@@ -23893,7 +25653,7 @@
           <a:p>
             <a:fld id="{6F0746BA-D1AA-4FF4-8D48-BDBC7FF48778}" type="slidenum">
               <a:rPr lang="fr-FR" smtClean="0"/>
-              <a:t>11</a:t>
+              <a:t>15</a:t>
             </a:fld>
             <a:endParaRPr lang="fr-FR"/>
           </a:p>
@@ -23901,22 +25661,138 @@
       </p:sp>
       <p:pic>
         <p:nvPicPr>
-          <p:cNvPr id="4" name="圖片 3"/>
+          <p:cNvPr id="5" name="圖片 4"/>
           <p:cNvPicPr>
             <a:picLocks noChangeAspect="1"/>
           </p:cNvPicPr>
           <p:nvPr/>
         </p:nvPicPr>
         <p:blipFill>
-          <a:blip r:embed="rId2"/>
+          <a:blip r:embed="rId2">
+            <a:clrChange>
+              <a:clrFrom>
+                <a:srgbClr val="FFFFFF"/>
+              </a:clrFrom>
+              <a:clrTo>
+                <a:srgbClr val="FFFFFF">
+                  <a:alpha val="0"/>
+                </a:srgbClr>
+              </a:clrTo>
+            </a:clrChange>
+          </a:blip>
           <a:stretch>
             <a:fillRect/>
           </a:stretch>
         </p:blipFill>
         <p:spPr>
           <a:xfrm>
-            <a:off x="481095" y="1757191"/>
-            <a:ext cx="5344500" cy="4004000"/>
+            <a:off x="6096001" y="170125"/>
+            <a:ext cx="6096000" cy="3217334"/>
+          </a:xfrm>
+          <a:prstGeom prst="rect">
+            <a:avLst/>
+          </a:prstGeom>
+        </p:spPr>
+      </p:pic>
+      <p:pic>
+        <p:nvPicPr>
+          <p:cNvPr id="6" name="圖片 5"/>
+          <p:cNvPicPr>
+            <a:picLocks noChangeAspect="1"/>
+          </p:cNvPicPr>
+          <p:nvPr/>
+        </p:nvPicPr>
+        <p:blipFill>
+          <a:blip r:embed="rId3">
+            <a:clrChange>
+              <a:clrFrom>
+                <a:srgbClr val="FFFFFF"/>
+              </a:clrFrom>
+              <a:clrTo>
+                <a:srgbClr val="FFFFFF">
+                  <a:alpha val="0"/>
+                </a:srgbClr>
+              </a:clrTo>
+            </a:clrChange>
+          </a:blip>
+          <a:stretch>
+            <a:fillRect/>
+          </a:stretch>
+        </p:blipFill>
+        <p:spPr>
+          <a:xfrm>
+            <a:off x="0" y="170127"/>
+            <a:ext cx="6096000" cy="3215191"/>
+          </a:xfrm>
+          <a:prstGeom prst="rect">
+            <a:avLst/>
+          </a:prstGeom>
+        </p:spPr>
+      </p:pic>
+      <p:pic>
+        <p:nvPicPr>
+          <p:cNvPr id="7" name="圖片 6"/>
+          <p:cNvPicPr>
+            <a:picLocks noChangeAspect="1"/>
+          </p:cNvPicPr>
+          <p:nvPr/>
+        </p:nvPicPr>
+        <p:blipFill>
+          <a:blip r:embed="rId4">
+            <a:clrChange>
+              <a:clrFrom>
+                <a:srgbClr val="FFFFFF"/>
+              </a:clrFrom>
+              <a:clrTo>
+                <a:srgbClr val="FFFFFF">
+                  <a:alpha val="0"/>
+                </a:srgbClr>
+              </a:clrTo>
+            </a:clrChange>
+          </a:blip>
+          <a:stretch>
+            <a:fillRect/>
+          </a:stretch>
+        </p:blipFill>
+        <p:spPr>
+          <a:xfrm>
+            <a:off x="-1" y="3391087"/>
+            <a:ext cx="6096001" cy="3381850"/>
+          </a:xfrm>
+          <a:prstGeom prst="rect">
+            <a:avLst/>
+          </a:prstGeom>
+        </p:spPr>
+      </p:pic>
+      <p:pic>
+        <p:nvPicPr>
+          <p:cNvPr id="8" name="圖片 7"/>
+          <p:cNvPicPr>
+            <a:picLocks noChangeAspect="1"/>
+          </p:cNvPicPr>
+          <p:nvPr/>
+        </p:nvPicPr>
+        <p:blipFill>
+          <a:blip r:embed="rId5">
+            <a:clrChange>
+              <a:clrFrom>
+                <a:srgbClr val="FFFFFF"/>
+              </a:clrFrom>
+              <a:clrTo>
+                <a:srgbClr val="FFFFFF">
+                  <a:alpha val="0"/>
+                </a:srgbClr>
+              </a:clrTo>
+            </a:clrChange>
+          </a:blip>
+          <a:stretch>
+            <a:fillRect/>
+          </a:stretch>
+        </p:blipFill>
+        <p:spPr>
+          <a:xfrm>
+            <a:off x="6095999" y="3432488"/>
+            <a:ext cx="6096001" cy="3266020"/>
           </a:xfrm>
           <a:prstGeom prst="rect">
             <a:avLst/>
@@ -23925,19 +25801,23 @@
       </p:pic>
       <p:sp>
         <p:nvSpPr>
-          <p:cNvPr id="5" name="文字方塊 4"/>
+          <p:cNvPr id="9" name="文字方塊 8"/>
           <p:cNvSpPr txBox="1"/>
           <p:nvPr/>
         </p:nvSpPr>
         <p:spPr>
           <a:xfrm>
-            <a:off x="1392865" y="6145619"/>
-            <a:ext cx="940322" cy="427425"/>
+            <a:off x="13013" y="6693"/>
+            <a:ext cx="773610" cy="427425"/>
           </a:xfrm>
           <a:prstGeom prst="rect">
             <a:avLst/>
           </a:prstGeom>
-          <a:noFill/>
+          <a:solidFill>
+            <a:srgbClr val="565656">
+              <a:alpha val="50196"/>
+            </a:srgbClr>
+          </a:solidFill>
         </p:spPr>
         <p:txBody>
           <a:bodyPr wrap="none" lIns="0" rtlCol="0" anchor="t">
@@ -23952,12 +25832,18 @@
             </a:pPr>
             <a:r>
               <a:rPr lang="en-US" altLang="zh-TW" sz="2000" dirty="0" smtClean="0">
+                <a:solidFill>
+                  <a:schemeClr val="bg1"/>
+                </a:solidFill>
                 <a:latin typeface="Segoe UI Light" panose="020B0502040204020203" pitchFamily="34" charset="0"/>
                 <a:cs typeface="Segoe UI Light" panose="020B0502040204020203" pitchFamily="34" charset="0"/>
               </a:rPr>
-              <a:t>Ra=1.66</a:t>
+              <a:t>Step 3</a:t>
             </a:r>
             <a:endParaRPr lang="zh-TW" altLang="en-US" sz="2000" dirty="0" smtClean="0">
+              <a:solidFill>
+                <a:schemeClr val="bg1"/>
+              </a:solidFill>
               <a:latin typeface="Segoe UI Light" panose="020B0502040204020203" pitchFamily="34" charset="0"/>
               <a:cs typeface="Segoe UI Light" panose="020B0502040204020203" pitchFamily="34" charset="0"/>
             </a:endParaRPr>
@@ -23966,19 +25852,23 @@
       </p:sp>
       <p:sp>
         <p:nvSpPr>
-          <p:cNvPr id="6" name="文字方塊 5"/>
+          <p:cNvPr id="10" name="文字方塊 9"/>
           <p:cNvSpPr txBox="1"/>
           <p:nvPr/>
         </p:nvSpPr>
         <p:spPr>
           <a:xfrm>
-            <a:off x="2870791" y="6156251"/>
-            <a:ext cx="818494" cy="427425"/>
+            <a:off x="6096000" y="6693"/>
+            <a:ext cx="773610" cy="427425"/>
           </a:xfrm>
           <a:prstGeom prst="rect">
             <a:avLst/>
           </a:prstGeom>
-          <a:noFill/>
+          <a:solidFill>
+            <a:srgbClr val="565656">
+              <a:alpha val="50196"/>
+            </a:srgbClr>
+          </a:solidFill>
         </p:spPr>
         <p:txBody>
           <a:bodyPr wrap="none" lIns="0" rtlCol="0" anchor="t">
@@ -23993,12 +25883,18 @@
             </a:pPr>
             <a:r>
               <a:rPr lang="en-US" altLang="zh-TW" sz="2000" dirty="0" smtClean="0">
+                <a:solidFill>
+                  <a:schemeClr val="bg1"/>
+                </a:solidFill>
                 <a:latin typeface="Segoe UI Light" panose="020B0502040204020203" pitchFamily="34" charset="0"/>
                 <a:cs typeface="Segoe UI Light" panose="020B0502040204020203" pitchFamily="34" charset="0"/>
               </a:rPr>
-              <a:t>R=1.84</a:t>
+              <a:t>Step 5</a:t>
             </a:r>
             <a:endParaRPr lang="zh-TW" altLang="en-US" sz="2000" dirty="0" smtClean="0">
+              <a:solidFill>
+                <a:schemeClr val="bg1"/>
+              </a:solidFill>
               <a:latin typeface="Segoe UI Light" panose="020B0502040204020203" pitchFamily="34" charset="0"/>
               <a:cs typeface="Segoe UI Light" panose="020B0502040204020203" pitchFamily="34" charset="0"/>
             </a:endParaRPr>
@@ -24007,19 +25903,23 @@
       </p:sp>
       <p:sp>
         <p:nvSpPr>
-          <p:cNvPr id="7" name="文字方塊 6"/>
+          <p:cNvPr id="11" name="文字方塊 10"/>
           <p:cNvSpPr txBox="1"/>
           <p:nvPr/>
         </p:nvSpPr>
         <p:spPr>
           <a:xfrm>
-            <a:off x="7602279" y="6145619"/>
-            <a:ext cx="848950" cy="427425"/>
+            <a:off x="-2" y="3441423"/>
+            <a:ext cx="770404" cy="427425"/>
           </a:xfrm>
           <a:prstGeom prst="rect">
             <a:avLst/>
           </a:prstGeom>
-          <a:noFill/>
+          <a:solidFill>
+            <a:srgbClr val="565656">
+              <a:alpha val="50196"/>
+            </a:srgbClr>
+          </a:solidFill>
         </p:spPr>
         <p:txBody>
           <a:bodyPr wrap="none" lIns="0" rtlCol="0" anchor="t">
@@ -24034,12 +25934,18 @@
             </a:pPr>
             <a:r>
               <a:rPr lang="en-US" altLang="zh-TW" sz="2000" dirty="0" smtClean="0">
+                <a:solidFill>
+                  <a:schemeClr val="bg1"/>
+                </a:solidFill>
                 <a:latin typeface="Segoe UI Light" panose="020B0502040204020203" pitchFamily="34" charset="0"/>
                 <a:cs typeface="Segoe UI Light" panose="020B0502040204020203" pitchFamily="34" charset="0"/>
               </a:rPr>
-              <a:t>Ra=0.3</a:t>
+              <a:t>Step 7</a:t>
             </a:r>
             <a:endParaRPr lang="zh-TW" altLang="en-US" sz="2000" dirty="0" smtClean="0">
+              <a:solidFill>
+                <a:schemeClr val="bg1"/>
+              </a:solidFill>
               <a:latin typeface="Segoe UI Light" panose="020B0502040204020203" pitchFamily="34" charset="0"/>
               <a:cs typeface="Segoe UI Light" panose="020B0502040204020203" pitchFamily="34" charset="0"/>
             </a:endParaRPr>
@@ -24048,19 +25954,23 @@
       </p:sp>
       <p:sp>
         <p:nvSpPr>
-          <p:cNvPr id="8" name="文字方塊 7"/>
+          <p:cNvPr id="12" name="文字方塊 11"/>
           <p:cNvSpPr txBox="1"/>
           <p:nvPr/>
         </p:nvSpPr>
         <p:spPr>
           <a:xfrm>
-            <a:off x="8953568" y="6122120"/>
-            <a:ext cx="853760" cy="427425"/>
+            <a:off x="6095998" y="3441423"/>
+            <a:ext cx="773610" cy="427425"/>
           </a:xfrm>
           <a:prstGeom prst="rect">
             <a:avLst/>
           </a:prstGeom>
-          <a:noFill/>
+          <a:solidFill>
+            <a:srgbClr val="565656">
+              <a:alpha val="50196"/>
+            </a:srgbClr>
+          </a:solidFill>
         </p:spPr>
         <p:txBody>
           <a:bodyPr wrap="none" lIns="0" rtlCol="0" anchor="t">
@@ -24075,141 +25985,41 @@
             </a:pPr>
             <a:r>
               <a:rPr lang="en-US" altLang="zh-TW" sz="2000" dirty="0" smtClean="0">
+                <a:solidFill>
+                  <a:schemeClr val="bg1"/>
+                </a:solidFill>
                 <a:latin typeface="Segoe UI Light" panose="020B0502040204020203" pitchFamily="34" charset="0"/>
                 <a:cs typeface="Segoe UI Light" panose="020B0502040204020203" pitchFamily="34" charset="0"/>
               </a:rPr>
-              <a:t>R=0.36</a:t>
+              <a:t>Step 8</a:t>
             </a:r>
             <a:endParaRPr lang="zh-TW" altLang="en-US" sz="2000" dirty="0" smtClean="0">
+              <a:solidFill>
+                <a:schemeClr val="bg1"/>
+              </a:solidFill>
               <a:latin typeface="Segoe UI Light" panose="020B0502040204020203" pitchFamily="34" charset="0"/>
               <a:cs typeface="Segoe UI Light" panose="020B0502040204020203" pitchFamily="34" charset="0"/>
             </a:endParaRPr>
           </a:p>
         </p:txBody>
       </p:sp>
-      <p:sp>
-        <p:nvSpPr>
-          <p:cNvPr id="9" name="文字方塊 8"/>
-          <p:cNvSpPr txBox="1"/>
-          <p:nvPr/>
-        </p:nvSpPr>
-        <p:spPr>
-          <a:xfrm>
-            <a:off x="4618074" y="1596623"/>
-            <a:ext cx="900246" cy="427425"/>
-          </a:xfrm>
-          <a:prstGeom prst="rect">
-            <a:avLst/>
-          </a:prstGeom>
-          <a:noFill/>
-        </p:spPr>
-        <p:txBody>
-          <a:bodyPr wrap="none" lIns="0" rtlCol="0" anchor="t">
-            <a:spAutoFit/>
-          </a:bodyPr>
-          <a:lstStyle/>
-          <a:p>
-            <a:pPr algn="l">
-              <a:lnSpc>
-                <a:spcPct val="120000"/>
-              </a:lnSpc>
-            </a:pPr>
-            <a:r>
-              <a:rPr lang="en-US" altLang="zh-TW" sz="2000" dirty="0" smtClean="0">
-                <a:latin typeface="Segoe UI Light" panose="020B0502040204020203" pitchFamily="34" charset="0"/>
-                <a:cs typeface="Segoe UI Light" panose="020B0502040204020203" pitchFamily="34" charset="0"/>
-              </a:rPr>
-              <a:t>Ra=1.61</a:t>
-            </a:r>
-            <a:endParaRPr lang="zh-TW" altLang="en-US" sz="2000" dirty="0" smtClean="0">
-              <a:latin typeface="Segoe UI Light" panose="020B0502040204020203" pitchFamily="34" charset="0"/>
-              <a:cs typeface="Segoe UI Light" panose="020B0502040204020203" pitchFamily="34" charset="0"/>
-            </a:endParaRPr>
-          </a:p>
-        </p:txBody>
-      </p:sp>
-      <p:sp>
-        <p:nvSpPr>
-          <p:cNvPr id="10" name="文字方塊 9"/>
-          <p:cNvSpPr txBox="1"/>
-          <p:nvPr/>
-        </p:nvSpPr>
-        <p:spPr>
-          <a:xfrm>
-            <a:off x="6096000" y="1607255"/>
-            <a:ext cx="813684" cy="427425"/>
-          </a:xfrm>
-          <a:prstGeom prst="rect">
-            <a:avLst/>
-          </a:prstGeom>
-          <a:noFill/>
-        </p:spPr>
-        <p:txBody>
-          <a:bodyPr wrap="none" lIns="0" rtlCol="0" anchor="t">
-            <a:spAutoFit/>
-          </a:bodyPr>
-          <a:lstStyle/>
-          <a:p>
-            <a:pPr algn="l">
-              <a:lnSpc>
-                <a:spcPct val="120000"/>
-              </a:lnSpc>
-            </a:pPr>
-            <a:r>
-              <a:rPr lang="en-US" altLang="zh-TW" sz="2000" dirty="0" smtClean="0">
-                <a:latin typeface="Segoe UI Light" panose="020B0502040204020203" pitchFamily="34" charset="0"/>
-                <a:cs typeface="Segoe UI Light" panose="020B0502040204020203" pitchFamily="34" charset="0"/>
-              </a:rPr>
-              <a:t>R=1.80</a:t>
-            </a:r>
-            <a:endParaRPr lang="zh-TW" altLang="en-US" sz="2000" dirty="0" smtClean="0">
-              <a:latin typeface="Segoe UI Light" panose="020B0502040204020203" pitchFamily="34" charset="0"/>
-              <a:cs typeface="Segoe UI Light" panose="020B0502040204020203" pitchFamily="34" charset="0"/>
-            </a:endParaRPr>
-          </a:p>
-        </p:txBody>
-      </p:sp>
-      <p:pic>
-        <p:nvPicPr>
-          <p:cNvPr id="11" name="圖片 10"/>
-          <p:cNvPicPr>
-            <a:picLocks noChangeAspect="1"/>
-          </p:cNvPicPr>
-          <p:nvPr/>
-        </p:nvPicPr>
-        <p:blipFill>
-          <a:blip r:embed="rId3"/>
-          <a:stretch>
-            <a:fillRect/>
-          </a:stretch>
-        </p:blipFill>
-        <p:spPr>
-          <a:xfrm>
-            <a:off x="6009300" y="1993560"/>
-            <a:ext cx="5344500" cy="4004000"/>
-          </a:xfrm>
-          <a:prstGeom prst="rect">
-            <a:avLst/>
-          </a:prstGeom>
-        </p:spPr>
-      </p:pic>
     </p:spTree>
     <p:extLst>
       <p:ext uri="{BB962C8B-B14F-4D97-AF65-F5344CB8AC3E}">
-        <p14:creationId xmlns:p14="http://schemas.microsoft.com/office/powerpoint/2010/main" val="4158577181"/>
+        <p14:creationId xmlns:p14="http://schemas.microsoft.com/office/powerpoint/2010/main" val="4151471612"/>
       </p:ext>
     </p:extLst>
   </p:cSld>
   <p:clrMapOvr>
     <a:masterClrMapping/>
   </p:clrMapOvr>
-  <mc:AlternateContent xmlns:mc="http://schemas.openxmlformats.org/markup-compatibility/2006">
-    <mc:Choice xmlns:p14="http://schemas.microsoft.com/office/powerpoint/2010/main" Requires="p14">
+  <mc:AlternateContent xmlns:mc="http://schemas.openxmlformats.org/markup-compatibility/2006" xmlns:p14="http://schemas.microsoft.com/office/powerpoint/2010/main">
+    <mc:Choice Requires="p14">
       <p:transition spd="med" p14:dur="700">
         <p:fade/>
       </p:transition>
     </mc:Choice>
-    <mc:Fallback>
+    <mc:Fallback xmlns="">
       <p:transition spd="med">
         <p:fade/>
       </p:transition>
@@ -24225,8 +26035,8 @@
 </p:sld>
 </file>
 
-<file path=ppt/slides/slide12.xml><?xml version="1.0" encoding="utf-8"?>
-<p:sld xmlns:a="http://schemas.openxmlformats.org/drawingml/2006/main" xmlns:r="http://schemas.openxmlformats.org/officeDocument/2006/relationships" xmlns:p="http://schemas.openxmlformats.org/presentationml/2006/main">
+<file path=ppt/slides/slide16.xml><?xml version="1.0" encoding="utf-8"?>
+<p:sld xmlns:a="http://schemas.openxmlformats.org/drawingml/2006/main" xmlns:r="http://schemas.openxmlformats.org/officeDocument/2006/relationships" xmlns:p="http://schemas.openxmlformats.org/presentationml/2006/main" show="0">
   <p:cSld>
     <p:spTree>
       <p:nvGrpSpPr>
@@ -24321,7 +26131,7 @@
           <a:p>
             <a:fld id="{6F0746BA-D1AA-4FF4-8D48-BDBC7FF48778}" type="slidenum">
               <a:rPr lang="fr-FR" smtClean="0"/>
-              <a:t>12</a:t>
+              <a:t>16</a:t>
             </a:fld>
             <a:endParaRPr lang="fr-FR"/>
           </a:p>
@@ -24448,13 +26258,13 @@
   <p:clrMapOvr>
     <a:masterClrMapping/>
   </p:clrMapOvr>
-  <mc:AlternateContent xmlns:mc="http://schemas.openxmlformats.org/markup-compatibility/2006" xmlns:p14="http://schemas.microsoft.com/office/powerpoint/2010/main">
-    <mc:Choice Requires="p14">
+  <mc:AlternateContent xmlns:mc="http://schemas.openxmlformats.org/markup-compatibility/2006">
+    <mc:Choice xmlns:p14="http://schemas.microsoft.com/office/powerpoint/2010/main" Requires="p14">
       <p:transition spd="med" p14:dur="700">
         <p:fade/>
       </p:transition>
     </mc:Choice>
-    <mc:Fallback xmlns="">
+    <mc:Fallback>
       <p:transition spd="med">
         <p:fade/>
       </p:transition>
@@ -24470,8 +26280,8 @@
 </p:sld>
 </file>
 
-<file path=ppt/slides/slide13.xml><?xml version="1.0" encoding="utf-8"?>
-<p:sld xmlns:a="http://schemas.openxmlformats.org/drawingml/2006/main" xmlns:r="http://schemas.openxmlformats.org/officeDocument/2006/relationships" xmlns:p="http://schemas.openxmlformats.org/presentationml/2006/main">
+<file path=ppt/slides/slide17.xml><?xml version="1.0" encoding="utf-8"?>
+<p:sld xmlns:a="http://schemas.openxmlformats.org/drawingml/2006/main" xmlns:r="http://schemas.openxmlformats.org/officeDocument/2006/relationships" xmlns:p="http://schemas.openxmlformats.org/presentationml/2006/main" show="0">
   <p:cSld>
     <p:spTree>
       <p:nvGrpSpPr>
@@ -24536,7 +26346,7 @@
           <a:p>
             <a:fld id="{6F0746BA-D1AA-4FF4-8D48-BDBC7FF48778}" type="slidenum">
               <a:rPr lang="fr-FR" smtClean="0"/>
-              <a:t>13</a:t>
+              <a:t>17</a:t>
             </a:fld>
             <a:endParaRPr lang="fr-FR"/>
           </a:p>
@@ -24711,6 +26521,306 @@
   <p:clrMapOvr>
     <a:masterClrMapping/>
   </p:clrMapOvr>
+  <mc:AlternateContent xmlns:mc="http://schemas.openxmlformats.org/markup-compatibility/2006">
+    <mc:Choice xmlns:p14="http://schemas.microsoft.com/office/powerpoint/2010/main" Requires="p14">
+      <p:transition spd="med" p14:dur="700">
+        <p:fade/>
+      </p:transition>
+    </mc:Choice>
+    <mc:Fallback>
+      <p:transition spd="med">
+        <p:fade/>
+      </p:transition>
+    </mc:Fallback>
+  </mc:AlternateContent>
+  <p:timing>
+    <p:tnLst>
+      <p:par>
+        <p:cTn id="1" dur="indefinite" restart="never" nodeType="tmRoot"/>
+      </p:par>
+    </p:tnLst>
+  </p:timing>
+</p:sld>
+</file>
+
+<file path=ppt/slides/slide18.xml><?xml version="1.0" encoding="utf-8"?>
+<p:sld xmlns:a="http://schemas.openxmlformats.org/drawingml/2006/main" xmlns:r="http://schemas.openxmlformats.org/officeDocument/2006/relationships" xmlns:p="http://schemas.openxmlformats.org/presentationml/2006/main">
+  <p:cSld>
+    <p:spTree>
+      <p:nvGrpSpPr>
+        <p:cNvPr id="1" name=""/>
+        <p:cNvGrpSpPr/>
+        <p:nvPr/>
+      </p:nvGrpSpPr>
+      <p:grpSpPr>
+        <a:xfrm>
+          <a:off x="0" y="0"/>
+          <a:ext cx="0" cy="0"/>
+          <a:chOff x="0" y="0"/>
+          <a:chExt cx="0" cy="0"/>
+        </a:xfrm>
+      </p:grpSpPr>
+      <p:sp>
+        <p:nvSpPr>
+          <p:cNvPr id="4" name="文字版面配置區 3"/>
+          <p:cNvSpPr>
+            <a:spLocks noGrp="1"/>
+          </p:cNvSpPr>
+          <p:nvPr>
+            <p:ph type="body" sz="quarter" idx="10"/>
+          </p:nvPr>
+        </p:nvSpPr>
+        <p:spPr>
+          <a:xfrm>
+            <a:off x="839788" y="660400"/>
+            <a:ext cx="4481512" cy="701731"/>
+          </a:xfrm>
+        </p:spPr>
+        <p:txBody>
+          <a:bodyPr/>
+          <a:lstStyle/>
+          <a:p>
+            <a:r>
+              <a:rPr lang="en-US" altLang="zh-TW" dirty="0"/>
+              <a:t>Time </a:t>
+            </a:r>
+            <a:r>
+              <a:rPr lang="en-US" altLang="zh-TW" dirty="0" smtClean="0"/>
+              <a:t>history</a:t>
+            </a:r>
+            <a:endParaRPr lang="zh-TW" altLang="en-US" dirty="0"/>
+          </a:p>
+        </p:txBody>
+      </p:sp>
+      <p:sp>
+        <p:nvSpPr>
+          <p:cNvPr id="2" name="投影片編號版面配置區 1"/>
+          <p:cNvSpPr>
+            <a:spLocks noGrp="1"/>
+          </p:cNvSpPr>
+          <p:nvPr>
+            <p:ph type="sldNum" sz="quarter" idx="4"/>
+          </p:nvPr>
+        </p:nvSpPr>
+        <p:spPr/>
+        <p:txBody>
+          <a:bodyPr/>
+          <a:lstStyle/>
+          <a:p>
+            <a:fld id="{6F0746BA-D1AA-4FF4-8D48-BDBC7FF48778}" type="slidenum">
+              <a:rPr lang="fr-FR" smtClean="0"/>
+              <a:t>18</a:t>
+            </a:fld>
+            <a:endParaRPr lang="fr-FR"/>
+          </a:p>
+        </p:txBody>
+      </p:sp>
+      <p:graphicFrame>
+        <p:nvGraphicFramePr>
+          <p:cNvPr id="6" name="圖表 5"/>
+          <p:cNvGraphicFramePr>
+            <a:graphicFrameLocks/>
+          </p:cNvGraphicFramePr>
+          <p:nvPr>
+            <p:extLst>
+              <p:ext uri="{D42A27DB-BD31-4B8C-83A1-F6EECF244321}">
+                <p14:modId xmlns:p14="http://schemas.microsoft.com/office/powerpoint/2010/main" val="1548799553"/>
+              </p:ext>
+            </p:extLst>
+          </p:nvPr>
+        </p:nvGraphicFramePr>
+        <p:xfrm>
+          <a:off x="839788" y="3003697"/>
+          <a:ext cx="5256212" cy="2743200"/>
+        </p:xfrm>
+        <a:graphic>
+          <a:graphicData uri="http://schemas.openxmlformats.org/drawingml/2006/chart">
+            <c:chart xmlns:c="http://schemas.openxmlformats.org/drawingml/2006/chart" xmlns:r="http://schemas.openxmlformats.org/officeDocument/2006/relationships" r:id="rId2"/>
+          </a:graphicData>
+        </a:graphic>
+      </p:graphicFrame>
+      <p:sp>
+        <p:nvSpPr>
+          <p:cNvPr id="8" name="文字方塊 7"/>
+          <p:cNvSpPr txBox="1"/>
+          <p:nvPr/>
+        </p:nvSpPr>
+        <p:spPr>
+          <a:xfrm>
+            <a:off x="2358135" y="2542032"/>
+            <a:ext cx="2219518" cy="461665"/>
+          </a:xfrm>
+          <a:prstGeom prst="rect">
+            <a:avLst/>
+          </a:prstGeom>
+          <a:noFill/>
+        </p:spPr>
+        <p:txBody>
+          <a:bodyPr wrap="none" lIns="0" rtlCol="0" anchor="t">
+            <a:spAutoFit/>
+          </a:bodyPr>
+          <a:lstStyle/>
+          <a:p>
+            <a:pPr algn="l">
+              <a:lnSpc>
+                <a:spcPct val="120000"/>
+              </a:lnSpc>
+            </a:pPr>
+            <a:r>
+              <a:rPr lang="en-US" altLang="zh-TW" sz="2000" dirty="0" smtClean="0">
+                <a:latin typeface="Segoe UI Light" panose="020B0502040204020203" pitchFamily="34" charset="0"/>
+                <a:cs typeface="Segoe UI Light" panose="020B0502040204020203" pitchFamily="34" charset="0"/>
+              </a:rPr>
+              <a:t>Scaled to DBE, MCE</a:t>
+            </a:r>
+            <a:endParaRPr lang="zh-TW" altLang="en-US" sz="2000" dirty="0" smtClean="0">
+              <a:latin typeface="Segoe UI Light" panose="020B0502040204020203" pitchFamily="34" charset="0"/>
+              <a:cs typeface="Segoe UI Light" panose="020B0502040204020203" pitchFamily="34" charset="0"/>
+            </a:endParaRPr>
+          </a:p>
+        </p:txBody>
+      </p:sp>
+      <p:pic>
+        <p:nvPicPr>
+          <p:cNvPr id="10" name="圖片 9"/>
+          <p:cNvPicPr>
+            <a:picLocks noChangeAspect="1"/>
+          </p:cNvPicPr>
+          <p:nvPr/>
+        </p:nvPicPr>
+        <p:blipFill>
+          <a:blip r:embed="rId3">
+            <a:clrChange>
+              <a:clrFrom>
+                <a:srgbClr val="FFFFFF"/>
+              </a:clrFrom>
+              <a:clrTo>
+                <a:srgbClr val="FFFFFF">
+                  <a:alpha val="0"/>
+                </a:srgbClr>
+              </a:clrTo>
+            </a:clrChange>
+          </a:blip>
+          <a:stretch>
+            <a:fillRect/>
+          </a:stretch>
+        </p:blipFill>
+        <p:spPr>
+          <a:xfrm>
+            <a:off x="6675774" y="1927749"/>
+            <a:ext cx="3019048" cy="4257143"/>
+          </a:xfrm>
+          <a:prstGeom prst="rect">
+            <a:avLst/>
+          </a:prstGeom>
+        </p:spPr>
+      </p:pic>
+      <p:sp>
+        <p:nvSpPr>
+          <p:cNvPr id="11" name="文字方塊 10"/>
+          <p:cNvSpPr txBox="1"/>
+          <p:nvPr/>
+        </p:nvSpPr>
+        <p:spPr>
+          <a:xfrm>
+            <a:off x="7517219" y="1362131"/>
+            <a:ext cx="1195264" cy="427425"/>
+          </a:xfrm>
+          <a:prstGeom prst="rect">
+            <a:avLst/>
+          </a:prstGeom>
+          <a:noFill/>
+        </p:spPr>
+        <p:txBody>
+          <a:bodyPr wrap="none" lIns="0" rtlCol="0" anchor="t">
+            <a:spAutoFit/>
+          </a:bodyPr>
+          <a:lstStyle/>
+          <a:p>
+            <a:pPr algn="l">
+              <a:lnSpc>
+                <a:spcPct val="120000"/>
+              </a:lnSpc>
+            </a:pPr>
+            <a:r>
+              <a:rPr lang="en-US" altLang="zh-TW" sz="2000" dirty="0" smtClean="0">
+                <a:latin typeface="Segoe UI Light" panose="020B0502040204020203" pitchFamily="34" charset="0"/>
+                <a:cs typeface="Segoe UI Light" panose="020B0502040204020203" pitchFamily="34" charset="0"/>
+              </a:rPr>
+              <a:t>Story Drift</a:t>
+            </a:r>
+            <a:endParaRPr lang="zh-TW" altLang="en-US" sz="2000" dirty="0" smtClean="0">
+              <a:latin typeface="Segoe UI Light" panose="020B0502040204020203" pitchFamily="34" charset="0"/>
+              <a:cs typeface="Segoe UI Light" panose="020B0502040204020203" pitchFamily="34" charset="0"/>
+            </a:endParaRPr>
+          </a:p>
+        </p:txBody>
+      </p:sp>
+      <p:sp>
+        <p:nvSpPr>
+          <p:cNvPr id="12" name="文字方塊 11"/>
+          <p:cNvSpPr txBox="1"/>
+          <p:nvPr/>
+        </p:nvSpPr>
+        <p:spPr>
+          <a:xfrm>
+            <a:off x="9888279" y="3640821"/>
+            <a:ext cx="1321837" cy="830997"/>
+          </a:xfrm>
+          <a:prstGeom prst="rect">
+            <a:avLst/>
+          </a:prstGeom>
+          <a:noFill/>
+        </p:spPr>
+        <p:txBody>
+          <a:bodyPr wrap="none" lIns="0" rtlCol="0" anchor="t">
+            <a:spAutoFit/>
+          </a:bodyPr>
+          <a:lstStyle/>
+          <a:p>
+            <a:pPr algn="l">
+              <a:lnSpc>
+                <a:spcPct val="120000"/>
+              </a:lnSpc>
+            </a:pPr>
+            <a:r>
+              <a:rPr lang="en-US" altLang="zh-TW" sz="2000" dirty="0" smtClean="0">
+                <a:latin typeface="Segoe UI Light" panose="020B0502040204020203" pitchFamily="34" charset="0"/>
+                <a:cs typeface="Segoe UI Light" panose="020B0502040204020203" pitchFamily="34" charset="0"/>
+              </a:rPr>
+              <a:t>DBE &lt; 1.5%</a:t>
+            </a:r>
+          </a:p>
+          <a:p>
+            <a:pPr algn="l">
+              <a:lnSpc>
+                <a:spcPct val="120000"/>
+              </a:lnSpc>
+            </a:pPr>
+            <a:r>
+              <a:rPr lang="en-US" altLang="zh-TW" sz="2000" dirty="0" smtClean="0">
+                <a:latin typeface="Segoe UI Light" panose="020B0502040204020203" pitchFamily="34" charset="0"/>
+                <a:cs typeface="Segoe UI Light" panose="020B0502040204020203" pitchFamily="34" charset="0"/>
+              </a:rPr>
+              <a:t>MCE &lt; 2%</a:t>
+            </a:r>
+            <a:endParaRPr lang="zh-TW" altLang="en-US" sz="2000" dirty="0" smtClean="0">
+              <a:latin typeface="Segoe UI Light" panose="020B0502040204020203" pitchFamily="34" charset="0"/>
+              <a:cs typeface="Segoe UI Light" panose="020B0502040204020203" pitchFamily="34" charset="0"/>
+            </a:endParaRPr>
+          </a:p>
+        </p:txBody>
+      </p:sp>
+    </p:spTree>
+    <p:extLst>
+      <p:ext uri="{BB962C8B-B14F-4D97-AF65-F5344CB8AC3E}">
+        <p14:creationId xmlns:p14="http://schemas.microsoft.com/office/powerpoint/2010/main" val="4008800865"/>
+      </p:ext>
+    </p:extLst>
+  </p:cSld>
+  <p:clrMapOvr>
+    <a:masterClrMapping/>
+  </p:clrMapOvr>
   <mc:AlternateContent xmlns:mc="http://schemas.openxmlformats.org/markup-compatibility/2006" xmlns:p14="http://schemas.microsoft.com/office/powerpoint/2010/main">
     <mc:Choice Requires="p14">
       <p:transition spd="med" p14:dur="700">
@@ -24733,7 +26843,1201 @@
 </p:sld>
 </file>
 
-<file path=ppt/slides/slide14.xml><?xml version="1.0" encoding="utf-8"?>
+<file path=ppt/slides/slide19.xml><?xml version="1.0" encoding="utf-8"?>
+<p:sld xmlns:a="http://schemas.openxmlformats.org/drawingml/2006/main" xmlns:r="http://schemas.openxmlformats.org/officeDocument/2006/relationships" xmlns:p="http://schemas.openxmlformats.org/presentationml/2006/main">
+  <p:cSld>
+    <p:spTree>
+      <p:nvGrpSpPr>
+        <p:cNvPr id="1" name=""/>
+        <p:cNvGrpSpPr/>
+        <p:nvPr/>
+      </p:nvGrpSpPr>
+      <p:grpSpPr>
+        <a:xfrm>
+          <a:off x="0" y="0"/>
+          <a:ext cx="0" cy="0"/>
+          <a:chOff x="0" y="0"/>
+          <a:chExt cx="0" cy="0"/>
+        </a:xfrm>
+      </p:grpSpPr>
+      <p:sp>
+        <p:nvSpPr>
+          <p:cNvPr id="2" name="文字版面配置區 1"/>
+          <p:cNvSpPr>
+            <a:spLocks noGrp="1"/>
+          </p:cNvSpPr>
+          <p:nvPr>
+            <p:ph type="body" sz="quarter" idx="10"/>
+          </p:nvPr>
+        </p:nvSpPr>
+        <p:spPr/>
+        <p:txBody>
+          <a:bodyPr/>
+          <a:lstStyle/>
+          <a:p>
+            <a:r>
+              <a:rPr lang="en-US" altLang="zh-TW" dirty="0" smtClean="0"/>
+              <a:t>Scaled</a:t>
+            </a:r>
+            <a:endParaRPr lang="zh-TW" altLang="en-US" dirty="0"/>
+          </a:p>
+        </p:txBody>
+      </p:sp>
+      <p:sp>
+        <p:nvSpPr>
+          <p:cNvPr id="3" name="投影片編號版面配置區 2"/>
+          <p:cNvSpPr>
+            <a:spLocks noGrp="1"/>
+          </p:cNvSpPr>
+          <p:nvPr>
+            <p:ph type="sldNum" sz="quarter" idx="4"/>
+          </p:nvPr>
+        </p:nvSpPr>
+        <p:spPr/>
+        <p:txBody>
+          <a:bodyPr/>
+          <a:lstStyle/>
+          <a:p>
+            <a:fld id="{6F0746BA-D1AA-4FF4-8D48-BDBC7FF48778}" type="slidenum">
+              <a:rPr lang="fr-FR" smtClean="0"/>
+              <a:t>19</a:t>
+            </a:fld>
+            <a:endParaRPr lang="fr-FR"/>
+          </a:p>
+        </p:txBody>
+      </p:sp>
+      <p:pic>
+        <p:nvPicPr>
+          <p:cNvPr id="5" name="圖片 4"/>
+          <p:cNvPicPr>
+            <a:picLocks noChangeAspect="1"/>
+          </p:cNvPicPr>
+          <p:nvPr/>
+        </p:nvPicPr>
+        <p:blipFill>
+          <a:blip r:embed="rId2">
+            <a:clrChange>
+              <a:clrFrom>
+                <a:srgbClr val="FFFFFF"/>
+              </a:clrFrom>
+              <a:clrTo>
+                <a:srgbClr val="FFFFFF">
+                  <a:alpha val="0"/>
+                </a:srgbClr>
+              </a:clrTo>
+            </a:clrChange>
+          </a:blip>
+          <a:stretch>
+            <a:fillRect/>
+          </a:stretch>
+        </p:blipFill>
+        <p:spPr>
+          <a:xfrm>
+            <a:off x="349843" y="1909893"/>
+            <a:ext cx="5533501" cy="4144000"/>
+          </a:xfrm>
+          <a:prstGeom prst="rect">
+            <a:avLst/>
+          </a:prstGeom>
+        </p:spPr>
+      </p:pic>
+      <p:pic>
+        <p:nvPicPr>
+          <p:cNvPr id="7" name="圖片 6"/>
+          <p:cNvPicPr>
+            <a:picLocks noChangeAspect="1"/>
+          </p:cNvPicPr>
+          <p:nvPr/>
+        </p:nvPicPr>
+        <p:blipFill>
+          <a:blip r:embed="rId3">
+            <a:clrChange>
+              <a:clrFrom>
+                <a:srgbClr val="FFFFFF"/>
+              </a:clrFrom>
+              <a:clrTo>
+                <a:srgbClr val="FFFFFF">
+                  <a:alpha val="0"/>
+                </a:srgbClr>
+              </a:clrTo>
+            </a:clrChange>
+          </a:blip>
+          <a:stretch>
+            <a:fillRect/>
+          </a:stretch>
+        </p:blipFill>
+        <p:spPr>
+          <a:xfrm>
+            <a:off x="6319285" y="1909893"/>
+            <a:ext cx="5533501" cy="4144000"/>
+          </a:xfrm>
+          <a:prstGeom prst="rect">
+            <a:avLst/>
+          </a:prstGeom>
+        </p:spPr>
+      </p:pic>
+      <p:cxnSp>
+        <p:nvCxnSpPr>
+          <p:cNvPr id="9" name="直線單箭頭接點 8"/>
+          <p:cNvCxnSpPr>
+            <a:endCxn id="7" idx="1"/>
+          </p:cNvCxnSpPr>
+          <p:nvPr/>
+        </p:nvCxnSpPr>
+        <p:spPr>
+          <a:xfrm>
+            <a:off x="5645888" y="3981893"/>
+            <a:ext cx="673397" cy="0"/>
+          </a:xfrm>
+          <a:prstGeom prst="straightConnector1">
+            <a:avLst/>
+          </a:prstGeom>
+          <a:ln>
+            <a:solidFill>
+              <a:schemeClr val="tx1"/>
+            </a:solidFill>
+            <a:tailEnd type="triangle"/>
+          </a:ln>
+        </p:spPr>
+        <p:style>
+          <a:lnRef idx="1">
+            <a:schemeClr val="accent1"/>
+          </a:lnRef>
+          <a:fillRef idx="0">
+            <a:schemeClr val="accent1"/>
+          </a:fillRef>
+          <a:effectRef idx="0">
+            <a:schemeClr val="accent1"/>
+          </a:effectRef>
+          <a:fontRef idx="minor">
+            <a:schemeClr val="tx1"/>
+          </a:fontRef>
+        </p:style>
+      </p:cxnSp>
+    </p:spTree>
+    <p:extLst>
+      <p:ext uri="{BB962C8B-B14F-4D97-AF65-F5344CB8AC3E}">
+        <p14:creationId xmlns:p14="http://schemas.microsoft.com/office/powerpoint/2010/main" val="3840022833"/>
+      </p:ext>
+    </p:extLst>
+  </p:cSld>
+  <p:clrMapOvr>
+    <a:masterClrMapping/>
+  </p:clrMapOvr>
+  <mc:AlternateContent xmlns:mc="http://schemas.openxmlformats.org/markup-compatibility/2006" xmlns:p14="http://schemas.microsoft.com/office/powerpoint/2010/main">
+    <mc:Choice Requires="p14">
+      <p:transition spd="med" p14:dur="700">
+        <p:fade/>
+      </p:transition>
+    </mc:Choice>
+    <mc:Fallback xmlns="">
+      <p:transition spd="med">
+        <p:fade/>
+      </p:transition>
+    </mc:Fallback>
+  </mc:AlternateContent>
+  <p:timing>
+    <p:tnLst>
+      <p:par>
+        <p:cTn id="1" dur="indefinite" restart="never" nodeType="tmRoot"/>
+      </p:par>
+    </p:tnLst>
+  </p:timing>
+</p:sld>
+</file>
+
+<file path=ppt/slides/slide2.xml><?xml version="1.0" encoding="utf-8"?>
+<p:sld xmlns:a="http://schemas.openxmlformats.org/drawingml/2006/main" xmlns:r="http://schemas.openxmlformats.org/officeDocument/2006/relationships" xmlns:p="http://schemas.openxmlformats.org/presentationml/2006/main">
+  <p:cSld>
+    <p:spTree>
+      <p:nvGrpSpPr>
+        <p:cNvPr id="1" name=""/>
+        <p:cNvGrpSpPr/>
+        <p:nvPr/>
+      </p:nvGrpSpPr>
+      <p:grpSpPr>
+        <a:xfrm>
+          <a:off x="0" y="0"/>
+          <a:ext cx="0" cy="0"/>
+          <a:chOff x="0" y="0"/>
+          <a:chExt cx="0" cy="0"/>
+        </a:xfrm>
+      </p:grpSpPr>
+      <p:sp>
+        <p:nvSpPr>
+          <p:cNvPr id="2" name="文字版面配置區 1"/>
+          <p:cNvSpPr>
+            <a:spLocks noGrp="1"/>
+          </p:cNvSpPr>
+          <p:nvPr>
+            <p:ph type="body" sz="quarter" idx="10"/>
+          </p:nvPr>
+        </p:nvSpPr>
+        <p:spPr/>
+        <p:txBody>
+          <a:bodyPr/>
+          <a:lstStyle/>
+          <a:p>
+            <a:r>
+              <a:rPr lang="en-US" altLang="zh-TW" dirty="0" smtClean="0"/>
+              <a:t>Case Study</a:t>
+            </a:r>
+            <a:endParaRPr lang="zh-TW" altLang="en-US" dirty="0"/>
+          </a:p>
+        </p:txBody>
+      </p:sp>
+      <p:sp>
+        <p:nvSpPr>
+          <p:cNvPr id="3" name="投影片編號版面配置區 2"/>
+          <p:cNvSpPr>
+            <a:spLocks noGrp="1"/>
+          </p:cNvSpPr>
+          <p:nvPr>
+            <p:ph type="sldNum" sz="quarter" idx="4"/>
+          </p:nvPr>
+        </p:nvSpPr>
+        <p:spPr/>
+        <p:txBody>
+          <a:bodyPr/>
+          <a:lstStyle/>
+          <a:p>
+            <a:fld id="{6F0746BA-D1AA-4FF4-8D48-BDBC7FF48778}" type="slidenum">
+              <a:rPr lang="fr-FR" smtClean="0"/>
+              <a:t>2</a:t>
+            </a:fld>
+            <a:endParaRPr lang="fr-FR"/>
+          </a:p>
+        </p:txBody>
+      </p:sp>
+      <p:pic>
+        <p:nvPicPr>
+          <p:cNvPr id="4" name="圖片 3"/>
+          <p:cNvPicPr>
+            <a:picLocks noChangeAspect="1"/>
+          </p:cNvPicPr>
+          <p:nvPr/>
+        </p:nvPicPr>
+        <p:blipFill>
+          <a:blip r:embed="rId3">
+            <a:clrChange>
+              <a:clrFrom>
+                <a:srgbClr val="FFFFFF"/>
+              </a:clrFrom>
+              <a:clrTo>
+                <a:srgbClr val="FFFFFF">
+                  <a:alpha val="0"/>
+                </a:srgbClr>
+              </a:clrTo>
+            </a:clrChange>
+          </a:blip>
+          <a:stretch>
+            <a:fillRect/>
+          </a:stretch>
+        </p:blipFill>
+        <p:spPr>
+          <a:xfrm>
+            <a:off x="1834095" y="1668841"/>
+            <a:ext cx="8523809" cy="4923809"/>
+          </a:xfrm>
+          <a:prstGeom prst="rect">
+            <a:avLst/>
+          </a:prstGeom>
+        </p:spPr>
+      </p:pic>
+      <p:graphicFrame>
+        <p:nvGraphicFramePr>
+          <p:cNvPr id="6" name="物件 5"/>
+          <p:cNvGraphicFramePr>
+            <a:graphicFrameLocks noChangeAspect="1"/>
+          </p:cNvGraphicFramePr>
+          <p:nvPr>
+            <p:extLst>
+              <p:ext uri="{D42A27DB-BD31-4B8C-83A1-F6EECF244321}">
+                <p14:modId xmlns:p14="http://schemas.microsoft.com/office/powerpoint/2010/main" val="3353104430"/>
+              </p:ext>
+            </p:extLst>
+          </p:nvPr>
+        </p:nvGraphicFramePr>
+        <p:xfrm>
+          <a:off x="3523364" y="1070031"/>
+          <a:ext cx="1206500" cy="292100"/>
+        </p:xfrm>
+        <a:graphic>
+          <a:graphicData uri="http://schemas.openxmlformats.org/presentationml/2006/ole">
+            <mc:AlternateContent xmlns:mc="http://schemas.openxmlformats.org/markup-compatibility/2006">
+              <mc:Choice xmlns:v="urn:schemas-microsoft-com:vml" Requires="v">
+                <p:oleObj spid="_x0000_s9222" name="Equation" r:id="rId4" imgW="1206360" imgH="291960" progId="Equation.DSMT4">
+                  <p:embed/>
+                </p:oleObj>
+              </mc:Choice>
+              <mc:Fallback>
+                <p:oleObj name="Equation" r:id="rId4" imgW="1206360" imgH="291960" progId="Equation.DSMT4">
+                  <p:embed/>
+                  <p:pic>
+                    <p:nvPicPr>
+                      <p:cNvPr id="0" name=""/>
+                      <p:cNvPicPr/>
+                      <p:nvPr/>
+                    </p:nvPicPr>
+                    <p:blipFill>
+                      <a:blip r:embed="rId5"/>
+                      <a:stretch>
+                        <a:fillRect/>
+                      </a:stretch>
+                    </p:blipFill>
+                    <p:spPr>
+                      <a:xfrm>
+                        <a:off x="3523364" y="1070031"/>
+                        <a:ext cx="1206500" cy="292100"/>
+                      </a:xfrm>
+                      <a:prstGeom prst="rect">
+                        <a:avLst/>
+                      </a:prstGeom>
+                    </p:spPr>
+                  </p:pic>
+                </p:oleObj>
+              </mc:Fallback>
+            </mc:AlternateContent>
+          </a:graphicData>
+        </a:graphic>
+      </p:graphicFrame>
+    </p:spTree>
+    <p:extLst>
+      <p:ext uri="{BB962C8B-B14F-4D97-AF65-F5344CB8AC3E}">
+        <p14:creationId xmlns:p14="http://schemas.microsoft.com/office/powerpoint/2010/main" val="337311634"/>
+      </p:ext>
+    </p:extLst>
+  </p:cSld>
+  <p:clrMapOvr>
+    <a:masterClrMapping/>
+  </p:clrMapOvr>
+  <mc:AlternateContent xmlns:mc="http://schemas.openxmlformats.org/markup-compatibility/2006" xmlns:p14="http://schemas.microsoft.com/office/powerpoint/2010/main">
+    <mc:Choice Requires="p14">
+      <p:transition spd="med" p14:dur="700">
+        <p:fade/>
+      </p:transition>
+    </mc:Choice>
+    <mc:Fallback xmlns="">
+      <p:transition spd="med">
+        <p:fade/>
+      </p:transition>
+    </mc:Fallback>
+  </mc:AlternateContent>
+  <p:timing>
+    <p:tnLst>
+      <p:par>
+        <p:cTn id="1" dur="indefinite" restart="never" nodeType="tmRoot"/>
+      </p:par>
+    </p:tnLst>
+  </p:timing>
+</p:sld>
+</file>
+
+<file path=ppt/slides/slide20.xml><?xml version="1.0" encoding="utf-8"?>
+<p:sld xmlns:a="http://schemas.openxmlformats.org/drawingml/2006/main" xmlns:r="http://schemas.openxmlformats.org/officeDocument/2006/relationships" xmlns:p="http://schemas.openxmlformats.org/presentationml/2006/main">
+  <p:cSld>
+    <p:spTree>
+      <p:nvGrpSpPr>
+        <p:cNvPr id="1" name=""/>
+        <p:cNvGrpSpPr/>
+        <p:nvPr/>
+      </p:nvGrpSpPr>
+      <p:grpSpPr>
+        <a:xfrm>
+          <a:off x="0" y="0"/>
+          <a:ext cx="0" cy="0"/>
+          <a:chOff x="0" y="0"/>
+          <a:chExt cx="0" cy="0"/>
+        </a:xfrm>
+      </p:grpSpPr>
+      <p:sp>
+        <p:nvSpPr>
+          <p:cNvPr id="2" name="文字版面配置區 1"/>
+          <p:cNvSpPr>
+            <a:spLocks noGrp="1"/>
+          </p:cNvSpPr>
+          <p:nvPr>
+            <p:ph type="body" sz="quarter" idx="10"/>
+          </p:nvPr>
+        </p:nvSpPr>
+        <p:spPr>
+          <a:xfrm>
+            <a:off x="839788" y="660400"/>
+            <a:ext cx="7770812" cy="701731"/>
+          </a:xfrm>
+        </p:spPr>
+        <p:txBody>
+          <a:bodyPr/>
+          <a:lstStyle/>
+          <a:p>
+            <a:r>
+              <a:rPr lang="en-US" altLang="zh-TW" dirty="0"/>
+              <a:t>Hinges Only </a:t>
+            </a:r>
+            <a:r>
+              <a:rPr lang="en-US" altLang="zh-TW" dirty="0" smtClean="0"/>
+              <a:t>On </a:t>
+            </a:r>
+            <a:r>
+              <a:rPr lang="en-US" altLang="zh-TW" dirty="0"/>
+              <a:t>Two Ends</a:t>
+            </a:r>
+            <a:endParaRPr lang="zh-TW" altLang="en-US" dirty="0"/>
+          </a:p>
+        </p:txBody>
+      </p:sp>
+      <p:sp>
+        <p:nvSpPr>
+          <p:cNvPr id="3" name="投影片編號版面配置區 2"/>
+          <p:cNvSpPr>
+            <a:spLocks noGrp="1"/>
+          </p:cNvSpPr>
+          <p:nvPr>
+            <p:ph type="sldNum" sz="quarter" idx="4"/>
+          </p:nvPr>
+        </p:nvSpPr>
+        <p:spPr/>
+        <p:txBody>
+          <a:bodyPr/>
+          <a:lstStyle/>
+          <a:p>
+            <a:fld id="{6F0746BA-D1AA-4FF4-8D48-BDBC7FF48778}" type="slidenum">
+              <a:rPr lang="fr-FR" smtClean="0"/>
+              <a:t>20</a:t>
+            </a:fld>
+            <a:endParaRPr lang="fr-FR"/>
+          </a:p>
+        </p:txBody>
+      </p:sp>
+      <p:pic>
+        <p:nvPicPr>
+          <p:cNvPr id="6" name="圖片 5"/>
+          <p:cNvPicPr>
+            <a:picLocks noChangeAspect="1"/>
+          </p:cNvPicPr>
+          <p:nvPr/>
+        </p:nvPicPr>
+        <p:blipFill>
+          <a:blip r:embed="rId2">
+            <a:clrChange>
+              <a:clrFrom>
+                <a:srgbClr val="FFFFFF"/>
+              </a:clrFrom>
+              <a:clrTo>
+                <a:srgbClr val="FFFFFF">
+                  <a:alpha val="0"/>
+                </a:srgbClr>
+              </a:clrTo>
+            </a:clrChange>
+          </a:blip>
+          <a:stretch>
+            <a:fillRect/>
+          </a:stretch>
+        </p:blipFill>
+        <p:spPr>
+          <a:xfrm>
+            <a:off x="6095238" y="1544941"/>
+            <a:ext cx="6095238" cy="4561905"/>
+          </a:xfrm>
+          <a:prstGeom prst="rect">
+            <a:avLst/>
+          </a:prstGeom>
+        </p:spPr>
+      </p:pic>
+      <p:pic>
+        <p:nvPicPr>
+          <p:cNvPr id="7" name="圖片 6"/>
+          <p:cNvPicPr>
+            <a:picLocks noChangeAspect="1"/>
+          </p:cNvPicPr>
+          <p:nvPr/>
+        </p:nvPicPr>
+        <p:blipFill>
+          <a:blip r:embed="rId3">
+            <a:clrChange>
+              <a:clrFrom>
+                <a:srgbClr val="FFFFFF"/>
+              </a:clrFrom>
+              <a:clrTo>
+                <a:srgbClr val="FFFFFF">
+                  <a:alpha val="0"/>
+                </a:srgbClr>
+              </a:clrTo>
+            </a:clrChange>
+          </a:blip>
+          <a:stretch>
+            <a:fillRect/>
+          </a:stretch>
+        </p:blipFill>
+        <p:spPr>
+          <a:xfrm>
+            <a:off x="0" y="1544942"/>
+            <a:ext cx="6095238" cy="4561905"/>
+          </a:xfrm>
+          <a:prstGeom prst="rect">
+            <a:avLst/>
+          </a:prstGeom>
+        </p:spPr>
+      </p:pic>
+    </p:spTree>
+    <p:extLst>
+      <p:ext uri="{BB962C8B-B14F-4D97-AF65-F5344CB8AC3E}">
+        <p14:creationId xmlns:p14="http://schemas.microsoft.com/office/powerpoint/2010/main" val="4119327212"/>
+      </p:ext>
+    </p:extLst>
+  </p:cSld>
+  <p:clrMapOvr>
+    <a:masterClrMapping/>
+  </p:clrMapOvr>
+  <mc:AlternateContent xmlns:mc="http://schemas.openxmlformats.org/markup-compatibility/2006" xmlns:p14="http://schemas.microsoft.com/office/powerpoint/2010/main">
+    <mc:Choice Requires="p14">
+      <p:transition spd="med" p14:dur="700">
+        <p:fade/>
+      </p:transition>
+    </mc:Choice>
+    <mc:Fallback xmlns="">
+      <p:transition spd="med">
+        <p:fade/>
+      </p:transition>
+    </mc:Fallback>
+  </mc:AlternateContent>
+  <p:timing>
+    <p:tnLst>
+      <p:par>
+        <p:cTn id="1" dur="indefinite" restart="never" nodeType="tmRoot"/>
+      </p:par>
+    </p:tnLst>
+  </p:timing>
+</p:sld>
+</file>
+
+<file path=ppt/slides/slide21.xml><?xml version="1.0" encoding="utf-8"?>
+<p:sld xmlns:a="http://schemas.openxmlformats.org/drawingml/2006/main" xmlns:r="http://schemas.openxmlformats.org/officeDocument/2006/relationships" xmlns:p="http://schemas.openxmlformats.org/presentationml/2006/main">
+  <p:cSld>
+    <p:spTree>
+      <p:nvGrpSpPr>
+        <p:cNvPr id="1" name=""/>
+        <p:cNvGrpSpPr/>
+        <p:nvPr/>
+      </p:nvGrpSpPr>
+      <p:grpSpPr>
+        <a:xfrm>
+          <a:off x="0" y="0"/>
+          <a:ext cx="0" cy="0"/>
+          <a:chOff x="0" y="0"/>
+          <a:chExt cx="0" cy="0"/>
+        </a:xfrm>
+      </p:grpSpPr>
+      <p:sp>
+        <p:nvSpPr>
+          <p:cNvPr id="2" name="文字版面配置區 1"/>
+          <p:cNvSpPr>
+            <a:spLocks noGrp="1"/>
+          </p:cNvSpPr>
+          <p:nvPr>
+            <p:ph type="body" sz="quarter" idx="10"/>
+          </p:nvPr>
+        </p:nvSpPr>
+        <p:spPr/>
+        <p:txBody>
+          <a:bodyPr/>
+          <a:lstStyle/>
+          <a:p>
+            <a:r>
+              <a:rPr lang="en-US" altLang="zh-TW" dirty="0"/>
+              <a:t>Multiple Hinges</a:t>
+            </a:r>
+            <a:endParaRPr lang="zh-TW" altLang="en-US" dirty="0"/>
+          </a:p>
+        </p:txBody>
+      </p:sp>
+      <p:sp>
+        <p:nvSpPr>
+          <p:cNvPr id="3" name="投影片編號版面配置區 2"/>
+          <p:cNvSpPr>
+            <a:spLocks noGrp="1"/>
+          </p:cNvSpPr>
+          <p:nvPr>
+            <p:ph type="sldNum" sz="quarter" idx="4"/>
+          </p:nvPr>
+        </p:nvSpPr>
+        <p:spPr/>
+        <p:txBody>
+          <a:bodyPr/>
+          <a:lstStyle/>
+          <a:p>
+            <a:fld id="{6F0746BA-D1AA-4FF4-8D48-BDBC7FF48778}" type="slidenum">
+              <a:rPr lang="fr-FR" smtClean="0"/>
+              <a:t>21</a:t>
+            </a:fld>
+            <a:endParaRPr lang="fr-FR"/>
+          </a:p>
+        </p:txBody>
+      </p:sp>
+      <p:pic>
+        <p:nvPicPr>
+          <p:cNvPr id="4" name="圖片 3"/>
+          <p:cNvPicPr>
+            <a:picLocks noChangeAspect="1"/>
+          </p:cNvPicPr>
+          <p:nvPr/>
+        </p:nvPicPr>
+        <p:blipFill>
+          <a:blip r:embed="rId2">
+            <a:clrChange>
+              <a:clrFrom>
+                <a:srgbClr val="FFFFFF"/>
+              </a:clrFrom>
+              <a:clrTo>
+                <a:srgbClr val="FFFFFF">
+                  <a:alpha val="0"/>
+                </a:srgbClr>
+              </a:clrTo>
+            </a:clrChange>
+          </a:blip>
+          <a:stretch>
+            <a:fillRect/>
+          </a:stretch>
+        </p:blipFill>
+        <p:spPr>
+          <a:xfrm>
+            <a:off x="762" y="1541449"/>
+            <a:ext cx="6095238" cy="4561905"/>
+          </a:xfrm>
+          <a:prstGeom prst="rect">
+            <a:avLst/>
+          </a:prstGeom>
+        </p:spPr>
+      </p:pic>
+      <p:pic>
+        <p:nvPicPr>
+          <p:cNvPr id="7" name="圖片 6"/>
+          <p:cNvPicPr>
+            <a:picLocks noChangeAspect="1"/>
+          </p:cNvPicPr>
+          <p:nvPr/>
+        </p:nvPicPr>
+        <p:blipFill>
+          <a:blip r:embed="rId3">
+            <a:clrChange>
+              <a:clrFrom>
+                <a:srgbClr val="FFFFFF"/>
+              </a:clrFrom>
+              <a:clrTo>
+                <a:srgbClr val="FFFFFF">
+                  <a:alpha val="0"/>
+                </a:srgbClr>
+              </a:clrTo>
+            </a:clrChange>
+          </a:blip>
+          <a:stretch>
+            <a:fillRect/>
+          </a:stretch>
+        </p:blipFill>
+        <p:spPr>
+          <a:xfrm>
+            <a:off x="6096000" y="1541448"/>
+            <a:ext cx="6095238" cy="4561905"/>
+          </a:xfrm>
+          <a:prstGeom prst="rect">
+            <a:avLst/>
+          </a:prstGeom>
+        </p:spPr>
+      </p:pic>
+    </p:spTree>
+    <p:extLst>
+      <p:ext uri="{BB962C8B-B14F-4D97-AF65-F5344CB8AC3E}">
+        <p14:creationId xmlns:p14="http://schemas.microsoft.com/office/powerpoint/2010/main" val="3926779687"/>
+      </p:ext>
+    </p:extLst>
+  </p:cSld>
+  <p:clrMapOvr>
+    <a:masterClrMapping/>
+  </p:clrMapOvr>
+  <mc:AlternateContent xmlns:mc="http://schemas.openxmlformats.org/markup-compatibility/2006" xmlns:p14="http://schemas.microsoft.com/office/powerpoint/2010/main">
+    <mc:Choice Requires="p14">
+      <p:transition spd="med" p14:dur="700">
+        <p:fade/>
+      </p:transition>
+    </mc:Choice>
+    <mc:Fallback xmlns="">
+      <p:transition spd="med">
+        <p:fade/>
+      </p:transition>
+    </mc:Fallback>
+  </mc:AlternateContent>
+  <p:timing>
+    <p:tnLst>
+      <p:par>
+        <p:cTn id="1" dur="indefinite" restart="never" nodeType="tmRoot"/>
+      </p:par>
+    </p:tnLst>
+  </p:timing>
+</p:sld>
+</file>
+
+<file path=ppt/slides/slide22.xml><?xml version="1.0" encoding="utf-8"?>
+<p:sld xmlns:a="http://schemas.openxmlformats.org/drawingml/2006/main" xmlns:r="http://schemas.openxmlformats.org/officeDocument/2006/relationships" xmlns:p="http://schemas.openxmlformats.org/presentationml/2006/main">
+  <p:cSld>
+    <p:spTree>
+      <p:nvGrpSpPr>
+        <p:cNvPr id="1" name=""/>
+        <p:cNvGrpSpPr/>
+        <p:nvPr/>
+      </p:nvGrpSpPr>
+      <p:grpSpPr>
+        <a:xfrm>
+          <a:off x="0" y="0"/>
+          <a:ext cx="0" cy="0"/>
+          <a:chOff x="0" y="0"/>
+          <a:chExt cx="0" cy="0"/>
+        </a:xfrm>
+      </p:grpSpPr>
+      <p:sp>
+        <p:nvSpPr>
+          <p:cNvPr id="3" name="投影片編號版面配置區 2"/>
+          <p:cNvSpPr>
+            <a:spLocks noGrp="1"/>
+          </p:cNvSpPr>
+          <p:nvPr>
+            <p:ph type="sldNum" sz="quarter" idx="4"/>
+          </p:nvPr>
+        </p:nvSpPr>
+        <p:spPr/>
+        <p:txBody>
+          <a:bodyPr/>
+          <a:lstStyle/>
+          <a:p>
+            <a:fld id="{6F0746BA-D1AA-4FF4-8D48-BDBC7FF48778}" type="slidenum">
+              <a:rPr lang="fr-FR" smtClean="0"/>
+              <a:t>22</a:t>
+            </a:fld>
+            <a:endParaRPr lang="fr-FR"/>
+          </a:p>
+        </p:txBody>
+      </p:sp>
+      <p:pic>
+        <p:nvPicPr>
+          <p:cNvPr id="4" name="圖片 3"/>
+          <p:cNvPicPr>
+            <a:picLocks noChangeAspect="1"/>
+          </p:cNvPicPr>
+          <p:nvPr/>
+        </p:nvPicPr>
+        <p:blipFill>
+          <a:blip r:embed="rId2">
+            <a:clrChange>
+              <a:clrFrom>
+                <a:srgbClr val="FFFFFF"/>
+              </a:clrFrom>
+              <a:clrTo>
+                <a:srgbClr val="FFFFFF">
+                  <a:alpha val="0"/>
+                </a:srgbClr>
+              </a:clrTo>
+            </a:clrChange>
+          </a:blip>
+          <a:stretch>
+            <a:fillRect/>
+          </a:stretch>
+        </p:blipFill>
+        <p:spPr>
+          <a:xfrm>
+            <a:off x="2702919" y="1"/>
+            <a:ext cx="6689822" cy="3429000"/>
+          </a:xfrm>
+          <a:prstGeom prst="rect">
+            <a:avLst/>
+          </a:prstGeom>
+        </p:spPr>
+      </p:pic>
+      <p:pic>
+        <p:nvPicPr>
+          <p:cNvPr id="5" name="圖片 4"/>
+          <p:cNvPicPr>
+            <a:picLocks noChangeAspect="1"/>
+          </p:cNvPicPr>
+          <p:nvPr/>
+        </p:nvPicPr>
+        <p:blipFill>
+          <a:blip r:embed="rId3">
+            <a:clrChange>
+              <a:clrFrom>
+                <a:srgbClr val="FFFFFF"/>
+              </a:clrFrom>
+              <a:clrTo>
+                <a:srgbClr val="FFFFFF">
+                  <a:alpha val="0"/>
+                </a:srgbClr>
+              </a:clrTo>
+            </a:clrChange>
+          </a:blip>
+          <a:stretch>
+            <a:fillRect/>
+          </a:stretch>
+        </p:blipFill>
+        <p:spPr>
+          <a:xfrm>
+            <a:off x="2751123" y="3429001"/>
+            <a:ext cx="6580720" cy="3428999"/>
+          </a:xfrm>
+          <a:prstGeom prst="rect">
+            <a:avLst/>
+          </a:prstGeom>
+        </p:spPr>
+      </p:pic>
+      <p:sp>
+        <p:nvSpPr>
+          <p:cNvPr id="6" name="文字方塊 5"/>
+          <p:cNvSpPr txBox="1"/>
+          <p:nvPr/>
+        </p:nvSpPr>
+        <p:spPr>
+          <a:xfrm>
+            <a:off x="1244011" y="1775638"/>
+            <a:ext cx="533159" cy="427425"/>
+          </a:xfrm>
+          <a:prstGeom prst="rect">
+            <a:avLst/>
+          </a:prstGeom>
+          <a:noFill/>
+        </p:spPr>
+        <p:txBody>
+          <a:bodyPr wrap="none" lIns="0" rtlCol="0" anchor="t">
+            <a:spAutoFit/>
+          </a:bodyPr>
+          <a:lstStyle/>
+          <a:p>
+            <a:pPr algn="l">
+              <a:lnSpc>
+                <a:spcPct val="120000"/>
+              </a:lnSpc>
+            </a:pPr>
+            <a:r>
+              <a:rPr lang="en-US" altLang="zh-TW" sz="2000" dirty="0" smtClean="0">
+                <a:latin typeface="Segoe UI Light" panose="020B0502040204020203" pitchFamily="34" charset="0"/>
+                <a:cs typeface="Segoe UI Light" panose="020B0502040204020203" pitchFamily="34" charset="0"/>
+              </a:rPr>
+              <a:t>DBE</a:t>
+            </a:r>
+            <a:endParaRPr lang="zh-TW" altLang="en-US" sz="2000" dirty="0" smtClean="0">
+              <a:latin typeface="Segoe UI Light" panose="020B0502040204020203" pitchFamily="34" charset="0"/>
+              <a:cs typeface="Segoe UI Light" panose="020B0502040204020203" pitchFamily="34" charset="0"/>
+            </a:endParaRPr>
+          </a:p>
+        </p:txBody>
+      </p:sp>
+      <p:sp>
+        <p:nvSpPr>
+          <p:cNvPr id="7" name="文字方塊 6"/>
+          <p:cNvSpPr txBox="1"/>
+          <p:nvPr/>
+        </p:nvSpPr>
+        <p:spPr>
+          <a:xfrm>
+            <a:off x="1184700" y="4662910"/>
+            <a:ext cx="592470" cy="427425"/>
+          </a:xfrm>
+          <a:prstGeom prst="rect">
+            <a:avLst/>
+          </a:prstGeom>
+          <a:noFill/>
+        </p:spPr>
+        <p:txBody>
+          <a:bodyPr wrap="none" lIns="0" rtlCol="0" anchor="t">
+            <a:spAutoFit/>
+          </a:bodyPr>
+          <a:lstStyle/>
+          <a:p>
+            <a:pPr algn="l">
+              <a:lnSpc>
+                <a:spcPct val="120000"/>
+              </a:lnSpc>
+            </a:pPr>
+            <a:r>
+              <a:rPr lang="en-US" altLang="zh-TW" sz="2000" dirty="0" smtClean="0">
+                <a:latin typeface="Segoe UI Light" panose="020B0502040204020203" pitchFamily="34" charset="0"/>
+                <a:cs typeface="Segoe UI Light" panose="020B0502040204020203" pitchFamily="34" charset="0"/>
+              </a:rPr>
+              <a:t>MCE</a:t>
+            </a:r>
+            <a:endParaRPr lang="zh-TW" altLang="en-US" sz="2000" dirty="0" smtClean="0">
+              <a:latin typeface="Segoe UI Light" panose="020B0502040204020203" pitchFamily="34" charset="0"/>
+              <a:cs typeface="Segoe UI Light" panose="020B0502040204020203" pitchFamily="34" charset="0"/>
+            </a:endParaRPr>
+          </a:p>
+        </p:txBody>
+      </p:sp>
+    </p:spTree>
+    <p:extLst>
+      <p:ext uri="{BB962C8B-B14F-4D97-AF65-F5344CB8AC3E}">
+        <p14:creationId xmlns:p14="http://schemas.microsoft.com/office/powerpoint/2010/main" val="3498751177"/>
+      </p:ext>
+    </p:extLst>
+  </p:cSld>
+  <p:clrMapOvr>
+    <a:masterClrMapping/>
+  </p:clrMapOvr>
+  <mc:AlternateContent xmlns:mc="http://schemas.openxmlformats.org/markup-compatibility/2006" xmlns:p14="http://schemas.microsoft.com/office/powerpoint/2010/main">
+    <mc:Choice Requires="p14">
+      <p:transition spd="med" p14:dur="700">
+        <p:fade/>
+      </p:transition>
+    </mc:Choice>
+    <mc:Fallback xmlns="">
+      <p:transition spd="med">
+        <p:fade/>
+      </p:transition>
+    </mc:Fallback>
+  </mc:AlternateContent>
+  <p:timing>
+    <p:tnLst>
+      <p:par>
+        <p:cTn id="1" dur="indefinite" restart="never" nodeType="tmRoot"/>
+      </p:par>
+    </p:tnLst>
+  </p:timing>
+</p:sld>
+</file>
+
+<file path=ppt/slides/slide23.xml><?xml version="1.0" encoding="utf-8"?>
+<p:sld xmlns:a="http://schemas.openxmlformats.org/drawingml/2006/main" xmlns:r="http://schemas.openxmlformats.org/officeDocument/2006/relationships" xmlns:p="http://schemas.openxmlformats.org/presentationml/2006/main">
+  <p:cSld>
+    <p:spTree>
+      <p:nvGrpSpPr>
+        <p:cNvPr id="1" name=""/>
+        <p:cNvGrpSpPr/>
+        <p:nvPr/>
+      </p:nvGrpSpPr>
+      <p:grpSpPr>
+        <a:xfrm>
+          <a:off x="0" y="0"/>
+          <a:ext cx="0" cy="0"/>
+          <a:chOff x="0" y="0"/>
+          <a:chExt cx="0" cy="0"/>
+        </a:xfrm>
+      </p:grpSpPr>
+      <p:sp>
+        <p:nvSpPr>
+          <p:cNvPr id="4" name="文字版面配置區 3"/>
+          <p:cNvSpPr>
+            <a:spLocks noGrp="1"/>
+          </p:cNvSpPr>
+          <p:nvPr>
+            <p:ph type="body" sz="quarter" idx="10"/>
+          </p:nvPr>
+        </p:nvSpPr>
+        <p:spPr/>
+        <p:txBody>
+          <a:bodyPr/>
+          <a:lstStyle/>
+          <a:p>
+            <a:r>
+              <a:rPr lang="en-US" altLang="zh-TW" dirty="0" smtClean="0"/>
+              <a:t>IDA</a:t>
+            </a:r>
+            <a:endParaRPr lang="zh-TW" altLang="en-US" dirty="0"/>
+          </a:p>
+        </p:txBody>
+      </p:sp>
+      <p:sp>
+        <p:nvSpPr>
+          <p:cNvPr id="2" name="投影片編號版面配置區 1"/>
+          <p:cNvSpPr>
+            <a:spLocks noGrp="1"/>
+          </p:cNvSpPr>
+          <p:nvPr>
+            <p:ph type="sldNum" sz="quarter" idx="4"/>
+          </p:nvPr>
+        </p:nvSpPr>
+        <p:spPr/>
+        <p:txBody>
+          <a:bodyPr/>
+          <a:lstStyle/>
+          <a:p>
+            <a:fld id="{6F0746BA-D1AA-4FF4-8D48-BDBC7FF48778}" type="slidenum">
+              <a:rPr lang="fr-FR" smtClean="0"/>
+              <a:t>23</a:t>
+            </a:fld>
+            <a:endParaRPr lang="fr-FR"/>
+          </a:p>
+        </p:txBody>
+      </p:sp>
+      <p:pic>
+        <p:nvPicPr>
+          <p:cNvPr id="5" name="Picture 7"/>
+          <p:cNvPicPr>
+            <a:picLocks noChangeAspect="1"/>
+          </p:cNvPicPr>
+          <p:nvPr/>
+        </p:nvPicPr>
+        <p:blipFill>
+          <a:blip r:embed="rId3">
+            <a:clrChange>
+              <a:clrFrom>
+                <a:srgbClr val="FFFFFF"/>
+              </a:clrFrom>
+              <a:clrTo>
+                <a:srgbClr val="FFFFFF">
+                  <a:alpha val="0"/>
+                </a:srgbClr>
+              </a:clrTo>
+            </a:clrChange>
+          </a:blip>
+          <a:stretch>
+            <a:fillRect/>
+          </a:stretch>
+        </p:blipFill>
+        <p:spPr>
+          <a:xfrm>
+            <a:off x="6095999" y="0"/>
+            <a:ext cx="4591130" cy="3429001"/>
+          </a:xfrm>
+          <a:prstGeom prst="rect">
+            <a:avLst/>
+          </a:prstGeom>
+        </p:spPr>
+      </p:pic>
+      <p:pic>
+        <p:nvPicPr>
+          <p:cNvPr id="6" name="Picture 8"/>
+          <p:cNvPicPr>
+            <a:picLocks noChangeAspect="1"/>
+          </p:cNvPicPr>
+          <p:nvPr/>
+        </p:nvPicPr>
+        <p:blipFill>
+          <a:blip r:embed="rId4">
+            <a:clrChange>
+              <a:clrFrom>
+                <a:srgbClr val="FFFFFF"/>
+              </a:clrFrom>
+              <a:clrTo>
+                <a:srgbClr val="FFFFFF">
+                  <a:alpha val="0"/>
+                </a:srgbClr>
+              </a:clrTo>
+            </a:clrChange>
+          </a:blip>
+          <a:stretch>
+            <a:fillRect/>
+          </a:stretch>
+        </p:blipFill>
+        <p:spPr>
+          <a:xfrm>
+            <a:off x="6096000" y="3429000"/>
+            <a:ext cx="4591129" cy="3429000"/>
+          </a:xfrm>
+          <a:prstGeom prst="rect">
+            <a:avLst/>
+          </a:prstGeom>
+        </p:spPr>
+      </p:pic>
+      <p:sp>
+        <p:nvSpPr>
+          <p:cNvPr id="7" name="文字方塊 6"/>
+          <p:cNvSpPr txBox="1"/>
+          <p:nvPr/>
+        </p:nvSpPr>
+        <p:spPr>
+          <a:xfrm>
+            <a:off x="1790895" y="2721934"/>
+            <a:ext cx="3226011" cy="1810304"/>
+          </a:xfrm>
+          <a:prstGeom prst="rect">
+            <a:avLst/>
+          </a:prstGeom>
+          <a:noFill/>
+        </p:spPr>
+        <p:txBody>
+          <a:bodyPr wrap="none" lIns="0" rtlCol="0" anchor="t">
+            <a:spAutoFit/>
+          </a:bodyPr>
+          <a:lstStyle/>
+          <a:p>
+            <a:pPr algn="l">
+              <a:lnSpc>
+                <a:spcPct val="120000"/>
+              </a:lnSpc>
+            </a:pPr>
+            <a:r>
+              <a:rPr lang="en-US" altLang="zh-TW" sz="3200" dirty="0" smtClean="0">
+                <a:solidFill>
+                  <a:schemeClr val="accent1"/>
+                </a:solidFill>
+                <a:latin typeface="Segoe UI Light" panose="020B0502040204020203" pitchFamily="34" charset="0"/>
+                <a:cs typeface="Segoe UI Light" panose="020B0502040204020203" pitchFamily="34" charset="0"/>
+              </a:rPr>
+              <a:t>Limit-State</a:t>
+            </a:r>
+          </a:p>
+          <a:p>
+            <a:pPr algn="l">
+              <a:lnSpc>
+                <a:spcPct val="120000"/>
+              </a:lnSpc>
+            </a:pPr>
+            <a:r>
+              <a:rPr lang="en-US" altLang="zh-TW" sz="3200" dirty="0" smtClean="0">
+                <a:latin typeface="Segoe UI Light" panose="020B0502040204020203" pitchFamily="34" charset="0"/>
+                <a:cs typeface="Segoe UI Light" panose="020B0502040204020203" pitchFamily="34" charset="0"/>
+              </a:rPr>
+              <a:t>4% FEMA273</a:t>
+            </a:r>
+          </a:p>
+          <a:p>
+            <a:pPr algn="l">
+              <a:lnSpc>
+                <a:spcPct val="120000"/>
+              </a:lnSpc>
+            </a:pPr>
+            <a:r>
+              <a:rPr lang="en-US" altLang="zh-TW" sz="3200" dirty="0" smtClean="0">
+                <a:latin typeface="Segoe UI Light" panose="020B0502040204020203" pitchFamily="34" charset="0"/>
+                <a:cs typeface="Segoe UI Light" panose="020B0502040204020203" pitchFamily="34" charset="0"/>
+              </a:rPr>
+              <a:t>2.5% SEAOC 2000</a:t>
+            </a:r>
+            <a:endParaRPr lang="zh-TW" altLang="en-US" sz="3200" dirty="0" smtClean="0">
+              <a:latin typeface="Segoe UI Light" panose="020B0502040204020203" pitchFamily="34" charset="0"/>
+              <a:cs typeface="Segoe UI Light" panose="020B0502040204020203" pitchFamily="34" charset="0"/>
+            </a:endParaRPr>
+          </a:p>
+        </p:txBody>
+      </p:sp>
+    </p:spTree>
+    <p:extLst>
+      <p:ext uri="{BB962C8B-B14F-4D97-AF65-F5344CB8AC3E}">
+        <p14:creationId xmlns:p14="http://schemas.microsoft.com/office/powerpoint/2010/main" val="3252693787"/>
+      </p:ext>
+    </p:extLst>
+  </p:cSld>
+  <p:clrMapOvr>
+    <a:masterClrMapping/>
+  </p:clrMapOvr>
+  <mc:AlternateContent xmlns:mc="http://schemas.openxmlformats.org/markup-compatibility/2006" xmlns:p14="http://schemas.microsoft.com/office/powerpoint/2010/main">
+    <mc:Choice Requires="p14">
+      <p:transition spd="med" p14:dur="700">
+        <p:fade/>
+      </p:transition>
+    </mc:Choice>
+    <mc:Fallback xmlns="">
+      <p:transition spd="med">
+        <p:fade/>
+      </p:transition>
+    </mc:Fallback>
+  </mc:AlternateContent>
+  <p:timing>
+    <p:tnLst>
+      <p:par>
+        <p:cTn id="1" dur="indefinite" restart="never" nodeType="tmRoot"/>
+      </p:par>
+    </p:tnLst>
+  </p:timing>
+</p:sld>
+</file>
+
+<file path=ppt/slides/slide24.xml><?xml version="1.0" encoding="utf-8"?>
 <p:sld xmlns:a="http://schemas.openxmlformats.org/drawingml/2006/main" xmlns:r="http://schemas.openxmlformats.org/officeDocument/2006/relationships" xmlns:p="http://schemas.openxmlformats.org/presentationml/2006/main">
   <p:cSld>
     <p:spTree>
@@ -24790,7 +28094,7 @@
           <a:p>
             <a:fld id="{6F0746BA-D1AA-4FF4-8D48-BDBC7FF48778}" type="slidenum">
               <a:rPr lang="fr-FR" smtClean="0"/>
-              <a:t>14</a:t>
+              <a:t>24</a:t>
             </a:fld>
             <a:endParaRPr lang="fr-FR"/>
           </a:p>
@@ -25141,21 +28445,21 @@
                 <a:latin typeface="Segoe UI Light" panose="020B0502040204020203" pitchFamily="34" charset="0"/>
                 <a:cs typeface="Segoe UI Light" panose="020B0502040204020203" pitchFamily="34" charset="0"/>
               </a:rPr>
-              <a:t>Min</a:t>
+              <a:t>Min </a:t>
             </a:r>
             <a:r>
               <a:rPr lang="en-US" altLang="zh-TW" sz="2000" dirty="0" smtClean="0">
                 <a:latin typeface="Segoe UI Light" panose="020B0502040204020203" pitchFamily="34" charset="0"/>
                 <a:cs typeface="Segoe UI Light" panose="020B0502040204020203" pitchFamily="34" charset="0"/>
               </a:rPr>
-              <a:t> </a:t>
+              <a:t>11 </a:t>
             </a:r>
             <a:r>
               <a:rPr lang="en-US" altLang="zh-TW" sz="2000" dirty="0" smtClean="0">
                 <a:latin typeface="Segoe UI Light" panose="020B0502040204020203" pitchFamily="34" charset="0"/>
                 <a:cs typeface="Segoe UI Light" panose="020B0502040204020203" pitchFamily="34" charset="0"/>
               </a:rPr>
-              <a:t>10 ratio and no same earthquake </a:t>
+              <a:t>ratio and no same earthquake </a:t>
             </a:r>
             <a:endParaRPr lang="zh-TW" altLang="en-US" sz="2000" dirty="0" smtClean="0">
               <a:latin typeface="Segoe UI Light" panose="020B0502040204020203" pitchFamily="34" charset="0"/>
@@ -25196,7 +28500,7 @@
 </p:sld>
 </file>
 
-<file path=ppt/slides/slide15.xml><?xml version="1.0" encoding="utf-8"?>
+<file path=ppt/slides/slide25.xml><?xml version="1.0" encoding="utf-8"?>
 <p:sld xmlns:a="http://schemas.openxmlformats.org/drawingml/2006/main" xmlns:r="http://schemas.openxmlformats.org/officeDocument/2006/relationships" xmlns:p="http://schemas.openxmlformats.org/presentationml/2006/main">
   <p:cSld>
     <p:spTree>
@@ -25215,7 +28519,7 @@
       </p:grpSpPr>
       <p:sp>
         <p:nvSpPr>
-          <p:cNvPr id="4" name="文字版面配置區 3"/>
+          <p:cNvPr id="2" name="文字版面配置區 1"/>
           <p:cNvSpPr>
             <a:spLocks noGrp="1"/>
           </p:cNvSpPr>
@@ -25225,8 +28529,8 @@
         </p:nvSpPr>
         <p:spPr>
           <a:xfrm>
-            <a:off x="839788" y="660400"/>
-            <a:ext cx="4481512" cy="701731"/>
+            <a:off x="839787" y="660400"/>
+            <a:ext cx="6411617" cy="1311128"/>
           </a:xfrm>
         </p:spPr>
         <p:txBody>
@@ -25235,11 +28539,7 @@
           <a:p>
             <a:r>
               <a:rPr lang="en-US" altLang="zh-TW" dirty="0"/>
-              <a:t>Time </a:t>
-            </a:r>
-            <a:r>
-              <a:rPr lang="en-US" altLang="zh-TW" dirty="0" smtClean="0"/>
-              <a:t>history</a:t>
+              <a:t>Hinges Only On Two Ends</a:t>
             </a:r>
             <a:endParaRPr lang="zh-TW" altLang="en-US" dirty="0"/>
           </a:p>
@@ -25247,7 +28547,7 @@
       </p:sp>
       <p:sp>
         <p:nvSpPr>
-          <p:cNvPr id="2" name="投影片編號版面配置區 1"/>
+          <p:cNvPr id="3" name="投影片編號版面配置區 2"/>
           <p:cNvSpPr>
             <a:spLocks noGrp="1"/>
           </p:cNvSpPr>
@@ -25262,80 +28562,50 @@
           <a:p>
             <a:fld id="{6F0746BA-D1AA-4FF4-8D48-BDBC7FF48778}" type="slidenum">
               <a:rPr lang="fr-FR" smtClean="0"/>
-              <a:t>15</a:t>
+              <a:t>25</a:t>
             </a:fld>
             <a:endParaRPr lang="fr-FR"/>
           </a:p>
         </p:txBody>
       </p:sp>
-      <p:graphicFrame>
-        <p:nvGraphicFramePr>
-          <p:cNvPr id="6" name="圖表 5"/>
-          <p:cNvGraphicFramePr>
-            <a:graphicFrameLocks/>
-          </p:cNvGraphicFramePr>
-          <p:nvPr>
-            <p:extLst>
-              <p:ext uri="{D42A27DB-BD31-4B8C-83A1-F6EECF244321}">
-                <p14:modId xmlns:p14="http://schemas.microsoft.com/office/powerpoint/2010/main" val="1548799553"/>
-              </p:ext>
-            </p:extLst>
-          </p:nvPr>
-        </p:nvGraphicFramePr>
-        <p:xfrm>
-          <a:off x="839788" y="3003697"/>
-          <a:ext cx="5256212" cy="2743200"/>
-        </p:xfrm>
-        <a:graphic>
-          <a:graphicData uri="http://schemas.openxmlformats.org/drawingml/2006/chart">
-            <c:chart xmlns:c="http://schemas.openxmlformats.org/drawingml/2006/chart" xmlns:r="http://schemas.openxmlformats.org/officeDocument/2006/relationships" r:id="rId2"/>
-          </a:graphicData>
-        </a:graphic>
-      </p:graphicFrame>
-      <p:sp>
-        <p:nvSpPr>
-          <p:cNvPr id="8" name="文字方塊 7"/>
-          <p:cNvSpPr txBox="1"/>
+      <p:pic>
+        <p:nvPicPr>
+          <p:cNvPr id="4" name="圖片 3"/>
+          <p:cNvPicPr>
+            <a:picLocks noChangeAspect="1"/>
+          </p:cNvPicPr>
           <p:nvPr/>
-        </p:nvSpPr>
+        </p:nvPicPr>
+        <p:blipFill>
+          <a:blip r:embed="rId2">
+            <a:clrChange>
+              <a:clrFrom>
+                <a:srgbClr val="FFFFFF"/>
+              </a:clrFrom>
+              <a:clrTo>
+                <a:srgbClr val="FFFFFF">
+                  <a:alpha val="0"/>
+                </a:srgbClr>
+              </a:clrTo>
+            </a:clrChange>
+          </a:blip>
+          <a:stretch>
+            <a:fillRect/>
+          </a:stretch>
+        </p:blipFill>
         <p:spPr>
           <a:xfrm>
-            <a:off x="2358135" y="2542032"/>
-            <a:ext cx="2219518" cy="461665"/>
+            <a:off x="762" y="1743089"/>
+            <a:ext cx="6095238" cy="4561905"/>
           </a:xfrm>
           <a:prstGeom prst="rect">
             <a:avLst/>
           </a:prstGeom>
-          <a:noFill/>
         </p:spPr>
-        <p:txBody>
-          <a:bodyPr wrap="none" lIns="0" rtlCol="0" anchor="t">
-            <a:spAutoFit/>
-          </a:bodyPr>
-          <a:lstStyle/>
-          <a:p>
-            <a:pPr algn="l">
-              <a:lnSpc>
-                <a:spcPct val="120000"/>
-              </a:lnSpc>
-            </a:pPr>
-            <a:r>
-              <a:rPr lang="en-US" altLang="zh-TW" sz="2000" dirty="0" smtClean="0">
-                <a:latin typeface="Segoe UI Light" panose="020B0502040204020203" pitchFamily="34" charset="0"/>
-                <a:cs typeface="Segoe UI Light" panose="020B0502040204020203" pitchFamily="34" charset="0"/>
-              </a:rPr>
-              <a:t>Scaled to DBE, MCE</a:t>
-            </a:r>
-            <a:endParaRPr lang="zh-TW" altLang="en-US" sz="2000" dirty="0" smtClean="0">
-              <a:latin typeface="Segoe UI Light" panose="020B0502040204020203" pitchFamily="34" charset="0"/>
-              <a:cs typeface="Segoe UI Light" panose="020B0502040204020203" pitchFamily="34" charset="0"/>
-            </a:endParaRPr>
-          </a:p>
-        </p:txBody>
-      </p:sp>
+      </p:pic>
       <p:pic>
         <p:nvPicPr>
-          <p:cNvPr id="10" name="圖片 9"/>
+          <p:cNvPr id="5" name="圖片 4"/>
           <p:cNvPicPr>
             <a:picLocks noChangeAspect="1"/>
           </p:cNvPicPr>
@@ -25360,132 +28630,18 @@
         </p:blipFill>
         <p:spPr>
           <a:xfrm>
-            <a:off x="6675774" y="1927749"/>
-            <a:ext cx="3019048" cy="4257143"/>
+            <a:off x="6096000" y="2487366"/>
+            <a:ext cx="6096000" cy="3438319"/>
           </a:xfrm>
           <a:prstGeom prst="rect">
             <a:avLst/>
           </a:prstGeom>
         </p:spPr>
       </p:pic>
-      <p:sp>
-        <p:nvSpPr>
-          <p:cNvPr id="11" name="文字方塊 10"/>
-          <p:cNvSpPr txBox="1"/>
-          <p:nvPr/>
-        </p:nvSpPr>
-        <p:spPr>
-          <a:xfrm>
-            <a:off x="7517219" y="1362131"/>
-            <a:ext cx="1195264" cy="427425"/>
-          </a:xfrm>
-          <a:prstGeom prst="rect">
-            <a:avLst/>
-          </a:prstGeom>
-          <a:noFill/>
-        </p:spPr>
-        <p:txBody>
-          <a:bodyPr wrap="none" lIns="0" rtlCol="0" anchor="t">
-            <a:spAutoFit/>
-          </a:bodyPr>
-          <a:lstStyle/>
-          <a:p>
-            <a:pPr algn="l">
-              <a:lnSpc>
-                <a:spcPct val="120000"/>
-              </a:lnSpc>
-            </a:pPr>
-            <a:r>
-              <a:rPr lang="en-US" altLang="zh-TW" sz="2000" dirty="0" smtClean="0">
-                <a:latin typeface="Segoe UI Light" panose="020B0502040204020203" pitchFamily="34" charset="0"/>
-                <a:cs typeface="Segoe UI Light" panose="020B0502040204020203" pitchFamily="34" charset="0"/>
-              </a:rPr>
-              <a:t>Story Drift</a:t>
-            </a:r>
-            <a:endParaRPr lang="zh-TW" altLang="en-US" sz="2000" dirty="0" smtClean="0">
-              <a:latin typeface="Segoe UI Light" panose="020B0502040204020203" pitchFamily="34" charset="0"/>
-              <a:cs typeface="Segoe UI Light" panose="020B0502040204020203" pitchFamily="34" charset="0"/>
-            </a:endParaRPr>
-          </a:p>
-        </p:txBody>
-      </p:sp>
-      <p:sp>
-        <p:nvSpPr>
-          <p:cNvPr id="12" name="文字方塊 11"/>
-          <p:cNvSpPr txBox="1"/>
-          <p:nvPr/>
-        </p:nvSpPr>
-        <p:spPr>
-          <a:xfrm>
-            <a:off x="9888279" y="3640821"/>
-            <a:ext cx="1321837" cy="830997"/>
-          </a:xfrm>
-          <a:prstGeom prst="rect">
-            <a:avLst/>
-          </a:prstGeom>
-          <a:noFill/>
-        </p:spPr>
-        <p:txBody>
-          <a:bodyPr wrap="none" lIns="0" rtlCol="0" anchor="t">
-            <a:spAutoFit/>
-          </a:bodyPr>
-          <a:lstStyle/>
-          <a:p>
-            <a:pPr algn="l">
-              <a:lnSpc>
-                <a:spcPct val="120000"/>
-              </a:lnSpc>
-            </a:pPr>
-            <a:r>
-              <a:rPr lang="en-US" altLang="zh-TW" sz="2000" dirty="0" smtClean="0">
-                <a:latin typeface="Segoe UI Light" panose="020B0502040204020203" pitchFamily="34" charset="0"/>
-                <a:cs typeface="Segoe UI Light" panose="020B0502040204020203" pitchFamily="34" charset="0"/>
-              </a:rPr>
-              <a:t>DBE &lt; </a:t>
-            </a:r>
-            <a:r>
-              <a:rPr lang="en-US" altLang="zh-TW" sz="2000" dirty="0" smtClean="0">
-                <a:latin typeface="Segoe UI Light" panose="020B0502040204020203" pitchFamily="34" charset="0"/>
-                <a:cs typeface="Segoe UI Light" panose="020B0502040204020203" pitchFamily="34" charset="0"/>
-              </a:rPr>
-              <a:t>1.5%</a:t>
-            </a:r>
-            <a:endParaRPr lang="en-US" altLang="zh-TW" sz="2000" dirty="0" smtClean="0">
-              <a:latin typeface="Segoe UI Light" panose="020B0502040204020203" pitchFamily="34" charset="0"/>
-              <a:cs typeface="Segoe UI Light" panose="020B0502040204020203" pitchFamily="34" charset="0"/>
-            </a:endParaRPr>
-          </a:p>
-          <a:p>
-            <a:pPr algn="l">
-              <a:lnSpc>
-                <a:spcPct val="120000"/>
-              </a:lnSpc>
-            </a:pPr>
-            <a:r>
-              <a:rPr lang="en-US" altLang="zh-TW" sz="2000" dirty="0" smtClean="0">
-                <a:latin typeface="Segoe UI Light" panose="020B0502040204020203" pitchFamily="34" charset="0"/>
-                <a:cs typeface="Segoe UI Light" panose="020B0502040204020203" pitchFamily="34" charset="0"/>
-              </a:rPr>
-              <a:t>MCE &lt; </a:t>
-            </a:r>
-            <a:r>
-              <a:rPr lang="en-US" altLang="zh-TW" sz="2000" dirty="0" smtClean="0">
-                <a:latin typeface="Segoe UI Light" panose="020B0502040204020203" pitchFamily="34" charset="0"/>
-                <a:cs typeface="Segoe UI Light" panose="020B0502040204020203" pitchFamily="34" charset="0"/>
-              </a:rPr>
-              <a:t>2%</a:t>
-            </a:r>
-            <a:endParaRPr lang="zh-TW" altLang="en-US" sz="2000" dirty="0" smtClean="0">
-              <a:latin typeface="Segoe UI Light" panose="020B0502040204020203" pitchFamily="34" charset="0"/>
-              <a:cs typeface="Segoe UI Light" panose="020B0502040204020203" pitchFamily="34" charset="0"/>
-            </a:endParaRPr>
-          </a:p>
-        </p:txBody>
-      </p:sp>
     </p:spTree>
     <p:extLst>
       <p:ext uri="{BB962C8B-B14F-4D97-AF65-F5344CB8AC3E}">
-        <p14:creationId xmlns:p14="http://schemas.microsoft.com/office/powerpoint/2010/main" val="4008800865"/>
+        <p14:creationId xmlns:p14="http://schemas.microsoft.com/office/powerpoint/2010/main" val="3836961962"/>
       </p:ext>
     </p:extLst>
   </p:cSld>
@@ -25514,7 +28670,430 @@
 </p:sld>
 </file>
 
-<file path=ppt/slides/slide16.xml><?xml version="1.0" encoding="utf-8"?>
+<file path=ppt/slides/slide26.xml><?xml version="1.0" encoding="utf-8"?>
+<p:sld xmlns:a="http://schemas.openxmlformats.org/drawingml/2006/main" xmlns:r="http://schemas.openxmlformats.org/officeDocument/2006/relationships" xmlns:p="http://schemas.openxmlformats.org/presentationml/2006/main">
+  <p:cSld>
+    <p:spTree>
+      <p:nvGrpSpPr>
+        <p:cNvPr id="1" name=""/>
+        <p:cNvGrpSpPr/>
+        <p:nvPr/>
+      </p:nvGrpSpPr>
+      <p:grpSpPr>
+        <a:xfrm>
+          <a:off x="0" y="0"/>
+          <a:ext cx="0" cy="0"/>
+          <a:chOff x="0" y="0"/>
+          <a:chExt cx="0" cy="0"/>
+        </a:xfrm>
+      </p:grpSpPr>
+      <p:pic>
+        <p:nvPicPr>
+          <p:cNvPr id="4" name="圖片 3"/>
+          <p:cNvPicPr>
+            <a:picLocks noChangeAspect="1"/>
+          </p:cNvPicPr>
+          <p:nvPr/>
+        </p:nvPicPr>
+        <p:blipFill>
+          <a:blip r:embed="rId2">
+            <a:clrChange>
+              <a:clrFrom>
+                <a:srgbClr val="FFFFFF"/>
+              </a:clrFrom>
+              <a:clrTo>
+                <a:srgbClr val="FFFFFF">
+                  <a:alpha val="0"/>
+                </a:srgbClr>
+              </a:clrTo>
+            </a:clrChange>
+          </a:blip>
+          <a:stretch>
+            <a:fillRect/>
+          </a:stretch>
+        </p:blipFill>
+        <p:spPr>
+          <a:xfrm>
+            <a:off x="0" y="1698750"/>
+            <a:ext cx="6095238" cy="4561905"/>
+          </a:xfrm>
+          <a:prstGeom prst="rect">
+            <a:avLst/>
+          </a:prstGeom>
+        </p:spPr>
+      </p:pic>
+      <p:sp>
+        <p:nvSpPr>
+          <p:cNvPr id="2" name="文字版面配置區 1"/>
+          <p:cNvSpPr>
+            <a:spLocks noGrp="1"/>
+          </p:cNvSpPr>
+          <p:nvPr>
+            <p:ph type="body" sz="quarter" idx="10"/>
+          </p:nvPr>
+        </p:nvSpPr>
+        <p:spPr>
+          <a:xfrm>
+            <a:off x="839788" y="660400"/>
+            <a:ext cx="4481512" cy="701731"/>
+          </a:xfrm>
+        </p:spPr>
+        <p:txBody>
+          <a:bodyPr/>
+          <a:lstStyle/>
+          <a:p>
+            <a:r>
+              <a:rPr lang="en-US" altLang="zh-TW" dirty="0"/>
+              <a:t>Multiple Hinges</a:t>
+            </a:r>
+            <a:endParaRPr lang="zh-TW" altLang="en-US" dirty="0"/>
+          </a:p>
+        </p:txBody>
+      </p:sp>
+      <p:sp>
+        <p:nvSpPr>
+          <p:cNvPr id="3" name="投影片編號版面配置區 2"/>
+          <p:cNvSpPr>
+            <a:spLocks noGrp="1"/>
+          </p:cNvSpPr>
+          <p:nvPr>
+            <p:ph type="sldNum" sz="quarter" idx="4"/>
+          </p:nvPr>
+        </p:nvSpPr>
+        <p:spPr/>
+        <p:txBody>
+          <a:bodyPr/>
+          <a:lstStyle/>
+          <a:p>
+            <a:fld id="{6F0746BA-D1AA-4FF4-8D48-BDBC7FF48778}" type="slidenum">
+              <a:rPr lang="fr-FR" smtClean="0"/>
+              <a:t>26</a:t>
+            </a:fld>
+            <a:endParaRPr lang="fr-FR"/>
+          </a:p>
+        </p:txBody>
+      </p:sp>
+      <p:pic>
+        <p:nvPicPr>
+          <p:cNvPr id="5" name="圖片 4"/>
+          <p:cNvPicPr>
+            <a:picLocks noChangeAspect="1"/>
+          </p:cNvPicPr>
+          <p:nvPr/>
+        </p:nvPicPr>
+        <p:blipFill>
+          <a:blip r:embed="rId3">
+            <a:clrChange>
+              <a:clrFrom>
+                <a:srgbClr val="FFFFFF"/>
+              </a:clrFrom>
+              <a:clrTo>
+                <a:srgbClr val="FFFFFF">
+                  <a:alpha val="0"/>
+                </a:srgbClr>
+              </a:clrTo>
+            </a:clrChange>
+          </a:blip>
+          <a:stretch>
+            <a:fillRect/>
+          </a:stretch>
+        </p:blipFill>
+        <p:spPr>
+          <a:xfrm>
+            <a:off x="6095238" y="2554938"/>
+            <a:ext cx="6086535" cy="3370090"/>
+          </a:xfrm>
+          <a:prstGeom prst="rect">
+            <a:avLst/>
+          </a:prstGeom>
+        </p:spPr>
+      </p:pic>
+    </p:spTree>
+    <p:extLst>
+      <p:ext uri="{BB962C8B-B14F-4D97-AF65-F5344CB8AC3E}">
+        <p14:creationId xmlns:p14="http://schemas.microsoft.com/office/powerpoint/2010/main" val="418669466"/>
+      </p:ext>
+    </p:extLst>
+  </p:cSld>
+  <p:clrMapOvr>
+    <a:masterClrMapping/>
+  </p:clrMapOvr>
+  <mc:AlternateContent xmlns:mc="http://schemas.openxmlformats.org/markup-compatibility/2006" xmlns:p14="http://schemas.microsoft.com/office/powerpoint/2010/main">
+    <mc:Choice Requires="p14">
+      <p:transition spd="med" p14:dur="700">
+        <p:fade/>
+      </p:transition>
+    </mc:Choice>
+    <mc:Fallback xmlns="">
+      <p:transition spd="med">
+        <p:fade/>
+      </p:transition>
+    </mc:Fallback>
+  </mc:AlternateContent>
+  <p:timing>
+    <p:tnLst>
+      <p:par>
+        <p:cTn id="1" dur="indefinite" restart="never" nodeType="tmRoot"/>
+      </p:par>
+    </p:tnLst>
+  </p:timing>
+</p:sld>
+</file>
+
+<file path=ppt/slides/slide27.xml><?xml version="1.0" encoding="utf-8"?>
+<p:sld xmlns:a="http://schemas.openxmlformats.org/drawingml/2006/main" xmlns:r="http://schemas.openxmlformats.org/officeDocument/2006/relationships" xmlns:p="http://schemas.openxmlformats.org/presentationml/2006/main">
+  <p:cSld>
+    <p:spTree>
+      <p:nvGrpSpPr>
+        <p:cNvPr id="1" name=""/>
+        <p:cNvGrpSpPr/>
+        <p:nvPr/>
+      </p:nvGrpSpPr>
+      <p:grpSpPr>
+        <a:xfrm>
+          <a:off x="0" y="0"/>
+          <a:ext cx="0" cy="0"/>
+          <a:chOff x="0" y="0"/>
+          <a:chExt cx="0" cy="0"/>
+        </a:xfrm>
+      </p:grpSpPr>
+      <p:sp>
+        <p:nvSpPr>
+          <p:cNvPr id="2" name="文字版面配置區 1"/>
+          <p:cNvSpPr>
+            <a:spLocks noGrp="1"/>
+          </p:cNvSpPr>
+          <p:nvPr>
+            <p:ph type="body" sz="quarter" idx="10"/>
+          </p:nvPr>
+        </p:nvSpPr>
+        <p:spPr/>
+        <p:txBody>
+          <a:bodyPr/>
+          <a:lstStyle/>
+          <a:p>
+            <a:endParaRPr lang="zh-TW" altLang="en-US"/>
+          </a:p>
+        </p:txBody>
+      </p:sp>
+      <p:sp>
+        <p:nvSpPr>
+          <p:cNvPr id="3" name="投影片編號版面配置區 2"/>
+          <p:cNvSpPr>
+            <a:spLocks noGrp="1"/>
+          </p:cNvSpPr>
+          <p:nvPr>
+            <p:ph type="sldNum" sz="quarter" idx="4"/>
+          </p:nvPr>
+        </p:nvSpPr>
+        <p:spPr/>
+        <p:txBody>
+          <a:bodyPr/>
+          <a:lstStyle/>
+          <a:p>
+            <a:fld id="{6F0746BA-D1AA-4FF4-8D48-BDBC7FF48778}" type="slidenum">
+              <a:rPr lang="fr-FR" smtClean="0"/>
+              <a:t>27</a:t>
+            </a:fld>
+            <a:endParaRPr lang="fr-FR"/>
+          </a:p>
+        </p:txBody>
+      </p:sp>
+      <p:pic>
+        <p:nvPicPr>
+          <p:cNvPr id="4" name="圖片 3"/>
+          <p:cNvPicPr>
+            <a:picLocks noChangeAspect="1"/>
+          </p:cNvPicPr>
+          <p:nvPr/>
+        </p:nvPicPr>
+        <p:blipFill>
+          <a:blip r:embed="rId2">
+            <a:clrChange>
+              <a:clrFrom>
+                <a:srgbClr val="FFFFFF"/>
+              </a:clrFrom>
+              <a:clrTo>
+                <a:srgbClr val="FFFFFF">
+                  <a:alpha val="0"/>
+                </a:srgbClr>
+              </a:clrTo>
+            </a:clrChange>
+          </a:blip>
+          <a:stretch>
+            <a:fillRect/>
+          </a:stretch>
+        </p:blipFill>
+        <p:spPr>
+          <a:xfrm>
+            <a:off x="762" y="1743089"/>
+            <a:ext cx="6095238" cy="4561905"/>
+          </a:xfrm>
+          <a:prstGeom prst="rect">
+            <a:avLst/>
+          </a:prstGeom>
+        </p:spPr>
+      </p:pic>
+      <p:pic>
+        <p:nvPicPr>
+          <p:cNvPr id="5" name="圖片 4"/>
+          <p:cNvPicPr>
+            <a:picLocks noChangeAspect="1"/>
+          </p:cNvPicPr>
+          <p:nvPr/>
+        </p:nvPicPr>
+        <p:blipFill>
+          <a:blip r:embed="rId3">
+            <a:clrChange>
+              <a:clrFrom>
+                <a:srgbClr val="FFFFFF"/>
+              </a:clrFrom>
+              <a:clrTo>
+                <a:srgbClr val="FFFFFF">
+                  <a:alpha val="0"/>
+                </a:srgbClr>
+              </a:clrTo>
+            </a:clrChange>
+          </a:blip>
+          <a:stretch>
+            <a:fillRect/>
+          </a:stretch>
+        </p:blipFill>
+        <p:spPr>
+          <a:xfrm>
+            <a:off x="6096762" y="1743088"/>
+            <a:ext cx="6095238" cy="4561905"/>
+          </a:xfrm>
+          <a:prstGeom prst="rect">
+            <a:avLst/>
+          </a:prstGeom>
+        </p:spPr>
+      </p:pic>
+      <p:sp>
+        <p:nvSpPr>
+          <p:cNvPr id="6" name="橢圓 5"/>
+          <p:cNvSpPr/>
+          <p:nvPr/>
+        </p:nvSpPr>
+        <p:spPr>
+          <a:xfrm>
+            <a:off x="3327991" y="2126512"/>
+            <a:ext cx="2424223" cy="2424223"/>
+          </a:xfrm>
+          <a:prstGeom prst="ellipse">
+            <a:avLst/>
+          </a:prstGeom>
+          <a:noFill/>
+          <a:ln w="19050">
+            <a:solidFill>
+              <a:schemeClr val="accent1"/>
+            </a:solidFill>
+          </a:ln>
+        </p:spPr>
+        <p:style>
+          <a:lnRef idx="2">
+            <a:schemeClr val="accent1">
+              <a:shade val="50000"/>
+            </a:schemeClr>
+          </a:lnRef>
+          <a:fillRef idx="1">
+            <a:schemeClr val="accent1"/>
+          </a:fillRef>
+          <a:effectRef idx="0">
+            <a:schemeClr val="accent1"/>
+          </a:effectRef>
+          <a:fontRef idx="minor">
+            <a:schemeClr val="lt1"/>
+          </a:fontRef>
+        </p:style>
+        <p:txBody>
+          <a:bodyPr rtlCol="0" anchor="ctr"/>
+          <a:lstStyle/>
+          <a:p>
+            <a:pPr algn="ctr"/>
+            <a:endParaRPr lang="zh-TW" altLang="en-US"/>
+          </a:p>
+        </p:txBody>
+      </p:sp>
+      <p:sp>
+        <p:nvSpPr>
+          <p:cNvPr id="7" name="橢圓 6"/>
+          <p:cNvSpPr/>
+          <p:nvPr/>
+        </p:nvSpPr>
+        <p:spPr>
+          <a:xfrm>
+            <a:off x="9307032" y="2023731"/>
+            <a:ext cx="2424223" cy="2424223"/>
+          </a:xfrm>
+          <a:prstGeom prst="ellipse">
+            <a:avLst/>
+          </a:prstGeom>
+          <a:noFill/>
+          <a:ln w="19050">
+            <a:solidFill>
+              <a:schemeClr val="accent1"/>
+            </a:solidFill>
+          </a:ln>
+        </p:spPr>
+        <p:style>
+          <a:lnRef idx="2">
+            <a:schemeClr val="accent1">
+              <a:shade val="50000"/>
+            </a:schemeClr>
+          </a:lnRef>
+          <a:fillRef idx="1">
+            <a:schemeClr val="accent1"/>
+          </a:fillRef>
+          <a:effectRef idx="0">
+            <a:schemeClr val="accent1"/>
+          </a:effectRef>
+          <a:fontRef idx="minor">
+            <a:schemeClr val="lt1"/>
+          </a:fontRef>
+        </p:style>
+        <p:txBody>
+          <a:bodyPr rtlCol="0" anchor="ctr"/>
+          <a:lstStyle/>
+          <a:p>
+            <a:pPr algn="ctr"/>
+            <a:endParaRPr lang="zh-TW" altLang="en-US"/>
+          </a:p>
+        </p:txBody>
+      </p:sp>
+    </p:spTree>
+    <p:extLst>
+      <p:ext uri="{BB962C8B-B14F-4D97-AF65-F5344CB8AC3E}">
+        <p14:creationId xmlns:p14="http://schemas.microsoft.com/office/powerpoint/2010/main" val="4073071275"/>
+      </p:ext>
+    </p:extLst>
+  </p:cSld>
+  <p:clrMapOvr>
+    <a:masterClrMapping/>
+  </p:clrMapOvr>
+  <mc:AlternateContent xmlns:mc="http://schemas.openxmlformats.org/markup-compatibility/2006" xmlns:p14="http://schemas.microsoft.com/office/powerpoint/2010/main">
+    <mc:Choice Requires="p14">
+      <p:transition spd="med" p14:dur="700">
+        <p:fade/>
+      </p:transition>
+    </mc:Choice>
+    <mc:Fallback xmlns="">
+      <p:transition spd="med">
+        <p:fade/>
+      </p:transition>
+    </mc:Fallback>
+  </mc:AlternateContent>
+  <p:timing>
+    <p:tnLst>
+      <p:par>
+        <p:cTn id="1" dur="indefinite" restart="never" nodeType="tmRoot"/>
+      </p:par>
+    </p:tnLst>
+  </p:timing>
+</p:sld>
+</file>
+
+<file path=ppt/slides/slide28.xml><?xml version="1.0" encoding="utf-8"?>
 <p:sld xmlns:a="http://schemas.openxmlformats.org/drawingml/2006/main" xmlns:r="http://schemas.openxmlformats.org/officeDocument/2006/relationships" xmlns:p="http://schemas.openxmlformats.org/presentationml/2006/main">
   <p:cSld>
     <p:spTree>
@@ -25548,7 +29127,7 @@
           <a:p>
             <a:r>
               <a:rPr lang="en-US" altLang="zh-TW" dirty="0" smtClean="0"/>
-              <a:t>Scaled</a:t>
+              <a:t>Normal Side</a:t>
             </a:r>
             <a:endParaRPr lang="zh-TW" altLang="en-US" dirty="0"/>
           </a:p>
@@ -25571,7 +29150,7 @@
           <a:p>
             <a:fld id="{6F0746BA-D1AA-4FF4-8D48-BDBC7FF48778}" type="slidenum">
               <a:rPr lang="fr-FR" smtClean="0"/>
-              <a:t>16</a:t>
+              <a:t>28</a:t>
             </a:fld>
             <a:endParaRPr lang="fr-FR"/>
           </a:p>
@@ -25579,7 +29158,7 @@
       </p:sp>
       <p:pic>
         <p:nvPicPr>
-          <p:cNvPr id="5" name="圖片 4"/>
+          <p:cNvPr id="4" name="圖片 3"/>
           <p:cNvPicPr>
             <a:picLocks noChangeAspect="1"/>
           </p:cNvPicPr>
@@ -25604,8 +29183,8 @@
         </p:blipFill>
         <p:spPr>
           <a:xfrm>
-            <a:off x="349843" y="1909893"/>
-            <a:ext cx="5533501" cy="4144000"/>
+            <a:off x="0" y="1743277"/>
+            <a:ext cx="6095238" cy="4561905"/>
           </a:xfrm>
           <a:prstGeom prst="rect">
             <a:avLst/>
@@ -25614,10 +29193,8 @@
       </p:pic>
       <p:pic>
         <p:nvPicPr>
-          <p:cNvPr id="7" name="圖片 6"/>
-          <p:cNvPicPr>
-            <a:picLocks noChangeAspect="1"/>
-          </p:cNvPicPr>
+          <p:cNvPr id="5" name="圖片 4"/>
+          <p:cNvPicPr/>
           <p:nvPr/>
         </p:nvPicPr>
         <p:blipFill>
@@ -25639,56 +29216,276 @@
         </p:blipFill>
         <p:spPr>
           <a:xfrm>
-            <a:off x="6319285" y="1909893"/>
-            <a:ext cx="5533501" cy="4144000"/>
+            <a:off x="6266770" y="276593"/>
+            <a:ext cx="5400040" cy="2293620"/>
           </a:xfrm>
           <a:prstGeom prst="rect">
             <a:avLst/>
           </a:prstGeom>
         </p:spPr>
       </p:pic>
-      <p:cxnSp>
-        <p:nvCxnSpPr>
-          <p:cNvPr id="9" name="直線單箭頭接點 8"/>
-          <p:cNvCxnSpPr>
-            <a:endCxn id="7" idx="1"/>
-          </p:cNvCxnSpPr>
+      <p:sp>
+        <p:nvSpPr>
+          <p:cNvPr id="6" name="橢圓 5"/>
+          <p:cNvSpPr/>
           <p:nvPr/>
-        </p:nvCxnSpPr>
+        </p:nvSpPr>
         <p:spPr>
           <a:xfrm>
-            <a:off x="5645888" y="3981893"/>
-            <a:ext cx="673397" cy="0"/>
+            <a:off x="7787523" y="1169581"/>
+            <a:ext cx="192550" cy="192550"/>
           </a:xfrm>
-          <a:prstGeom prst="straightConnector1">
+          <a:prstGeom prst="ellipse">
             <a:avLst/>
           </a:prstGeom>
           <a:ln>
-            <a:solidFill>
-              <a:schemeClr val="tx1"/>
-            </a:solidFill>
-            <a:tailEnd type="triangle"/>
+            <a:noFill/>
           </a:ln>
         </p:spPr>
         <p:style>
-          <a:lnRef idx="1">
-            <a:schemeClr val="accent1"/>
+          <a:lnRef idx="2">
+            <a:schemeClr val="accent1">
+              <a:shade val="50000"/>
+            </a:schemeClr>
           </a:lnRef>
-          <a:fillRef idx="0">
+          <a:fillRef idx="1">
             <a:schemeClr val="accent1"/>
           </a:fillRef>
           <a:effectRef idx="0">
             <a:schemeClr val="accent1"/>
           </a:effectRef>
           <a:fontRef idx="minor">
-            <a:schemeClr val="tx1"/>
+            <a:schemeClr val="lt1"/>
           </a:fontRef>
         </p:style>
-      </p:cxnSp>
+        <p:txBody>
+          <a:bodyPr rtlCol="0" anchor="ctr"/>
+          <a:lstStyle/>
+          <a:p>
+            <a:pPr algn="ctr"/>
+            <a:endParaRPr lang="zh-TW" altLang="en-US"/>
+          </a:p>
+        </p:txBody>
+      </p:sp>
+      <p:sp>
+        <p:nvSpPr>
+          <p:cNvPr id="7" name="橢圓 6"/>
+          <p:cNvSpPr/>
+          <p:nvPr/>
+        </p:nvSpPr>
+        <p:spPr>
+          <a:xfrm>
+            <a:off x="10470715" y="1169581"/>
+            <a:ext cx="192550" cy="192550"/>
+          </a:xfrm>
+          <a:prstGeom prst="ellipse">
+            <a:avLst/>
+          </a:prstGeom>
+          <a:ln>
+            <a:noFill/>
+          </a:ln>
+        </p:spPr>
+        <p:style>
+          <a:lnRef idx="2">
+            <a:schemeClr val="accent1">
+              <a:shade val="50000"/>
+            </a:schemeClr>
+          </a:lnRef>
+          <a:fillRef idx="1">
+            <a:schemeClr val="accent1"/>
+          </a:fillRef>
+          <a:effectRef idx="0">
+            <a:schemeClr val="accent1"/>
+          </a:effectRef>
+          <a:fontRef idx="minor">
+            <a:schemeClr val="lt1"/>
+          </a:fontRef>
+        </p:style>
+        <p:txBody>
+          <a:bodyPr rtlCol="0" anchor="ctr"/>
+          <a:lstStyle/>
+          <a:p>
+            <a:pPr algn="ctr"/>
+            <a:endParaRPr lang="zh-TW" altLang="en-US"/>
+          </a:p>
+        </p:txBody>
+      </p:sp>
+      <p:sp>
+        <p:nvSpPr>
+          <p:cNvPr id="8" name="橢圓 7"/>
+          <p:cNvSpPr/>
+          <p:nvPr/>
+        </p:nvSpPr>
+        <p:spPr>
+          <a:xfrm>
+            <a:off x="7454614" y="1594032"/>
+            <a:ext cx="192550" cy="192550"/>
+          </a:xfrm>
+          <a:prstGeom prst="ellipse">
+            <a:avLst/>
+          </a:prstGeom>
+          <a:ln>
+            <a:noFill/>
+          </a:ln>
+        </p:spPr>
+        <p:style>
+          <a:lnRef idx="2">
+            <a:schemeClr val="accent1">
+              <a:shade val="50000"/>
+            </a:schemeClr>
+          </a:lnRef>
+          <a:fillRef idx="1">
+            <a:schemeClr val="accent1"/>
+          </a:fillRef>
+          <a:effectRef idx="0">
+            <a:schemeClr val="accent1"/>
+          </a:effectRef>
+          <a:fontRef idx="minor">
+            <a:schemeClr val="lt1"/>
+          </a:fontRef>
+        </p:style>
+        <p:txBody>
+          <a:bodyPr rtlCol="0" anchor="ctr"/>
+          <a:lstStyle/>
+          <a:p>
+            <a:pPr algn="ctr"/>
+            <a:endParaRPr lang="zh-TW" altLang="en-US"/>
+          </a:p>
+        </p:txBody>
+      </p:sp>
+      <p:sp>
+        <p:nvSpPr>
+          <p:cNvPr id="9" name="橢圓 8"/>
+          <p:cNvSpPr/>
+          <p:nvPr/>
+        </p:nvSpPr>
+        <p:spPr>
+          <a:xfrm>
+            <a:off x="10786149" y="1594032"/>
+            <a:ext cx="192550" cy="192550"/>
+          </a:xfrm>
+          <a:prstGeom prst="ellipse">
+            <a:avLst/>
+          </a:prstGeom>
+          <a:ln>
+            <a:noFill/>
+          </a:ln>
+        </p:spPr>
+        <p:style>
+          <a:lnRef idx="2">
+            <a:schemeClr val="accent1">
+              <a:shade val="50000"/>
+            </a:schemeClr>
+          </a:lnRef>
+          <a:fillRef idx="1">
+            <a:schemeClr val="accent1"/>
+          </a:fillRef>
+          <a:effectRef idx="0">
+            <a:schemeClr val="accent1"/>
+          </a:effectRef>
+          <a:fontRef idx="minor">
+            <a:schemeClr val="lt1"/>
+          </a:fontRef>
+        </p:style>
+        <p:txBody>
+          <a:bodyPr rtlCol="0" anchor="ctr"/>
+          <a:lstStyle/>
+          <a:p>
+            <a:pPr algn="ctr"/>
+            <a:endParaRPr lang="zh-TW" altLang="en-US"/>
+          </a:p>
+        </p:txBody>
+      </p:sp>
+      <p:sp>
+        <p:nvSpPr>
+          <p:cNvPr id="10" name="橢圓 9"/>
+          <p:cNvSpPr/>
+          <p:nvPr/>
+        </p:nvSpPr>
+        <p:spPr>
+          <a:xfrm>
+            <a:off x="11419693" y="1391818"/>
+            <a:ext cx="192550" cy="192550"/>
+          </a:xfrm>
+          <a:prstGeom prst="ellipse">
+            <a:avLst/>
+          </a:prstGeom>
+          <a:ln>
+            <a:noFill/>
+          </a:ln>
+        </p:spPr>
+        <p:style>
+          <a:lnRef idx="2">
+            <a:schemeClr val="accent1">
+              <a:shade val="50000"/>
+            </a:schemeClr>
+          </a:lnRef>
+          <a:fillRef idx="1">
+            <a:schemeClr val="accent1"/>
+          </a:fillRef>
+          <a:effectRef idx="0">
+            <a:schemeClr val="accent1"/>
+          </a:effectRef>
+          <a:fontRef idx="minor">
+            <a:schemeClr val="lt1"/>
+          </a:fontRef>
+        </p:style>
+        <p:txBody>
+          <a:bodyPr rtlCol="0" anchor="ctr"/>
+          <a:lstStyle/>
+          <a:p>
+            <a:pPr algn="ctr"/>
+            <a:endParaRPr lang="zh-TW" altLang="en-US"/>
+          </a:p>
+        </p:txBody>
+      </p:sp>
+      <p:sp>
+        <p:nvSpPr>
+          <p:cNvPr id="11" name="橢圓 10"/>
+          <p:cNvSpPr/>
+          <p:nvPr/>
+        </p:nvSpPr>
+        <p:spPr>
+          <a:xfrm>
+            <a:off x="7085154" y="1391818"/>
+            <a:ext cx="192550" cy="192550"/>
+          </a:xfrm>
+          <a:prstGeom prst="ellipse">
+            <a:avLst/>
+          </a:prstGeom>
+          <a:ln>
+            <a:noFill/>
+          </a:ln>
+        </p:spPr>
+        <p:style>
+          <a:lnRef idx="2">
+            <a:schemeClr val="accent1">
+              <a:shade val="50000"/>
+            </a:schemeClr>
+          </a:lnRef>
+          <a:fillRef idx="1">
+            <a:schemeClr val="accent1"/>
+          </a:fillRef>
+          <a:effectRef idx="0">
+            <a:schemeClr val="accent1"/>
+          </a:effectRef>
+          <a:fontRef idx="minor">
+            <a:schemeClr val="lt1"/>
+          </a:fontRef>
+        </p:style>
+        <p:txBody>
+          <a:bodyPr rtlCol="0" anchor="ctr"/>
+          <a:lstStyle/>
+          <a:p>
+            <a:pPr algn="ctr"/>
+            <a:endParaRPr lang="zh-TW" altLang="en-US"/>
+          </a:p>
+        </p:txBody>
+      </p:sp>
     </p:spTree>
     <p:extLst>
       <p:ext uri="{BB962C8B-B14F-4D97-AF65-F5344CB8AC3E}">
-        <p14:creationId xmlns:p14="http://schemas.microsoft.com/office/powerpoint/2010/main" val="3840022833"/>
+        <p14:creationId xmlns:p14="http://schemas.microsoft.com/office/powerpoint/2010/main" val="1959379816"/>
       </p:ext>
     </p:extLst>
   </p:cSld>
@@ -25717,185 +29514,7 @@
 </p:sld>
 </file>
 
-<file path=ppt/slides/slide17.xml><?xml version="1.0" encoding="utf-8"?>
-<p:sld xmlns:a="http://schemas.openxmlformats.org/drawingml/2006/main" xmlns:r="http://schemas.openxmlformats.org/officeDocument/2006/relationships" xmlns:p="http://schemas.openxmlformats.org/presentationml/2006/main">
-  <p:cSld>
-    <p:spTree>
-      <p:nvGrpSpPr>
-        <p:cNvPr id="1" name=""/>
-        <p:cNvGrpSpPr/>
-        <p:nvPr/>
-      </p:nvGrpSpPr>
-      <p:grpSpPr>
-        <a:xfrm>
-          <a:off x="0" y="0"/>
-          <a:ext cx="0" cy="0"/>
-          <a:chOff x="0" y="0"/>
-          <a:chExt cx="0" cy="0"/>
-        </a:xfrm>
-      </p:grpSpPr>
-      <p:sp>
-        <p:nvSpPr>
-          <p:cNvPr id="2" name="文字版面配置區 1"/>
-          <p:cNvSpPr>
-            <a:spLocks noGrp="1"/>
-          </p:cNvSpPr>
-          <p:nvPr>
-            <p:ph type="body" sz="quarter" idx="10"/>
-          </p:nvPr>
-        </p:nvSpPr>
-        <p:spPr>
-          <a:xfrm>
-            <a:off x="839788" y="660400"/>
-            <a:ext cx="7770812" cy="701731"/>
-          </a:xfrm>
-        </p:spPr>
-        <p:txBody>
-          <a:bodyPr/>
-          <a:lstStyle/>
-          <a:p>
-            <a:r>
-              <a:rPr lang="en-US" altLang="zh-TW" dirty="0"/>
-              <a:t>Hinges Only </a:t>
-            </a:r>
-            <a:r>
-              <a:rPr lang="en-US" altLang="zh-TW" dirty="0" smtClean="0"/>
-              <a:t>On </a:t>
-            </a:r>
-            <a:r>
-              <a:rPr lang="en-US" altLang="zh-TW" dirty="0"/>
-              <a:t>Two Ends</a:t>
-            </a:r>
-            <a:endParaRPr lang="zh-TW" altLang="en-US" dirty="0"/>
-          </a:p>
-        </p:txBody>
-      </p:sp>
-      <p:sp>
-        <p:nvSpPr>
-          <p:cNvPr id="3" name="投影片編號版面配置區 2"/>
-          <p:cNvSpPr>
-            <a:spLocks noGrp="1"/>
-          </p:cNvSpPr>
-          <p:nvPr>
-            <p:ph type="sldNum" sz="quarter" idx="4"/>
-          </p:nvPr>
-        </p:nvSpPr>
-        <p:spPr/>
-        <p:txBody>
-          <a:bodyPr/>
-          <a:lstStyle/>
-          <a:p>
-            <a:fld id="{6F0746BA-D1AA-4FF4-8D48-BDBC7FF48778}" type="slidenum">
-              <a:rPr lang="fr-FR" smtClean="0"/>
-              <a:t>17</a:t>
-            </a:fld>
-            <a:endParaRPr lang="fr-FR"/>
-          </a:p>
-        </p:txBody>
-      </p:sp>
-      <p:pic>
-        <p:nvPicPr>
-          <p:cNvPr id="6" name="圖片 5"/>
-          <p:cNvPicPr>
-            <a:picLocks noChangeAspect="1"/>
-          </p:cNvPicPr>
-          <p:nvPr/>
-        </p:nvPicPr>
-        <p:blipFill>
-          <a:blip r:embed="rId2">
-            <a:clrChange>
-              <a:clrFrom>
-                <a:srgbClr val="FFFFFF"/>
-              </a:clrFrom>
-              <a:clrTo>
-                <a:srgbClr val="FFFFFF">
-                  <a:alpha val="0"/>
-                </a:srgbClr>
-              </a:clrTo>
-            </a:clrChange>
-          </a:blip>
-          <a:stretch>
-            <a:fillRect/>
-          </a:stretch>
-        </p:blipFill>
-        <p:spPr>
-          <a:xfrm>
-            <a:off x="6095238" y="1544941"/>
-            <a:ext cx="6095238" cy="4561905"/>
-          </a:xfrm>
-          <a:prstGeom prst="rect">
-            <a:avLst/>
-          </a:prstGeom>
-        </p:spPr>
-      </p:pic>
-      <p:pic>
-        <p:nvPicPr>
-          <p:cNvPr id="7" name="圖片 6"/>
-          <p:cNvPicPr>
-            <a:picLocks noChangeAspect="1"/>
-          </p:cNvPicPr>
-          <p:nvPr/>
-        </p:nvPicPr>
-        <p:blipFill>
-          <a:blip r:embed="rId3">
-            <a:clrChange>
-              <a:clrFrom>
-                <a:srgbClr val="FFFFFF"/>
-              </a:clrFrom>
-              <a:clrTo>
-                <a:srgbClr val="FFFFFF">
-                  <a:alpha val="0"/>
-                </a:srgbClr>
-              </a:clrTo>
-            </a:clrChange>
-          </a:blip>
-          <a:stretch>
-            <a:fillRect/>
-          </a:stretch>
-        </p:blipFill>
-        <p:spPr>
-          <a:xfrm>
-            <a:off x="0" y="1544942"/>
-            <a:ext cx="6095238" cy="4561905"/>
-          </a:xfrm>
-          <a:prstGeom prst="rect">
-            <a:avLst/>
-          </a:prstGeom>
-        </p:spPr>
-      </p:pic>
-    </p:spTree>
-    <p:extLst>
-      <p:ext uri="{BB962C8B-B14F-4D97-AF65-F5344CB8AC3E}">
-        <p14:creationId xmlns:p14="http://schemas.microsoft.com/office/powerpoint/2010/main" val="4119327212"/>
-      </p:ext>
-    </p:extLst>
-  </p:cSld>
-  <p:clrMapOvr>
-    <a:masterClrMapping/>
-  </p:clrMapOvr>
-  <mc:AlternateContent xmlns:mc="http://schemas.openxmlformats.org/markup-compatibility/2006" xmlns:p14="http://schemas.microsoft.com/office/powerpoint/2010/main">
-    <mc:Choice Requires="p14">
-      <p:transition spd="med" p14:dur="700">
-        <p:fade/>
-      </p:transition>
-    </mc:Choice>
-    <mc:Fallback xmlns="">
-      <p:transition spd="med">
-        <p:fade/>
-      </p:transition>
-    </mc:Fallback>
-  </mc:AlternateContent>
-  <p:timing>
-    <p:tnLst>
-      <p:par>
-        <p:cTn id="1" dur="indefinite" restart="never" nodeType="tmRoot"/>
-      </p:par>
-    </p:tnLst>
-  </p:timing>
-</p:sld>
-</file>
-
-<file path=ppt/slides/slide18.xml><?xml version="1.0" encoding="utf-8"?>
+<file path=ppt/slides/slide29.xml><?xml version="1.0" encoding="utf-8"?>
 <p:sld xmlns:a="http://schemas.openxmlformats.org/drawingml/2006/main" xmlns:r="http://schemas.openxmlformats.org/officeDocument/2006/relationships" xmlns:p="http://schemas.openxmlformats.org/presentationml/2006/main">
   <p:cSld>
     <p:spTree>
@@ -25928,8 +29547,12 @@
           <a:lstStyle/>
           <a:p>
             <a:r>
-              <a:rPr lang="en-US" altLang="zh-TW" dirty="0"/>
-              <a:t>Multiple Hinges</a:t>
+              <a:rPr lang="en-US" altLang="zh-TW" dirty="0" smtClean="0"/>
+              <a:t>Normal </a:t>
+            </a:r>
+            <a:r>
+              <a:rPr lang="en-US" altLang="zh-TW" dirty="0" err="1" smtClean="0"/>
+              <a:t>NoLd</a:t>
             </a:r>
             <a:endParaRPr lang="zh-TW" altLang="en-US" dirty="0"/>
           </a:p>
@@ -25952,7 +29575,7 @@
           <a:p>
             <a:fld id="{6F0746BA-D1AA-4FF4-8D48-BDBC7FF48778}" type="slidenum">
               <a:rPr lang="fr-FR" smtClean="0"/>
-              <a:t>18</a:t>
+              <a:t>29</a:t>
             </a:fld>
             <a:endParaRPr lang="fr-FR"/>
           </a:p>
@@ -25985,7 +29608,7 @@
         </p:blipFill>
         <p:spPr>
           <a:xfrm>
-            <a:off x="762" y="1541449"/>
+            <a:off x="0" y="1743472"/>
             <a:ext cx="6095238" cy="4561905"/>
           </a:xfrm>
           <a:prstGeom prst="rect">
@@ -25995,7 +29618,7 @@
       </p:pic>
       <p:pic>
         <p:nvPicPr>
-          <p:cNvPr id="7" name="圖片 6"/>
+          <p:cNvPr id="6" name="圖片 5"/>
           <p:cNvPicPr>
             <a:picLocks noChangeAspect="1"/>
           </p:cNvPicPr>
@@ -26003,6 +29626,39 @@
         </p:nvPicPr>
         <p:blipFill>
           <a:blip r:embed="rId3">
+            <a:clrChange>
+              <a:clrFrom>
+                <a:srgbClr val="FEFEFE"/>
+              </a:clrFrom>
+              <a:clrTo>
+                <a:srgbClr val="FEFEFE">
+                  <a:alpha val="0"/>
+                </a:srgbClr>
+              </a:clrTo>
+            </a:clrChange>
+          </a:blip>
+          <a:stretch>
+            <a:fillRect/>
+          </a:stretch>
+        </p:blipFill>
+        <p:spPr>
+          <a:xfrm>
+            <a:off x="6096000" y="2570213"/>
+            <a:ext cx="6096000" cy="3303419"/>
+          </a:xfrm>
+          <a:prstGeom prst="rect">
+            <a:avLst/>
+          </a:prstGeom>
+        </p:spPr>
+      </p:pic>
+      <p:pic>
+        <p:nvPicPr>
+          <p:cNvPr id="7" name="圖片 6"/>
+          <p:cNvPicPr/>
+          <p:nvPr/>
+        </p:nvPicPr>
+        <p:blipFill>
+          <a:blip r:embed="rId4">
             <a:clrChange>
               <a:clrFrom>
                 <a:srgbClr val="FFFFFF"/>
@@ -26020,18 +29676,276 @@
         </p:blipFill>
         <p:spPr>
           <a:xfrm>
-            <a:off x="6096000" y="1541448"/>
-            <a:ext cx="6095238" cy="4561905"/>
+            <a:off x="6266770" y="276593"/>
+            <a:ext cx="5400040" cy="2293620"/>
           </a:xfrm>
           <a:prstGeom prst="rect">
             <a:avLst/>
           </a:prstGeom>
         </p:spPr>
       </p:pic>
+      <p:sp>
+        <p:nvSpPr>
+          <p:cNvPr id="8" name="橢圓 7"/>
+          <p:cNvSpPr/>
+          <p:nvPr/>
+        </p:nvSpPr>
+        <p:spPr>
+          <a:xfrm>
+            <a:off x="8610600" y="1169581"/>
+            <a:ext cx="192550" cy="192550"/>
+          </a:xfrm>
+          <a:prstGeom prst="ellipse">
+            <a:avLst/>
+          </a:prstGeom>
+          <a:ln>
+            <a:noFill/>
+          </a:ln>
+        </p:spPr>
+        <p:style>
+          <a:lnRef idx="2">
+            <a:schemeClr val="accent1">
+              <a:shade val="50000"/>
+            </a:schemeClr>
+          </a:lnRef>
+          <a:fillRef idx="1">
+            <a:schemeClr val="accent1"/>
+          </a:fillRef>
+          <a:effectRef idx="0">
+            <a:schemeClr val="accent1"/>
+          </a:effectRef>
+          <a:fontRef idx="minor">
+            <a:schemeClr val="lt1"/>
+          </a:fontRef>
+        </p:style>
+        <p:txBody>
+          <a:bodyPr rtlCol="0" anchor="ctr"/>
+          <a:lstStyle/>
+          <a:p>
+            <a:pPr algn="ctr"/>
+            <a:endParaRPr lang="zh-TW" altLang="en-US"/>
+          </a:p>
+        </p:txBody>
+      </p:sp>
+      <p:sp>
+        <p:nvSpPr>
+          <p:cNvPr id="9" name="橢圓 8"/>
+          <p:cNvSpPr/>
+          <p:nvPr/>
+        </p:nvSpPr>
+        <p:spPr>
+          <a:xfrm>
+            <a:off x="9885925" y="1169581"/>
+            <a:ext cx="192550" cy="192550"/>
+          </a:xfrm>
+          <a:prstGeom prst="ellipse">
+            <a:avLst/>
+          </a:prstGeom>
+          <a:ln>
+            <a:noFill/>
+          </a:ln>
+        </p:spPr>
+        <p:style>
+          <a:lnRef idx="2">
+            <a:schemeClr val="accent1">
+              <a:shade val="50000"/>
+            </a:schemeClr>
+          </a:lnRef>
+          <a:fillRef idx="1">
+            <a:schemeClr val="accent1"/>
+          </a:fillRef>
+          <a:effectRef idx="0">
+            <a:schemeClr val="accent1"/>
+          </a:effectRef>
+          <a:fontRef idx="minor">
+            <a:schemeClr val="lt1"/>
+          </a:fontRef>
+        </p:style>
+        <p:txBody>
+          <a:bodyPr rtlCol="0" anchor="ctr"/>
+          <a:lstStyle/>
+          <a:p>
+            <a:pPr algn="ctr"/>
+            <a:endParaRPr lang="zh-TW" altLang="en-US"/>
+          </a:p>
+        </p:txBody>
+      </p:sp>
+      <p:sp>
+        <p:nvSpPr>
+          <p:cNvPr id="10" name="橢圓 9"/>
+          <p:cNvSpPr/>
+          <p:nvPr/>
+        </p:nvSpPr>
+        <p:spPr>
+          <a:xfrm>
+            <a:off x="7454614" y="1594032"/>
+            <a:ext cx="192550" cy="192550"/>
+          </a:xfrm>
+          <a:prstGeom prst="ellipse">
+            <a:avLst/>
+          </a:prstGeom>
+          <a:ln>
+            <a:noFill/>
+          </a:ln>
+        </p:spPr>
+        <p:style>
+          <a:lnRef idx="2">
+            <a:schemeClr val="accent1">
+              <a:shade val="50000"/>
+            </a:schemeClr>
+          </a:lnRef>
+          <a:fillRef idx="1">
+            <a:schemeClr val="accent1"/>
+          </a:fillRef>
+          <a:effectRef idx="0">
+            <a:schemeClr val="accent1"/>
+          </a:effectRef>
+          <a:fontRef idx="minor">
+            <a:schemeClr val="lt1"/>
+          </a:fontRef>
+        </p:style>
+        <p:txBody>
+          <a:bodyPr rtlCol="0" anchor="ctr"/>
+          <a:lstStyle/>
+          <a:p>
+            <a:pPr algn="ctr"/>
+            <a:endParaRPr lang="zh-TW" altLang="en-US"/>
+          </a:p>
+        </p:txBody>
+      </p:sp>
+      <p:sp>
+        <p:nvSpPr>
+          <p:cNvPr id="11" name="橢圓 10"/>
+          <p:cNvSpPr/>
+          <p:nvPr/>
+        </p:nvSpPr>
+        <p:spPr>
+          <a:xfrm>
+            <a:off x="10786149" y="1594032"/>
+            <a:ext cx="192550" cy="192550"/>
+          </a:xfrm>
+          <a:prstGeom prst="ellipse">
+            <a:avLst/>
+          </a:prstGeom>
+          <a:ln>
+            <a:noFill/>
+          </a:ln>
+        </p:spPr>
+        <p:style>
+          <a:lnRef idx="2">
+            <a:schemeClr val="accent1">
+              <a:shade val="50000"/>
+            </a:schemeClr>
+          </a:lnRef>
+          <a:fillRef idx="1">
+            <a:schemeClr val="accent1"/>
+          </a:fillRef>
+          <a:effectRef idx="0">
+            <a:schemeClr val="accent1"/>
+          </a:effectRef>
+          <a:fontRef idx="minor">
+            <a:schemeClr val="lt1"/>
+          </a:fontRef>
+        </p:style>
+        <p:txBody>
+          <a:bodyPr rtlCol="0" anchor="ctr"/>
+          <a:lstStyle/>
+          <a:p>
+            <a:pPr algn="ctr"/>
+            <a:endParaRPr lang="zh-TW" altLang="en-US"/>
+          </a:p>
+        </p:txBody>
+      </p:sp>
+      <p:sp>
+        <p:nvSpPr>
+          <p:cNvPr id="12" name="橢圓 11"/>
+          <p:cNvSpPr/>
+          <p:nvPr/>
+        </p:nvSpPr>
+        <p:spPr>
+          <a:xfrm>
+            <a:off x="11419693" y="1391818"/>
+            <a:ext cx="192550" cy="192550"/>
+          </a:xfrm>
+          <a:prstGeom prst="ellipse">
+            <a:avLst/>
+          </a:prstGeom>
+          <a:ln>
+            <a:noFill/>
+          </a:ln>
+        </p:spPr>
+        <p:style>
+          <a:lnRef idx="2">
+            <a:schemeClr val="accent1">
+              <a:shade val="50000"/>
+            </a:schemeClr>
+          </a:lnRef>
+          <a:fillRef idx="1">
+            <a:schemeClr val="accent1"/>
+          </a:fillRef>
+          <a:effectRef idx="0">
+            <a:schemeClr val="accent1"/>
+          </a:effectRef>
+          <a:fontRef idx="minor">
+            <a:schemeClr val="lt1"/>
+          </a:fontRef>
+        </p:style>
+        <p:txBody>
+          <a:bodyPr rtlCol="0" anchor="ctr"/>
+          <a:lstStyle/>
+          <a:p>
+            <a:pPr algn="ctr"/>
+            <a:endParaRPr lang="zh-TW" altLang="en-US"/>
+          </a:p>
+        </p:txBody>
+      </p:sp>
+      <p:sp>
+        <p:nvSpPr>
+          <p:cNvPr id="13" name="橢圓 12"/>
+          <p:cNvSpPr/>
+          <p:nvPr/>
+        </p:nvSpPr>
+        <p:spPr>
+          <a:xfrm>
+            <a:off x="7085154" y="1391818"/>
+            <a:ext cx="192550" cy="192550"/>
+          </a:xfrm>
+          <a:prstGeom prst="ellipse">
+            <a:avLst/>
+          </a:prstGeom>
+          <a:ln>
+            <a:noFill/>
+          </a:ln>
+        </p:spPr>
+        <p:style>
+          <a:lnRef idx="2">
+            <a:schemeClr val="accent1">
+              <a:shade val="50000"/>
+            </a:schemeClr>
+          </a:lnRef>
+          <a:fillRef idx="1">
+            <a:schemeClr val="accent1"/>
+          </a:fillRef>
+          <a:effectRef idx="0">
+            <a:schemeClr val="accent1"/>
+          </a:effectRef>
+          <a:fontRef idx="minor">
+            <a:schemeClr val="lt1"/>
+          </a:fontRef>
+        </p:style>
+        <p:txBody>
+          <a:bodyPr rtlCol="0" anchor="ctr"/>
+          <a:lstStyle/>
+          <a:p>
+            <a:pPr algn="ctr"/>
+            <a:endParaRPr lang="zh-TW" altLang="en-US"/>
+          </a:p>
+        </p:txBody>
+      </p:sp>
     </p:spTree>
     <p:extLst>
       <p:ext uri="{BB962C8B-B14F-4D97-AF65-F5344CB8AC3E}">
-        <p14:creationId xmlns:p14="http://schemas.microsoft.com/office/powerpoint/2010/main" val="3926779687"/>
+        <p14:creationId xmlns:p14="http://schemas.microsoft.com/office/powerpoint/2010/main" val="1608442759"/>
       </p:ext>
     </p:extLst>
   </p:cSld>
@@ -26060,7 +29974,7 @@
 </p:sld>
 </file>
 
-<file path=ppt/slides/slide19.xml><?xml version="1.0" encoding="utf-8"?>
+<file path=ppt/slides/slide3.xml><?xml version="1.0" encoding="utf-8"?>
 <p:sld xmlns:a="http://schemas.openxmlformats.org/drawingml/2006/main" xmlns:r="http://schemas.openxmlformats.org/officeDocument/2006/relationships" xmlns:p="http://schemas.openxmlformats.org/presentationml/2006/main">
   <p:cSld>
     <p:spTree>
@@ -26079,7 +29993,7 @@
       </p:grpSpPr>
       <p:sp>
         <p:nvSpPr>
-          <p:cNvPr id="4" name="文字版面配置區 3"/>
+          <p:cNvPr id="2" name="文字版面配置區 1"/>
           <p:cNvSpPr>
             <a:spLocks noGrp="1"/>
           </p:cNvSpPr>
@@ -26094,7 +30008,7 @@
           <a:p>
             <a:r>
               <a:rPr lang="en-US" altLang="zh-TW" dirty="0" smtClean="0"/>
-              <a:t>IDA</a:t>
+              <a:t>Information</a:t>
             </a:r>
             <a:endParaRPr lang="zh-TW" altLang="en-US" dirty="0"/>
           </a:p>
@@ -26102,7 +30016,7 @@
       </p:sp>
       <p:sp>
         <p:nvSpPr>
-          <p:cNvPr id="2" name="投影片編號版面配置區 1"/>
+          <p:cNvPr id="3" name="投影片編號版面配置區 2"/>
           <p:cNvSpPr>
             <a:spLocks noGrp="1"/>
           </p:cNvSpPr>
@@ -26117,7 +30031,7 @@
           <a:p>
             <a:fld id="{6F0746BA-D1AA-4FF4-8D48-BDBC7FF48778}" type="slidenum">
               <a:rPr lang="fr-FR" smtClean="0"/>
-              <a:t>19</a:t>
+              <a:t>3</a:t>
             </a:fld>
             <a:endParaRPr lang="fr-FR"/>
           </a:p>
@@ -26125,33 +30039,22 @@
       </p:sp>
       <p:pic>
         <p:nvPicPr>
-          <p:cNvPr id="5" name="Picture 7"/>
+          <p:cNvPr id="4" name="圖片 3"/>
           <p:cNvPicPr>
             <a:picLocks noChangeAspect="1"/>
           </p:cNvPicPr>
           <p:nvPr/>
         </p:nvPicPr>
         <p:blipFill>
-          <a:blip r:embed="rId3">
-            <a:clrChange>
-              <a:clrFrom>
-                <a:srgbClr val="FFFFFF"/>
-              </a:clrFrom>
-              <a:clrTo>
-                <a:srgbClr val="FFFFFF">
-                  <a:alpha val="0"/>
-                </a:srgbClr>
-              </a:clrTo>
-            </a:clrChange>
-          </a:blip>
+          <a:blip r:embed="rId2"/>
           <a:stretch>
             <a:fillRect/>
           </a:stretch>
         </p:blipFill>
         <p:spPr>
           <a:xfrm>
-            <a:off x="6095999" y="0"/>
-            <a:ext cx="4591130" cy="3429001"/>
+            <a:off x="839788" y="2944095"/>
+            <a:ext cx="4782526" cy="1203733"/>
           </a:xfrm>
           <a:prstGeom prst="rect">
             <a:avLst/>
@@ -26160,115 +30063,80 @@
       </p:pic>
       <p:pic>
         <p:nvPicPr>
-          <p:cNvPr id="6" name="Picture 8"/>
+          <p:cNvPr id="7" name="圖片 6"/>
           <p:cNvPicPr>
             <a:picLocks noChangeAspect="1"/>
           </p:cNvPicPr>
           <p:nvPr/>
         </p:nvPicPr>
         <p:blipFill>
-          <a:blip r:embed="rId4">
-            <a:clrChange>
-              <a:clrFrom>
-                <a:srgbClr val="FFFFFF"/>
-              </a:clrFrom>
-              <a:clrTo>
-                <a:srgbClr val="FFFFFF">
-                  <a:alpha val="0"/>
-                </a:srgbClr>
-              </a:clrTo>
-            </a:clrChange>
-          </a:blip>
+          <a:blip r:embed="rId3"/>
           <a:stretch>
             <a:fillRect/>
           </a:stretch>
         </p:blipFill>
         <p:spPr>
           <a:xfrm>
-            <a:off x="6096000" y="3429000"/>
-            <a:ext cx="4591129" cy="3429000"/>
+            <a:off x="839788" y="4883441"/>
+            <a:ext cx="4782526" cy="1203733"/>
           </a:xfrm>
           <a:prstGeom prst="rect">
             <a:avLst/>
           </a:prstGeom>
         </p:spPr>
       </p:pic>
-      <p:sp>
-        <p:nvSpPr>
-          <p:cNvPr id="7" name="文字方塊 6"/>
-          <p:cNvSpPr txBox="1"/>
+      <p:pic>
+        <p:nvPicPr>
+          <p:cNvPr id="10" name="圖片 9"/>
+          <p:cNvPicPr>
+            <a:picLocks noChangeAspect="1"/>
+          </p:cNvPicPr>
           <p:nvPr/>
-        </p:nvSpPr>
+        </p:nvPicPr>
+        <p:blipFill>
+          <a:blip r:embed="rId4"/>
+          <a:stretch>
+            <a:fillRect/>
+          </a:stretch>
+        </p:blipFill>
         <p:spPr>
           <a:xfrm>
-            <a:off x="1790895" y="2721934"/>
-            <a:ext cx="3226011" cy="1810304"/>
+            <a:off x="6096000" y="2944095"/>
+            <a:ext cx="2865563" cy="1055733"/>
           </a:xfrm>
           <a:prstGeom prst="rect">
             <a:avLst/>
           </a:prstGeom>
-          <a:noFill/>
         </p:spPr>
-        <p:txBody>
-          <a:bodyPr wrap="none" lIns="0" rtlCol="0" anchor="t">
-            <a:spAutoFit/>
-          </a:bodyPr>
-          <a:lstStyle/>
-          <a:p>
-            <a:pPr algn="l">
-              <a:lnSpc>
-                <a:spcPct val="120000"/>
-              </a:lnSpc>
-            </a:pPr>
-            <a:r>
-              <a:rPr lang="en-US" altLang="zh-TW" sz="3200" dirty="0" smtClean="0">
-                <a:solidFill>
-                  <a:schemeClr val="accent1"/>
-                </a:solidFill>
-                <a:latin typeface="Segoe UI Light" panose="020B0502040204020203" pitchFamily="34" charset="0"/>
-                <a:cs typeface="Segoe UI Light" panose="020B0502040204020203" pitchFamily="34" charset="0"/>
-              </a:rPr>
-              <a:t>Limit-State</a:t>
-            </a:r>
-          </a:p>
-          <a:p>
-            <a:pPr algn="l">
-              <a:lnSpc>
-                <a:spcPct val="120000"/>
-              </a:lnSpc>
-            </a:pPr>
-            <a:r>
-              <a:rPr lang="en-US" altLang="zh-TW" sz="3200" dirty="0" smtClean="0">
-                <a:latin typeface="Segoe UI Light" panose="020B0502040204020203" pitchFamily="34" charset="0"/>
-                <a:cs typeface="Segoe UI Light" panose="020B0502040204020203" pitchFamily="34" charset="0"/>
-              </a:rPr>
-              <a:t>4% FEMA273</a:t>
-            </a:r>
-          </a:p>
-          <a:p>
-            <a:pPr algn="l">
-              <a:lnSpc>
-                <a:spcPct val="120000"/>
-              </a:lnSpc>
-            </a:pPr>
-            <a:r>
-              <a:rPr lang="en-US" altLang="zh-TW" sz="3200" dirty="0" smtClean="0">
-                <a:latin typeface="Segoe UI Light" panose="020B0502040204020203" pitchFamily="34" charset="0"/>
-                <a:cs typeface="Segoe UI Light" panose="020B0502040204020203" pitchFamily="34" charset="0"/>
-              </a:rPr>
-              <a:t>2.5% SEAOC 2000</a:t>
-            </a:r>
-            <a:endParaRPr lang="zh-TW" altLang="en-US" sz="3200" dirty="0" smtClean="0">
-              <a:latin typeface="Segoe UI Light" panose="020B0502040204020203" pitchFamily="34" charset="0"/>
-              <a:cs typeface="Segoe UI Light" panose="020B0502040204020203" pitchFamily="34" charset="0"/>
-            </a:endParaRPr>
-          </a:p>
-        </p:txBody>
-      </p:sp>
+      </p:pic>
+      <p:pic>
+        <p:nvPicPr>
+          <p:cNvPr id="15" name="圖片 14"/>
+          <p:cNvPicPr>
+            <a:picLocks noChangeAspect="1"/>
+          </p:cNvPicPr>
+          <p:nvPr/>
+        </p:nvPicPr>
+        <p:blipFill>
+          <a:blip r:embed="rId5"/>
+          <a:stretch>
+            <a:fillRect/>
+          </a:stretch>
+        </p:blipFill>
+        <p:spPr>
+          <a:xfrm>
+            <a:off x="839788" y="1996671"/>
+            <a:ext cx="7924764" cy="444000"/>
+          </a:xfrm>
+          <a:prstGeom prst="rect">
+            <a:avLst/>
+          </a:prstGeom>
+        </p:spPr>
+      </p:pic>
     </p:spTree>
     <p:extLst>
       <p:ext uri="{BB962C8B-B14F-4D97-AF65-F5344CB8AC3E}">
-        <p14:creationId xmlns:p14="http://schemas.microsoft.com/office/powerpoint/2010/main" val="3252693787"/>
+        <p14:creationId xmlns:p14="http://schemas.microsoft.com/office/powerpoint/2010/main" val="2515486931"/>
       </p:ext>
     </p:extLst>
   </p:cSld>
@@ -26297,7 +30165,732 @@
 </p:sld>
 </file>
 
-<file path=ppt/slides/slide2.xml><?xml version="1.0" encoding="utf-8"?>
+<file path=ppt/slides/slide4.xml><?xml version="1.0" encoding="utf-8"?>
+<p:sld xmlns:a="http://schemas.openxmlformats.org/drawingml/2006/main" xmlns:r="http://schemas.openxmlformats.org/officeDocument/2006/relationships" xmlns:p="http://schemas.openxmlformats.org/presentationml/2006/main">
+  <p:cSld>
+    <p:spTree>
+      <p:nvGrpSpPr>
+        <p:cNvPr id="1" name=""/>
+        <p:cNvGrpSpPr/>
+        <p:nvPr/>
+      </p:nvGrpSpPr>
+      <p:grpSpPr>
+        <a:xfrm>
+          <a:off x="0" y="0"/>
+          <a:ext cx="0" cy="0"/>
+          <a:chOff x="0" y="0"/>
+          <a:chExt cx="0" cy="0"/>
+        </a:xfrm>
+      </p:grpSpPr>
+      <p:sp>
+        <p:nvSpPr>
+          <p:cNvPr id="2" name="文字版面配置區 1"/>
+          <p:cNvSpPr>
+            <a:spLocks noGrp="1"/>
+          </p:cNvSpPr>
+          <p:nvPr>
+            <p:ph type="body" sz="quarter" idx="10"/>
+          </p:nvPr>
+        </p:nvSpPr>
+        <p:spPr>
+          <a:xfrm>
+            <a:off x="839788" y="660400"/>
+            <a:ext cx="5256212" cy="1311128"/>
+          </a:xfrm>
+        </p:spPr>
+        <p:txBody>
+          <a:bodyPr/>
+          <a:lstStyle/>
+          <a:p>
+            <a:r>
+              <a:rPr lang="en-US" altLang="zh-TW" dirty="0" smtClean="0"/>
+              <a:t>Design Earthquake</a:t>
+            </a:r>
+            <a:endParaRPr lang="zh-TW" altLang="en-US" dirty="0"/>
+          </a:p>
+        </p:txBody>
+      </p:sp>
+      <p:sp>
+        <p:nvSpPr>
+          <p:cNvPr id="3" name="投影片編號版面配置區 2"/>
+          <p:cNvSpPr>
+            <a:spLocks noGrp="1"/>
+          </p:cNvSpPr>
+          <p:nvPr>
+            <p:ph type="sldNum" sz="quarter" idx="4"/>
+          </p:nvPr>
+        </p:nvSpPr>
+        <p:spPr/>
+        <p:txBody>
+          <a:bodyPr/>
+          <a:lstStyle/>
+          <a:p>
+            <a:fld id="{6F0746BA-D1AA-4FF4-8D48-BDBC7FF48778}" type="slidenum">
+              <a:rPr lang="fr-FR" smtClean="0"/>
+              <a:t>4</a:t>
+            </a:fld>
+            <a:endParaRPr lang="fr-FR"/>
+          </a:p>
+        </p:txBody>
+      </p:sp>
+      <p:pic>
+        <p:nvPicPr>
+          <p:cNvPr id="7" name="圖片 6"/>
+          <p:cNvPicPr>
+            <a:picLocks noChangeAspect="1"/>
+          </p:cNvPicPr>
+          <p:nvPr/>
+        </p:nvPicPr>
+        <p:blipFill>
+          <a:blip r:embed="rId2"/>
+          <a:stretch>
+            <a:fillRect/>
+          </a:stretch>
+        </p:blipFill>
+        <p:spPr>
+          <a:xfrm>
+            <a:off x="839788" y="1737983"/>
+            <a:ext cx="7203432" cy="4607734"/>
+          </a:xfrm>
+          <a:prstGeom prst="rect">
+            <a:avLst/>
+          </a:prstGeom>
+        </p:spPr>
+      </p:pic>
+      <p:pic>
+        <p:nvPicPr>
+          <p:cNvPr id="10" name="圖片 9"/>
+          <p:cNvPicPr>
+            <a:picLocks noChangeAspect="1"/>
+          </p:cNvPicPr>
+          <p:nvPr/>
+        </p:nvPicPr>
+        <p:blipFill>
+          <a:blip r:embed="rId3"/>
+          <a:stretch>
+            <a:fillRect/>
+          </a:stretch>
+        </p:blipFill>
+        <p:spPr>
+          <a:xfrm>
+            <a:off x="8270353" y="1741033"/>
+            <a:ext cx="3162000" cy="3354667"/>
+          </a:xfrm>
+          <a:prstGeom prst="rect">
+            <a:avLst/>
+          </a:prstGeom>
+        </p:spPr>
+      </p:pic>
+    </p:spTree>
+    <p:extLst>
+      <p:ext uri="{BB962C8B-B14F-4D97-AF65-F5344CB8AC3E}">
+        <p14:creationId xmlns:p14="http://schemas.microsoft.com/office/powerpoint/2010/main" val="957892064"/>
+      </p:ext>
+    </p:extLst>
+  </p:cSld>
+  <p:clrMapOvr>
+    <a:masterClrMapping/>
+  </p:clrMapOvr>
+  <mc:AlternateContent xmlns:mc="http://schemas.openxmlformats.org/markup-compatibility/2006" xmlns:p14="http://schemas.microsoft.com/office/powerpoint/2010/main">
+    <mc:Choice Requires="p14">
+      <p:transition spd="med" p14:dur="700">
+        <p:fade/>
+      </p:transition>
+    </mc:Choice>
+    <mc:Fallback xmlns="">
+      <p:transition spd="med">
+        <p:fade/>
+      </p:transition>
+    </mc:Fallback>
+  </mc:AlternateContent>
+  <p:timing>
+    <p:tnLst>
+      <p:par>
+        <p:cTn id="1" dur="indefinite" restart="never" nodeType="tmRoot"/>
+      </p:par>
+    </p:tnLst>
+  </p:timing>
+</p:sld>
+</file>
+
+<file path=ppt/slides/slide5.xml><?xml version="1.0" encoding="utf-8"?>
+<p:sld xmlns:a="http://schemas.openxmlformats.org/drawingml/2006/main" xmlns:r="http://schemas.openxmlformats.org/officeDocument/2006/relationships" xmlns:p="http://schemas.openxmlformats.org/presentationml/2006/main">
+  <p:cSld>
+    <p:spTree>
+      <p:nvGrpSpPr>
+        <p:cNvPr id="1" name=""/>
+        <p:cNvGrpSpPr/>
+        <p:nvPr/>
+      </p:nvGrpSpPr>
+      <p:grpSpPr>
+        <a:xfrm>
+          <a:off x="0" y="0"/>
+          <a:ext cx="0" cy="0"/>
+          <a:chOff x="0" y="0"/>
+          <a:chExt cx="0" cy="0"/>
+        </a:xfrm>
+      </p:grpSpPr>
+      <p:sp>
+        <p:nvSpPr>
+          <p:cNvPr id="2" name="文字版面配置區 1"/>
+          <p:cNvSpPr>
+            <a:spLocks noGrp="1"/>
+          </p:cNvSpPr>
+          <p:nvPr>
+            <p:ph type="body" sz="quarter" idx="10"/>
+          </p:nvPr>
+        </p:nvSpPr>
+        <p:spPr>
+          <a:xfrm>
+            <a:off x="839787" y="660400"/>
+            <a:ext cx="6082007" cy="2048766"/>
+          </a:xfrm>
+        </p:spPr>
+        <p:txBody>
+          <a:bodyPr/>
+          <a:lstStyle/>
+          <a:p>
+            <a:r>
+              <a:rPr lang="en-US" altLang="zh-TW" dirty="0"/>
+              <a:t>Design Earthquake</a:t>
+            </a:r>
+            <a:endParaRPr lang="zh-TW" altLang="en-US" dirty="0"/>
+          </a:p>
+          <a:p>
+            <a:endParaRPr lang="zh-TW" altLang="en-US" dirty="0"/>
+          </a:p>
+        </p:txBody>
+      </p:sp>
+      <p:sp>
+        <p:nvSpPr>
+          <p:cNvPr id="3" name="投影片編號版面配置區 2"/>
+          <p:cNvSpPr>
+            <a:spLocks noGrp="1"/>
+          </p:cNvSpPr>
+          <p:nvPr>
+            <p:ph type="sldNum" sz="quarter" idx="4"/>
+          </p:nvPr>
+        </p:nvSpPr>
+        <p:spPr/>
+        <p:txBody>
+          <a:bodyPr/>
+          <a:lstStyle/>
+          <a:p>
+            <a:fld id="{6F0746BA-D1AA-4FF4-8D48-BDBC7FF48778}" type="slidenum">
+              <a:rPr lang="fr-FR" smtClean="0"/>
+              <a:t>5</a:t>
+            </a:fld>
+            <a:endParaRPr lang="fr-FR"/>
+          </a:p>
+        </p:txBody>
+      </p:sp>
+      <p:pic>
+        <p:nvPicPr>
+          <p:cNvPr id="6" name="圖片 5"/>
+          <p:cNvPicPr>
+            <a:picLocks noChangeAspect="1"/>
+          </p:cNvPicPr>
+          <p:nvPr/>
+        </p:nvPicPr>
+        <p:blipFill>
+          <a:blip r:embed="rId2"/>
+          <a:stretch>
+            <a:fillRect/>
+          </a:stretch>
+        </p:blipFill>
+        <p:spPr>
+          <a:xfrm>
+            <a:off x="7551902" y="2721934"/>
+            <a:ext cx="3735113" cy="1558933"/>
+          </a:xfrm>
+          <a:prstGeom prst="rect">
+            <a:avLst/>
+          </a:prstGeom>
+        </p:spPr>
+      </p:pic>
+      <p:pic>
+        <p:nvPicPr>
+          <p:cNvPr id="7" name="圖片 6"/>
+          <p:cNvPicPr>
+            <a:picLocks noChangeAspect="1"/>
+          </p:cNvPicPr>
+          <p:nvPr/>
+        </p:nvPicPr>
+        <p:blipFill>
+          <a:blip r:embed="rId3"/>
+          <a:stretch>
+            <a:fillRect/>
+          </a:stretch>
+        </p:blipFill>
+        <p:spPr>
+          <a:xfrm>
+            <a:off x="839788" y="4635411"/>
+            <a:ext cx="7242957" cy="1914134"/>
+          </a:xfrm>
+          <a:prstGeom prst="rect">
+            <a:avLst/>
+          </a:prstGeom>
+        </p:spPr>
+      </p:pic>
+      <p:pic>
+        <p:nvPicPr>
+          <p:cNvPr id="9" name="圖片 8"/>
+          <p:cNvPicPr>
+            <a:picLocks noChangeAspect="1"/>
+          </p:cNvPicPr>
+          <p:nvPr/>
+        </p:nvPicPr>
+        <p:blipFill>
+          <a:blip r:embed="rId4">
+            <a:clrChange>
+              <a:clrFrom>
+                <a:srgbClr val="FFFFFF"/>
+              </a:clrFrom>
+              <a:clrTo>
+                <a:srgbClr val="FFFFFF">
+                  <a:alpha val="0"/>
+                </a:srgbClr>
+              </a:clrTo>
+            </a:clrChange>
+          </a:blip>
+          <a:stretch>
+            <a:fillRect/>
+          </a:stretch>
+        </p:blipFill>
+        <p:spPr>
+          <a:xfrm>
+            <a:off x="839788" y="1727308"/>
+            <a:ext cx="5986791" cy="2743438"/>
+          </a:xfrm>
+          <a:prstGeom prst="rect">
+            <a:avLst/>
+          </a:prstGeom>
+        </p:spPr>
+      </p:pic>
+    </p:spTree>
+    <p:extLst>
+      <p:ext uri="{BB962C8B-B14F-4D97-AF65-F5344CB8AC3E}">
+        <p14:creationId xmlns:p14="http://schemas.microsoft.com/office/powerpoint/2010/main" val="1247249285"/>
+      </p:ext>
+    </p:extLst>
+  </p:cSld>
+  <p:clrMapOvr>
+    <a:masterClrMapping/>
+  </p:clrMapOvr>
+  <mc:AlternateContent xmlns:mc="http://schemas.openxmlformats.org/markup-compatibility/2006" xmlns:p14="http://schemas.microsoft.com/office/powerpoint/2010/main">
+    <mc:Choice Requires="p14">
+      <p:transition spd="med" p14:dur="700">
+        <p:fade/>
+      </p:transition>
+    </mc:Choice>
+    <mc:Fallback xmlns="">
+      <p:transition spd="med">
+        <p:fade/>
+      </p:transition>
+    </mc:Fallback>
+  </mc:AlternateContent>
+  <p:timing>
+    <p:tnLst>
+      <p:par>
+        <p:cTn id="1" dur="indefinite" restart="never" nodeType="tmRoot"/>
+      </p:par>
+    </p:tnLst>
+  </p:timing>
+</p:sld>
+</file>
+
+<file path=ppt/slides/slide6.xml><?xml version="1.0" encoding="utf-8"?>
+<p:sld xmlns:a="http://schemas.openxmlformats.org/drawingml/2006/main" xmlns:r="http://schemas.openxmlformats.org/officeDocument/2006/relationships" xmlns:p="http://schemas.openxmlformats.org/presentationml/2006/main">
+  <p:cSld>
+    <p:spTree>
+      <p:nvGrpSpPr>
+        <p:cNvPr id="1" name=""/>
+        <p:cNvGrpSpPr/>
+        <p:nvPr/>
+      </p:nvGrpSpPr>
+      <p:grpSpPr>
+        <a:xfrm>
+          <a:off x="0" y="0"/>
+          <a:ext cx="0" cy="0"/>
+          <a:chOff x="0" y="0"/>
+          <a:chExt cx="0" cy="0"/>
+        </a:xfrm>
+      </p:grpSpPr>
+      <p:sp>
+        <p:nvSpPr>
+          <p:cNvPr id="3" name="投影片編號版面配置區 2"/>
+          <p:cNvSpPr>
+            <a:spLocks noGrp="1"/>
+          </p:cNvSpPr>
+          <p:nvPr>
+            <p:ph type="sldNum" sz="quarter" idx="4"/>
+          </p:nvPr>
+        </p:nvSpPr>
+        <p:spPr/>
+        <p:txBody>
+          <a:bodyPr/>
+          <a:lstStyle/>
+          <a:p>
+            <a:fld id="{6F0746BA-D1AA-4FF4-8D48-BDBC7FF48778}" type="slidenum">
+              <a:rPr lang="fr-FR" smtClean="0"/>
+              <a:t>6</a:t>
+            </a:fld>
+            <a:endParaRPr lang="fr-FR"/>
+          </a:p>
+        </p:txBody>
+      </p:sp>
+      <p:pic>
+        <p:nvPicPr>
+          <p:cNvPr id="4" name="圖片 3"/>
+          <p:cNvPicPr>
+            <a:picLocks noChangeAspect="1"/>
+          </p:cNvPicPr>
+          <p:nvPr/>
+        </p:nvPicPr>
+        <p:blipFill>
+          <a:blip r:embed="rId2">
+            <a:clrChange>
+              <a:clrFrom>
+                <a:srgbClr val="FFFFFF"/>
+              </a:clrFrom>
+              <a:clrTo>
+                <a:srgbClr val="FFFFFF">
+                  <a:alpha val="0"/>
+                </a:srgbClr>
+              </a:clrTo>
+            </a:clrChange>
+          </a:blip>
+          <a:stretch>
+            <a:fillRect/>
+          </a:stretch>
+        </p:blipFill>
+        <p:spPr>
+          <a:xfrm>
+            <a:off x="0" y="2317511"/>
+            <a:ext cx="6101999" cy="3479030"/>
+          </a:xfrm>
+          <a:prstGeom prst="rect">
+            <a:avLst/>
+          </a:prstGeom>
+        </p:spPr>
+      </p:pic>
+      <p:pic>
+        <p:nvPicPr>
+          <p:cNvPr id="5" name="圖片 4"/>
+          <p:cNvPicPr>
+            <a:picLocks noChangeAspect="1"/>
+          </p:cNvPicPr>
+          <p:nvPr/>
+        </p:nvPicPr>
+        <p:blipFill>
+          <a:blip r:embed="rId3">
+            <a:clrChange>
+              <a:clrFrom>
+                <a:srgbClr val="FFFFFF"/>
+              </a:clrFrom>
+              <a:clrTo>
+                <a:srgbClr val="FFFFFF">
+                  <a:alpha val="0"/>
+                </a:srgbClr>
+              </a:clrTo>
+            </a:clrChange>
+          </a:blip>
+          <a:stretch>
+            <a:fillRect/>
+          </a:stretch>
+        </p:blipFill>
+        <p:spPr>
+          <a:xfrm>
+            <a:off x="6096000" y="2296242"/>
+            <a:ext cx="6096000" cy="3502824"/>
+          </a:xfrm>
+          <a:prstGeom prst="rect">
+            <a:avLst/>
+          </a:prstGeom>
+        </p:spPr>
+      </p:pic>
+      <p:sp>
+        <p:nvSpPr>
+          <p:cNvPr id="6" name="文字方塊 5"/>
+          <p:cNvSpPr txBox="1"/>
+          <p:nvPr/>
+        </p:nvSpPr>
+        <p:spPr>
+          <a:xfrm>
+            <a:off x="2488873" y="2002510"/>
+            <a:ext cx="1118255" cy="428066"/>
+          </a:xfrm>
+          <a:prstGeom prst="rect">
+            <a:avLst/>
+          </a:prstGeom>
+          <a:noFill/>
+        </p:spPr>
+        <p:txBody>
+          <a:bodyPr wrap="none" lIns="0" rtlCol="0" anchor="t">
+            <a:spAutoFit/>
+          </a:bodyPr>
+          <a:lstStyle/>
+          <a:p>
+            <a:pPr algn="l">
+              <a:lnSpc>
+                <a:spcPct val="120000"/>
+              </a:lnSpc>
+            </a:pPr>
+            <a:r>
+              <a:rPr lang="zh-TW" altLang="en-US" sz="2000" dirty="0" smtClean="0">
+                <a:latin typeface="Segoe UI Light" panose="020B0502040204020203" pitchFamily="34" charset="0"/>
+                <a:cs typeface="Segoe UI Light" panose="020B0502040204020203" pitchFamily="34" charset="0"/>
+              </a:rPr>
+              <a:t>強柱弱梁</a:t>
+            </a:r>
+            <a:endParaRPr lang="en-US" altLang="zh-TW" sz="2000" dirty="0" smtClean="0">
+              <a:latin typeface="Segoe UI Light" panose="020B0502040204020203" pitchFamily="34" charset="0"/>
+              <a:cs typeface="Segoe UI Light" panose="020B0502040204020203" pitchFamily="34" charset="0"/>
+            </a:endParaRPr>
+          </a:p>
+        </p:txBody>
+      </p:sp>
+      <p:sp>
+        <p:nvSpPr>
+          <p:cNvPr id="7" name="文字方塊 6"/>
+          <p:cNvSpPr txBox="1"/>
+          <p:nvPr/>
+        </p:nvSpPr>
+        <p:spPr>
+          <a:xfrm>
+            <a:off x="8716112" y="1996344"/>
+            <a:ext cx="861774" cy="461665"/>
+          </a:xfrm>
+          <a:prstGeom prst="rect">
+            <a:avLst/>
+          </a:prstGeom>
+          <a:noFill/>
+        </p:spPr>
+        <p:txBody>
+          <a:bodyPr wrap="none" lIns="0" rtlCol="0" anchor="t">
+            <a:spAutoFit/>
+          </a:bodyPr>
+          <a:lstStyle/>
+          <a:p>
+            <a:pPr algn="l">
+              <a:lnSpc>
+                <a:spcPct val="120000"/>
+              </a:lnSpc>
+            </a:pPr>
+            <a:r>
+              <a:rPr lang="zh-TW" altLang="en-US" sz="2000" dirty="0" smtClean="0">
+                <a:latin typeface="Segoe UI Light" panose="020B0502040204020203" pitchFamily="34" charset="0"/>
+                <a:cs typeface="Segoe UI Light" panose="020B0502040204020203" pitchFamily="34" charset="0"/>
+              </a:rPr>
+              <a:t>鋼筋比</a:t>
+            </a:r>
+            <a:endParaRPr lang="zh-TW" altLang="en-US" sz="2000" dirty="0" smtClean="0">
+              <a:latin typeface="Segoe UI Light" panose="020B0502040204020203" pitchFamily="34" charset="0"/>
+              <a:cs typeface="Segoe UI Light" panose="020B0502040204020203" pitchFamily="34" charset="0"/>
+            </a:endParaRPr>
+          </a:p>
+        </p:txBody>
+      </p:sp>
+    </p:spTree>
+    <p:extLst>
+      <p:ext uri="{BB962C8B-B14F-4D97-AF65-F5344CB8AC3E}">
+        <p14:creationId xmlns:p14="http://schemas.microsoft.com/office/powerpoint/2010/main" val="272135919"/>
+      </p:ext>
+    </p:extLst>
+  </p:cSld>
+  <p:clrMapOvr>
+    <a:masterClrMapping/>
+  </p:clrMapOvr>
+  <mc:AlternateContent xmlns:mc="http://schemas.openxmlformats.org/markup-compatibility/2006" xmlns:p14="http://schemas.microsoft.com/office/powerpoint/2010/main">
+    <mc:Choice Requires="p14">
+      <p:transition spd="med" p14:dur="700">
+        <p:fade/>
+      </p:transition>
+    </mc:Choice>
+    <mc:Fallback xmlns="">
+      <p:transition spd="med">
+        <p:fade/>
+      </p:transition>
+    </mc:Fallback>
+  </mc:AlternateContent>
+  <p:timing>
+    <p:tnLst>
+      <p:par>
+        <p:cTn id="1" dur="indefinite" restart="never" nodeType="tmRoot"/>
+      </p:par>
+    </p:tnLst>
+  </p:timing>
+</p:sld>
+</file>
+
+<file path=ppt/slides/slide7.xml><?xml version="1.0" encoding="utf-8"?>
+<p:sld xmlns:a="http://schemas.openxmlformats.org/drawingml/2006/main" xmlns:r="http://schemas.openxmlformats.org/officeDocument/2006/relationships" xmlns:p="http://schemas.openxmlformats.org/presentationml/2006/main">
+  <p:cSld>
+    <p:spTree>
+      <p:nvGrpSpPr>
+        <p:cNvPr id="1" name=""/>
+        <p:cNvGrpSpPr/>
+        <p:nvPr/>
+      </p:nvGrpSpPr>
+      <p:grpSpPr>
+        <a:xfrm>
+          <a:off x="0" y="0"/>
+          <a:ext cx="0" cy="0"/>
+          <a:chOff x="0" y="0"/>
+          <a:chExt cx="0" cy="0"/>
+        </a:xfrm>
+      </p:grpSpPr>
+      <p:sp>
+        <p:nvSpPr>
+          <p:cNvPr id="3" name="投影片編號版面配置區 2"/>
+          <p:cNvSpPr>
+            <a:spLocks noGrp="1"/>
+          </p:cNvSpPr>
+          <p:nvPr>
+            <p:ph type="sldNum" sz="quarter" idx="4"/>
+          </p:nvPr>
+        </p:nvSpPr>
+        <p:spPr/>
+        <p:txBody>
+          <a:bodyPr/>
+          <a:lstStyle/>
+          <a:p>
+            <a:fld id="{6F0746BA-D1AA-4FF4-8D48-BDBC7FF48778}" type="slidenum">
+              <a:rPr lang="fr-FR" smtClean="0"/>
+              <a:t>7</a:t>
+            </a:fld>
+            <a:endParaRPr lang="fr-FR"/>
+          </a:p>
+        </p:txBody>
+      </p:sp>
+      <p:pic>
+        <p:nvPicPr>
+          <p:cNvPr id="6" name="圖片 5"/>
+          <p:cNvPicPr>
+            <a:picLocks noChangeAspect="1"/>
+          </p:cNvPicPr>
+          <p:nvPr/>
+        </p:nvPicPr>
+        <p:blipFill>
+          <a:blip r:embed="rId2">
+            <a:clrChange>
+              <a:clrFrom>
+                <a:srgbClr val="F0F0F0"/>
+              </a:clrFrom>
+              <a:clrTo>
+                <a:srgbClr val="F0F0F0">
+                  <a:alpha val="0"/>
+                </a:srgbClr>
+              </a:clrTo>
+            </a:clrChange>
+          </a:blip>
+          <a:stretch>
+            <a:fillRect/>
+          </a:stretch>
+        </p:blipFill>
+        <p:spPr>
+          <a:xfrm>
+            <a:off x="6113546" y="1798593"/>
+            <a:ext cx="4047619" cy="4047619"/>
+          </a:xfrm>
+          <a:prstGeom prst="rect">
+            <a:avLst/>
+          </a:prstGeom>
+        </p:spPr>
+      </p:pic>
+      <p:sp>
+        <p:nvSpPr>
+          <p:cNvPr id="8" name="文字方塊 7"/>
+          <p:cNvSpPr txBox="1"/>
+          <p:nvPr/>
+        </p:nvSpPr>
+        <p:spPr>
+          <a:xfrm>
+            <a:off x="1786265" y="2930466"/>
+            <a:ext cx="3057825" cy="2086725"/>
+          </a:xfrm>
+          <a:prstGeom prst="rect">
+            <a:avLst/>
+          </a:prstGeom>
+          <a:noFill/>
+        </p:spPr>
+        <p:txBody>
+          <a:bodyPr wrap="none" lIns="0" rtlCol="0" anchor="t">
+            <a:spAutoFit/>
+          </a:bodyPr>
+          <a:lstStyle/>
+          <a:p>
+            <a:pPr>
+              <a:lnSpc>
+                <a:spcPct val="120000"/>
+              </a:lnSpc>
+            </a:pPr>
+            <a:r>
+              <a:rPr lang="en-US" altLang="zh-TW" sz="5400" dirty="0"/>
+              <a:t>Story </a:t>
+            </a:r>
+            <a:r>
+              <a:rPr lang="en-US" altLang="zh-TW" sz="5400" dirty="0" smtClean="0"/>
+              <a:t>Drift</a:t>
+            </a:r>
+            <a:endParaRPr lang="en-US" altLang="zh-TW" sz="5400" dirty="0" smtClean="0">
+              <a:latin typeface="Segoe UI Light" panose="020B0502040204020203" pitchFamily="34" charset="0"/>
+              <a:cs typeface="Segoe UI Light" panose="020B0502040204020203" pitchFamily="34" charset="0"/>
+            </a:endParaRPr>
+          </a:p>
+          <a:p>
+            <a:pPr algn="l">
+              <a:lnSpc>
+                <a:spcPct val="120000"/>
+              </a:lnSpc>
+            </a:pPr>
+            <a:r>
+              <a:rPr lang="en-US" altLang="zh-TW" sz="5400" dirty="0" smtClean="0">
+                <a:latin typeface="Segoe UI Light" panose="020B0502040204020203" pitchFamily="34" charset="0"/>
+                <a:cs typeface="Segoe UI Light" panose="020B0502040204020203" pitchFamily="34" charset="0"/>
+              </a:rPr>
+              <a:t>0.32%</a:t>
+            </a:r>
+            <a:endParaRPr lang="zh-TW" altLang="en-US" sz="5400" dirty="0" smtClean="0">
+              <a:latin typeface="Segoe UI Light" panose="020B0502040204020203" pitchFamily="34" charset="0"/>
+              <a:cs typeface="Segoe UI Light" panose="020B0502040204020203" pitchFamily="34" charset="0"/>
+            </a:endParaRPr>
+          </a:p>
+        </p:txBody>
+      </p:sp>
+    </p:spTree>
+    <p:extLst>
+      <p:ext uri="{BB962C8B-B14F-4D97-AF65-F5344CB8AC3E}">
+        <p14:creationId xmlns:p14="http://schemas.microsoft.com/office/powerpoint/2010/main" val="1142067545"/>
+      </p:ext>
+    </p:extLst>
+  </p:cSld>
+  <p:clrMapOvr>
+    <a:masterClrMapping/>
+  </p:clrMapOvr>
+  <mc:AlternateContent xmlns:mc="http://schemas.openxmlformats.org/markup-compatibility/2006" xmlns:p14="http://schemas.microsoft.com/office/powerpoint/2010/main">
+    <mc:Choice Requires="p14">
+      <p:transition spd="med" p14:dur="700">
+        <p:fade/>
+      </p:transition>
+    </mc:Choice>
+    <mc:Fallback xmlns="">
+      <p:transition spd="med">
+        <p:fade/>
+      </p:transition>
+    </mc:Fallback>
+  </mc:AlternateContent>
+  <p:timing>
+    <p:tnLst>
+      <p:par>
+        <p:cTn id="1" dur="indefinite" restart="never" nodeType="tmRoot"/>
+      </p:par>
+    </p:tnLst>
+  </p:timing>
+</p:sld>
+</file>
+
+<file path=ppt/slides/slide8.xml><?xml version="1.0" encoding="utf-8"?>
 <p:sld xmlns:a="http://schemas.openxmlformats.org/drawingml/2006/main" xmlns:r="http://schemas.openxmlformats.org/officeDocument/2006/relationships" xmlns:p="http://schemas.openxmlformats.org/presentationml/2006/main" show="0">
   <p:cSld>
     <p:spTree>
@@ -26359,7 +30952,7 @@
           <a:p>
             <a:fld id="{6F0746BA-D1AA-4FF4-8D48-BDBC7FF48778}" type="slidenum">
               <a:rPr lang="fr-FR" smtClean="0"/>
-              <a:t>2</a:t>
+              <a:t>8</a:t>
             </a:fld>
             <a:endParaRPr lang="fr-FR"/>
           </a:p>
@@ -26374,7 +30967,7 @@
           <p:nvPr/>
         </p:nvPicPr>
         <p:blipFill>
-          <a:blip r:embed="rId3">
+          <a:blip r:embed="rId4">
             <a:clrChange>
               <a:clrFrom>
                 <a:srgbClr val="FFFFFF"/>
@@ -26653,7 +31246,7 @@
                 <a:avLst/>
               </a:prstGeom>
               <a:blipFill>
-                <a:blip r:embed="rId4"/>
+                <a:blip r:embed="rId5"/>
                 <a:stretch>
                   <a:fillRect/>
                 </a:stretch>
@@ -26753,7 +31346,7 @@
           <p:nvPr/>
         </p:nvPicPr>
         <p:blipFill>
-          <a:blip r:embed="rId5"/>
+          <a:blip r:embed="rId6"/>
           <a:stretch>
             <a:fillRect/>
           </a:stretch>
@@ -26845,145 +31438,67 @@
           </a:fontRef>
         </p:style>
       </p:cxnSp>
+      <p:graphicFrame>
+        <p:nvGraphicFramePr>
+          <p:cNvPr id="6" name="物件 5"/>
+          <p:cNvGraphicFramePr>
+            <a:graphicFrameLocks noChangeAspect="1"/>
+          </p:cNvGraphicFramePr>
+          <p:nvPr>
+            <p:extLst>
+              <p:ext uri="{D42A27DB-BD31-4B8C-83A1-F6EECF244321}">
+                <p14:modId xmlns:p14="http://schemas.microsoft.com/office/powerpoint/2010/main" val="2527624970"/>
+              </p:ext>
+            </p:extLst>
+          </p:nvPr>
+        </p:nvGraphicFramePr>
+        <p:xfrm>
+          <a:off x="5924550" y="3144838"/>
+          <a:ext cx="1358900" cy="685800"/>
+        </p:xfrm>
+        <a:graphic>
+          <a:graphicData uri="http://schemas.openxmlformats.org/presentationml/2006/ole">
+            <mc:AlternateContent xmlns:mc="http://schemas.openxmlformats.org/markup-compatibility/2006">
+              <mc:Choice xmlns:v="urn:schemas-microsoft-com:vml" Requires="v">
+                <p:oleObj spid="_x0000_s10246" name="Equation" r:id="rId7" imgW="1358640" imgH="685800" progId="Equation.DSMT4">
+                  <p:embed/>
+                </p:oleObj>
+              </mc:Choice>
+              <mc:Fallback>
+                <p:oleObj name="Equation" r:id="rId7" imgW="1358640" imgH="685800" progId="Equation.DSMT4">
+                  <p:embed/>
+                  <p:pic>
+                    <p:nvPicPr>
+                      <p:cNvPr id="0" name=""/>
+                      <p:cNvPicPr/>
+                      <p:nvPr/>
+                    </p:nvPicPr>
+                    <p:blipFill>
+                      <a:blip r:embed="rId8"/>
+                      <a:stretch>
+                        <a:fillRect/>
+                      </a:stretch>
+                    </p:blipFill>
+                    <p:spPr>
+                      <a:xfrm>
+                        <a:off x="5924550" y="3144838"/>
+                        <a:ext cx="1358900" cy="685800"/>
+                      </a:xfrm>
+                      <a:prstGeom prst="rect">
+                        <a:avLst/>
+                      </a:prstGeom>
+                    </p:spPr>
+                  </p:pic>
+                </p:oleObj>
+              </mc:Fallback>
+            </mc:AlternateContent>
+          </a:graphicData>
+        </a:graphic>
+      </p:graphicFrame>
     </p:spTree>
     <p:extLst>
       <p:ext uri="{BB962C8B-B14F-4D97-AF65-F5344CB8AC3E}">
         <p14:creationId xmlns:p14="http://schemas.microsoft.com/office/powerpoint/2010/main" val="4100115795"/>
-      </p:ext>
-    </p:extLst>
-  </p:cSld>
-  <p:clrMapOvr>
-    <a:masterClrMapping/>
-  </p:clrMapOvr>
-  <mc:AlternateContent xmlns:mc="http://schemas.openxmlformats.org/markup-compatibility/2006">
-    <mc:Choice xmlns:p14="http://schemas.microsoft.com/office/powerpoint/2010/main" Requires="p14">
-      <p:transition spd="med" p14:dur="700">
-        <p:fade/>
-      </p:transition>
-    </mc:Choice>
-    <mc:Fallback>
-      <p:transition spd="med">
-        <p:fade/>
-      </p:transition>
-    </mc:Fallback>
-  </mc:AlternateContent>
-  <p:timing>
-    <p:tnLst>
-      <p:par>
-        <p:cTn id="1" dur="indefinite" restart="never" nodeType="tmRoot"/>
-      </p:par>
-    </p:tnLst>
-  </p:timing>
-</p:sld>
-</file>
-
-<file path=ppt/slides/slide20.xml><?xml version="1.0" encoding="utf-8"?>
-<p:sld xmlns:a="http://schemas.openxmlformats.org/drawingml/2006/main" xmlns:r="http://schemas.openxmlformats.org/officeDocument/2006/relationships" xmlns:p="http://schemas.openxmlformats.org/presentationml/2006/main">
-  <p:cSld>
-    <p:spTree>
-      <p:nvGrpSpPr>
-        <p:cNvPr id="1" name=""/>
-        <p:cNvGrpSpPr/>
-        <p:nvPr/>
-      </p:nvGrpSpPr>
-      <p:grpSpPr>
-        <a:xfrm>
-          <a:off x="0" y="0"/>
-          <a:ext cx="0" cy="0"/>
-          <a:chOff x="0" y="0"/>
-          <a:chExt cx="0" cy="0"/>
-        </a:xfrm>
-      </p:grpSpPr>
-      <p:sp>
-        <p:nvSpPr>
-          <p:cNvPr id="2" name="文字版面配置區 1"/>
-          <p:cNvSpPr>
-            <a:spLocks noGrp="1"/>
-          </p:cNvSpPr>
-          <p:nvPr>
-            <p:ph type="body" sz="quarter" idx="10"/>
-          </p:nvPr>
-        </p:nvSpPr>
-        <p:spPr>
-          <a:xfrm>
-            <a:off x="839787" y="660400"/>
-            <a:ext cx="6411617" cy="1311128"/>
-          </a:xfrm>
-        </p:spPr>
-        <p:txBody>
-          <a:bodyPr/>
-          <a:lstStyle/>
-          <a:p>
-            <a:r>
-              <a:rPr lang="en-US" altLang="zh-TW" dirty="0"/>
-              <a:t>Hinges Only On Two Ends</a:t>
-            </a:r>
-            <a:endParaRPr lang="zh-TW" altLang="en-US" dirty="0"/>
-          </a:p>
-        </p:txBody>
-      </p:sp>
-      <p:sp>
-        <p:nvSpPr>
-          <p:cNvPr id="3" name="投影片編號版面配置區 2"/>
-          <p:cNvSpPr>
-            <a:spLocks noGrp="1"/>
-          </p:cNvSpPr>
-          <p:nvPr>
-            <p:ph type="sldNum" sz="quarter" idx="4"/>
-          </p:nvPr>
-        </p:nvSpPr>
-        <p:spPr/>
-        <p:txBody>
-          <a:bodyPr/>
-          <a:lstStyle/>
-          <a:p>
-            <a:fld id="{6F0746BA-D1AA-4FF4-8D48-BDBC7FF48778}" type="slidenum">
-              <a:rPr lang="fr-FR" smtClean="0"/>
-              <a:t>20</a:t>
-            </a:fld>
-            <a:endParaRPr lang="fr-FR"/>
-          </a:p>
-        </p:txBody>
-      </p:sp>
-      <p:pic>
-        <p:nvPicPr>
-          <p:cNvPr id="4" name="圖片 3"/>
-          <p:cNvPicPr>
-            <a:picLocks noChangeAspect="1"/>
-          </p:cNvPicPr>
-          <p:nvPr/>
-        </p:nvPicPr>
-        <p:blipFill>
-          <a:blip r:embed="rId2">
-            <a:clrChange>
-              <a:clrFrom>
-                <a:srgbClr val="FFFFFF"/>
-              </a:clrFrom>
-              <a:clrTo>
-                <a:srgbClr val="FFFFFF">
-                  <a:alpha val="0"/>
-                </a:srgbClr>
-              </a:clrTo>
-            </a:clrChange>
-          </a:blip>
-          <a:stretch>
-            <a:fillRect/>
-          </a:stretch>
-        </p:blipFill>
-        <p:spPr>
-          <a:xfrm>
-            <a:off x="3048381" y="1743087"/>
-            <a:ext cx="6095238" cy="4561905"/>
-          </a:xfrm>
-          <a:prstGeom prst="rect">
-            <a:avLst/>
-          </a:prstGeom>
-        </p:spPr>
-      </p:pic>
-    </p:spTree>
-    <p:extLst>
-      <p:ext uri="{BB962C8B-B14F-4D97-AF65-F5344CB8AC3E}">
-        <p14:creationId xmlns:p14="http://schemas.microsoft.com/office/powerpoint/2010/main" val="3836961962"/>
       </p:ext>
     </p:extLst>
   </p:cSld>
@@ -27012,406 +31527,7 @@
 </p:sld>
 </file>
 
-<file path=ppt/slides/slide21.xml><?xml version="1.0" encoding="utf-8"?>
-<p:sld xmlns:a="http://schemas.openxmlformats.org/drawingml/2006/main" xmlns:r="http://schemas.openxmlformats.org/officeDocument/2006/relationships" xmlns:p="http://schemas.openxmlformats.org/presentationml/2006/main">
-  <p:cSld>
-    <p:spTree>
-      <p:nvGrpSpPr>
-        <p:cNvPr id="1" name=""/>
-        <p:cNvGrpSpPr/>
-        <p:nvPr/>
-      </p:nvGrpSpPr>
-      <p:grpSpPr>
-        <a:xfrm>
-          <a:off x="0" y="0"/>
-          <a:ext cx="0" cy="0"/>
-          <a:chOff x="0" y="0"/>
-          <a:chExt cx="0" cy="0"/>
-        </a:xfrm>
-      </p:grpSpPr>
-      <p:sp>
-        <p:nvSpPr>
-          <p:cNvPr id="2" name="文字版面配置區 1"/>
-          <p:cNvSpPr>
-            <a:spLocks noGrp="1"/>
-          </p:cNvSpPr>
-          <p:nvPr>
-            <p:ph type="body" sz="quarter" idx="10"/>
-          </p:nvPr>
-        </p:nvSpPr>
-        <p:spPr>
-          <a:xfrm>
-            <a:off x="839788" y="660400"/>
-            <a:ext cx="4481512" cy="701731"/>
-          </a:xfrm>
-        </p:spPr>
-        <p:txBody>
-          <a:bodyPr/>
-          <a:lstStyle/>
-          <a:p>
-            <a:r>
-              <a:rPr lang="en-US" altLang="zh-TW" dirty="0"/>
-              <a:t>Multiple Hinges</a:t>
-            </a:r>
-            <a:endParaRPr lang="zh-TW" altLang="en-US" dirty="0"/>
-          </a:p>
-        </p:txBody>
-      </p:sp>
-      <p:sp>
-        <p:nvSpPr>
-          <p:cNvPr id="3" name="投影片編號版面配置區 2"/>
-          <p:cNvSpPr>
-            <a:spLocks noGrp="1"/>
-          </p:cNvSpPr>
-          <p:nvPr>
-            <p:ph type="sldNum" sz="quarter" idx="4"/>
-          </p:nvPr>
-        </p:nvSpPr>
-        <p:spPr/>
-        <p:txBody>
-          <a:bodyPr/>
-          <a:lstStyle/>
-          <a:p>
-            <a:fld id="{6F0746BA-D1AA-4FF4-8D48-BDBC7FF48778}" type="slidenum">
-              <a:rPr lang="fr-FR" smtClean="0"/>
-              <a:t>21</a:t>
-            </a:fld>
-            <a:endParaRPr lang="fr-FR"/>
-          </a:p>
-        </p:txBody>
-      </p:sp>
-      <p:pic>
-        <p:nvPicPr>
-          <p:cNvPr id="4" name="圖片 3"/>
-          <p:cNvPicPr>
-            <a:picLocks noChangeAspect="1"/>
-          </p:cNvPicPr>
-          <p:nvPr/>
-        </p:nvPicPr>
-        <p:blipFill>
-          <a:blip r:embed="rId2">
-            <a:clrChange>
-              <a:clrFrom>
-                <a:srgbClr val="FFFFFF"/>
-              </a:clrFrom>
-              <a:clrTo>
-                <a:srgbClr val="FFFFFF">
-                  <a:alpha val="0"/>
-                </a:srgbClr>
-              </a:clrTo>
-            </a:clrChange>
-          </a:blip>
-          <a:stretch>
-            <a:fillRect/>
-          </a:stretch>
-        </p:blipFill>
-        <p:spPr>
-          <a:xfrm>
-            <a:off x="3048381" y="1743087"/>
-            <a:ext cx="6095238" cy="4561905"/>
-          </a:xfrm>
-          <a:prstGeom prst="rect">
-            <a:avLst/>
-          </a:prstGeom>
-        </p:spPr>
-      </p:pic>
-    </p:spTree>
-    <p:extLst>
-      <p:ext uri="{BB962C8B-B14F-4D97-AF65-F5344CB8AC3E}">
-        <p14:creationId xmlns:p14="http://schemas.microsoft.com/office/powerpoint/2010/main" val="418669466"/>
-      </p:ext>
-    </p:extLst>
-  </p:cSld>
-  <p:clrMapOvr>
-    <a:masterClrMapping/>
-  </p:clrMapOvr>
-  <mc:AlternateContent xmlns:mc="http://schemas.openxmlformats.org/markup-compatibility/2006" xmlns:p14="http://schemas.microsoft.com/office/powerpoint/2010/main">
-    <mc:Choice Requires="p14">
-      <p:transition spd="med" p14:dur="700">
-        <p:fade/>
-      </p:transition>
-    </mc:Choice>
-    <mc:Fallback xmlns="">
-      <p:transition spd="med">
-        <p:fade/>
-      </p:transition>
-    </mc:Fallback>
-  </mc:AlternateContent>
-  <p:timing>
-    <p:tnLst>
-      <p:par>
-        <p:cTn id="1" dur="indefinite" restart="never" nodeType="tmRoot"/>
-      </p:par>
-    </p:tnLst>
-  </p:timing>
-</p:sld>
-</file>
-
-<file path=ppt/slides/slide22.xml><?xml version="1.0" encoding="utf-8"?>
-<p:sld xmlns:a="http://schemas.openxmlformats.org/drawingml/2006/main" xmlns:r="http://schemas.openxmlformats.org/officeDocument/2006/relationships" xmlns:p="http://schemas.openxmlformats.org/presentationml/2006/main">
-  <p:cSld>
-    <p:spTree>
-      <p:nvGrpSpPr>
-        <p:cNvPr id="1" name=""/>
-        <p:cNvGrpSpPr/>
-        <p:nvPr/>
-      </p:nvGrpSpPr>
-      <p:grpSpPr>
-        <a:xfrm>
-          <a:off x="0" y="0"/>
-          <a:ext cx="0" cy="0"/>
-          <a:chOff x="0" y="0"/>
-          <a:chExt cx="0" cy="0"/>
-        </a:xfrm>
-      </p:grpSpPr>
-      <p:sp>
-        <p:nvSpPr>
-          <p:cNvPr id="2" name="文字版面配置區 1"/>
-          <p:cNvSpPr>
-            <a:spLocks noGrp="1"/>
-          </p:cNvSpPr>
-          <p:nvPr>
-            <p:ph type="body" sz="quarter" idx="10"/>
-          </p:nvPr>
-        </p:nvSpPr>
-        <p:spPr/>
-        <p:txBody>
-          <a:bodyPr/>
-          <a:lstStyle/>
-          <a:p>
-            <a:r>
-              <a:rPr lang="en-US" altLang="zh-TW" dirty="0" smtClean="0"/>
-              <a:t>Normal </a:t>
-            </a:r>
-            <a:r>
-              <a:rPr lang="en-US" altLang="zh-TW" dirty="0" err="1" smtClean="0"/>
-              <a:t>NoLd</a:t>
-            </a:r>
-            <a:endParaRPr lang="zh-TW" altLang="en-US" dirty="0"/>
-          </a:p>
-        </p:txBody>
-      </p:sp>
-      <p:sp>
-        <p:nvSpPr>
-          <p:cNvPr id="3" name="投影片編號版面配置區 2"/>
-          <p:cNvSpPr>
-            <a:spLocks noGrp="1"/>
-          </p:cNvSpPr>
-          <p:nvPr>
-            <p:ph type="sldNum" sz="quarter" idx="4"/>
-          </p:nvPr>
-        </p:nvSpPr>
-        <p:spPr/>
-        <p:txBody>
-          <a:bodyPr/>
-          <a:lstStyle/>
-          <a:p>
-            <a:fld id="{6F0746BA-D1AA-4FF4-8D48-BDBC7FF48778}" type="slidenum">
-              <a:rPr lang="fr-FR" smtClean="0"/>
-              <a:t>22</a:t>
-            </a:fld>
-            <a:endParaRPr lang="fr-FR"/>
-          </a:p>
-        </p:txBody>
-      </p:sp>
-      <p:pic>
-        <p:nvPicPr>
-          <p:cNvPr id="4" name="圖片 3"/>
-          <p:cNvPicPr>
-            <a:picLocks noChangeAspect="1"/>
-          </p:cNvPicPr>
-          <p:nvPr/>
-        </p:nvPicPr>
-        <p:blipFill>
-          <a:blip r:embed="rId2">
-            <a:clrChange>
-              <a:clrFrom>
-                <a:srgbClr val="FFFFFF"/>
-              </a:clrFrom>
-              <a:clrTo>
-                <a:srgbClr val="FFFFFF">
-                  <a:alpha val="0"/>
-                </a:srgbClr>
-              </a:clrTo>
-            </a:clrChange>
-          </a:blip>
-          <a:stretch>
-            <a:fillRect/>
-          </a:stretch>
-        </p:blipFill>
-        <p:spPr>
-          <a:xfrm>
-            <a:off x="3048381" y="1743473"/>
-            <a:ext cx="6095238" cy="4561905"/>
-          </a:xfrm>
-          <a:prstGeom prst="rect">
-            <a:avLst/>
-          </a:prstGeom>
-        </p:spPr>
-      </p:pic>
-    </p:spTree>
-    <p:extLst>
-      <p:ext uri="{BB962C8B-B14F-4D97-AF65-F5344CB8AC3E}">
-        <p14:creationId xmlns:p14="http://schemas.microsoft.com/office/powerpoint/2010/main" val="1608442759"/>
-      </p:ext>
-    </p:extLst>
-  </p:cSld>
-  <p:clrMapOvr>
-    <a:masterClrMapping/>
-  </p:clrMapOvr>
-  <mc:AlternateContent xmlns:mc="http://schemas.openxmlformats.org/markup-compatibility/2006" xmlns:p14="http://schemas.microsoft.com/office/powerpoint/2010/main">
-    <mc:Choice Requires="p14">
-      <p:transition spd="med" p14:dur="700">
-        <p:fade/>
-      </p:transition>
-    </mc:Choice>
-    <mc:Fallback xmlns="">
-      <p:transition spd="med">
-        <p:fade/>
-      </p:transition>
-    </mc:Fallback>
-  </mc:AlternateContent>
-  <p:timing>
-    <p:tnLst>
-      <p:par>
-        <p:cTn id="1" dur="indefinite" restart="never" nodeType="tmRoot"/>
-      </p:par>
-    </p:tnLst>
-  </p:timing>
-</p:sld>
-</file>
-
-<file path=ppt/slides/slide23.xml><?xml version="1.0" encoding="utf-8"?>
-<p:sld xmlns:a="http://schemas.openxmlformats.org/drawingml/2006/main" xmlns:r="http://schemas.openxmlformats.org/officeDocument/2006/relationships" xmlns:p="http://schemas.openxmlformats.org/presentationml/2006/main">
-  <p:cSld>
-    <p:spTree>
-      <p:nvGrpSpPr>
-        <p:cNvPr id="1" name=""/>
-        <p:cNvGrpSpPr/>
-        <p:nvPr/>
-      </p:nvGrpSpPr>
-      <p:grpSpPr>
-        <a:xfrm>
-          <a:off x="0" y="0"/>
-          <a:ext cx="0" cy="0"/>
-          <a:chOff x="0" y="0"/>
-          <a:chExt cx="0" cy="0"/>
-        </a:xfrm>
-      </p:grpSpPr>
-      <p:sp>
-        <p:nvSpPr>
-          <p:cNvPr id="2" name="文字版面配置區 1"/>
-          <p:cNvSpPr>
-            <a:spLocks noGrp="1"/>
-          </p:cNvSpPr>
-          <p:nvPr>
-            <p:ph type="body" sz="quarter" idx="10"/>
-          </p:nvPr>
-        </p:nvSpPr>
-        <p:spPr/>
-        <p:txBody>
-          <a:bodyPr/>
-          <a:lstStyle/>
-          <a:p>
-            <a:r>
-              <a:rPr lang="en-US" altLang="zh-TW" dirty="0" smtClean="0"/>
-              <a:t>Normal Side</a:t>
-            </a:r>
-            <a:endParaRPr lang="zh-TW" altLang="en-US" dirty="0"/>
-          </a:p>
-        </p:txBody>
-      </p:sp>
-      <p:sp>
-        <p:nvSpPr>
-          <p:cNvPr id="3" name="投影片編號版面配置區 2"/>
-          <p:cNvSpPr>
-            <a:spLocks noGrp="1"/>
-          </p:cNvSpPr>
-          <p:nvPr>
-            <p:ph type="sldNum" sz="quarter" idx="4"/>
-          </p:nvPr>
-        </p:nvSpPr>
-        <p:spPr/>
-        <p:txBody>
-          <a:bodyPr/>
-          <a:lstStyle/>
-          <a:p>
-            <a:fld id="{6F0746BA-D1AA-4FF4-8D48-BDBC7FF48778}" type="slidenum">
-              <a:rPr lang="fr-FR" smtClean="0"/>
-              <a:t>23</a:t>
-            </a:fld>
-            <a:endParaRPr lang="fr-FR"/>
-          </a:p>
-        </p:txBody>
-      </p:sp>
-      <p:pic>
-        <p:nvPicPr>
-          <p:cNvPr id="4" name="圖片 3"/>
-          <p:cNvPicPr>
-            <a:picLocks noChangeAspect="1"/>
-          </p:cNvPicPr>
-          <p:nvPr/>
-        </p:nvPicPr>
-        <p:blipFill>
-          <a:blip r:embed="rId2">
-            <a:clrChange>
-              <a:clrFrom>
-                <a:srgbClr val="FFFFFF"/>
-              </a:clrFrom>
-              <a:clrTo>
-                <a:srgbClr val="FFFFFF">
-                  <a:alpha val="0"/>
-                </a:srgbClr>
-              </a:clrTo>
-            </a:clrChange>
-          </a:blip>
-          <a:stretch>
-            <a:fillRect/>
-          </a:stretch>
-        </p:blipFill>
-        <p:spPr>
-          <a:xfrm>
-            <a:off x="3048381" y="1743472"/>
-            <a:ext cx="6095238" cy="4561905"/>
-          </a:xfrm>
-          <a:prstGeom prst="rect">
-            <a:avLst/>
-          </a:prstGeom>
-        </p:spPr>
-      </p:pic>
-    </p:spTree>
-    <p:extLst>
-      <p:ext uri="{BB962C8B-B14F-4D97-AF65-F5344CB8AC3E}">
-        <p14:creationId xmlns:p14="http://schemas.microsoft.com/office/powerpoint/2010/main" val="1959379816"/>
-      </p:ext>
-    </p:extLst>
-  </p:cSld>
-  <p:clrMapOvr>
-    <a:masterClrMapping/>
-  </p:clrMapOvr>
-  <mc:AlternateContent xmlns:mc="http://schemas.openxmlformats.org/markup-compatibility/2006" xmlns:p14="http://schemas.microsoft.com/office/powerpoint/2010/main">
-    <mc:Choice Requires="p14">
-      <p:transition spd="med" p14:dur="700">
-        <p:fade/>
-      </p:transition>
-    </mc:Choice>
-    <mc:Fallback xmlns="">
-      <p:transition spd="med">
-        <p:fade/>
-      </p:transition>
-    </mc:Fallback>
-  </mc:AlternateContent>
-  <p:timing>
-    <p:tnLst>
-      <p:par>
-        <p:cTn id="1" dur="indefinite" restart="never" nodeType="tmRoot"/>
-      </p:par>
-    </p:tnLst>
-  </p:timing>
-</p:sld>
-</file>
-
-<file path=ppt/slides/slide3.xml><?xml version="1.0" encoding="utf-8"?>
+<file path=ppt/slides/slide9.xml><?xml version="1.0" encoding="utf-8"?>
 <p:sld xmlns:a="http://schemas.openxmlformats.org/drawingml/2006/main" xmlns:r="http://schemas.openxmlformats.org/officeDocument/2006/relationships" xmlns:p="http://schemas.openxmlformats.org/presentationml/2006/main">
   <p:cSld>
     <p:spTree>
@@ -27508,7 +31624,7 @@
           <a:p>
             <a:fld id="{6F0746BA-D1AA-4FF4-8D48-BDBC7FF48778}" type="slidenum">
               <a:rPr lang="fr-FR" smtClean="0"/>
-              <a:t>3</a:t>
+              <a:t>9</a:t>
             </a:fld>
             <a:endParaRPr lang="fr-FR"/>
           </a:p>
@@ -27536,7 +31652,7 @@
           <a:graphicData uri="http://schemas.openxmlformats.org/presentationml/2006/ole">
             <mc:AlternateContent xmlns:mc="http://schemas.openxmlformats.org/markup-compatibility/2006">
               <mc:Choice xmlns:v="urn:schemas-microsoft-com:vml" Requires="v">
-                <p:oleObj spid="_x0000_s1050" name="Equation" r:id="rId4" imgW="1002960" imgH="241200" progId="Equation.DSMT4">
+                <p:oleObj spid="_x0000_s1062" name="Equation" r:id="rId4" imgW="1002960" imgH="241200" progId="Equation.DSMT4">
                   <p:embed/>
                 </p:oleObj>
               </mc:Choice>
@@ -27593,7 +31709,7 @@
           <a:graphicData uri="http://schemas.openxmlformats.org/presentationml/2006/ole">
             <mc:AlternateContent xmlns:mc="http://schemas.openxmlformats.org/markup-compatibility/2006">
               <mc:Choice xmlns:v="urn:schemas-microsoft-com:vml" Requires="v">
-                <p:oleObj spid="_x0000_s1051" name="Equation" r:id="rId6" imgW="876240" imgH="241200" progId="Equation.DSMT4">
+                <p:oleObj spid="_x0000_s1063" name="Equation" r:id="rId6" imgW="876240" imgH="241200" progId="Equation.DSMT4">
                   <p:embed/>
                 </p:oleObj>
               </mc:Choice>
@@ -27680,2289 +31796,6 @@
       </p:transition>
     </mc:Choice>
     <mc:Fallback xmlns="">
-      <p:transition spd="med">
-        <p:fade/>
-      </p:transition>
-    </mc:Fallback>
-  </mc:AlternateContent>
-  <p:timing>
-    <p:tnLst>
-      <p:par>
-        <p:cTn id="1" dur="indefinite" restart="never" nodeType="tmRoot"/>
-      </p:par>
-    </p:tnLst>
-  </p:timing>
-</p:sld>
-</file>
-
-<file path=ppt/slides/slide4.xml><?xml version="1.0" encoding="utf-8"?>
-<p:sld xmlns:a="http://schemas.openxmlformats.org/drawingml/2006/main" xmlns:r="http://schemas.openxmlformats.org/officeDocument/2006/relationships" xmlns:p="http://schemas.openxmlformats.org/presentationml/2006/main">
-  <p:cSld>
-    <p:spTree>
-      <p:nvGrpSpPr>
-        <p:cNvPr id="1" name=""/>
-        <p:cNvGrpSpPr/>
-        <p:nvPr/>
-      </p:nvGrpSpPr>
-      <p:grpSpPr>
-        <a:xfrm>
-          <a:off x="0" y="0"/>
-          <a:ext cx="0" cy="0"/>
-          <a:chOff x="0" y="0"/>
-          <a:chExt cx="0" cy="0"/>
-        </a:xfrm>
-      </p:grpSpPr>
-      <p:pic>
-        <p:nvPicPr>
-          <p:cNvPr id="24" name="圖片 23"/>
-          <p:cNvPicPr>
-            <a:picLocks noChangeAspect="1"/>
-          </p:cNvPicPr>
-          <p:nvPr/>
-        </p:nvPicPr>
-        <p:blipFill>
-          <a:blip r:embed="rId3">
-            <a:clrChange>
-              <a:clrFrom>
-                <a:srgbClr val="FFFFFF"/>
-              </a:clrFrom>
-              <a:clrTo>
-                <a:srgbClr val="FFFFFF">
-                  <a:alpha val="0"/>
-                </a:srgbClr>
-              </a:clrTo>
-            </a:clrChange>
-          </a:blip>
-          <a:stretch>
-            <a:fillRect/>
-          </a:stretch>
-        </p:blipFill>
-        <p:spPr>
-          <a:xfrm>
-            <a:off x="6320124" y="1906474"/>
-            <a:ext cx="5533501" cy="4144000"/>
-          </a:xfrm>
-          <a:prstGeom prst="rect">
-            <a:avLst/>
-          </a:prstGeom>
-        </p:spPr>
-      </p:pic>
-      <p:pic>
-        <p:nvPicPr>
-          <p:cNvPr id="23" name="圖片 22"/>
-          <p:cNvPicPr>
-            <a:picLocks noChangeAspect="1"/>
-          </p:cNvPicPr>
-          <p:nvPr/>
-        </p:nvPicPr>
-        <p:blipFill>
-          <a:blip r:embed="rId4">
-            <a:clrChange>
-              <a:clrFrom>
-                <a:srgbClr val="FFFFFF"/>
-              </a:clrFrom>
-              <a:clrTo>
-                <a:srgbClr val="FFFFFF">
-                  <a:alpha val="0"/>
-                </a:srgbClr>
-              </a:clrTo>
-            </a:clrChange>
-          </a:blip>
-          <a:stretch>
-            <a:fillRect/>
-          </a:stretch>
-        </p:blipFill>
-        <p:spPr>
-          <a:xfrm>
-            <a:off x="353243" y="1902804"/>
-            <a:ext cx="5533501" cy="4144000"/>
-          </a:xfrm>
-          <a:prstGeom prst="rect">
-            <a:avLst/>
-          </a:prstGeom>
-        </p:spPr>
-      </p:pic>
-      <p:sp>
-        <p:nvSpPr>
-          <p:cNvPr id="2" name="文字版面配置區 1"/>
-          <p:cNvSpPr>
-            <a:spLocks noGrp="1"/>
-          </p:cNvSpPr>
-          <p:nvPr>
-            <p:ph type="body" sz="quarter" idx="10"/>
-          </p:nvPr>
-        </p:nvSpPr>
-        <p:spPr>
-          <a:xfrm>
-            <a:off x="839788" y="660400"/>
-            <a:ext cx="6900714" cy="2048766"/>
-          </a:xfrm>
-        </p:spPr>
-        <p:txBody>
-          <a:bodyPr/>
-          <a:lstStyle/>
-          <a:p>
-            <a:r>
-              <a:rPr lang="en-US" altLang="zh-TW" dirty="0">
-                <a:latin typeface="Segoe UI Light" panose="020B0502040204020203" pitchFamily="34" charset="0"/>
-                <a:cs typeface="Segoe UI Light" panose="020B0502040204020203" pitchFamily="34" charset="0"/>
-              </a:rPr>
-              <a:t>Modal Pushover Analysis</a:t>
-            </a:r>
-            <a:endParaRPr lang="zh-TW" altLang="en-US" dirty="0">
-              <a:latin typeface="Segoe UI Light" panose="020B0502040204020203" pitchFamily="34" charset="0"/>
-              <a:cs typeface="Segoe UI Light" panose="020B0502040204020203" pitchFamily="34" charset="0"/>
-            </a:endParaRPr>
-          </a:p>
-          <a:p>
-            <a:endParaRPr lang="zh-TW" altLang="en-US" dirty="0"/>
-          </a:p>
-        </p:txBody>
-      </p:sp>
-      <p:sp>
-        <p:nvSpPr>
-          <p:cNvPr id="3" name="投影片編號版面配置區 2"/>
-          <p:cNvSpPr>
-            <a:spLocks noGrp="1"/>
-          </p:cNvSpPr>
-          <p:nvPr>
-            <p:ph type="sldNum" sz="quarter" idx="4"/>
-          </p:nvPr>
-        </p:nvSpPr>
-        <p:spPr/>
-        <p:txBody>
-          <a:bodyPr/>
-          <a:lstStyle/>
-          <a:p>
-            <a:fld id="{6F0746BA-D1AA-4FF4-8D48-BDBC7FF48778}" type="slidenum">
-              <a:rPr lang="fr-FR" smtClean="0"/>
-              <a:t>4</a:t>
-            </a:fld>
-            <a:endParaRPr lang="fr-FR" dirty="0"/>
-          </a:p>
-        </p:txBody>
-      </p:sp>
-      <p:graphicFrame>
-        <p:nvGraphicFramePr>
-          <p:cNvPr id="12" name="物件 11"/>
-          <p:cNvGraphicFramePr>
-            <a:graphicFrameLocks noChangeAspect="1"/>
-          </p:cNvGraphicFramePr>
-          <p:nvPr>
-            <p:extLst>
-              <p:ext uri="{D42A27DB-BD31-4B8C-83A1-F6EECF244321}">
-                <p14:modId xmlns:p14="http://schemas.microsoft.com/office/powerpoint/2010/main" val="4196577559"/>
-              </p:ext>
-            </p:extLst>
-          </p:nvPr>
-        </p:nvGraphicFramePr>
-        <p:xfrm>
-          <a:off x="1998663" y="2967038"/>
-          <a:ext cx="1003300" cy="241300"/>
-        </p:xfrm>
-        <a:graphic>
-          <a:graphicData uri="http://schemas.openxmlformats.org/presentationml/2006/ole">
-            <mc:AlternateContent xmlns:mc="http://schemas.openxmlformats.org/markup-compatibility/2006">
-              <mc:Choice xmlns:v="urn:schemas-microsoft-com:vml" Requires="v">
-                <p:oleObj spid="_x0000_s2099" name="Equation" r:id="rId5" imgW="1002960" imgH="241200" progId="Equation.DSMT4">
-                  <p:embed/>
-                </p:oleObj>
-              </mc:Choice>
-              <mc:Fallback>
-                <p:oleObj name="Equation" r:id="rId5" imgW="1002960" imgH="241200" progId="Equation.DSMT4">
-                  <p:embed/>
-                  <p:pic>
-                    <p:nvPicPr>
-                      <p:cNvPr id="6" name="物件 5"/>
-                      <p:cNvPicPr/>
-                      <p:nvPr/>
-                    </p:nvPicPr>
-                    <p:blipFill>
-                      <a:blip r:embed="rId6"/>
-                      <a:stretch>
-                        <a:fillRect/>
-                      </a:stretch>
-                    </p:blipFill>
-                    <p:spPr>
-                      <a:xfrm>
-                        <a:off x="1998663" y="2967038"/>
-                        <a:ext cx="1003300" cy="241300"/>
-                      </a:xfrm>
-                      <a:prstGeom prst="rect">
-                        <a:avLst/>
-                      </a:prstGeom>
-                    </p:spPr>
-                  </p:pic>
-                </p:oleObj>
-              </mc:Fallback>
-            </mc:AlternateContent>
-          </a:graphicData>
-        </a:graphic>
-      </p:graphicFrame>
-      <p:graphicFrame>
-        <p:nvGraphicFramePr>
-          <p:cNvPr id="13" name="物件 12"/>
-          <p:cNvGraphicFramePr>
-            <a:graphicFrameLocks noChangeAspect="1"/>
-          </p:cNvGraphicFramePr>
-          <p:nvPr>
-            <p:extLst>
-              <p:ext uri="{D42A27DB-BD31-4B8C-83A1-F6EECF244321}">
-                <p14:modId xmlns:p14="http://schemas.microsoft.com/office/powerpoint/2010/main" val="2602679641"/>
-              </p:ext>
-            </p:extLst>
-          </p:nvPr>
-        </p:nvGraphicFramePr>
-        <p:xfrm>
-          <a:off x="3132138" y="2468563"/>
-          <a:ext cx="876300" cy="241300"/>
-        </p:xfrm>
-        <a:graphic>
-          <a:graphicData uri="http://schemas.openxmlformats.org/presentationml/2006/ole">
-            <mc:AlternateContent xmlns:mc="http://schemas.openxmlformats.org/markup-compatibility/2006">
-              <mc:Choice xmlns:v="urn:schemas-microsoft-com:vml" Requires="v">
-                <p:oleObj spid="_x0000_s2100" name="Equation" r:id="rId7" imgW="876240" imgH="241200" progId="Equation.DSMT4">
-                  <p:embed/>
-                </p:oleObj>
-              </mc:Choice>
-              <mc:Fallback>
-                <p:oleObj name="Equation" r:id="rId7" imgW="876240" imgH="241200" progId="Equation.DSMT4">
-                  <p:embed/>
-                  <p:pic>
-                    <p:nvPicPr>
-                      <p:cNvPr id="7" name="物件 6"/>
-                      <p:cNvPicPr/>
-                      <p:nvPr/>
-                    </p:nvPicPr>
-                    <p:blipFill>
-                      <a:blip r:embed="rId8"/>
-                      <a:stretch>
-                        <a:fillRect/>
-                      </a:stretch>
-                    </p:blipFill>
-                    <p:spPr>
-                      <a:xfrm>
-                        <a:off x="3132138" y="2468563"/>
-                        <a:ext cx="876300" cy="241300"/>
-                      </a:xfrm>
-                      <a:prstGeom prst="rect">
-                        <a:avLst/>
-                      </a:prstGeom>
-                    </p:spPr>
-                  </p:pic>
-                </p:oleObj>
-              </mc:Fallback>
-            </mc:AlternateContent>
-          </a:graphicData>
-        </a:graphic>
-      </p:graphicFrame>
-      <p:graphicFrame>
-        <p:nvGraphicFramePr>
-          <p:cNvPr id="14" name="物件 13"/>
-          <p:cNvGraphicFramePr>
-            <a:graphicFrameLocks noChangeAspect="1"/>
-          </p:cNvGraphicFramePr>
-          <p:nvPr>
-            <p:extLst>
-              <p:ext uri="{D42A27DB-BD31-4B8C-83A1-F6EECF244321}">
-                <p14:modId xmlns:p14="http://schemas.microsoft.com/office/powerpoint/2010/main" val="138284910"/>
-              </p:ext>
-            </p:extLst>
-          </p:nvPr>
-        </p:nvGraphicFramePr>
-        <p:xfrm>
-          <a:off x="5921060" y="4762647"/>
-          <a:ext cx="1028700" cy="241300"/>
-        </p:xfrm>
-        <a:graphic>
-          <a:graphicData uri="http://schemas.openxmlformats.org/presentationml/2006/ole">
-            <mc:AlternateContent xmlns:mc="http://schemas.openxmlformats.org/markup-compatibility/2006">
-              <mc:Choice xmlns:v="urn:schemas-microsoft-com:vml" Requires="v">
-                <p:oleObj spid="_x0000_s2101" name="Equation" r:id="rId9" imgW="1028520" imgH="241200" progId="Equation.DSMT4">
-                  <p:embed/>
-                </p:oleObj>
-              </mc:Choice>
-              <mc:Fallback>
-                <p:oleObj name="Equation" r:id="rId9" imgW="1028520" imgH="241200" progId="Equation.DSMT4">
-                  <p:embed/>
-                  <p:pic>
-                    <p:nvPicPr>
-                      <p:cNvPr id="12" name="物件 11"/>
-                      <p:cNvPicPr/>
-                      <p:nvPr/>
-                    </p:nvPicPr>
-                    <p:blipFill>
-                      <a:blip r:embed="rId10"/>
-                      <a:stretch>
-                        <a:fillRect/>
-                      </a:stretch>
-                    </p:blipFill>
-                    <p:spPr>
-                      <a:xfrm>
-                        <a:off x="5921060" y="4762647"/>
-                        <a:ext cx="1028700" cy="241300"/>
-                      </a:xfrm>
-                      <a:prstGeom prst="rect">
-                        <a:avLst/>
-                      </a:prstGeom>
-                    </p:spPr>
-                  </p:pic>
-                </p:oleObj>
-              </mc:Fallback>
-            </mc:AlternateContent>
-          </a:graphicData>
-        </a:graphic>
-      </p:graphicFrame>
-      <p:graphicFrame>
-        <p:nvGraphicFramePr>
-          <p:cNvPr id="15" name="物件 14"/>
-          <p:cNvGraphicFramePr>
-            <a:graphicFrameLocks noChangeAspect="1"/>
-          </p:cNvGraphicFramePr>
-          <p:nvPr>
-            <p:extLst>
-              <p:ext uri="{D42A27DB-BD31-4B8C-83A1-F6EECF244321}">
-                <p14:modId xmlns:p14="http://schemas.microsoft.com/office/powerpoint/2010/main" val="3354505892"/>
-              </p:ext>
-            </p:extLst>
-          </p:nvPr>
-        </p:nvGraphicFramePr>
-        <p:xfrm>
-          <a:off x="7369175" y="4252913"/>
-          <a:ext cx="914400" cy="241300"/>
-        </p:xfrm>
-        <a:graphic>
-          <a:graphicData uri="http://schemas.openxmlformats.org/presentationml/2006/ole">
-            <mc:AlternateContent xmlns:mc="http://schemas.openxmlformats.org/markup-compatibility/2006">
-              <mc:Choice xmlns:v="urn:schemas-microsoft-com:vml" Requires="v">
-                <p:oleObj spid="_x0000_s2102" name="Equation" r:id="rId11" imgW="914400" imgH="241200" progId="Equation.DSMT4">
-                  <p:embed/>
-                </p:oleObj>
-              </mc:Choice>
-              <mc:Fallback>
-                <p:oleObj name="Equation" r:id="rId11" imgW="914400" imgH="241200" progId="Equation.DSMT4">
-                  <p:embed/>
-                  <p:pic>
-                    <p:nvPicPr>
-                      <p:cNvPr id="13" name="物件 12"/>
-                      <p:cNvPicPr/>
-                      <p:nvPr/>
-                    </p:nvPicPr>
-                    <p:blipFill>
-                      <a:blip r:embed="rId12"/>
-                      <a:stretch>
-                        <a:fillRect/>
-                      </a:stretch>
-                    </p:blipFill>
-                    <p:spPr>
-                      <a:xfrm>
-                        <a:off x="7369175" y="4252913"/>
-                        <a:ext cx="914400" cy="241300"/>
-                      </a:xfrm>
-                      <a:prstGeom prst="rect">
-                        <a:avLst/>
-                      </a:prstGeom>
-                    </p:spPr>
-                  </p:pic>
-                </p:oleObj>
-              </mc:Fallback>
-            </mc:AlternateContent>
-          </a:graphicData>
-        </a:graphic>
-      </p:graphicFrame>
-      <p:graphicFrame>
-        <p:nvGraphicFramePr>
-          <p:cNvPr id="16" name="物件 15"/>
-          <p:cNvGraphicFramePr>
-            <a:graphicFrameLocks noChangeAspect="1"/>
-          </p:cNvGraphicFramePr>
-          <p:nvPr>
-            <p:extLst>
-              <p:ext uri="{D42A27DB-BD31-4B8C-83A1-F6EECF244321}">
-                <p14:modId xmlns:p14="http://schemas.microsoft.com/office/powerpoint/2010/main" val="947274777"/>
-              </p:ext>
-            </p:extLst>
-          </p:nvPr>
-        </p:nvGraphicFramePr>
-        <p:xfrm>
-          <a:off x="9793570" y="906243"/>
-          <a:ext cx="1003300" cy="241300"/>
-        </p:xfrm>
-        <a:graphic>
-          <a:graphicData uri="http://schemas.openxmlformats.org/presentationml/2006/ole">
-            <mc:AlternateContent xmlns:mc="http://schemas.openxmlformats.org/markup-compatibility/2006">
-              <mc:Choice xmlns:v="urn:schemas-microsoft-com:vml" Requires="v">
-                <p:oleObj spid="_x0000_s2103" name="Equation" r:id="rId13" imgW="1002960" imgH="241200" progId="Equation.DSMT4">
-                  <p:embed/>
-                </p:oleObj>
-              </mc:Choice>
-              <mc:Fallback>
-                <p:oleObj name="Equation" r:id="rId13" imgW="1002960" imgH="241200" progId="Equation.DSMT4">
-                  <p:embed/>
-                  <p:pic>
-                    <p:nvPicPr>
-                      <p:cNvPr id="12" name="物件 11"/>
-                      <p:cNvPicPr/>
-                      <p:nvPr/>
-                    </p:nvPicPr>
-                    <p:blipFill>
-                      <a:blip r:embed="rId14"/>
-                      <a:stretch>
-                        <a:fillRect/>
-                      </a:stretch>
-                    </p:blipFill>
-                    <p:spPr>
-                      <a:xfrm>
-                        <a:off x="9793570" y="906243"/>
-                        <a:ext cx="1003300" cy="241300"/>
-                      </a:xfrm>
-                      <a:prstGeom prst="rect">
-                        <a:avLst/>
-                      </a:prstGeom>
-                    </p:spPr>
-                  </p:pic>
-                </p:oleObj>
-              </mc:Fallback>
-            </mc:AlternateContent>
-          </a:graphicData>
-        </a:graphic>
-      </p:graphicFrame>
-      <p:graphicFrame>
-        <p:nvGraphicFramePr>
-          <p:cNvPr id="17" name="物件 16"/>
-          <p:cNvGraphicFramePr>
-            <a:graphicFrameLocks noChangeAspect="1"/>
-          </p:cNvGraphicFramePr>
-          <p:nvPr>
-            <p:extLst>
-              <p:ext uri="{D42A27DB-BD31-4B8C-83A1-F6EECF244321}">
-                <p14:modId xmlns:p14="http://schemas.microsoft.com/office/powerpoint/2010/main" val="1333083113"/>
-              </p:ext>
-            </p:extLst>
-          </p:nvPr>
-        </p:nvGraphicFramePr>
-        <p:xfrm>
-          <a:off x="9812338" y="1411288"/>
-          <a:ext cx="876300" cy="241300"/>
-        </p:xfrm>
-        <a:graphic>
-          <a:graphicData uri="http://schemas.openxmlformats.org/presentationml/2006/ole">
-            <mc:AlternateContent xmlns:mc="http://schemas.openxmlformats.org/markup-compatibility/2006">
-              <mc:Choice xmlns:v="urn:schemas-microsoft-com:vml" Requires="v">
-                <p:oleObj spid="_x0000_s2104" name="Equation" r:id="rId15" imgW="876240" imgH="241200" progId="Equation.DSMT4">
-                  <p:embed/>
-                </p:oleObj>
-              </mc:Choice>
-              <mc:Fallback>
-                <p:oleObj name="Equation" r:id="rId15" imgW="876240" imgH="241200" progId="Equation.DSMT4">
-                  <p:embed/>
-                  <p:pic>
-                    <p:nvPicPr>
-                      <p:cNvPr id="13" name="物件 12"/>
-                      <p:cNvPicPr/>
-                      <p:nvPr/>
-                    </p:nvPicPr>
-                    <p:blipFill>
-                      <a:blip r:embed="rId16"/>
-                      <a:stretch>
-                        <a:fillRect/>
-                      </a:stretch>
-                    </p:blipFill>
-                    <p:spPr>
-                      <a:xfrm>
-                        <a:off x="9812338" y="1411288"/>
-                        <a:ext cx="876300" cy="241300"/>
-                      </a:xfrm>
-                      <a:prstGeom prst="rect">
-                        <a:avLst/>
-                      </a:prstGeom>
-                    </p:spPr>
-                  </p:pic>
-                </p:oleObj>
-              </mc:Fallback>
-            </mc:AlternateContent>
-          </a:graphicData>
-        </a:graphic>
-      </p:graphicFrame>
-      <p:graphicFrame>
-        <p:nvGraphicFramePr>
-          <p:cNvPr id="18" name="物件 17"/>
-          <p:cNvGraphicFramePr>
-            <a:graphicFrameLocks noChangeAspect="1"/>
-          </p:cNvGraphicFramePr>
-          <p:nvPr>
-            <p:extLst>
-              <p:ext uri="{D42A27DB-BD31-4B8C-83A1-F6EECF244321}">
-                <p14:modId xmlns:p14="http://schemas.microsoft.com/office/powerpoint/2010/main" val="305654316"/>
-              </p:ext>
-            </p:extLst>
-          </p:nvPr>
-        </p:nvGraphicFramePr>
-        <p:xfrm>
-          <a:off x="8144890" y="1134024"/>
-          <a:ext cx="609600" cy="241300"/>
-        </p:xfrm>
-        <a:graphic>
-          <a:graphicData uri="http://schemas.openxmlformats.org/presentationml/2006/ole">
-            <mc:AlternateContent xmlns:mc="http://schemas.openxmlformats.org/markup-compatibility/2006">
-              <mc:Choice xmlns:v="urn:schemas-microsoft-com:vml" Requires="v">
-                <p:oleObj spid="_x0000_s2105" name="Equation" r:id="rId17" imgW="609480" imgH="241200" progId="Equation.DSMT4">
-                  <p:embed/>
-                </p:oleObj>
-              </mc:Choice>
-              <mc:Fallback>
-                <p:oleObj name="Equation" r:id="rId17" imgW="609480" imgH="241200" progId="Equation.DSMT4">
-                  <p:embed/>
-                  <p:pic>
-                    <p:nvPicPr>
-                      <p:cNvPr id="0" name=""/>
-                      <p:cNvPicPr/>
-                      <p:nvPr/>
-                    </p:nvPicPr>
-                    <p:blipFill>
-                      <a:blip r:embed="rId18"/>
-                      <a:stretch>
-                        <a:fillRect/>
-                      </a:stretch>
-                    </p:blipFill>
-                    <p:spPr>
-                      <a:xfrm>
-                        <a:off x="8144890" y="1134024"/>
-                        <a:ext cx="609600" cy="241300"/>
-                      </a:xfrm>
-                      <a:prstGeom prst="rect">
-                        <a:avLst/>
-                      </a:prstGeom>
-                    </p:spPr>
-                  </p:pic>
-                </p:oleObj>
-              </mc:Fallback>
-            </mc:AlternateContent>
-          </a:graphicData>
-        </a:graphic>
-      </p:graphicFrame>
-      <p:cxnSp>
-        <p:nvCxnSpPr>
-          <p:cNvPr id="22" name="直線單箭頭接點 21"/>
-          <p:cNvCxnSpPr/>
-          <p:nvPr/>
-        </p:nvCxnSpPr>
-        <p:spPr>
-          <a:xfrm>
-            <a:off x="8941982" y="1254674"/>
-            <a:ext cx="574158" cy="0"/>
-          </a:xfrm>
-          <a:prstGeom prst="straightConnector1">
-            <a:avLst/>
-          </a:prstGeom>
-          <a:ln>
-            <a:solidFill>
-              <a:schemeClr val="tx1"/>
-            </a:solidFill>
-            <a:tailEnd type="triangle"/>
-          </a:ln>
-        </p:spPr>
-        <p:style>
-          <a:lnRef idx="1">
-            <a:schemeClr val="accent1"/>
-          </a:lnRef>
-          <a:fillRef idx="0">
-            <a:schemeClr val="accent1"/>
-          </a:fillRef>
-          <a:effectRef idx="0">
-            <a:schemeClr val="accent1"/>
-          </a:effectRef>
-          <a:fontRef idx="minor">
-            <a:schemeClr val="tx1"/>
-          </a:fontRef>
-        </p:style>
-      </p:cxnSp>
-    </p:spTree>
-    <p:extLst>
-      <p:ext uri="{BB962C8B-B14F-4D97-AF65-F5344CB8AC3E}">
-        <p14:creationId xmlns:p14="http://schemas.microsoft.com/office/powerpoint/2010/main" val="4167026960"/>
-      </p:ext>
-    </p:extLst>
-  </p:cSld>
-  <p:clrMapOvr>
-    <a:masterClrMapping/>
-  </p:clrMapOvr>
-  <mc:AlternateContent xmlns:mc="http://schemas.openxmlformats.org/markup-compatibility/2006" xmlns:p14="http://schemas.microsoft.com/office/powerpoint/2010/main">
-    <mc:Choice Requires="p14">
-      <p:transition spd="med" p14:dur="700">
-        <p:fade/>
-      </p:transition>
-    </mc:Choice>
-    <mc:Fallback xmlns="">
-      <p:transition spd="med">
-        <p:fade/>
-      </p:transition>
-    </mc:Fallback>
-  </mc:AlternateContent>
-  <p:timing>
-    <p:tnLst>
-      <p:par>
-        <p:cTn id="1" dur="indefinite" restart="never" nodeType="tmRoot"/>
-      </p:par>
-    </p:tnLst>
-  </p:timing>
-</p:sld>
-</file>
-
-<file path=ppt/slides/slide5.xml><?xml version="1.0" encoding="utf-8"?>
-<p:sld xmlns:a="http://schemas.openxmlformats.org/drawingml/2006/main" xmlns:r="http://schemas.openxmlformats.org/officeDocument/2006/relationships" xmlns:p="http://schemas.openxmlformats.org/presentationml/2006/main">
-  <p:cSld>
-    <p:spTree>
-      <p:nvGrpSpPr>
-        <p:cNvPr id="1" name=""/>
-        <p:cNvGrpSpPr/>
-        <p:nvPr/>
-      </p:nvGrpSpPr>
-      <p:grpSpPr>
-        <a:xfrm>
-          <a:off x="0" y="0"/>
-          <a:ext cx="0" cy="0"/>
-          <a:chOff x="0" y="0"/>
-          <a:chExt cx="0" cy="0"/>
-        </a:xfrm>
-      </p:grpSpPr>
-      <p:pic>
-        <p:nvPicPr>
-          <p:cNvPr id="10" name="圖片 9"/>
-          <p:cNvPicPr>
-            <a:picLocks noChangeAspect="1"/>
-          </p:cNvPicPr>
-          <p:nvPr/>
-        </p:nvPicPr>
-        <p:blipFill>
-          <a:blip r:embed="rId3">
-            <a:clrChange>
-              <a:clrFrom>
-                <a:srgbClr val="FFFFFF"/>
-              </a:clrFrom>
-              <a:clrTo>
-                <a:srgbClr val="FFFFFF">
-                  <a:alpha val="0"/>
-                </a:srgbClr>
-              </a:clrTo>
-            </a:clrChange>
-          </a:blip>
-          <a:stretch>
-            <a:fillRect/>
-          </a:stretch>
-        </p:blipFill>
-        <p:spPr>
-          <a:xfrm>
-            <a:off x="6316997" y="1909893"/>
-            <a:ext cx="5533501" cy="4144000"/>
-          </a:xfrm>
-          <a:prstGeom prst="rect">
-            <a:avLst/>
-          </a:prstGeom>
-        </p:spPr>
-      </p:pic>
-      <p:sp>
-        <p:nvSpPr>
-          <p:cNvPr id="2" name="文字版面配置區 1"/>
-          <p:cNvSpPr>
-            <a:spLocks noGrp="1"/>
-          </p:cNvSpPr>
-          <p:nvPr>
-            <p:ph type="body" sz="quarter" idx="10"/>
-          </p:nvPr>
-        </p:nvSpPr>
-        <p:spPr/>
-        <p:txBody>
-          <a:bodyPr/>
-          <a:lstStyle/>
-          <a:p>
-            <a:r>
-              <a:rPr lang="en-US" altLang="zh-TW" dirty="0" smtClean="0"/>
-              <a:t>Multiple Hinges</a:t>
-            </a:r>
-            <a:endParaRPr lang="zh-TW" altLang="en-US" dirty="0"/>
-          </a:p>
-        </p:txBody>
-      </p:sp>
-      <p:sp>
-        <p:nvSpPr>
-          <p:cNvPr id="3" name="投影片編號版面配置區 2"/>
-          <p:cNvSpPr>
-            <a:spLocks noGrp="1"/>
-          </p:cNvSpPr>
-          <p:nvPr>
-            <p:ph type="sldNum" sz="quarter" idx="4"/>
-          </p:nvPr>
-        </p:nvSpPr>
-        <p:spPr/>
-        <p:txBody>
-          <a:bodyPr/>
-          <a:lstStyle/>
-          <a:p>
-            <a:fld id="{6F0746BA-D1AA-4FF4-8D48-BDBC7FF48778}" type="slidenum">
-              <a:rPr lang="fr-FR" smtClean="0"/>
-              <a:t>5</a:t>
-            </a:fld>
-            <a:endParaRPr lang="fr-FR"/>
-          </a:p>
-        </p:txBody>
-      </p:sp>
-      <p:graphicFrame>
-        <p:nvGraphicFramePr>
-          <p:cNvPr id="7" name="物件 6"/>
-          <p:cNvGraphicFramePr>
-            <a:graphicFrameLocks noChangeAspect="1"/>
-          </p:cNvGraphicFramePr>
-          <p:nvPr>
-            <p:extLst>
-              <p:ext uri="{D42A27DB-BD31-4B8C-83A1-F6EECF244321}">
-                <p14:modId xmlns:p14="http://schemas.microsoft.com/office/powerpoint/2010/main" val="4108171258"/>
-              </p:ext>
-            </p:extLst>
-          </p:nvPr>
-        </p:nvGraphicFramePr>
-        <p:xfrm>
-          <a:off x="7958138" y="2671763"/>
-          <a:ext cx="1016000" cy="241300"/>
-        </p:xfrm>
-        <a:graphic>
-          <a:graphicData uri="http://schemas.openxmlformats.org/presentationml/2006/ole">
-            <mc:AlternateContent xmlns:mc="http://schemas.openxmlformats.org/markup-compatibility/2006">
-              <mc:Choice xmlns:v="urn:schemas-microsoft-com:vml" Requires="v">
-                <p:oleObj spid="_x0000_s3086" name="Equation" r:id="rId4" imgW="1015920" imgH="241200" progId="Equation.DSMT4">
-                  <p:embed/>
-                </p:oleObj>
-              </mc:Choice>
-              <mc:Fallback>
-                <p:oleObj name="Equation" r:id="rId4" imgW="1015920" imgH="241200" progId="Equation.DSMT4">
-                  <p:embed/>
-                  <p:pic>
-                    <p:nvPicPr>
-                      <p:cNvPr id="16" name="物件 15"/>
-                      <p:cNvPicPr/>
-                      <p:nvPr/>
-                    </p:nvPicPr>
-                    <p:blipFill>
-                      <a:blip r:embed="rId5"/>
-                      <a:stretch>
-                        <a:fillRect/>
-                      </a:stretch>
-                    </p:blipFill>
-                    <p:spPr>
-                      <a:xfrm>
-                        <a:off x="7958138" y="2671763"/>
-                        <a:ext cx="1016000" cy="241300"/>
-                      </a:xfrm>
-                      <a:prstGeom prst="rect">
-                        <a:avLst/>
-                      </a:prstGeom>
-                    </p:spPr>
-                  </p:pic>
-                </p:oleObj>
-              </mc:Fallback>
-            </mc:AlternateContent>
-          </a:graphicData>
-        </a:graphic>
-      </p:graphicFrame>
-      <p:graphicFrame>
-        <p:nvGraphicFramePr>
-          <p:cNvPr id="8" name="物件 7"/>
-          <p:cNvGraphicFramePr>
-            <a:graphicFrameLocks noChangeAspect="1"/>
-          </p:cNvGraphicFramePr>
-          <p:nvPr>
-            <p:extLst>
-              <p:ext uri="{D42A27DB-BD31-4B8C-83A1-F6EECF244321}">
-                <p14:modId xmlns:p14="http://schemas.microsoft.com/office/powerpoint/2010/main" val="1543588508"/>
-              </p:ext>
-            </p:extLst>
-          </p:nvPr>
-        </p:nvGraphicFramePr>
-        <p:xfrm>
-          <a:off x="9812338" y="3121025"/>
-          <a:ext cx="876300" cy="241300"/>
-        </p:xfrm>
-        <a:graphic>
-          <a:graphicData uri="http://schemas.openxmlformats.org/presentationml/2006/ole">
-            <mc:AlternateContent xmlns:mc="http://schemas.openxmlformats.org/markup-compatibility/2006">
-              <mc:Choice xmlns:v="urn:schemas-microsoft-com:vml" Requires="v">
-                <p:oleObj spid="_x0000_s3087" name="Equation" r:id="rId6" imgW="876240" imgH="241200" progId="Equation.DSMT4">
-                  <p:embed/>
-                </p:oleObj>
-              </mc:Choice>
-              <mc:Fallback>
-                <p:oleObj name="Equation" r:id="rId6" imgW="876240" imgH="241200" progId="Equation.DSMT4">
-                  <p:embed/>
-                  <p:pic>
-                    <p:nvPicPr>
-                      <p:cNvPr id="17" name="物件 16"/>
-                      <p:cNvPicPr/>
-                      <p:nvPr/>
-                    </p:nvPicPr>
-                    <p:blipFill>
-                      <a:blip r:embed="rId7"/>
-                      <a:stretch>
-                        <a:fillRect/>
-                      </a:stretch>
-                    </p:blipFill>
-                    <p:spPr>
-                      <a:xfrm>
-                        <a:off x="9812338" y="3121025"/>
-                        <a:ext cx="876300" cy="241300"/>
-                      </a:xfrm>
-                      <a:prstGeom prst="rect">
-                        <a:avLst/>
-                      </a:prstGeom>
-                    </p:spPr>
-                  </p:pic>
-                </p:oleObj>
-              </mc:Fallback>
-            </mc:AlternateContent>
-          </a:graphicData>
-        </a:graphic>
-      </p:graphicFrame>
-      <p:pic>
-        <p:nvPicPr>
-          <p:cNvPr id="9" name="圖片 8"/>
-          <p:cNvPicPr>
-            <a:picLocks noChangeAspect="1"/>
-          </p:cNvPicPr>
-          <p:nvPr/>
-        </p:nvPicPr>
-        <p:blipFill>
-          <a:blip r:embed="rId8">
-            <a:clrChange>
-              <a:clrFrom>
-                <a:srgbClr val="FFFFFF"/>
-              </a:clrFrom>
-              <a:clrTo>
-                <a:srgbClr val="FFFFFF">
-                  <a:alpha val="0"/>
-                </a:srgbClr>
-              </a:clrTo>
-            </a:clrChange>
-          </a:blip>
-          <a:stretch>
-            <a:fillRect/>
-          </a:stretch>
-        </p:blipFill>
-        <p:spPr>
-          <a:xfrm>
-            <a:off x="9465" y="2554937"/>
-            <a:ext cx="6086535" cy="3370090"/>
-          </a:xfrm>
-          <a:prstGeom prst="rect">
-            <a:avLst/>
-          </a:prstGeom>
-        </p:spPr>
-      </p:pic>
-    </p:spTree>
-    <p:extLst>
-      <p:ext uri="{BB962C8B-B14F-4D97-AF65-F5344CB8AC3E}">
-        <p14:creationId xmlns:p14="http://schemas.microsoft.com/office/powerpoint/2010/main" val="875753245"/>
-      </p:ext>
-    </p:extLst>
-  </p:cSld>
-  <p:clrMapOvr>
-    <a:masterClrMapping/>
-  </p:clrMapOvr>
-  <mc:AlternateContent xmlns:mc="http://schemas.openxmlformats.org/markup-compatibility/2006" xmlns:p14="http://schemas.microsoft.com/office/powerpoint/2010/main">
-    <mc:Choice Requires="p14">
-      <p:transition spd="med" p14:dur="700">
-        <p:fade/>
-      </p:transition>
-    </mc:Choice>
-    <mc:Fallback xmlns="">
-      <p:transition spd="med">
-        <p:fade/>
-      </p:transition>
-    </mc:Fallback>
-  </mc:AlternateContent>
-  <p:timing>
-    <p:tnLst>
-      <p:par>
-        <p:cTn id="1" dur="indefinite" restart="never" nodeType="tmRoot"/>
-      </p:par>
-    </p:tnLst>
-  </p:timing>
-</p:sld>
-</file>
-
-<file path=ppt/slides/slide6.xml><?xml version="1.0" encoding="utf-8"?>
-<p:sld xmlns:a="http://schemas.openxmlformats.org/drawingml/2006/main" xmlns:r="http://schemas.openxmlformats.org/officeDocument/2006/relationships" xmlns:p="http://schemas.openxmlformats.org/presentationml/2006/main">
-  <p:cSld>
-    <p:spTree>
-      <p:nvGrpSpPr>
-        <p:cNvPr id="1" name=""/>
-        <p:cNvGrpSpPr/>
-        <p:nvPr/>
-      </p:nvGrpSpPr>
-      <p:grpSpPr>
-        <a:xfrm>
-          <a:off x="0" y="0"/>
-          <a:ext cx="0" cy="0"/>
-          <a:chOff x="0" y="0"/>
-          <a:chExt cx="0" cy="0"/>
-        </a:xfrm>
-      </p:grpSpPr>
-      <p:pic>
-        <p:nvPicPr>
-          <p:cNvPr id="6" name="圖片 5"/>
-          <p:cNvPicPr>
-            <a:picLocks noChangeAspect="1"/>
-          </p:cNvPicPr>
-          <p:nvPr/>
-        </p:nvPicPr>
-        <p:blipFill>
-          <a:blip r:embed="rId3">
-            <a:clrChange>
-              <a:clrFrom>
-                <a:srgbClr val="FFFFFF"/>
-              </a:clrFrom>
-              <a:clrTo>
-                <a:srgbClr val="FFFFFF">
-                  <a:alpha val="0"/>
-                </a:srgbClr>
-              </a:clrTo>
-            </a:clrChange>
-          </a:blip>
-          <a:stretch>
-            <a:fillRect/>
-          </a:stretch>
-        </p:blipFill>
-        <p:spPr>
-          <a:xfrm>
-            <a:off x="352617" y="1909887"/>
-            <a:ext cx="5533501" cy="4144000"/>
-          </a:xfrm>
-          <a:prstGeom prst="rect">
-            <a:avLst/>
-          </a:prstGeom>
-        </p:spPr>
-      </p:pic>
-      <p:pic>
-        <p:nvPicPr>
-          <p:cNvPr id="7" name="圖片 6"/>
-          <p:cNvPicPr>
-            <a:picLocks noChangeAspect="1"/>
-          </p:cNvPicPr>
-          <p:nvPr/>
-        </p:nvPicPr>
-        <p:blipFill>
-          <a:blip r:embed="rId4">
-            <a:clrChange>
-              <a:clrFrom>
-                <a:srgbClr val="FFFFFF"/>
-              </a:clrFrom>
-              <a:clrTo>
-                <a:srgbClr val="FFFFFF">
-                  <a:alpha val="0"/>
-                </a:srgbClr>
-              </a:clrTo>
-            </a:clrChange>
-          </a:blip>
-          <a:stretch>
-            <a:fillRect/>
-          </a:stretch>
-        </p:blipFill>
-        <p:spPr>
-          <a:xfrm>
-            <a:off x="6324083" y="1901768"/>
-            <a:ext cx="5533501" cy="4144000"/>
-          </a:xfrm>
-          <a:prstGeom prst="rect">
-            <a:avLst/>
-          </a:prstGeom>
-        </p:spPr>
-      </p:pic>
-      <p:sp>
-        <p:nvSpPr>
-          <p:cNvPr id="2" name="文字版面配置區 1"/>
-          <p:cNvSpPr>
-            <a:spLocks noGrp="1"/>
-          </p:cNvSpPr>
-          <p:nvPr>
-            <p:ph type="body" sz="quarter" idx="10"/>
-          </p:nvPr>
-        </p:nvSpPr>
-        <p:spPr>
-          <a:xfrm>
-            <a:off x="839788" y="660400"/>
-            <a:ext cx="6900714" cy="2048766"/>
-          </a:xfrm>
-        </p:spPr>
-        <p:txBody>
-          <a:bodyPr/>
-          <a:lstStyle/>
-          <a:p>
-            <a:r>
-              <a:rPr lang="en-US" altLang="zh-TW" dirty="0">
-                <a:latin typeface="Segoe UI Light" panose="020B0502040204020203" pitchFamily="34" charset="0"/>
-                <a:cs typeface="Segoe UI Light" panose="020B0502040204020203" pitchFamily="34" charset="0"/>
-              </a:rPr>
-              <a:t>Modal Pushover Analysis</a:t>
-            </a:r>
-            <a:endParaRPr lang="zh-TW" altLang="en-US" dirty="0">
-              <a:latin typeface="Segoe UI Light" panose="020B0502040204020203" pitchFamily="34" charset="0"/>
-              <a:cs typeface="Segoe UI Light" panose="020B0502040204020203" pitchFamily="34" charset="0"/>
-            </a:endParaRPr>
-          </a:p>
-          <a:p>
-            <a:endParaRPr lang="zh-TW" altLang="en-US" dirty="0"/>
-          </a:p>
-        </p:txBody>
-      </p:sp>
-      <p:sp>
-        <p:nvSpPr>
-          <p:cNvPr id="3" name="投影片編號版面配置區 2"/>
-          <p:cNvSpPr>
-            <a:spLocks noGrp="1"/>
-          </p:cNvSpPr>
-          <p:nvPr>
-            <p:ph type="sldNum" sz="quarter" idx="4"/>
-          </p:nvPr>
-        </p:nvSpPr>
-        <p:spPr/>
-        <p:txBody>
-          <a:bodyPr/>
-          <a:lstStyle/>
-          <a:p>
-            <a:fld id="{6F0746BA-D1AA-4FF4-8D48-BDBC7FF48778}" type="slidenum">
-              <a:rPr lang="fr-FR" smtClean="0"/>
-              <a:t>6</a:t>
-            </a:fld>
-            <a:endParaRPr lang="fr-FR" dirty="0"/>
-          </a:p>
-        </p:txBody>
-      </p:sp>
-      <p:graphicFrame>
-        <p:nvGraphicFramePr>
-          <p:cNvPr id="12" name="物件 11"/>
-          <p:cNvGraphicFramePr>
-            <a:graphicFrameLocks noChangeAspect="1"/>
-          </p:cNvGraphicFramePr>
-          <p:nvPr>
-            <p:extLst>
-              <p:ext uri="{D42A27DB-BD31-4B8C-83A1-F6EECF244321}">
-                <p14:modId xmlns:p14="http://schemas.microsoft.com/office/powerpoint/2010/main" val="611013835"/>
-              </p:ext>
-            </p:extLst>
-          </p:nvPr>
-        </p:nvGraphicFramePr>
-        <p:xfrm>
-          <a:off x="1940406" y="2588516"/>
-          <a:ext cx="1016000" cy="241300"/>
-        </p:xfrm>
-        <a:graphic>
-          <a:graphicData uri="http://schemas.openxmlformats.org/presentationml/2006/ole">
-            <mc:AlternateContent xmlns:mc="http://schemas.openxmlformats.org/markup-compatibility/2006">
-              <mc:Choice xmlns:v="urn:schemas-microsoft-com:vml" Requires="v">
-                <p:oleObj spid="_x0000_s4147" name="Equation" r:id="rId5" imgW="1015920" imgH="241200" progId="Equation.DSMT4">
-                  <p:embed/>
-                </p:oleObj>
-              </mc:Choice>
-              <mc:Fallback>
-                <p:oleObj name="Equation" r:id="rId5" imgW="1015920" imgH="241200" progId="Equation.DSMT4">
-                  <p:embed/>
-                  <p:pic>
-                    <p:nvPicPr>
-                      <p:cNvPr id="12" name="物件 11"/>
-                      <p:cNvPicPr/>
-                      <p:nvPr/>
-                    </p:nvPicPr>
-                    <p:blipFill>
-                      <a:blip r:embed="rId6"/>
-                      <a:stretch>
-                        <a:fillRect/>
-                      </a:stretch>
-                    </p:blipFill>
-                    <p:spPr>
-                      <a:xfrm>
-                        <a:off x="1940406" y="2588516"/>
-                        <a:ext cx="1016000" cy="241300"/>
-                      </a:xfrm>
-                      <a:prstGeom prst="rect">
-                        <a:avLst/>
-                      </a:prstGeom>
-                    </p:spPr>
-                  </p:pic>
-                </p:oleObj>
-              </mc:Fallback>
-            </mc:AlternateContent>
-          </a:graphicData>
-        </a:graphic>
-      </p:graphicFrame>
-      <p:graphicFrame>
-        <p:nvGraphicFramePr>
-          <p:cNvPr id="13" name="物件 12"/>
-          <p:cNvGraphicFramePr>
-            <a:graphicFrameLocks noChangeAspect="1"/>
-          </p:cNvGraphicFramePr>
-          <p:nvPr>
-            <p:extLst>
-              <p:ext uri="{D42A27DB-BD31-4B8C-83A1-F6EECF244321}">
-                <p14:modId xmlns:p14="http://schemas.microsoft.com/office/powerpoint/2010/main" val="1064404973"/>
-              </p:ext>
-            </p:extLst>
-          </p:nvPr>
-        </p:nvGraphicFramePr>
-        <p:xfrm>
-          <a:off x="3119367" y="2305826"/>
-          <a:ext cx="876300" cy="241300"/>
-        </p:xfrm>
-        <a:graphic>
-          <a:graphicData uri="http://schemas.openxmlformats.org/presentationml/2006/ole">
-            <mc:AlternateContent xmlns:mc="http://schemas.openxmlformats.org/markup-compatibility/2006">
-              <mc:Choice xmlns:v="urn:schemas-microsoft-com:vml" Requires="v">
-                <p:oleObj spid="_x0000_s4148" name="Equation" r:id="rId7" imgW="876240" imgH="241200" progId="Equation.DSMT4">
-                  <p:embed/>
-                </p:oleObj>
-              </mc:Choice>
-              <mc:Fallback>
-                <p:oleObj name="Equation" r:id="rId7" imgW="876240" imgH="241200" progId="Equation.DSMT4">
-                  <p:embed/>
-                  <p:pic>
-                    <p:nvPicPr>
-                      <p:cNvPr id="13" name="物件 12"/>
-                      <p:cNvPicPr/>
-                      <p:nvPr/>
-                    </p:nvPicPr>
-                    <p:blipFill>
-                      <a:blip r:embed="rId8"/>
-                      <a:stretch>
-                        <a:fillRect/>
-                      </a:stretch>
-                    </p:blipFill>
-                    <p:spPr>
-                      <a:xfrm>
-                        <a:off x="3119367" y="2305826"/>
-                        <a:ext cx="876300" cy="241300"/>
-                      </a:xfrm>
-                      <a:prstGeom prst="rect">
-                        <a:avLst/>
-                      </a:prstGeom>
-                    </p:spPr>
-                  </p:pic>
-                </p:oleObj>
-              </mc:Fallback>
-            </mc:AlternateContent>
-          </a:graphicData>
-        </a:graphic>
-      </p:graphicFrame>
-      <p:graphicFrame>
-        <p:nvGraphicFramePr>
-          <p:cNvPr id="14" name="物件 13"/>
-          <p:cNvGraphicFramePr>
-            <a:graphicFrameLocks noChangeAspect="1"/>
-          </p:cNvGraphicFramePr>
-          <p:nvPr>
-            <p:extLst>
-              <p:ext uri="{D42A27DB-BD31-4B8C-83A1-F6EECF244321}">
-                <p14:modId xmlns:p14="http://schemas.microsoft.com/office/powerpoint/2010/main" val="2128760737"/>
-              </p:ext>
-            </p:extLst>
-          </p:nvPr>
-        </p:nvGraphicFramePr>
-        <p:xfrm>
-          <a:off x="5921060" y="4762647"/>
-          <a:ext cx="1028700" cy="241300"/>
-        </p:xfrm>
-        <a:graphic>
-          <a:graphicData uri="http://schemas.openxmlformats.org/presentationml/2006/ole">
-            <mc:AlternateContent xmlns:mc="http://schemas.openxmlformats.org/markup-compatibility/2006">
-              <mc:Choice xmlns:v="urn:schemas-microsoft-com:vml" Requires="v">
-                <p:oleObj spid="_x0000_s4149" name="Equation" r:id="rId9" imgW="1028520" imgH="241200" progId="Equation.DSMT4">
-                  <p:embed/>
-                </p:oleObj>
-              </mc:Choice>
-              <mc:Fallback>
-                <p:oleObj name="Equation" r:id="rId9" imgW="1028520" imgH="241200" progId="Equation.DSMT4">
-                  <p:embed/>
-                  <p:pic>
-                    <p:nvPicPr>
-                      <p:cNvPr id="14" name="物件 13"/>
-                      <p:cNvPicPr/>
-                      <p:nvPr/>
-                    </p:nvPicPr>
-                    <p:blipFill>
-                      <a:blip r:embed="rId10"/>
-                      <a:stretch>
-                        <a:fillRect/>
-                      </a:stretch>
-                    </p:blipFill>
-                    <p:spPr>
-                      <a:xfrm>
-                        <a:off x="5921060" y="4762647"/>
-                        <a:ext cx="1028700" cy="241300"/>
-                      </a:xfrm>
-                      <a:prstGeom prst="rect">
-                        <a:avLst/>
-                      </a:prstGeom>
-                    </p:spPr>
-                  </p:pic>
-                </p:oleObj>
-              </mc:Fallback>
-            </mc:AlternateContent>
-          </a:graphicData>
-        </a:graphic>
-      </p:graphicFrame>
-      <p:graphicFrame>
-        <p:nvGraphicFramePr>
-          <p:cNvPr id="15" name="物件 14"/>
-          <p:cNvGraphicFramePr>
-            <a:graphicFrameLocks noChangeAspect="1"/>
-          </p:cNvGraphicFramePr>
-          <p:nvPr>
-            <p:extLst>
-              <p:ext uri="{D42A27DB-BD31-4B8C-83A1-F6EECF244321}">
-                <p14:modId xmlns:p14="http://schemas.microsoft.com/office/powerpoint/2010/main" val="2313981862"/>
-              </p:ext>
-            </p:extLst>
-          </p:nvPr>
-        </p:nvGraphicFramePr>
-        <p:xfrm>
-          <a:off x="7461008" y="4251559"/>
-          <a:ext cx="901700" cy="241300"/>
-        </p:xfrm>
-        <a:graphic>
-          <a:graphicData uri="http://schemas.openxmlformats.org/presentationml/2006/ole">
-            <mc:AlternateContent xmlns:mc="http://schemas.openxmlformats.org/markup-compatibility/2006">
-              <mc:Choice xmlns:v="urn:schemas-microsoft-com:vml" Requires="v">
-                <p:oleObj spid="_x0000_s4150" name="Equation" r:id="rId11" imgW="901440" imgH="241200" progId="Equation.DSMT4">
-                  <p:embed/>
-                </p:oleObj>
-              </mc:Choice>
-              <mc:Fallback>
-                <p:oleObj name="Equation" r:id="rId11" imgW="901440" imgH="241200" progId="Equation.DSMT4">
-                  <p:embed/>
-                  <p:pic>
-                    <p:nvPicPr>
-                      <p:cNvPr id="15" name="物件 14"/>
-                      <p:cNvPicPr/>
-                      <p:nvPr/>
-                    </p:nvPicPr>
-                    <p:blipFill>
-                      <a:blip r:embed="rId12"/>
-                      <a:stretch>
-                        <a:fillRect/>
-                      </a:stretch>
-                    </p:blipFill>
-                    <p:spPr>
-                      <a:xfrm>
-                        <a:off x="7461008" y="4251559"/>
-                        <a:ext cx="901700" cy="241300"/>
-                      </a:xfrm>
-                      <a:prstGeom prst="rect">
-                        <a:avLst/>
-                      </a:prstGeom>
-                    </p:spPr>
-                  </p:pic>
-                </p:oleObj>
-              </mc:Fallback>
-            </mc:AlternateContent>
-          </a:graphicData>
-        </a:graphic>
-      </p:graphicFrame>
-      <p:graphicFrame>
-        <p:nvGraphicFramePr>
-          <p:cNvPr id="16" name="物件 15"/>
-          <p:cNvGraphicFramePr>
-            <a:graphicFrameLocks noChangeAspect="1"/>
-          </p:cNvGraphicFramePr>
-          <p:nvPr>
-            <p:extLst>
-              <p:ext uri="{D42A27DB-BD31-4B8C-83A1-F6EECF244321}">
-                <p14:modId xmlns:p14="http://schemas.microsoft.com/office/powerpoint/2010/main" val="1806231091"/>
-              </p:ext>
-            </p:extLst>
-          </p:nvPr>
-        </p:nvGraphicFramePr>
-        <p:xfrm>
-          <a:off x="9793570" y="906243"/>
-          <a:ext cx="1003300" cy="241300"/>
-        </p:xfrm>
-        <a:graphic>
-          <a:graphicData uri="http://schemas.openxmlformats.org/presentationml/2006/ole">
-            <mc:AlternateContent xmlns:mc="http://schemas.openxmlformats.org/markup-compatibility/2006">
-              <mc:Choice xmlns:v="urn:schemas-microsoft-com:vml" Requires="v">
-                <p:oleObj spid="_x0000_s4151" name="Equation" r:id="rId13" imgW="1002960" imgH="241200" progId="Equation.DSMT4">
-                  <p:embed/>
-                </p:oleObj>
-              </mc:Choice>
-              <mc:Fallback>
-                <p:oleObj name="Equation" r:id="rId13" imgW="1002960" imgH="241200" progId="Equation.DSMT4">
-                  <p:embed/>
-                  <p:pic>
-                    <p:nvPicPr>
-                      <p:cNvPr id="16" name="物件 15"/>
-                      <p:cNvPicPr/>
-                      <p:nvPr/>
-                    </p:nvPicPr>
-                    <p:blipFill>
-                      <a:blip r:embed="rId14"/>
-                      <a:stretch>
-                        <a:fillRect/>
-                      </a:stretch>
-                    </p:blipFill>
-                    <p:spPr>
-                      <a:xfrm>
-                        <a:off x="9793570" y="906243"/>
-                        <a:ext cx="1003300" cy="241300"/>
-                      </a:xfrm>
-                      <a:prstGeom prst="rect">
-                        <a:avLst/>
-                      </a:prstGeom>
-                    </p:spPr>
-                  </p:pic>
-                </p:oleObj>
-              </mc:Fallback>
-            </mc:AlternateContent>
-          </a:graphicData>
-        </a:graphic>
-      </p:graphicFrame>
-      <p:graphicFrame>
-        <p:nvGraphicFramePr>
-          <p:cNvPr id="17" name="物件 16"/>
-          <p:cNvGraphicFramePr>
-            <a:graphicFrameLocks noChangeAspect="1"/>
-          </p:cNvGraphicFramePr>
-          <p:nvPr>
-            <p:extLst>
-              <p:ext uri="{D42A27DB-BD31-4B8C-83A1-F6EECF244321}">
-                <p14:modId xmlns:p14="http://schemas.microsoft.com/office/powerpoint/2010/main" val="2320907781"/>
-              </p:ext>
-            </p:extLst>
-          </p:nvPr>
-        </p:nvGraphicFramePr>
-        <p:xfrm>
-          <a:off x="9812338" y="1411288"/>
-          <a:ext cx="876300" cy="241300"/>
-        </p:xfrm>
-        <a:graphic>
-          <a:graphicData uri="http://schemas.openxmlformats.org/presentationml/2006/ole">
-            <mc:AlternateContent xmlns:mc="http://schemas.openxmlformats.org/markup-compatibility/2006">
-              <mc:Choice xmlns:v="urn:schemas-microsoft-com:vml" Requires="v">
-                <p:oleObj spid="_x0000_s4152" name="Equation" r:id="rId15" imgW="876240" imgH="241200" progId="Equation.DSMT4">
-                  <p:embed/>
-                </p:oleObj>
-              </mc:Choice>
-              <mc:Fallback>
-                <p:oleObj name="Equation" r:id="rId15" imgW="876240" imgH="241200" progId="Equation.DSMT4">
-                  <p:embed/>
-                  <p:pic>
-                    <p:nvPicPr>
-                      <p:cNvPr id="17" name="物件 16"/>
-                      <p:cNvPicPr/>
-                      <p:nvPr/>
-                    </p:nvPicPr>
-                    <p:blipFill>
-                      <a:blip r:embed="rId16"/>
-                      <a:stretch>
-                        <a:fillRect/>
-                      </a:stretch>
-                    </p:blipFill>
-                    <p:spPr>
-                      <a:xfrm>
-                        <a:off x="9812338" y="1411288"/>
-                        <a:ext cx="876300" cy="241300"/>
-                      </a:xfrm>
-                      <a:prstGeom prst="rect">
-                        <a:avLst/>
-                      </a:prstGeom>
-                    </p:spPr>
-                  </p:pic>
-                </p:oleObj>
-              </mc:Fallback>
-            </mc:AlternateContent>
-          </a:graphicData>
-        </a:graphic>
-      </p:graphicFrame>
-      <p:graphicFrame>
-        <p:nvGraphicFramePr>
-          <p:cNvPr id="18" name="物件 17"/>
-          <p:cNvGraphicFramePr>
-            <a:graphicFrameLocks noChangeAspect="1"/>
-          </p:cNvGraphicFramePr>
-          <p:nvPr/>
-        </p:nvGraphicFramePr>
-        <p:xfrm>
-          <a:off x="8144890" y="1134024"/>
-          <a:ext cx="609600" cy="241300"/>
-        </p:xfrm>
-        <a:graphic>
-          <a:graphicData uri="http://schemas.openxmlformats.org/presentationml/2006/ole">
-            <mc:AlternateContent xmlns:mc="http://schemas.openxmlformats.org/markup-compatibility/2006">
-              <mc:Choice xmlns:v="urn:schemas-microsoft-com:vml" Requires="v">
-                <p:oleObj spid="_x0000_s4153" name="Equation" r:id="rId17" imgW="609480" imgH="241200" progId="Equation.DSMT4">
-                  <p:embed/>
-                </p:oleObj>
-              </mc:Choice>
-              <mc:Fallback>
-                <p:oleObj name="Equation" r:id="rId17" imgW="609480" imgH="241200" progId="Equation.DSMT4">
-                  <p:embed/>
-                  <p:pic>
-                    <p:nvPicPr>
-                      <p:cNvPr id="18" name="物件 17"/>
-                      <p:cNvPicPr/>
-                      <p:nvPr/>
-                    </p:nvPicPr>
-                    <p:blipFill>
-                      <a:blip r:embed="rId18"/>
-                      <a:stretch>
-                        <a:fillRect/>
-                      </a:stretch>
-                    </p:blipFill>
-                    <p:spPr>
-                      <a:xfrm>
-                        <a:off x="8144890" y="1134024"/>
-                        <a:ext cx="609600" cy="241300"/>
-                      </a:xfrm>
-                      <a:prstGeom prst="rect">
-                        <a:avLst/>
-                      </a:prstGeom>
-                    </p:spPr>
-                  </p:pic>
-                </p:oleObj>
-              </mc:Fallback>
-            </mc:AlternateContent>
-          </a:graphicData>
-        </a:graphic>
-      </p:graphicFrame>
-      <p:cxnSp>
-        <p:nvCxnSpPr>
-          <p:cNvPr id="22" name="直線單箭頭接點 21"/>
-          <p:cNvCxnSpPr/>
-          <p:nvPr/>
-        </p:nvCxnSpPr>
-        <p:spPr>
-          <a:xfrm>
-            <a:off x="8941982" y="1254674"/>
-            <a:ext cx="574158" cy="0"/>
-          </a:xfrm>
-          <a:prstGeom prst="straightConnector1">
-            <a:avLst/>
-          </a:prstGeom>
-          <a:ln>
-            <a:solidFill>
-              <a:schemeClr val="tx1"/>
-            </a:solidFill>
-            <a:tailEnd type="triangle"/>
-          </a:ln>
-        </p:spPr>
-        <p:style>
-          <a:lnRef idx="1">
-            <a:schemeClr val="accent1"/>
-          </a:lnRef>
-          <a:fillRef idx="0">
-            <a:schemeClr val="accent1"/>
-          </a:fillRef>
-          <a:effectRef idx="0">
-            <a:schemeClr val="accent1"/>
-          </a:effectRef>
-          <a:fontRef idx="minor">
-            <a:schemeClr val="tx1"/>
-          </a:fontRef>
-        </p:style>
-      </p:cxnSp>
-    </p:spTree>
-    <p:extLst>
-      <p:ext uri="{BB962C8B-B14F-4D97-AF65-F5344CB8AC3E}">
-        <p14:creationId xmlns:p14="http://schemas.microsoft.com/office/powerpoint/2010/main" val="3898458054"/>
-      </p:ext>
-    </p:extLst>
-  </p:cSld>
-  <p:clrMapOvr>
-    <a:masterClrMapping/>
-  </p:clrMapOvr>
-  <mc:AlternateContent xmlns:mc="http://schemas.openxmlformats.org/markup-compatibility/2006" xmlns:p14="http://schemas.microsoft.com/office/powerpoint/2010/main">
-    <mc:Choice Requires="p14">
-      <p:transition spd="med" p14:dur="700">
-        <p:fade/>
-      </p:transition>
-    </mc:Choice>
-    <mc:Fallback xmlns="">
-      <p:transition spd="med">
-        <p:fade/>
-      </p:transition>
-    </mc:Fallback>
-  </mc:AlternateContent>
-  <p:timing>
-    <p:tnLst>
-      <p:par>
-        <p:cTn id="1" dur="indefinite" restart="never" nodeType="tmRoot"/>
-      </p:par>
-    </p:tnLst>
-  </p:timing>
-</p:sld>
-</file>
-
-<file path=ppt/slides/slide7.xml><?xml version="1.0" encoding="utf-8"?>
-<p:sld xmlns:a="http://schemas.openxmlformats.org/drawingml/2006/main" xmlns:r="http://schemas.openxmlformats.org/officeDocument/2006/relationships" xmlns:p="http://schemas.openxmlformats.org/presentationml/2006/main">
-  <p:cSld>
-    <p:spTree>
-      <p:nvGrpSpPr>
-        <p:cNvPr id="1" name=""/>
-        <p:cNvGrpSpPr/>
-        <p:nvPr/>
-      </p:nvGrpSpPr>
-      <p:grpSpPr>
-        <a:xfrm>
-          <a:off x="0" y="0"/>
-          <a:ext cx="0" cy="0"/>
-          <a:chOff x="0" y="0"/>
-          <a:chExt cx="0" cy="0"/>
-        </a:xfrm>
-      </p:grpSpPr>
-      <p:sp>
-        <p:nvSpPr>
-          <p:cNvPr id="2" name="文字版面配置區 1"/>
-          <p:cNvSpPr>
-            <a:spLocks noGrp="1"/>
-          </p:cNvSpPr>
-          <p:nvPr>
-            <p:ph type="body" sz="quarter" idx="10"/>
-          </p:nvPr>
-        </p:nvSpPr>
-        <p:spPr>
-          <a:xfrm>
-            <a:off x="839788" y="660400"/>
-            <a:ext cx="8995328" cy="1311128"/>
-          </a:xfrm>
-        </p:spPr>
-        <p:txBody>
-          <a:bodyPr/>
-          <a:lstStyle/>
-          <a:p>
-            <a:r>
-              <a:rPr lang="en-US" altLang="zh-TW" dirty="0"/>
-              <a:t>Multi-Modes Combination </a:t>
-            </a:r>
-            <a:endParaRPr lang="zh-TW" altLang="en-US" dirty="0"/>
-          </a:p>
-        </p:txBody>
-      </p:sp>
-      <p:sp>
-        <p:nvSpPr>
-          <p:cNvPr id="3" name="投影片編號版面配置區 2"/>
-          <p:cNvSpPr>
-            <a:spLocks noGrp="1"/>
-          </p:cNvSpPr>
-          <p:nvPr>
-            <p:ph type="sldNum" sz="quarter" idx="4"/>
-          </p:nvPr>
-        </p:nvSpPr>
-        <p:spPr/>
-        <p:txBody>
-          <a:bodyPr/>
-          <a:lstStyle/>
-          <a:p>
-            <a:fld id="{6F0746BA-D1AA-4FF4-8D48-BDBC7FF48778}" type="slidenum">
-              <a:rPr lang="fr-FR" smtClean="0"/>
-              <a:t>7</a:t>
-            </a:fld>
-            <a:endParaRPr lang="fr-FR"/>
-          </a:p>
-        </p:txBody>
-      </p:sp>
-      <p:pic>
-        <p:nvPicPr>
-          <p:cNvPr id="5" name="圖片 4"/>
-          <p:cNvPicPr>
-            <a:picLocks noChangeAspect="1"/>
-          </p:cNvPicPr>
-          <p:nvPr/>
-        </p:nvPicPr>
-        <p:blipFill>
-          <a:blip r:embed="rId3">
-            <a:clrChange>
-              <a:clrFrom>
-                <a:srgbClr val="FFFFFF"/>
-              </a:clrFrom>
-              <a:clrTo>
-                <a:srgbClr val="FFFFFF">
-                  <a:alpha val="0"/>
-                </a:srgbClr>
-              </a:clrTo>
-            </a:clrChange>
-          </a:blip>
-          <a:stretch>
-            <a:fillRect/>
-          </a:stretch>
-        </p:blipFill>
-        <p:spPr>
-          <a:xfrm>
-            <a:off x="3329249" y="1909896"/>
-            <a:ext cx="5533501" cy="4144000"/>
-          </a:xfrm>
-          <a:prstGeom prst="rect">
-            <a:avLst/>
-          </a:prstGeom>
-        </p:spPr>
-      </p:pic>
-      <p:graphicFrame>
-        <p:nvGraphicFramePr>
-          <p:cNvPr id="6" name="物件 5"/>
-          <p:cNvGraphicFramePr>
-            <a:graphicFrameLocks noChangeAspect="1"/>
-          </p:cNvGraphicFramePr>
-          <p:nvPr>
-            <p:extLst>
-              <p:ext uri="{D42A27DB-BD31-4B8C-83A1-F6EECF244321}">
-                <p14:modId xmlns:p14="http://schemas.microsoft.com/office/powerpoint/2010/main" val="114569736"/>
-              </p:ext>
-            </p:extLst>
-          </p:nvPr>
-        </p:nvGraphicFramePr>
-        <p:xfrm>
-          <a:off x="7581900" y="2798763"/>
-          <a:ext cx="1041400" cy="241300"/>
-        </p:xfrm>
-        <a:graphic>
-          <a:graphicData uri="http://schemas.openxmlformats.org/presentationml/2006/ole">
-            <mc:AlternateContent xmlns:mc="http://schemas.openxmlformats.org/markup-compatibility/2006">
-              <mc:Choice xmlns:v="urn:schemas-microsoft-com:vml" Requires="v">
-                <p:oleObj spid="_x0000_s5124" name="Equation" r:id="rId4" imgW="1041120" imgH="241200" progId="Equation.DSMT4">
-                  <p:embed/>
-                </p:oleObj>
-              </mc:Choice>
-              <mc:Fallback>
-                <p:oleObj name="Equation" r:id="rId4" imgW="1041120" imgH="241200" progId="Equation.DSMT4">
-                  <p:embed/>
-                  <p:pic>
-                    <p:nvPicPr>
-                      <p:cNvPr id="7" name="物件 6"/>
-                      <p:cNvPicPr/>
-                      <p:nvPr/>
-                    </p:nvPicPr>
-                    <p:blipFill>
-                      <a:blip r:embed="rId5"/>
-                      <a:stretch>
-                        <a:fillRect/>
-                      </a:stretch>
-                    </p:blipFill>
-                    <p:spPr>
-                      <a:xfrm>
-                        <a:off x="7581900" y="2798763"/>
-                        <a:ext cx="1041400" cy="241300"/>
-                      </a:xfrm>
-                      <a:prstGeom prst="rect">
-                        <a:avLst/>
-                      </a:prstGeom>
-                    </p:spPr>
-                  </p:pic>
-                </p:oleObj>
-              </mc:Fallback>
-            </mc:AlternateContent>
-          </a:graphicData>
-        </a:graphic>
-      </p:graphicFrame>
-    </p:spTree>
-    <p:extLst>
-      <p:ext uri="{BB962C8B-B14F-4D97-AF65-F5344CB8AC3E}">
-        <p14:creationId xmlns:p14="http://schemas.microsoft.com/office/powerpoint/2010/main" val="4209680809"/>
-      </p:ext>
-    </p:extLst>
-  </p:cSld>
-  <p:clrMapOvr>
-    <a:masterClrMapping/>
-  </p:clrMapOvr>
-  <mc:AlternateContent xmlns:mc="http://schemas.openxmlformats.org/markup-compatibility/2006" xmlns:p14="http://schemas.microsoft.com/office/powerpoint/2010/main">
-    <mc:Choice Requires="p14">
-      <p:transition spd="med" p14:dur="700">
-        <p:fade/>
-      </p:transition>
-    </mc:Choice>
-    <mc:Fallback xmlns="">
-      <p:transition spd="med">
-        <p:fade/>
-      </p:transition>
-    </mc:Fallback>
-  </mc:AlternateContent>
-  <p:timing>
-    <p:tnLst>
-      <p:par>
-        <p:cTn id="1" dur="indefinite" restart="never" nodeType="tmRoot"/>
-      </p:par>
-    </p:tnLst>
-  </p:timing>
-</p:sld>
-</file>
-
-<file path=ppt/slides/slide8.xml><?xml version="1.0" encoding="utf-8"?>
-<p:sld xmlns:a="http://schemas.openxmlformats.org/drawingml/2006/main" xmlns:r="http://schemas.openxmlformats.org/officeDocument/2006/relationships" xmlns:p="http://schemas.openxmlformats.org/presentationml/2006/main" show="0">
-  <p:cSld>
-    <p:spTree>
-      <p:nvGrpSpPr>
-        <p:cNvPr id="1" name=""/>
-        <p:cNvGrpSpPr/>
-        <p:nvPr/>
-      </p:nvGrpSpPr>
-      <p:grpSpPr>
-        <a:xfrm>
-          <a:off x="0" y="0"/>
-          <a:ext cx="0" cy="0"/>
-          <a:chOff x="0" y="0"/>
-          <a:chExt cx="0" cy="0"/>
-        </a:xfrm>
-      </p:grpSpPr>
-      <p:sp>
-        <p:nvSpPr>
-          <p:cNvPr id="2" name="文字版面配置區 1"/>
-          <p:cNvSpPr>
-            <a:spLocks noGrp="1"/>
-          </p:cNvSpPr>
-          <p:nvPr>
-            <p:ph type="body" sz="quarter" idx="10"/>
-          </p:nvPr>
-        </p:nvSpPr>
-        <p:spPr/>
-        <p:txBody>
-          <a:bodyPr/>
-          <a:lstStyle/>
-          <a:p>
-            <a:r>
-              <a:rPr lang="en-US" altLang="zh-TW" dirty="0" smtClean="0"/>
-              <a:t>Normal </a:t>
-            </a:r>
-            <a:r>
-              <a:rPr lang="en-US" altLang="zh-TW" dirty="0" err="1" smtClean="0"/>
-              <a:t>NoLd</a:t>
-            </a:r>
-            <a:endParaRPr lang="zh-TW" altLang="en-US" dirty="0"/>
-          </a:p>
-        </p:txBody>
-      </p:sp>
-      <p:sp>
-        <p:nvSpPr>
-          <p:cNvPr id="3" name="投影片編號版面配置區 2"/>
-          <p:cNvSpPr>
-            <a:spLocks noGrp="1"/>
-          </p:cNvSpPr>
-          <p:nvPr>
-            <p:ph type="sldNum" sz="quarter" idx="4"/>
-          </p:nvPr>
-        </p:nvSpPr>
-        <p:spPr/>
-        <p:txBody>
-          <a:bodyPr/>
-          <a:lstStyle/>
-          <a:p>
-            <a:fld id="{6F0746BA-D1AA-4FF4-8D48-BDBC7FF48778}" type="slidenum">
-              <a:rPr lang="fr-FR" smtClean="0"/>
-              <a:t>8</a:t>
-            </a:fld>
-            <a:endParaRPr lang="fr-FR"/>
-          </a:p>
-        </p:txBody>
-      </p:sp>
-      <p:pic>
-        <p:nvPicPr>
-          <p:cNvPr id="4" name="圖片 3"/>
-          <p:cNvPicPr>
-            <a:picLocks noChangeAspect="1"/>
-          </p:cNvPicPr>
-          <p:nvPr/>
-        </p:nvPicPr>
-        <p:blipFill>
-          <a:blip r:embed="rId2"/>
-          <a:stretch>
-            <a:fillRect/>
-          </a:stretch>
-        </p:blipFill>
-        <p:spPr>
-          <a:xfrm>
-            <a:off x="3423750" y="1427000"/>
-            <a:ext cx="5344500" cy="4004000"/>
-          </a:xfrm>
-          <a:prstGeom prst="rect">
-            <a:avLst/>
-          </a:prstGeom>
-        </p:spPr>
-      </p:pic>
-      <p:sp>
-        <p:nvSpPr>
-          <p:cNvPr id="5" name="文字方塊 4"/>
-          <p:cNvSpPr txBox="1"/>
-          <p:nvPr/>
-        </p:nvSpPr>
-        <p:spPr>
-          <a:xfrm>
-            <a:off x="1392865" y="6145619"/>
-            <a:ext cx="937116" cy="427425"/>
-          </a:xfrm>
-          <a:prstGeom prst="rect">
-            <a:avLst/>
-          </a:prstGeom>
-          <a:noFill/>
-        </p:spPr>
-        <p:txBody>
-          <a:bodyPr wrap="none" lIns="0" rtlCol="0" anchor="t">
-            <a:spAutoFit/>
-          </a:bodyPr>
-          <a:lstStyle/>
-          <a:p>
-            <a:pPr algn="l">
-              <a:lnSpc>
-                <a:spcPct val="120000"/>
-              </a:lnSpc>
-            </a:pPr>
-            <a:r>
-              <a:rPr lang="en-US" altLang="zh-TW" sz="2000" dirty="0" smtClean="0">
-                <a:latin typeface="Segoe UI Light" panose="020B0502040204020203" pitchFamily="34" charset="0"/>
-                <a:cs typeface="Segoe UI Light" panose="020B0502040204020203" pitchFamily="34" charset="0"/>
-              </a:rPr>
-              <a:t>Ra=1.57</a:t>
-            </a:r>
-            <a:endParaRPr lang="zh-TW" altLang="en-US" sz="2000" dirty="0" smtClean="0">
-              <a:latin typeface="Segoe UI Light" panose="020B0502040204020203" pitchFamily="34" charset="0"/>
-              <a:cs typeface="Segoe UI Light" panose="020B0502040204020203" pitchFamily="34" charset="0"/>
-            </a:endParaRPr>
-          </a:p>
-        </p:txBody>
-      </p:sp>
-      <p:sp>
-        <p:nvSpPr>
-          <p:cNvPr id="6" name="文字方塊 5"/>
-          <p:cNvSpPr txBox="1"/>
-          <p:nvPr/>
-        </p:nvSpPr>
-        <p:spPr>
-          <a:xfrm>
-            <a:off x="2870791" y="6156251"/>
-            <a:ext cx="810478" cy="427425"/>
-          </a:xfrm>
-          <a:prstGeom prst="rect">
-            <a:avLst/>
-          </a:prstGeom>
-          <a:noFill/>
-        </p:spPr>
-        <p:txBody>
-          <a:bodyPr wrap="none" lIns="0" rtlCol="0" anchor="t">
-            <a:spAutoFit/>
-          </a:bodyPr>
-          <a:lstStyle/>
-          <a:p>
-            <a:pPr algn="l">
-              <a:lnSpc>
-                <a:spcPct val="120000"/>
-              </a:lnSpc>
-            </a:pPr>
-            <a:r>
-              <a:rPr lang="en-US" altLang="zh-TW" sz="2000" dirty="0" smtClean="0">
-                <a:latin typeface="Segoe UI Light" panose="020B0502040204020203" pitchFamily="34" charset="0"/>
-                <a:cs typeface="Segoe UI Light" panose="020B0502040204020203" pitchFamily="34" charset="0"/>
-              </a:rPr>
-              <a:t>R=1.76</a:t>
-            </a:r>
-            <a:endParaRPr lang="zh-TW" altLang="en-US" sz="2000" dirty="0" smtClean="0">
-              <a:latin typeface="Segoe UI Light" panose="020B0502040204020203" pitchFamily="34" charset="0"/>
-              <a:cs typeface="Segoe UI Light" panose="020B0502040204020203" pitchFamily="34" charset="0"/>
-            </a:endParaRPr>
-          </a:p>
-        </p:txBody>
-      </p:sp>
-    </p:spTree>
-    <p:extLst>
-      <p:ext uri="{BB962C8B-B14F-4D97-AF65-F5344CB8AC3E}">
-        <p14:creationId xmlns:p14="http://schemas.microsoft.com/office/powerpoint/2010/main" val="3869521521"/>
-      </p:ext>
-    </p:extLst>
-  </p:cSld>
-  <p:clrMapOvr>
-    <a:masterClrMapping/>
-  </p:clrMapOvr>
-  <mc:AlternateContent xmlns:mc="http://schemas.openxmlformats.org/markup-compatibility/2006">
-    <mc:Choice xmlns:p14="http://schemas.microsoft.com/office/powerpoint/2010/main" Requires="p14">
-      <p:transition spd="med" p14:dur="700">
-        <p:fade/>
-      </p:transition>
-    </mc:Choice>
-    <mc:Fallback>
-      <p:transition spd="med">
-        <p:fade/>
-      </p:transition>
-    </mc:Fallback>
-  </mc:AlternateContent>
-  <p:timing>
-    <p:tnLst>
-      <p:par>
-        <p:cTn id="1" dur="indefinite" restart="never" nodeType="tmRoot"/>
-      </p:par>
-    </p:tnLst>
-  </p:timing>
-</p:sld>
-</file>
-
-<file path=ppt/slides/slide9.xml><?xml version="1.0" encoding="utf-8"?>
-<p:sld xmlns:a="http://schemas.openxmlformats.org/drawingml/2006/main" xmlns:r="http://schemas.openxmlformats.org/officeDocument/2006/relationships" xmlns:p="http://schemas.openxmlformats.org/presentationml/2006/main" show="0">
-  <p:cSld>
-    <p:spTree>
-      <p:nvGrpSpPr>
-        <p:cNvPr id="1" name=""/>
-        <p:cNvGrpSpPr/>
-        <p:nvPr/>
-      </p:nvGrpSpPr>
-      <p:grpSpPr>
-        <a:xfrm>
-          <a:off x="0" y="0"/>
-          <a:ext cx="0" cy="0"/>
-          <a:chOff x="0" y="0"/>
-          <a:chExt cx="0" cy="0"/>
-        </a:xfrm>
-      </p:grpSpPr>
-      <p:sp>
-        <p:nvSpPr>
-          <p:cNvPr id="2" name="文字版面配置區 1"/>
-          <p:cNvSpPr>
-            <a:spLocks noGrp="1"/>
-          </p:cNvSpPr>
-          <p:nvPr>
-            <p:ph type="body" sz="quarter" idx="10"/>
-          </p:nvPr>
-        </p:nvSpPr>
-        <p:spPr/>
-        <p:txBody>
-          <a:bodyPr/>
-          <a:lstStyle/>
-          <a:p>
-            <a:endParaRPr lang="zh-TW" altLang="en-US"/>
-          </a:p>
-        </p:txBody>
-      </p:sp>
-      <p:sp>
-        <p:nvSpPr>
-          <p:cNvPr id="3" name="投影片編號版面配置區 2"/>
-          <p:cNvSpPr>
-            <a:spLocks noGrp="1"/>
-          </p:cNvSpPr>
-          <p:nvPr>
-            <p:ph type="sldNum" sz="quarter" idx="4"/>
-          </p:nvPr>
-        </p:nvSpPr>
-        <p:spPr/>
-        <p:txBody>
-          <a:bodyPr/>
-          <a:lstStyle/>
-          <a:p>
-            <a:fld id="{6F0746BA-D1AA-4FF4-8D48-BDBC7FF48778}" type="slidenum">
-              <a:rPr lang="fr-FR" smtClean="0"/>
-              <a:t>9</a:t>
-            </a:fld>
-            <a:endParaRPr lang="fr-FR"/>
-          </a:p>
-        </p:txBody>
-      </p:sp>
-      <p:sp>
-        <p:nvSpPr>
-          <p:cNvPr id="4" name="文字方塊 3"/>
-          <p:cNvSpPr txBox="1"/>
-          <p:nvPr/>
-        </p:nvSpPr>
-        <p:spPr>
-          <a:xfrm>
-            <a:off x="1392865" y="6145619"/>
-            <a:ext cx="933910" cy="427425"/>
-          </a:xfrm>
-          <a:prstGeom prst="rect">
-            <a:avLst/>
-          </a:prstGeom>
-          <a:noFill/>
-        </p:spPr>
-        <p:txBody>
-          <a:bodyPr wrap="none" lIns="0" rtlCol="0" anchor="t">
-            <a:spAutoFit/>
-          </a:bodyPr>
-          <a:lstStyle/>
-          <a:p>
-            <a:pPr algn="l">
-              <a:lnSpc>
-                <a:spcPct val="120000"/>
-              </a:lnSpc>
-            </a:pPr>
-            <a:r>
-              <a:rPr lang="en-US" altLang="zh-TW" sz="2000" dirty="0" smtClean="0">
-                <a:latin typeface="Segoe UI Light" panose="020B0502040204020203" pitchFamily="34" charset="0"/>
-                <a:cs typeface="Segoe UI Light" panose="020B0502040204020203" pitchFamily="34" charset="0"/>
-              </a:rPr>
-              <a:t>Ra=1.77</a:t>
-            </a:r>
-            <a:endParaRPr lang="zh-TW" altLang="en-US" sz="2000" dirty="0" smtClean="0">
-              <a:latin typeface="Segoe UI Light" panose="020B0502040204020203" pitchFamily="34" charset="0"/>
-              <a:cs typeface="Segoe UI Light" panose="020B0502040204020203" pitchFamily="34" charset="0"/>
-            </a:endParaRPr>
-          </a:p>
-        </p:txBody>
-      </p:sp>
-      <p:sp>
-        <p:nvSpPr>
-          <p:cNvPr id="5" name="文字方塊 4"/>
-          <p:cNvSpPr txBox="1"/>
-          <p:nvPr/>
-        </p:nvSpPr>
-        <p:spPr>
-          <a:xfrm>
-            <a:off x="2870791" y="6156251"/>
-            <a:ext cx="813684" cy="427425"/>
-          </a:xfrm>
-          <a:prstGeom prst="rect">
-            <a:avLst/>
-          </a:prstGeom>
-          <a:noFill/>
-        </p:spPr>
-        <p:txBody>
-          <a:bodyPr wrap="none" lIns="0" rtlCol="0" anchor="t">
-            <a:spAutoFit/>
-          </a:bodyPr>
-          <a:lstStyle/>
-          <a:p>
-            <a:pPr algn="l">
-              <a:lnSpc>
-                <a:spcPct val="120000"/>
-              </a:lnSpc>
-            </a:pPr>
-            <a:r>
-              <a:rPr lang="en-US" altLang="zh-TW" sz="2000" dirty="0" smtClean="0">
-                <a:latin typeface="Segoe UI Light" panose="020B0502040204020203" pitchFamily="34" charset="0"/>
-                <a:cs typeface="Segoe UI Light" panose="020B0502040204020203" pitchFamily="34" charset="0"/>
-              </a:rPr>
-              <a:t>R=1.98</a:t>
-            </a:r>
-            <a:endParaRPr lang="zh-TW" altLang="en-US" sz="2000" dirty="0" smtClean="0">
-              <a:latin typeface="Segoe UI Light" panose="020B0502040204020203" pitchFamily="34" charset="0"/>
-              <a:cs typeface="Segoe UI Light" panose="020B0502040204020203" pitchFamily="34" charset="0"/>
-            </a:endParaRPr>
-          </a:p>
-        </p:txBody>
-      </p:sp>
-      <p:sp>
-        <p:nvSpPr>
-          <p:cNvPr id="6" name="文字方塊 5"/>
-          <p:cNvSpPr txBox="1"/>
-          <p:nvPr/>
-        </p:nvSpPr>
-        <p:spPr>
-          <a:xfrm>
-            <a:off x="7602279" y="6145619"/>
-            <a:ext cx="848950" cy="427425"/>
-          </a:xfrm>
-          <a:prstGeom prst="rect">
-            <a:avLst/>
-          </a:prstGeom>
-          <a:noFill/>
-        </p:spPr>
-        <p:txBody>
-          <a:bodyPr wrap="none" lIns="0" rtlCol="0" anchor="t">
-            <a:spAutoFit/>
-          </a:bodyPr>
-          <a:lstStyle/>
-          <a:p>
-            <a:pPr algn="l">
-              <a:lnSpc>
-                <a:spcPct val="120000"/>
-              </a:lnSpc>
-            </a:pPr>
-            <a:r>
-              <a:rPr lang="en-US" altLang="zh-TW" sz="2000" dirty="0" smtClean="0">
-                <a:latin typeface="Segoe UI Light" panose="020B0502040204020203" pitchFamily="34" charset="0"/>
-                <a:cs typeface="Segoe UI Light" panose="020B0502040204020203" pitchFamily="34" charset="0"/>
-              </a:rPr>
-              <a:t>Ra=0.3</a:t>
-            </a:r>
-            <a:endParaRPr lang="zh-TW" altLang="en-US" sz="2000" dirty="0" smtClean="0">
-              <a:latin typeface="Segoe UI Light" panose="020B0502040204020203" pitchFamily="34" charset="0"/>
-              <a:cs typeface="Segoe UI Light" panose="020B0502040204020203" pitchFamily="34" charset="0"/>
-            </a:endParaRPr>
-          </a:p>
-        </p:txBody>
-      </p:sp>
-      <p:sp>
-        <p:nvSpPr>
-          <p:cNvPr id="7" name="文字方塊 6"/>
-          <p:cNvSpPr txBox="1"/>
-          <p:nvPr/>
-        </p:nvSpPr>
-        <p:spPr>
-          <a:xfrm>
-            <a:off x="8953568" y="6122120"/>
-            <a:ext cx="853760" cy="427425"/>
-          </a:xfrm>
-          <a:prstGeom prst="rect">
-            <a:avLst/>
-          </a:prstGeom>
-          <a:noFill/>
-        </p:spPr>
-        <p:txBody>
-          <a:bodyPr wrap="none" lIns="0" rtlCol="0" anchor="t">
-            <a:spAutoFit/>
-          </a:bodyPr>
-          <a:lstStyle/>
-          <a:p>
-            <a:pPr algn="l">
-              <a:lnSpc>
-                <a:spcPct val="120000"/>
-              </a:lnSpc>
-            </a:pPr>
-            <a:r>
-              <a:rPr lang="en-US" altLang="zh-TW" sz="2000" dirty="0" smtClean="0">
-                <a:latin typeface="Segoe UI Light" panose="020B0502040204020203" pitchFamily="34" charset="0"/>
-                <a:cs typeface="Segoe UI Light" panose="020B0502040204020203" pitchFamily="34" charset="0"/>
-              </a:rPr>
-              <a:t>R=0.36</a:t>
-            </a:r>
-            <a:endParaRPr lang="zh-TW" altLang="en-US" sz="2000" dirty="0" smtClean="0">
-              <a:latin typeface="Segoe UI Light" panose="020B0502040204020203" pitchFamily="34" charset="0"/>
-              <a:cs typeface="Segoe UI Light" panose="020B0502040204020203" pitchFamily="34" charset="0"/>
-            </a:endParaRPr>
-          </a:p>
-        </p:txBody>
-      </p:sp>
-      <p:sp>
-        <p:nvSpPr>
-          <p:cNvPr id="8" name="文字方塊 7"/>
-          <p:cNvSpPr txBox="1"/>
-          <p:nvPr/>
-        </p:nvSpPr>
-        <p:spPr>
-          <a:xfrm>
-            <a:off x="4618074" y="1596623"/>
-            <a:ext cx="937116" cy="427425"/>
-          </a:xfrm>
-          <a:prstGeom prst="rect">
-            <a:avLst/>
-          </a:prstGeom>
-          <a:noFill/>
-        </p:spPr>
-        <p:txBody>
-          <a:bodyPr wrap="none" lIns="0" rtlCol="0" anchor="t">
-            <a:spAutoFit/>
-          </a:bodyPr>
-          <a:lstStyle/>
-          <a:p>
-            <a:pPr algn="l">
-              <a:lnSpc>
-                <a:spcPct val="120000"/>
-              </a:lnSpc>
-            </a:pPr>
-            <a:r>
-              <a:rPr lang="en-US" altLang="zh-TW" sz="2000" dirty="0" smtClean="0">
-                <a:latin typeface="Segoe UI Light" panose="020B0502040204020203" pitchFamily="34" charset="0"/>
-                <a:cs typeface="Segoe UI Light" panose="020B0502040204020203" pitchFamily="34" charset="0"/>
-              </a:rPr>
-              <a:t>Ra=1.72</a:t>
-            </a:r>
-            <a:endParaRPr lang="zh-TW" altLang="en-US" sz="2000" dirty="0" smtClean="0">
-              <a:latin typeface="Segoe UI Light" panose="020B0502040204020203" pitchFamily="34" charset="0"/>
-              <a:cs typeface="Segoe UI Light" panose="020B0502040204020203" pitchFamily="34" charset="0"/>
-            </a:endParaRPr>
-          </a:p>
-        </p:txBody>
-      </p:sp>
-      <p:sp>
-        <p:nvSpPr>
-          <p:cNvPr id="9" name="文字方塊 8"/>
-          <p:cNvSpPr txBox="1"/>
-          <p:nvPr/>
-        </p:nvSpPr>
-        <p:spPr>
-          <a:xfrm>
-            <a:off x="6096000" y="1607255"/>
-            <a:ext cx="813684" cy="427425"/>
-          </a:xfrm>
-          <a:prstGeom prst="rect">
-            <a:avLst/>
-          </a:prstGeom>
-          <a:noFill/>
-        </p:spPr>
-        <p:txBody>
-          <a:bodyPr wrap="none" lIns="0" rtlCol="0" anchor="t">
-            <a:spAutoFit/>
-          </a:bodyPr>
-          <a:lstStyle/>
-          <a:p>
-            <a:pPr algn="l">
-              <a:lnSpc>
-                <a:spcPct val="120000"/>
-              </a:lnSpc>
-            </a:pPr>
-            <a:r>
-              <a:rPr lang="en-US" altLang="zh-TW" sz="2000" dirty="0" smtClean="0">
-                <a:latin typeface="Segoe UI Light" panose="020B0502040204020203" pitchFamily="34" charset="0"/>
-                <a:cs typeface="Segoe UI Light" panose="020B0502040204020203" pitchFamily="34" charset="0"/>
-              </a:rPr>
-              <a:t>R=1.93</a:t>
-            </a:r>
-            <a:endParaRPr lang="zh-TW" altLang="en-US" sz="2000" dirty="0" smtClean="0">
-              <a:latin typeface="Segoe UI Light" panose="020B0502040204020203" pitchFamily="34" charset="0"/>
-              <a:cs typeface="Segoe UI Light" panose="020B0502040204020203" pitchFamily="34" charset="0"/>
-            </a:endParaRPr>
-          </a:p>
-        </p:txBody>
-      </p:sp>
-      <p:pic>
-        <p:nvPicPr>
-          <p:cNvPr id="10" name="圖片 9"/>
-          <p:cNvPicPr>
-            <a:picLocks noChangeAspect="1"/>
-          </p:cNvPicPr>
-          <p:nvPr/>
-        </p:nvPicPr>
-        <p:blipFill>
-          <a:blip r:embed="rId2"/>
-          <a:stretch>
-            <a:fillRect/>
-          </a:stretch>
-        </p:blipFill>
-        <p:spPr>
-          <a:xfrm>
-            <a:off x="85127" y="1836916"/>
-            <a:ext cx="5344500" cy="4004000"/>
-          </a:xfrm>
-          <a:prstGeom prst="rect">
-            <a:avLst/>
-          </a:prstGeom>
-        </p:spPr>
-      </p:pic>
-      <p:pic>
-        <p:nvPicPr>
-          <p:cNvPr id="11" name="圖片 10"/>
-          <p:cNvPicPr>
-            <a:picLocks noChangeAspect="1"/>
-          </p:cNvPicPr>
-          <p:nvPr/>
-        </p:nvPicPr>
-        <p:blipFill>
-          <a:blip r:embed="rId3"/>
-          <a:stretch>
-            <a:fillRect/>
-          </a:stretch>
-        </p:blipFill>
-        <p:spPr>
-          <a:xfrm>
-            <a:off x="6281318" y="1944933"/>
-            <a:ext cx="5344500" cy="4004000"/>
-          </a:xfrm>
-          <a:prstGeom prst="rect">
-            <a:avLst/>
-          </a:prstGeom>
-        </p:spPr>
-      </p:pic>
-    </p:spTree>
-    <p:extLst>
-      <p:ext uri="{BB962C8B-B14F-4D97-AF65-F5344CB8AC3E}">
-        <p14:creationId xmlns:p14="http://schemas.microsoft.com/office/powerpoint/2010/main" val="3697475170"/>
-      </p:ext>
-    </p:extLst>
-  </p:cSld>
-  <p:clrMapOvr>
-    <a:masterClrMapping/>
-  </p:clrMapOvr>
-  <mc:AlternateContent xmlns:mc="http://schemas.openxmlformats.org/markup-compatibility/2006">
-    <mc:Choice xmlns:p14="http://schemas.microsoft.com/office/powerpoint/2010/main" Requires="p14">
-      <p:transition spd="med" p14:dur="700">
-        <p:fade/>
-      </p:transition>
-    </mc:Choice>
-    <mc:Fallback>
       <p:transition spd="med">
         <p:fade/>
       </p:transition>
@@ -30549,9 +32382,12 @@
 </file>
 
 <file path=customXml/item1.xml><?xml version="1.0" encoding="utf-8"?>
-<p:properties xmlns:p="http://schemas.microsoft.com/office/2006/metadata/properties" xmlns:xsi="http://www.w3.org/2001/XMLSchema-instance" xmlns:pc="http://schemas.microsoft.com/office/infopath/2007/PartnerControls">
-  <documentManagement/>
-</p:properties>
+<?mso-contentType ?>
+<FormTemplates xmlns="http://schemas.microsoft.com/sharepoint/v3/contenttype/forms">
+  <Display>DocumentLibraryForm</Display>
+  <Edit>DocumentLibraryForm</Edit>
+  <New>DocumentLibraryForm</New>
+</FormTemplates>
 </file>
 
 <file path=customXml/item2.xml><?xml version="1.0" encoding="utf-8"?>
@@ -30669,25 +32505,15 @@
 </file>
 
 <file path=customXml/item3.xml><?xml version="1.0" encoding="utf-8"?>
-<?mso-contentType ?>
-<FormTemplates xmlns="http://schemas.microsoft.com/sharepoint/v3/contenttype/forms">
-  <Display>DocumentLibraryForm</Display>
-  <Edit>DocumentLibraryForm</Edit>
-  <New>DocumentLibraryForm</New>
-</FormTemplates>
+<p:properties xmlns:p="http://schemas.microsoft.com/office/2006/metadata/properties" xmlns:xsi="http://www.w3.org/2001/XMLSchema-instance" xmlns:pc="http://schemas.microsoft.com/office/infopath/2007/PartnerControls">
+  <documentManagement/>
+</p:properties>
 </file>
 
 <file path=customXml/itemProps1.xml><?xml version="1.0" encoding="utf-8"?>
-<ds:datastoreItem xmlns:ds="http://schemas.openxmlformats.org/officeDocument/2006/customXml" ds:itemID="{88BF5EC3-CBCF-41C7-846F-A9B4B81CCEA8}">
+<ds:datastoreItem xmlns:ds="http://schemas.openxmlformats.org/officeDocument/2006/customXml" ds:itemID="{95457E87-E546-449E-A4D1-371201992E58}">
   <ds:schemaRefs>
-    <ds:schemaRef ds:uri="http://schemas.microsoft.com/office/infopath/2007/PartnerControls"/>
-    <ds:schemaRef ds:uri="http://purl.org/dc/terms/"/>
-    <ds:schemaRef ds:uri="http://purl.org/dc/dcmitype/"/>
-    <ds:schemaRef ds:uri="http://purl.org/dc/elements/1.1/"/>
-    <ds:schemaRef ds:uri="http://schemas.openxmlformats.org/package/2006/metadata/core-properties"/>
-    <ds:schemaRef ds:uri="http://schemas.microsoft.com/office/2006/metadata/properties"/>
-    <ds:schemaRef ds:uri="http://schemas.microsoft.com/office/2006/documentManagement/types"/>
-    <ds:schemaRef ds:uri="http://www.w3.org/XML/1998/namespace"/>
+    <ds:schemaRef ds:uri="http://schemas.microsoft.com/sharepoint/v3/contenttype/forms"/>
   </ds:schemaRefs>
 </ds:datastoreItem>
 </file>
@@ -30709,9 +32535,16 @@
 </file>
 
 <file path=customXml/itemProps3.xml><?xml version="1.0" encoding="utf-8"?>
-<ds:datastoreItem xmlns:ds="http://schemas.openxmlformats.org/officeDocument/2006/customXml" ds:itemID="{95457E87-E546-449E-A4D1-371201992E58}">
+<ds:datastoreItem xmlns:ds="http://schemas.openxmlformats.org/officeDocument/2006/customXml" ds:itemID="{88BF5EC3-CBCF-41C7-846F-A9B4B81CCEA8}">
   <ds:schemaRefs>
-    <ds:schemaRef ds:uri="http://schemas.microsoft.com/sharepoint/v3/contenttype/forms"/>
+    <ds:schemaRef ds:uri="http://schemas.microsoft.com/office/infopath/2007/PartnerControls"/>
+    <ds:schemaRef ds:uri="http://purl.org/dc/terms/"/>
+    <ds:schemaRef ds:uri="http://purl.org/dc/dcmitype/"/>
+    <ds:schemaRef ds:uri="http://purl.org/dc/elements/1.1/"/>
+    <ds:schemaRef ds:uri="http://schemas.openxmlformats.org/package/2006/metadata/core-properties"/>
+    <ds:schemaRef ds:uri="http://schemas.microsoft.com/office/2006/metadata/properties"/>
+    <ds:schemaRef ds:uri="http://schemas.microsoft.com/office/2006/documentManagement/types"/>
+    <ds:schemaRef ds:uri="http://www.w3.org/XML/1998/namespace"/>
   </ds:schemaRefs>
 </ds:datastoreItem>
 </file>
--- a/Meeting/20190516 Meeting/20190516 Meeting.pptx
+++ b/Meeting/20190516 Meeting/20190516 Meeting.pptx
@@ -27,9 +27,9 @@
     <p:sldId id="339" r:id="rId21"/>
     <p:sldId id="329" r:id="rId22"/>
     <p:sldId id="369" r:id="rId23"/>
-    <p:sldId id="351" r:id="rId24"/>
-    <p:sldId id="353" r:id="rId25"/>
-    <p:sldId id="378" r:id="rId26"/>
+    <p:sldId id="378" r:id="rId24"/>
+    <p:sldId id="351" r:id="rId25"/>
+    <p:sldId id="353" r:id="rId26"/>
     <p:sldId id="330" r:id="rId27"/>
     <p:sldId id="368" r:id="rId28"/>
     <p:sldId id="352" r:id="rId29"/>
@@ -24038,7 +24038,7 @@
           <a:graphicData uri="http://schemas.openxmlformats.org/presentationml/2006/ole">
             <mc:AlternateContent xmlns:mc="http://schemas.openxmlformats.org/markup-compatibility/2006">
               <mc:Choice xmlns:v="urn:schemas-microsoft-com:vml" Requires="v">
-                <p:oleObj spid="_x0000_s2134" name="Equation" r:id="rId5" imgW="1002960" imgH="241200" progId="Equation.DSMT4">
+                <p:oleObj spid="_x0000_s2141" name="Equation" r:id="rId5" imgW="1002960" imgH="241200" progId="Equation.DSMT4">
                   <p:embed/>
                 </p:oleObj>
               </mc:Choice>
@@ -24095,7 +24095,7 @@
           <a:graphicData uri="http://schemas.openxmlformats.org/presentationml/2006/ole">
             <mc:AlternateContent xmlns:mc="http://schemas.openxmlformats.org/markup-compatibility/2006">
               <mc:Choice xmlns:v="urn:schemas-microsoft-com:vml" Requires="v">
-                <p:oleObj spid="_x0000_s2135" name="Equation" r:id="rId7" imgW="876240" imgH="241200" progId="Equation.DSMT4">
+                <p:oleObj spid="_x0000_s2142" name="Equation" r:id="rId7" imgW="876240" imgH="241200" progId="Equation.DSMT4">
                   <p:embed/>
                 </p:oleObj>
               </mc:Choice>
@@ -24152,7 +24152,7 @@
           <a:graphicData uri="http://schemas.openxmlformats.org/presentationml/2006/ole">
             <mc:AlternateContent xmlns:mc="http://schemas.openxmlformats.org/markup-compatibility/2006">
               <mc:Choice xmlns:v="urn:schemas-microsoft-com:vml" Requires="v">
-                <p:oleObj spid="_x0000_s2136" name="Equation" r:id="rId9" imgW="1028520" imgH="241200" progId="Equation.DSMT4">
+                <p:oleObj spid="_x0000_s2143" name="Equation" r:id="rId9" imgW="1028520" imgH="241200" progId="Equation.DSMT4">
                   <p:embed/>
                 </p:oleObj>
               </mc:Choice>
@@ -24209,7 +24209,7 @@
           <a:graphicData uri="http://schemas.openxmlformats.org/presentationml/2006/ole">
             <mc:AlternateContent xmlns:mc="http://schemas.openxmlformats.org/markup-compatibility/2006">
               <mc:Choice xmlns:v="urn:schemas-microsoft-com:vml" Requires="v">
-                <p:oleObj spid="_x0000_s2137" name="Equation" r:id="rId11" imgW="914400" imgH="241200" progId="Equation.DSMT4">
+                <p:oleObj spid="_x0000_s2144" name="Equation" r:id="rId11" imgW="914400" imgH="241200" progId="Equation.DSMT4">
                   <p:embed/>
                 </p:oleObj>
               </mc:Choice>
@@ -24266,7 +24266,7 @@
           <a:graphicData uri="http://schemas.openxmlformats.org/presentationml/2006/ole">
             <mc:AlternateContent xmlns:mc="http://schemas.openxmlformats.org/markup-compatibility/2006">
               <mc:Choice xmlns:v="urn:schemas-microsoft-com:vml" Requires="v">
-                <p:oleObj spid="_x0000_s2138" name="Equation" r:id="rId13" imgW="1002960" imgH="241200" progId="Equation.DSMT4">
+                <p:oleObj spid="_x0000_s2145" name="Equation" r:id="rId13" imgW="1002960" imgH="241200" progId="Equation.DSMT4">
                   <p:embed/>
                 </p:oleObj>
               </mc:Choice>
@@ -24323,7 +24323,7 @@
           <a:graphicData uri="http://schemas.openxmlformats.org/presentationml/2006/ole">
             <mc:AlternateContent xmlns:mc="http://schemas.openxmlformats.org/markup-compatibility/2006">
               <mc:Choice xmlns:v="urn:schemas-microsoft-com:vml" Requires="v">
-                <p:oleObj spid="_x0000_s2139" name="Equation" r:id="rId15" imgW="876240" imgH="241200" progId="Equation.DSMT4">
+                <p:oleObj spid="_x0000_s2146" name="Equation" r:id="rId15" imgW="876240" imgH="241200" progId="Equation.DSMT4">
                   <p:embed/>
                 </p:oleObj>
               </mc:Choice>
@@ -24380,7 +24380,7 @@
           <a:graphicData uri="http://schemas.openxmlformats.org/presentationml/2006/ole">
             <mc:AlternateContent xmlns:mc="http://schemas.openxmlformats.org/markup-compatibility/2006">
               <mc:Choice xmlns:v="urn:schemas-microsoft-com:vml" Requires="v">
-                <p:oleObj spid="_x0000_s2140" name="Equation" r:id="rId17" imgW="609480" imgH="241200" progId="Equation.DSMT4">
+                <p:oleObj spid="_x0000_s2147" name="Equation" r:id="rId17" imgW="609480" imgH="241200" progId="Equation.DSMT4">
                   <p:embed/>
                 </p:oleObj>
               </mc:Choice>
@@ -24603,7 +24603,7 @@
           <a:graphicData uri="http://schemas.openxmlformats.org/presentationml/2006/ole">
             <mc:AlternateContent xmlns:mc="http://schemas.openxmlformats.org/markup-compatibility/2006">
               <mc:Choice xmlns:v="urn:schemas-microsoft-com:vml" Requires="v">
-                <p:oleObj spid="_x0000_s3096" name="Equation" r:id="rId4" imgW="1015920" imgH="241200" progId="Equation.DSMT4">
+                <p:oleObj spid="_x0000_s3098" name="Equation" r:id="rId4" imgW="1015920" imgH="241200" progId="Equation.DSMT4">
                   <p:embed/>
                 </p:oleObj>
               </mc:Choice>
@@ -24660,7 +24660,7 @@
           <a:graphicData uri="http://schemas.openxmlformats.org/presentationml/2006/ole">
             <mc:AlternateContent xmlns:mc="http://schemas.openxmlformats.org/markup-compatibility/2006">
               <mc:Choice xmlns:v="urn:schemas-microsoft-com:vml" Requires="v">
-                <p:oleObj spid="_x0000_s3097" name="Equation" r:id="rId6" imgW="876240" imgH="241200" progId="Equation.DSMT4">
+                <p:oleObj spid="_x0000_s3099" name="Equation" r:id="rId6" imgW="876240" imgH="241200" progId="Equation.DSMT4">
                   <p:embed/>
                 </p:oleObj>
               </mc:Choice>
@@ -24931,7 +24931,7 @@
           <a:graphicData uri="http://schemas.openxmlformats.org/presentationml/2006/ole">
             <mc:AlternateContent xmlns:mc="http://schemas.openxmlformats.org/markup-compatibility/2006">
               <mc:Choice xmlns:v="urn:schemas-microsoft-com:vml" Requires="v">
-                <p:oleObj spid="_x0000_s4182" name="Equation" r:id="rId5" imgW="1015920" imgH="241200" progId="Equation.DSMT4">
+                <p:oleObj spid="_x0000_s4189" name="Equation" r:id="rId5" imgW="1015920" imgH="241200" progId="Equation.DSMT4">
                   <p:embed/>
                 </p:oleObj>
               </mc:Choice>
@@ -24988,7 +24988,7 @@
           <a:graphicData uri="http://schemas.openxmlformats.org/presentationml/2006/ole">
             <mc:AlternateContent xmlns:mc="http://schemas.openxmlformats.org/markup-compatibility/2006">
               <mc:Choice xmlns:v="urn:schemas-microsoft-com:vml" Requires="v">
-                <p:oleObj spid="_x0000_s4183" name="Equation" r:id="rId7" imgW="876240" imgH="241200" progId="Equation.DSMT4">
+                <p:oleObj spid="_x0000_s4190" name="Equation" r:id="rId7" imgW="876240" imgH="241200" progId="Equation.DSMT4">
                   <p:embed/>
                 </p:oleObj>
               </mc:Choice>
@@ -25045,7 +25045,7 @@
           <a:graphicData uri="http://schemas.openxmlformats.org/presentationml/2006/ole">
             <mc:AlternateContent xmlns:mc="http://schemas.openxmlformats.org/markup-compatibility/2006">
               <mc:Choice xmlns:v="urn:schemas-microsoft-com:vml" Requires="v">
-                <p:oleObj spid="_x0000_s4184" name="Equation" r:id="rId9" imgW="1028520" imgH="241200" progId="Equation.DSMT4">
+                <p:oleObj spid="_x0000_s4191" name="Equation" r:id="rId9" imgW="1028520" imgH="241200" progId="Equation.DSMT4">
                   <p:embed/>
                 </p:oleObj>
               </mc:Choice>
@@ -25102,7 +25102,7 @@
           <a:graphicData uri="http://schemas.openxmlformats.org/presentationml/2006/ole">
             <mc:AlternateContent xmlns:mc="http://schemas.openxmlformats.org/markup-compatibility/2006">
               <mc:Choice xmlns:v="urn:schemas-microsoft-com:vml" Requires="v">
-                <p:oleObj spid="_x0000_s4185" name="Equation" r:id="rId11" imgW="901440" imgH="241200" progId="Equation.DSMT4">
+                <p:oleObj spid="_x0000_s4192" name="Equation" r:id="rId11" imgW="901440" imgH="241200" progId="Equation.DSMT4">
                   <p:embed/>
                 </p:oleObj>
               </mc:Choice>
@@ -25159,7 +25159,7 @@
           <a:graphicData uri="http://schemas.openxmlformats.org/presentationml/2006/ole">
             <mc:AlternateContent xmlns:mc="http://schemas.openxmlformats.org/markup-compatibility/2006">
               <mc:Choice xmlns:v="urn:schemas-microsoft-com:vml" Requires="v">
-                <p:oleObj spid="_x0000_s4186" name="Equation" r:id="rId13" imgW="1002960" imgH="241200" progId="Equation.DSMT4">
+                <p:oleObj spid="_x0000_s4193" name="Equation" r:id="rId13" imgW="1002960" imgH="241200" progId="Equation.DSMT4">
                   <p:embed/>
                 </p:oleObj>
               </mc:Choice>
@@ -25216,7 +25216,7 @@
           <a:graphicData uri="http://schemas.openxmlformats.org/presentationml/2006/ole">
             <mc:AlternateContent xmlns:mc="http://schemas.openxmlformats.org/markup-compatibility/2006">
               <mc:Choice xmlns:v="urn:schemas-microsoft-com:vml" Requires="v">
-                <p:oleObj spid="_x0000_s4187" name="Equation" r:id="rId15" imgW="876240" imgH="241200" progId="Equation.DSMT4">
+                <p:oleObj spid="_x0000_s4194" name="Equation" r:id="rId15" imgW="876240" imgH="241200" progId="Equation.DSMT4">
                   <p:embed/>
                 </p:oleObj>
               </mc:Choice>
@@ -25267,7 +25267,7 @@
           <a:graphicData uri="http://schemas.openxmlformats.org/presentationml/2006/ole">
             <mc:AlternateContent xmlns:mc="http://schemas.openxmlformats.org/markup-compatibility/2006">
               <mc:Choice xmlns:v="urn:schemas-microsoft-com:vml" Requires="v">
-                <p:oleObj spid="_x0000_s4188" name="Equation" r:id="rId17" imgW="609480" imgH="241200" progId="Equation.DSMT4">
+                <p:oleObj spid="_x0000_s4195" name="Equation" r:id="rId17" imgW="609480" imgH="241200" progId="Equation.DSMT4">
                   <p:embed/>
                 </p:oleObj>
               </mc:Choice>
@@ -25495,7 +25495,7 @@
           <a:graphicData uri="http://schemas.openxmlformats.org/presentationml/2006/ole">
             <mc:AlternateContent xmlns:mc="http://schemas.openxmlformats.org/markup-compatibility/2006">
               <mc:Choice xmlns:v="urn:schemas-microsoft-com:vml" Requires="v">
-                <p:oleObj spid="_x0000_s5134" name="Equation" r:id="rId4" imgW="1041120" imgH="241200" progId="Equation.DSMT4">
+                <p:oleObj spid="_x0000_s5136" name="Equation" r:id="rId4" imgW="1041120" imgH="241200" progId="Equation.DSMT4">
                   <p:embed/>
                 </p:oleObj>
               </mc:Choice>
@@ -25552,7 +25552,7 @@
           <a:graphicData uri="http://schemas.openxmlformats.org/presentationml/2006/ole">
             <mc:AlternateContent xmlns:mc="http://schemas.openxmlformats.org/markup-compatibility/2006">
               <mc:Choice xmlns:v="urn:schemas-microsoft-com:vml" Requires="v">
-                <p:oleObj spid="_x0000_s5135" name="Equation" r:id="rId6" imgW="1358640" imgH="685800" progId="Equation.DSMT4">
+                <p:oleObj spid="_x0000_s5137" name="Equation" r:id="rId6" imgW="1358640" imgH="685800" progId="Equation.DSMT4">
                   <p:embed/>
                 </p:oleObj>
               </mc:Choice>
@@ -26258,13 +26258,13 @@
   <p:clrMapOvr>
     <a:masterClrMapping/>
   </p:clrMapOvr>
-  <mc:AlternateContent xmlns:mc="http://schemas.openxmlformats.org/markup-compatibility/2006">
-    <mc:Choice xmlns:p14="http://schemas.microsoft.com/office/powerpoint/2010/main" Requires="p14">
+  <mc:AlternateContent xmlns:mc="http://schemas.openxmlformats.org/markup-compatibility/2006" xmlns:p14="http://schemas.microsoft.com/office/powerpoint/2010/main">
+    <mc:Choice Requires="p14">
       <p:transition spd="med" p14:dur="700">
         <p:fade/>
       </p:transition>
     </mc:Choice>
-    <mc:Fallback>
+    <mc:Fallback xmlns="">
       <p:transition spd="med">
         <p:fade/>
       </p:transition>
@@ -26521,13 +26521,13 @@
   <p:clrMapOvr>
     <a:masterClrMapping/>
   </p:clrMapOvr>
-  <mc:AlternateContent xmlns:mc="http://schemas.openxmlformats.org/markup-compatibility/2006">
-    <mc:Choice xmlns:p14="http://schemas.microsoft.com/office/powerpoint/2010/main" Requires="p14">
+  <mc:AlternateContent xmlns:mc="http://schemas.openxmlformats.org/markup-compatibility/2006" xmlns:p14="http://schemas.microsoft.com/office/powerpoint/2010/main">
+    <mc:Choice Requires="p14">
       <p:transition spd="med" p14:dur="700">
         <p:fade/>
       </p:transition>
     </mc:Choice>
-    <mc:Fallback>
+    <mc:Fallback xmlns="">
       <p:transition spd="med">
         <p:fade/>
       </p:transition>
@@ -27166,7 +27166,7 @@
           <a:graphicData uri="http://schemas.openxmlformats.org/presentationml/2006/ole">
             <mc:AlternateContent xmlns:mc="http://schemas.openxmlformats.org/markup-compatibility/2006">
               <mc:Choice xmlns:v="urn:schemas-microsoft-com:vml" Requires="v">
-                <p:oleObj spid="_x0000_s9222" name="Equation" r:id="rId4" imgW="1206360" imgH="291960" progId="Equation.DSMT4">
+                <p:oleObj spid="_x0000_s9223" name="Equation" r:id="rId4" imgW="1206360" imgH="291960" progId="Equation.DSMT4">
                   <p:embed/>
                 </p:oleObj>
               </mc:Choice>
@@ -27252,6 +27252,230 @@
       </p:grpSpPr>
       <p:sp>
         <p:nvSpPr>
+          <p:cNvPr id="3" name="投影片編號版面配置區 2"/>
+          <p:cNvSpPr>
+            <a:spLocks noGrp="1"/>
+          </p:cNvSpPr>
+          <p:nvPr>
+            <p:ph type="sldNum" sz="quarter" idx="4"/>
+          </p:nvPr>
+        </p:nvSpPr>
+        <p:spPr/>
+        <p:txBody>
+          <a:bodyPr/>
+          <a:lstStyle/>
+          <a:p>
+            <a:fld id="{6F0746BA-D1AA-4FF4-8D48-BDBC7FF48778}" type="slidenum">
+              <a:rPr lang="fr-FR" smtClean="0"/>
+              <a:t>20</a:t>
+            </a:fld>
+            <a:endParaRPr lang="fr-FR"/>
+          </a:p>
+        </p:txBody>
+      </p:sp>
+      <p:pic>
+        <p:nvPicPr>
+          <p:cNvPr id="4" name="圖片 3"/>
+          <p:cNvPicPr>
+            <a:picLocks noChangeAspect="1"/>
+          </p:cNvPicPr>
+          <p:nvPr/>
+        </p:nvPicPr>
+        <p:blipFill>
+          <a:blip r:embed="rId2">
+            <a:clrChange>
+              <a:clrFrom>
+                <a:srgbClr val="FFFFFF"/>
+              </a:clrFrom>
+              <a:clrTo>
+                <a:srgbClr val="FFFFFF">
+                  <a:alpha val="0"/>
+                </a:srgbClr>
+              </a:clrTo>
+            </a:clrChange>
+          </a:blip>
+          <a:stretch>
+            <a:fillRect/>
+          </a:stretch>
+        </p:blipFill>
+        <p:spPr>
+          <a:xfrm>
+            <a:off x="2696572" y="3429001"/>
+            <a:ext cx="6689822" cy="3429000"/>
+          </a:xfrm>
+          <a:prstGeom prst="rect">
+            <a:avLst/>
+          </a:prstGeom>
+        </p:spPr>
+      </p:pic>
+      <p:pic>
+        <p:nvPicPr>
+          <p:cNvPr id="5" name="圖片 4"/>
+          <p:cNvPicPr>
+            <a:picLocks noChangeAspect="1"/>
+          </p:cNvPicPr>
+          <p:nvPr/>
+        </p:nvPicPr>
+        <p:blipFill>
+          <a:blip r:embed="rId3">
+            <a:clrChange>
+              <a:clrFrom>
+                <a:srgbClr val="FFFFFF"/>
+              </a:clrFrom>
+              <a:clrTo>
+                <a:srgbClr val="FFFFFF">
+                  <a:alpha val="0"/>
+                </a:srgbClr>
+              </a:clrTo>
+            </a:clrChange>
+          </a:blip>
+          <a:stretch>
+            <a:fillRect/>
+          </a:stretch>
+        </p:blipFill>
+        <p:spPr>
+          <a:xfrm>
+            <a:off x="2763142" y="0"/>
+            <a:ext cx="6580720" cy="3428999"/>
+          </a:xfrm>
+          <a:prstGeom prst="rect">
+            <a:avLst/>
+          </a:prstGeom>
+        </p:spPr>
+      </p:pic>
+      <p:sp>
+        <p:nvSpPr>
+          <p:cNvPr id="6" name="文字方塊 5"/>
+          <p:cNvSpPr txBox="1"/>
+          <p:nvPr/>
+        </p:nvSpPr>
+        <p:spPr>
+          <a:xfrm>
+            <a:off x="1244011" y="1775638"/>
+            <a:ext cx="533159" cy="427425"/>
+          </a:xfrm>
+          <a:prstGeom prst="rect">
+            <a:avLst/>
+          </a:prstGeom>
+          <a:noFill/>
+        </p:spPr>
+        <p:txBody>
+          <a:bodyPr wrap="none" lIns="0" rtlCol="0" anchor="t">
+            <a:spAutoFit/>
+          </a:bodyPr>
+          <a:lstStyle/>
+          <a:p>
+            <a:pPr algn="l">
+              <a:lnSpc>
+                <a:spcPct val="120000"/>
+              </a:lnSpc>
+            </a:pPr>
+            <a:r>
+              <a:rPr lang="en-US" altLang="zh-TW" sz="2000" dirty="0" smtClean="0">
+                <a:latin typeface="Segoe UI Light" panose="020B0502040204020203" pitchFamily="34" charset="0"/>
+                <a:cs typeface="Segoe UI Light" panose="020B0502040204020203" pitchFamily="34" charset="0"/>
+              </a:rPr>
+              <a:t>DBE</a:t>
+            </a:r>
+            <a:endParaRPr lang="zh-TW" altLang="en-US" sz="2000" dirty="0" smtClean="0">
+              <a:latin typeface="Segoe UI Light" panose="020B0502040204020203" pitchFamily="34" charset="0"/>
+              <a:cs typeface="Segoe UI Light" panose="020B0502040204020203" pitchFamily="34" charset="0"/>
+            </a:endParaRPr>
+          </a:p>
+        </p:txBody>
+      </p:sp>
+      <p:sp>
+        <p:nvSpPr>
+          <p:cNvPr id="7" name="文字方塊 6"/>
+          <p:cNvSpPr txBox="1"/>
+          <p:nvPr/>
+        </p:nvSpPr>
+        <p:spPr>
+          <a:xfrm>
+            <a:off x="1184700" y="4662910"/>
+            <a:ext cx="592470" cy="427425"/>
+          </a:xfrm>
+          <a:prstGeom prst="rect">
+            <a:avLst/>
+          </a:prstGeom>
+          <a:noFill/>
+        </p:spPr>
+        <p:txBody>
+          <a:bodyPr wrap="none" lIns="0" rtlCol="0" anchor="t">
+            <a:spAutoFit/>
+          </a:bodyPr>
+          <a:lstStyle/>
+          <a:p>
+            <a:pPr algn="l">
+              <a:lnSpc>
+                <a:spcPct val="120000"/>
+              </a:lnSpc>
+            </a:pPr>
+            <a:r>
+              <a:rPr lang="en-US" altLang="zh-TW" sz="2000" dirty="0" smtClean="0">
+                <a:latin typeface="Segoe UI Light" panose="020B0502040204020203" pitchFamily="34" charset="0"/>
+                <a:cs typeface="Segoe UI Light" panose="020B0502040204020203" pitchFamily="34" charset="0"/>
+              </a:rPr>
+              <a:t>MCE</a:t>
+            </a:r>
+            <a:endParaRPr lang="zh-TW" altLang="en-US" sz="2000" dirty="0" smtClean="0">
+              <a:latin typeface="Segoe UI Light" panose="020B0502040204020203" pitchFamily="34" charset="0"/>
+              <a:cs typeface="Segoe UI Light" panose="020B0502040204020203" pitchFamily="34" charset="0"/>
+            </a:endParaRPr>
+          </a:p>
+        </p:txBody>
+      </p:sp>
+    </p:spTree>
+    <p:extLst>
+      <p:ext uri="{BB962C8B-B14F-4D97-AF65-F5344CB8AC3E}">
+        <p14:creationId xmlns:p14="http://schemas.microsoft.com/office/powerpoint/2010/main" val="3498751177"/>
+      </p:ext>
+    </p:extLst>
+  </p:cSld>
+  <p:clrMapOvr>
+    <a:masterClrMapping/>
+  </p:clrMapOvr>
+  <mc:AlternateContent xmlns:mc="http://schemas.openxmlformats.org/markup-compatibility/2006" xmlns:p14="http://schemas.microsoft.com/office/powerpoint/2010/main">
+    <mc:Choice Requires="p14">
+      <p:transition spd="med" p14:dur="700">
+        <p:fade/>
+      </p:transition>
+    </mc:Choice>
+    <mc:Fallback xmlns="">
+      <p:transition spd="med">
+        <p:fade/>
+      </p:transition>
+    </mc:Fallback>
+  </mc:AlternateContent>
+  <p:timing>
+    <p:tnLst>
+      <p:par>
+        <p:cTn id="1" dur="indefinite" restart="never" nodeType="tmRoot"/>
+      </p:par>
+    </p:tnLst>
+  </p:timing>
+</p:sld>
+</file>
+
+<file path=ppt/slides/slide21.xml><?xml version="1.0" encoding="utf-8"?>
+<p:sld xmlns:a="http://schemas.openxmlformats.org/drawingml/2006/main" xmlns:r="http://schemas.openxmlformats.org/officeDocument/2006/relationships" xmlns:p="http://schemas.openxmlformats.org/presentationml/2006/main">
+  <p:cSld>
+    <p:spTree>
+      <p:nvGrpSpPr>
+        <p:cNvPr id="1" name=""/>
+        <p:cNvGrpSpPr/>
+        <p:nvPr/>
+      </p:nvGrpSpPr>
+      <p:grpSpPr>
+        <a:xfrm>
+          <a:off x="0" y="0"/>
+          <a:ext cx="0" cy="0"/>
+          <a:chOff x="0" y="0"/>
+          <a:chExt cx="0" cy="0"/>
+        </a:xfrm>
+      </p:grpSpPr>
+      <p:sp>
+        <p:nvSpPr>
           <p:cNvPr id="2" name="文字版面配置區 1"/>
           <p:cNvSpPr>
             <a:spLocks noGrp="1"/>
@@ -27303,7 +27527,7 @@
           <a:p>
             <a:fld id="{6F0746BA-D1AA-4FF4-8D48-BDBC7FF48778}" type="slidenum">
               <a:rPr lang="fr-FR" smtClean="0"/>
-              <a:t>20</a:t>
+              <a:t>21</a:t>
             </a:fld>
             <a:endParaRPr lang="fr-FR"/>
           </a:p>
@@ -27411,7 +27635,7 @@
 </p:sld>
 </file>
 
-<file path=ppt/slides/slide21.xml><?xml version="1.0" encoding="utf-8"?>
+<file path=ppt/slides/slide22.xml><?xml version="1.0" encoding="utf-8"?>
 <p:sld xmlns:a="http://schemas.openxmlformats.org/drawingml/2006/main" xmlns:r="http://schemas.openxmlformats.org/officeDocument/2006/relationships" xmlns:p="http://schemas.openxmlformats.org/presentationml/2006/main">
   <p:cSld>
     <p:spTree>
@@ -27468,7 +27692,7 @@
           <a:p>
             <a:fld id="{6F0746BA-D1AA-4FF4-8D48-BDBC7FF48778}" type="slidenum">
               <a:rPr lang="fr-FR" smtClean="0"/>
-              <a:t>21</a:t>
+              <a:t>22</a:t>
             </a:fld>
             <a:endParaRPr lang="fr-FR"/>
           </a:p>
@@ -27548,230 +27772,6 @@
     <p:extLst>
       <p:ext uri="{BB962C8B-B14F-4D97-AF65-F5344CB8AC3E}">
         <p14:creationId xmlns:p14="http://schemas.microsoft.com/office/powerpoint/2010/main" val="3926779687"/>
-      </p:ext>
-    </p:extLst>
-  </p:cSld>
-  <p:clrMapOvr>
-    <a:masterClrMapping/>
-  </p:clrMapOvr>
-  <mc:AlternateContent xmlns:mc="http://schemas.openxmlformats.org/markup-compatibility/2006" xmlns:p14="http://schemas.microsoft.com/office/powerpoint/2010/main">
-    <mc:Choice Requires="p14">
-      <p:transition spd="med" p14:dur="700">
-        <p:fade/>
-      </p:transition>
-    </mc:Choice>
-    <mc:Fallback xmlns="">
-      <p:transition spd="med">
-        <p:fade/>
-      </p:transition>
-    </mc:Fallback>
-  </mc:AlternateContent>
-  <p:timing>
-    <p:tnLst>
-      <p:par>
-        <p:cTn id="1" dur="indefinite" restart="never" nodeType="tmRoot"/>
-      </p:par>
-    </p:tnLst>
-  </p:timing>
-</p:sld>
-</file>
-
-<file path=ppt/slides/slide22.xml><?xml version="1.0" encoding="utf-8"?>
-<p:sld xmlns:a="http://schemas.openxmlformats.org/drawingml/2006/main" xmlns:r="http://schemas.openxmlformats.org/officeDocument/2006/relationships" xmlns:p="http://schemas.openxmlformats.org/presentationml/2006/main">
-  <p:cSld>
-    <p:spTree>
-      <p:nvGrpSpPr>
-        <p:cNvPr id="1" name=""/>
-        <p:cNvGrpSpPr/>
-        <p:nvPr/>
-      </p:nvGrpSpPr>
-      <p:grpSpPr>
-        <a:xfrm>
-          <a:off x="0" y="0"/>
-          <a:ext cx="0" cy="0"/>
-          <a:chOff x="0" y="0"/>
-          <a:chExt cx="0" cy="0"/>
-        </a:xfrm>
-      </p:grpSpPr>
-      <p:sp>
-        <p:nvSpPr>
-          <p:cNvPr id="3" name="投影片編號版面配置區 2"/>
-          <p:cNvSpPr>
-            <a:spLocks noGrp="1"/>
-          </p:cNvSpPr>
-          <p:nvPr>
-            <p:ph type="sldNum" sz="quarter" idx="4"/>
-          </p:nvPr>
-        </p:nvSpPr>
-        <p:spPr/>
-        <p:txBody>
-          <a:bodyPr/>
-          <a:lstStyle/>
-          <a:p>
-            <a:fld id="{6F0746BA-D1AA-4FF4-8D48-BDBC7FF48778}" type="slidenum">
-              <a:rPr lang="fr-FR" smtClean="0"/>
-              <a:t>22</a:t>
-            </a:fld>
-            <a:endParaRPr lang="fr-FR"/>
-          </a:p>
-        </p:txBody>
-      </p:sp>
-      <p:pic>
-        <p:nvPicPr>
-          <p:cNvPr id="4" name="圖片 3"/>
-          <p:cNvPicPr>
-            <a:picLocks noChangeAspect="1"/>
-          </p:cNvPicPr>
-          <p:nvPr/>
-        </p:nvPicPr>
-        <p:blipFill>
-          <a:blip r:embed="rId2">
-            <a:clrChange>
-              <a:clrFrom>
-                <a:srgbClr val="FFFFFF"/>
-              </a:clrFrom>
-              <a:clrTo>
-                <a:srgbClr val="FFFFFF">
-                  <a:alpha val="0"/>
-                </a:srgbClr>
-              </a:clrTo>
-            </a:clrChange>
-          </a:blip>
-          <a:stretch>
-            <a:fillRect/>
-          </a:stretch>
-        </p:blipFill>
-        <p:spPr>
-          <a:xfrm>
-            <a:off x="2702919" y="1"/>
-            <a:ext cx="6689822" cy="3429000"/>
-          </a:xfrm>
-          <a:prstGeom prst="rect">
-            <a:avLst/>
-          </a:prstGeom>
-        </p:spPr>
-      </p:pic>
-      <p:pic>
-        <p:nvPicPr>
-          <p:cNvPr id="5" name="圖片 4"/>
-          <p:cNvPicPr>
-            <a:picLocks noChangeAspect="1"/>
-          </p:cNvPicPr>
-          <p:nvPr/>
-        </p:nvPicPr>
-        <p:blipFill>
-          <a:blip r:embed="rId3">
-            <a:clrChange>
-              <a:clrFrom>
-                <a:srgbClr val="FFFFFF"/>
-              </a:clrFrom>
-              <a:clrTo>
-                <a:srgbClr val="FFFFFF">
-                  <a:alpha val="0"/>
-                </a:srgbClr>
-              </a:clrTo>
-            </a:clrChange>
-          </a:blip>
-          <a:stretch>
-            <a:fillRect/>
-          </a:stretch>
-        </p:blipFill>
-        <p:spPr>
-          <a:xfrm>
-            <a:off x="2751123" y="3429001"/>
-            <a:ext cx="6580720" cy="3428999"/>
-          </a:xfrm>
-          <a:prstGeom prst="rect">
-            <a:avLst/>
-          </a:prstGeom>
-        </p:spPr>
-      </p:pic>
-      <p:sp>
-        <p:nvSpPr>
-          <p:cNvPr id="6" name="文字方塊 5"/>
-          <p:cNvSpPr txBox="1"/>
-          <p:nvPr/>
-        </p:nvSpPr>
-        <p:spPr>
-          <a:xfrm>
-            <a:off x="1244011" y="1775638"/>
-            <a:ext cx="533159" cy="427425"/>
-          </a:xfrm>
-          <a:prstGeom prst="rect">
-            <a:avLst/>
-          </a:prstGeom>
-          <a:noFill/>
-        </p:spPr>
-        <p:txBody>
-          <a:bodyPr wrap="none" lIns="0" rtlCol="0" anchor="t">
-            <a:spAutoFit/>
-          </a:bodyPr>
-          <a:lstStyle/>
-          <a:p>
-            <a:pPr algn="l">
-              <a:lnSpc>
-                <a:spcPct val="120000"/>
-              </a:lnSpc>
-            </a:pPr>
-            <a:r>
-              <a:rPr lang="en-US" altLang="zh-TW" sz="2000" dirty="0" smtClean="0">
-                <a:latin typeface="Segoe UI Light" panose="020B0502040204020203" pitchFamily="34" charset="0"/>
-                <a:cs typeface="Segoe UI Light" panose="020B0502040204020203" pitchFamily="34" charset="0"/>
-              </a:rPr>
-              <a:t>DBE</a:t>
-            </a:r>
-            <a:endParaRPr lang="zh-TW" altLang="en-US" sz="2000" dirty="0" smtClean="0">
-              <a:latin typeface="Segoe UI Light" panose="020B0502040204020203" pitchFamily="34" charset="0"/>
-              <a:cs typeface="Segoe UI Light" panose="020B0502040204020203" pitchFamily="34" charset="0"/>
-            </a:endParaRPr>
-          </a:p>
-        </p:txBody>
-      </p:sp>
-      <p:sp>
-        <p:nvSpPr>
-          <p:cNvPr id="7" name="文字方塊 6"/>
-          <p:cNvSpPr txBox="1"/>
-          <p:nvPr/>
-        </p:nvSpPr>
-        <p:spPr>
-          <a:xfrm>
-            <a:off x="1184700" y="4662910"/>
-            <a:ext cx="592470" cy="427425"/>
-          </a:xfrm>
-          <a:prstGeom prst="rect">
-            <a:avLst/>
-          </a:prstGeom>
-          <a:noFill/>
-        </p:spPr>
-        <p:txBody>
-          <a:bodyPr wrap="none" lIns="0" rtlCol="0" anchor="t">
-            <a:spAutoFit/>
-          </a:bodyPr>
-          <a:lstStyle/>
-          <a:p>
-            <a:pPr algn="l">
-              <a:lnSpc>
-                <a:spcPct val="120000"/>
-              </a:lnSpc>
-            </a:pPr>
-            <a:r>
-              <a:rPr lang="en-US" altLang="zh-TW" sz="2000" dirty="0" smtClean="0">
-                <a:latin typeface="Segoe UI Light" panose="020B0502040204020203" pitchFamily="34" charset="0"/>
-                <a:cs typeface="Segoe UI Light" panose="020B0502040204020203" pitchFamily="34" charset="0"/>
-              </a:rPr>
-              <a:t>MCE</a:t>
-            </a:r>
-            <a:endParaRPr lang="zh-TW" altLang="en-US" sz="2000" dirty="0" smtClean="0">
-              <a:latin typeface="Segoe UI Light" panose="020B0502040204020203" pitchFamily="34" charset="0"/>
-              <a:cs typeface="Segoe UI Light" panose="020B0502040204020203" pitchFamily="34" charset="0"/>
-            </a:endParaRPr>
-          </a:p>
-        </p:txBody>
-      </p:sp>
-    </p:spTree>
-    <p:extLst>
-      <p:ext uri="{BB962C8B-B14F-4D97-AF65-F5344CB8AC3E}">
-        <p14:creationId xmlns:p14="http://schemas.microsoft.com/office/powerpoint/2010/main" val="3498751177"/>
       </p:ext>
     </p:extLst>
   </p:cSld>
@@ -28445,21 +28445,7 @@
                 <a:latin typeface="Segoe UI Light" panose="020B0502040204020203" pitchFamily="34" charset="0"/>
                 <a:cs typeface="Segoe UI Light" panose="020B0502040204020203" pitchFamily="34" charset="0"/>
               </a:rPr>
-              <a:t>Min </a:t>
-            </a:r>
-            <a:r>
-              <a:rPr lang="en-US" altLang="zh-TW" sz="2000" dirty="0" smtClean="0">
-                <a:latin typeface="Segoe UI Light" panose="020B0502040204020203" pitchFamily="34" charset="0"/>
-                <a:cs typeface="Segoe UI Light" panose="020B0502040204020203" pitchFamily="34" charset="0"/>
-              </a:rPr>
-              <a:t>11 </a:t>
-            </a:r>
-            <a:r>
-              <a:rPr lang="en-US" altLang="zh-TW" sz="2000" dirty="0" smtClean="0">
-                <a:latin typeface="Segoe UI Light" panose="020B0502040204020203" pitchFamily="34" charset="0"/>
-                <a:cs typeface="Segoe UI Light" panose="020B0502040204020203" pitchFamily="34" charset="0"/>
-              </a:rPr>
-              <a:t>ratio and no same earthquake </a:t>
+              <a:t>Min 11 ratio and no same earthquake </a:t>
             </a:r>
             <a:endParaRPr lang="zh-TW" altLang="en-US" sz="2000" dirty="0" smtClean="0">
               <a:latin typeface="Segoe UI Light" panose="020B0502040204020203" pitchFamily="34" charset="0"/>
@@ -30684,10 +30670,6 @@
               </a:rPr>
               <a:t>鋼筋比</a:t>
             </a:r>
-            <a:endParaRPr lang="zh-TW" altLang="en-US" sz="2000" dirty="0" smtClean="0">
-              <a:latin typeface="Segoe UI Light" panose="020B0502040204020203" pitchFamily="34" charset="0"/>
-              <a:cs typeface="Segoe UI Light" panose="020B0502040204020203" pitchFamily="34" charset="0"/>
-            </a:endParaRPr>
           </a:p>
         </p:txBody>
       </p:sp>
@@ -31460,7 +31442,7 @@
           <a:graphicData uri="http://schemas.openxmlformats.org/presentationml/2006/ole">
             <mc:AlternateContent xmlns:mc="http://schemas.openxmlformats.org/markup-compatibility/2006">
               <mc:Choice xmlns:v="urn:schemas-microsoft-com:vml" Requires="v">
-                <p:oleObj spid="_x0000_s10246" name="Equation" r:id="rId7" imgW="1358640" imgH="685800" progId="Equation.DSMT4">
+                <p:oleObj spid="_x0000_s10247" name="Equation" r:id="rId7" imgW="1358640" imgH="685800" progId="Equation.DSMT4">
                   <p:embed/>
                 </p:oleObj>
               </mc:Choice>
@@ -31652,7 +31634,7 @@
           <a:graphicData uri="http://schemas.openxmlformats.org/presentationml/2006/ole">
             <mc:AlternateContent xmlns:mc="http://schemas.openxmlformats.org/markup-compatibility/2006">
               <mc:Choice xmlns:v="urn:schemas-microsoft-com:vml" Requires="v">
-                <p:oleObj spid="_x0000_s1062" name="Equation" r:id="rId4" imgW="1002960" imgH="241200" progId="Equation.DSMT4">
+                <p:oleObj spid="_x0000_s1064" name="Equation" r:id="rId4" imgW="1002960" imgH="241200" progId="Equation.DSMT4">
                   <p:embed/>
                 </p:oleObj>
               </mc:Choice>
@@ -31709,7 +31691,7 @@
           <a:graphicData uri="http://schemas.openxmlformats.org/presentationml/2006/ole">
             <mc:AlternateContent xmlns:mc="http://schemas.openxmlformats.org/markup-compatibility/2006">
               <mc:Choice xmlns:v="urn:schemas-microsoft-com:vml" Requires="v">
-                <p:oleObj spid="_x0000_s1063" name="Equation" r:id="rId6" imgW="876240" imgH="241200" progId="Equation.DSMT4">
+                <p:oleObj spid="_x0000_s1065" name="Equation" r:id="rId6" imgW="876240" imgH="241200" progId="Equation.DSMT4">
                   <p:embed/>
                 </p:oleObj>
               </mc:Choice>
@@ -32382,15 +32364,6 @@
 </file>
 
 <file path=customXml/item1.xml><?xml version="1.0" encoding="utf-8"?>
-<?mso-contentType ?>
-<FormTemplates xmlns="http://schemas.microsoft.com/sharepoint/v3/contenttype/forms">
-  <Display>DocumentLibraryForm</Display>
-  <Edit>DocumentLibraryForm</Edit>
-  <New>DocumentLibraryForm</New>
-</FormTemplates>
-</file>
-
-<file path=customXml/item2.xml><?xml version="1.0" encoding="utf-8"?>
 <ct:contentTypeSchema xmlns:ct="http://schemas.microsoft.com/office/2006/metadata/contentType" xmlns:ma="http://schemas.microsoft.com/office/2006/metadata/properties/metaAttributes" ct:_="" ma:_="" ma:contentTypeName="Document" ma:contentTypeID="0x01010005FA520563873D4EB8CBD5344A351BEB" ma:contentTypeVersion="0" ma:contentTypeDescription="Crée un document." ma:contentTypeScope="" ma:versionID="005ce72954985de94fc750614f2007cc">
   <xsd:schema xmlns:xsd="http://www.w3.org/2001/XMLSchema" xmlns:xs="http://www.w3.org/2001/XMLSchema" xmlns:p="http://schemas.microsoft.com/office/2006/metadata/properties" targetNamespace="http://schemas.microsoft.com/office/2006/metadata/properties" ma:root="true" ma:fieldsID="36883d0f3030e52908f9a4448a35c02a">
     <xsd:element name="properties">
@@ -32504,6 +32477,15 @@
 </ct:contentTypeSchema>
 </file>
 
+<file path=customXml/item2.xml><?xml version="1.0" encoding="utf-8"?>
+<?mso-contentType ?>
+<FormTemplates xmlns="http://schemas.microsoft.com/sharepoint/v3/contenttype/forms">
+  <Display>DocumentLibraryForm</Display>
+  <Edit>DocumentLibraryForm</Edit>
+  <New>DocumentLibraryForm</New>
+</FormTemplates>
+</file>
+
 <file path=customXml/item3.xml><?xml version="1.0" encoding="utf-8"?>
 <p:properties xmlns:p="http://schemas.microsoft.com/office/2006/metadata/properties" xmlns:xsi="http://www.w3.org/2001/XMLSchema-instance" xmlns:pc="http://schemas.microsoft.com/office/infopath/2007/PartnerControls">
   <documentManagement/>
@@ -32511,14 +32493,6 @@
 </file>
 
 <file path=customXml/itemProps1.xml><?xml version="1.0" encoding="utf-8"?>
-<ds:datastoreItem xmlns:ds="http://schemas.openxmlformats.org/officeDocument/2006/customXml" ds:itemID="{95457E87-E546-449E-A4D1-371201992E58}">
-  <ds:schemaRefs>
-    <ds:schemaRef ds:uri="http://schemas.microsoft.com/sharepoint/v3/contenttype/forms"/>
-  </ds:schemaRefs>
-</ds:datastoreItem>
-</file>
-
-<file path=customXml/itemProps2.xml><?xml version="1.0" encoding="utf-8"?>
 <ds:datastoreItem xmlns:ds="http://schemas.openxmlformats.org/officeDocument/2006/customXml" ds:itemID="{FF14EDAB-351E-4851-B148-260C81C296AA}">
   <ds:schemaRefs>
     <ds:schemaRef ds:uri="http://schemas.microsoft.com/office/2006/metadata/contentType"/>
@@ -32530,6 +32504,14 @@
     <ds:schemaRef ds:uri="http://purl.org/dc/terms/"/>
     <ds:schemaRef ds:uri="http://schemas.microsoft.com/internal/obd"/>
     <ds:schemaRef ds:uri="http://schemas.microsoft.com/office/infopath/2007/PartnerControls"/>
+  </ds:schemaRefs>
+</ds:datastoreItem>
+</file>
+
+<file path=customXml/itemProps2.xml><?xml version="1.0" encoding="utf-8"?>
+<ds:datastoreItem xmlns:ds="http://schemas.openxmlformats.org/officeDocument/2006/customXml" ds:itemID="{95457E87-E546-449E-A4D1-371201992E58}">
+  <ds:schemaRefs>
+    <ds:schemaRef ds:uri="http://schemas.microsoft.com/sharepoint/v3/contenttype/forms"/>
   </ds:schemaRefs>
 </ds:datastoreItem>
 </file>

--- a/Meeting/20190516 Meeting/20190516 Meeting.pptx
+++ b/Meeting/20190516 Meeting/20190516 Meeting.pptx
@@ -24038,7 +24038,7 @@
           <a:graphicData uri="http://schemas.openxmlformats.org/presentationml/2006/ole">
             <mc:AlternateContent xmlns:mc="http://schemas.openxmlformats.org/markup-compatibility/2006">
               <mc:Choice xmlns:v="urn:schemas-microsoft-com:vml" Requires="v">
-                <p:oleObj spid="_x0000_s2141" name="Equation" r:id="rId5" imgW="1002960" imgH="241200" progId="Equation.DSMT4">
+                <p:oleObj spid="_x0000_s2155" name="Equation" r:id="rId5" imgW="1002960" imgH="241200" progId="Equation.DSMT4">
                   <p:embed/>
                 </p:oleObj>
               </mc:Choice>
@@ -24095,7 +24095,7 @@
           <a:graphicData uri="http://schemas.openxmlformats.org/presentationml/2006/ole">
             <mc:AlternateContent xmlns:mc="http://schemas.openxmlformats.org/markup-compatibility/2006">
               <mc:Choice xmlns:v="urn:schemas-microsoft-com:vml" Requires="v">
-                <p:oleObj spid="_x0000_s2142" name="Equation" r:id="rId7" imgW="876240" imgH="241200" progId="Equation.DSMT4">
+                <p:oleObj spid="_x0000_s2156" name="Equation" r:id="rId7" imgW="876240" imgH="241200" progId="Equation.DSMT4">
                   <p:embed/>
                 </p:oleObj>
               </mc:Choice>
@@ -24152,7 +24152,7 @@
           <a:graphicData uri="http://schemas.openxmlformats.org/presentationml/2006/ole">
             <mc:AlternateContent xmlns:mc="http://schemas.openxmlformats.org/markup-compatibility/2006">
               <mc:Choice xmlns:v="urn:schemas-microsoft-com:vml" Requires="v">
-                <p:oleObj spid="_x0000_s2143" name="Equation" r:id="rId9" imgW="1028520" imgH="241200" progId="Equation.DSMT4">
+                <p:oleObj spid="_x0000_s2157" name="Equation" r:id="rId9" imgW="1028520" imgH="241200" progId="Equation.DSMT4">
                   <p:embed/>
                 </p:oleObj>
               </mc:Choice>
@@ -24209,7 +24209,7 @@
           <a:graphicData uri="http://schemas.openxmlformats.org/presentationml/2006/ole">
             <mc:AlternateContent xmlns:mc="http://schemas.openxmlformats.org/markup-compatibility/2006">
               <mc:Choice xmlns:v="urn:schemas-microsoft-com:vml" Requires="v">
-                <p:oleObj spid="_x0000_s2144" name="Equation" r:id="rId11" imgW="914400" imgH="241200" progId="Equation.DSMT4">
+                <p:oleObj spid="_x0000_s2158" name="Equation" r:id="rId11" imgW="914400" imgH="241200" progId="Equation.DSMT4">
                   <p:embed/>
                 </p:oleObj>
               </mc:Choice>
@@ -24266,7 +24266,7 @@
           <a:graphicData uri="http://schemas.openxmlformats.org/presentationml/2006/ole">
             <mc:AlternateContent xmlns:mc="http://schemas.openxmlformats.org/markup-compatibility/2006">
               <mc:Choice xmlns:v="urn:schemas-microsoft-com:vml" Requires="v">
-                <p:oleObj spid="_x0000_s2145" name="Equation" r:id="rId13" imgW="1002960" imgH="241200" progId="Equation.DSMT4">
+                <p:oleObj spid="_x0000_s2159" name="Equation" r:id="rId13" imgW="1002960" imgH="241200" progId="Equation.DSMT4">
                   <p:embed/>
                 </p:oleObj>
               </mc:Choice>
@@ -24323,7 +24323,7 @@
           <a:graphicData uri="http://schemas.openxmlformats.org/presentationml/2006/ole">
             <mc:AlternateContent xmlns:mc="http://schemas.openxmlformats.org/markup-compatibility/2006">
               <mc:Choice xmlns:v="urn:schemas-microsoft-com:vml" Requires="v">
-                <p:oleObj spid="_x0000_s2146" name="Equation" r:id="rId15" imgW="876240" imgH="241200" progId="Equation.DSMT4">
+                <p:oleObj spid="_x0000_s2160" name="Equation" r:id="rId15" imgW="876240" imgH="241200" progId="Equation.DSMT4">
                   <p:embed/>
                 </p:oleObj>
               </mc:Choice>
@@ -24380,7 +24380,7 @@
           <a:graphicData uri="http://schemas.openxmlformats.org/presentationml/2006/ole">
             <mc:AlternateContent xmlns:mc="http://schemas.openxmlformats.org/markup-compatibility/2006">
               <mc:Choice xmlns:v="urn:schemas-microsoft-com:vml" Requires="v">
-                <p:oleObj spid="_x0000_s2147" name="Equation" r:id="rId17" imgW="609480" imgH="241200" progId="Equation.DSMT4">
+                <p:oleObj spid="_x0000_s2161" name="Equation" r:id="rId17" imgW="609480" imgH="241200" progId="Equation.DSMT4">
                   <p:embed/>
                 </p:oleObj>
               </mc:Choice>
@@ -24603,7 +24603,7 @@
           <a:graphicData uri="http://schemas.openxmlformats.org/presentationml/2006/ole">
             <mc:AlternateContent xmlns:mc="http://schemas.openxmlformats.org/markup-compatibility/2006">
               <mc:Choice xmlns:v="urn:schemas-microsoft-com:vml" Requires="v">
-                <p:oleObj spid="_x0000_s3098" name="Equation" r:id="rId4" imgW="1015920" imgH="241200" progId="Equation.DSMT4">
+                <p:oleObj spid="_x0000_s3102" name="Equation" r:id="rId4" imgW="1015920" imgH="241200" progId="Equation.DSMT4">
                   <p:embed/>
                 </p:oleObj>
               </mc:Choice>
@@ -24660,7 +24660,7 @@
           <a:graphicData uri="http://schemas.openxmlformats.org/presentationml/2006/ole">
             <mc:AlternateContent xmlns:mc="http://schemas.openxmlformats.org/markup-compatibility/2006">
               <mc:Choice xmlns:v="urn:schemas-microsoft-com:vml" Requires="v">
-                <p:oleObj spid="_x0000_s3099" name="Equation" r:id="rId6" imgW="876240" imgH="241200" progId="Equation.DSMT4">
+                <p:oleObj spid="_x0000_s3103" name="Equation" r:id="rId6" imgW="876240" imgH="241200" progId="Equation.DSMT4">
                   <p:embed/>
                 </p:oleObj>
               </mc:Choice>
@@ -24931,7 +24931,7 @@
           <a:graphicData uri="http://schemas.openxmlformats.org/presentationml/2006/ole">
             <mc:AlternateContent xmlns:mc="http://schemas.openxmlformats.org/markup-compatibility/2006">
               <mc:Choice xmlns:v="urn:schemas-microsoft-com:vml" Requires="v">
-                <p:oleObj spid="_x0000_s4189" name="Equation" r:id="rId5" imgW="1015920" imgH="241200" progId="Equation.DSMT4">
+                <p:oleObj spid="_x0000_s4203" name="Equation" r:id="rId5" imgW="1015920" imgH="241200" progId="Equation.DSMT4">
                   <p:embed/>
                 </p:oleObj>
               </mc:Choice>
@@ -24988,7 +24988,7 @@
           <a:graphicData uri="http://schemas.openxmlformats.org/presentationml/2006/ole">
             <mc:AlternateContent xmlns:mc="http://schemas.openxmlformats.org/markup-compatibility/2006">
               <mc:Choice xmlns:v="urn:schemas-microsoft-com:vml" Requires="v">
-                <p:oleObj spid="_x0000_s4190" name="Equation" r:id="rId7" imgW="876240" imgH="241200" progId="Equation.DSMT4">
+                <p:oleObj spid="_x0000_s4204" name="Equation" r:id="rId7" imgW="876240" imgH="241200" progId="Equation.DSMT4">
                   <p:embed/>
                 </p:oleObj>
               </mc:Choice>
@@ -25045,7 +25045,7 @@
           <a:graphicData uri="http://schemas.openxmlformats.org/presentationml/2006/ole">
             <mc:AlternateContent xmlns:mc="http://schemas.openxmlformats.org/markup-compatibility/2006">
               <mc:Choice xmlns:v="urn:schemas-microsoft-com:vml" Requires="v">
-                <p:oleObj spid="_x0000_s4191" name="Equation" r:id="rId9" imgW="1028520" imgH="241200" progId="Equation.DSMT4">
+                <p:oleObj spid="_x0000_s4205" name="Equation" r:id="rId9" imgW="1028520" imgH="241200" progId="Equation.DSMT4">
                   <p:embed/>
                 </p:oleObj>
               </mc:Choice>
@@ -25102,7 +25102,7 @@
           <a:graphicData uri="http://schemas.openxmlformats.org/presentationml/2006/ole">
             <mc:AlternateContent xmlns:mc="http://schemas.openxmlformats.org/markup-compatibility/2006">
               <mc:Choice xmlns:v="urn:schemas-microsoft-com:vml" Requires="v">
-                <p:oleObj spid="_x0000_s4192" name="Equation" r:id="rId11" imgW="901440" imgH="241200" progId="Equation.DSMT4">
+                <p:oleObj spid="_x0000_s4206" name="Equation" r:id="rId11" imgW="901440" imgH="241200" progId="Equation.DSMT4">
                   <p:embed/>
                 </p:oleObj>
               </mc:Choice>
@@ -25159,7 +25159,7 @@
           <a:graphicData uri="http://schemas.openxmlformats.org/presentationml/2006/ole">
             <mc:AlternateContent xmlns:mc="http://schemas.openxmlformats.org/markup-compatibility/2006">
               <mc:Choice xmlns:v="urn:schemas-microsoft-com:vml" Requires="v">
-                <p:oleObj spid="_x0000_s4193" name="Equation" r:id="rId13" imgW="1002960" imgH="241200" progId="Equation.DSMT4">
+                <p:oleObj spid="_x0000_s4207" name="Equation" r:id="rId13" imgW="1002960" imgH="241200" progId="Equation.DSMT4">
                   <p:embed/>
                 </p:oleObj>
               </mc:Choice>
@@ -25216,7 +25216,7 @@
           <a:graphicData uri="http://schemas.openxmlformats.org/presentationml/2006/ole">
             <mc:AlternateContent xmlns:mc="http://schemas.openxmlformats.org/markup-compatibility/2006">
               <mc:Choice xmlns:v="urn:schemas-microsoft-com:vml" Requires="v">
-                <p:oleObj spid="_x0000_s4194" name="Equation" r:id="rId15" imgW="876240" imgH="241200" progId="Equation.DSMT4">
+                <p:oleObj spid="_x0000_s4208" name="Equation" r:id="rId15" imgW="876240" imgH="241200" progId="Equation.DSMT4">
                   <p:embed/>
                 </p:oleObj>
               </mc:Choice>
@@ -25267,7 +25267,7 @@
           <a:graphicData uri="http://schemas.openxmlformats.org/presentationml/2006/ole">
             <mc:AlternateContent xmlns:mc="http://schemas.openxmlformats.org/markup-compatibility/2006">
               <mc:Choice xmlns:v="urn:schemas-microsoft-com:vml" Requires="v">
-                <p:oleObj spid="_x0000_s4195" name="Equation" r:id="rId17" imgW="609480" imgH="241200" progId="Equation.DSMT4">
+                <p:oleObj spid="_x0000_s4209" name="Equation" r:id="rId17" imgW="609480" imgH="241200" progId="Equation.DSMT4">
                   <p:embed/>
                 </p:oleObj>
               </mc:Choice>
@@ -25495,7 +25495,7 @@
           <a:graphicData uri="http://schemas.openxmlformats.org/presentationml/2006/ole">
             <mc:AlternateContent xmlns:mc="http://schemas.openxmlformats.org/markup-compatibility/2006">
               <mc:Choice xmlns:v="urn:schemas-microsoft-com:vml" Requires="v">
-                <p:oleObj spid="_x0000_s5136" name="Equation" r:id="rId4" imgW="1041120" imgH="241200" progId="Equation.DSMT4">
+                <p:oleObj spid="_x0000_s5140" name="Equation" r:id="rId4" imgW="1041120" imgH="241200" progId="Equation.DSMT4">
                   <p:embed/>
                 </p:oleObj>
               </mc:Choice>
@@ -25552,7 +25552,7 @@
           <a:graphicData uri="http://schemas.openxmlformats.org/presentationml/2006/ole">
             <mc:AlternateContent xmlns:mc="http://schemas.openxmlformats.org/markup-compatibility/2006">
               <mc:Choice xmlns:v="urn:schemas-microsoft-com:vml" Requires="v">
-                <p:oleObj spid="_x0000_s5137" name="Equation" r:id="rId6" imgW="1358640" imgH="685800" progId="Equation.DSMT4">
+                <p:oleObj spid="_x0000_s5141" name="Equation" r:id="rId6" imgW="1358640" imgH="685800" progId="Equation.DSMT4">
                   <p:embed/>
                 </p:oleObj>
               </mc:Choice>
@@ -27166,7 +27166,7 @@
           <a:graphicData uri="http://schemas.openxmlformats.org/presentationml/2006/ole">
             <mc:AlternateContent xmlns:mc="http://schemas.openxmlformats.org/markup-compatibility/2006">
               <mc:Choice xmlns:v="urn:schemas-microsoft-com:vml" Requires="v">
-                <p:oleObj spid="_x0000_s9223" name="Equation" r:id="rId4" imgW="1206360" imgH="291960" progId="Equation.DSMT4">
+                <p:oleObj spid="_x0000_s9225" name="Equation" r:id="rId4" imgW="1206360" imgH="291960" progId="Equation.DSMT4">
                   <p:embed/>
                 </p:oleObj>
               </mc:Choice>
@@ -28109,7 +28109,7 @@
           <p:nvPr/>
         </p:nvPicPr>
         <p:blipFill rotWithShape="1">
-          <a:blip r:embed="rId2">
+          <a:blip r:embed="rId3">
             <a:clrChange>
               <a:clrFrom>
                 <a:srgbClr val="FFFFFF"/>
@@ -28139,16 +28139,73 @@
           </a:prstGeom>
         </p:spPr>
       </p:pic>
+      <p:graphicFrame>
+        <p:nvGraphicFramePr>
+          <p:cNvPr id="8" name="物件 7"/>
+          <p:cNvGraphicFramePr>
+            <a:graphicFrameLocks noChangeAspect="1"/>
+          </p:cNvGraphicFramePr>
+          <p:nvPr>
+            <p:extLst>
+              <p:ext uri="{D42A27DB-BD31-4B8C-83A1-F6EECF244321}">
+                <p14:modId xmlns:p14="http://schemas.microsoft.com/office/powerpoint/2010/main" val="4241928078"/>
+              </p:ext>
+            </p:extLst>
+          </p:nvPr>
+        </p:nvGraphicFramePr>
+        <p:xfrm>
+          <a:off x="2925244" y="4155096"/>
+          <a:ext cx="1308100" cy="685800"/>
+        </p:xfrm>
+        <a:graphic>
+          <a:graphicData uri="http://schemas.openxmlformats.org/presentationml/2006/ole">
+            <mc:AlternateContent xmlns:mc="http://schemas.openxmlformats.org/markup-compatibility/2006">
+              <mc:Choice xmlns:v="urn:schemas-microsoft-com:vml" Requires="v">
+                <p:oleObj spid="_x0000_s11267" name="Equation" r:id="rId4" imgW="1307880" imgH="685800" progId="Equation.DSMT4">
+                  <p:embed/>
+                </p:oleObj>
+              </mc:Choice>
+              <mc:Fallback>
+                <p:oleObj name="Equation" r:id="rId4" imgW="1307880" imgH="685800" progId="Equation.DSMT4">
+                  <p:embed/>
+                  <p:pic>
+                    <p:nvPicPr>
+                      <p:cNvPr id="0" name=""/>
+                      <p:cNvPicPr/>
+                      <p:nvPr/>
+                    </p:nvPicPr>
+                    <p:blipFill>
+                      <a:blip r:embed="rId5"/>
+                      <a:stretch>
+                        <a:fillRect/>
+                      </a:stretch>
+                    </p:blipFill>
+                    <p:spPr>
+                      <a:xfrm>
+                        <a:off x="2925244" y="4155096"/>
+                        <a:ext cx="1308100" cy="685800"/>
+                      </a:xfrm>
+                      <a:prstGeom prst="rect">
+                        <a:avLst/>
+                      </a:prstGeom>
+                    </p:spPr>
+                  </p:pic>
+                </p:oleObj>
+              </mc:Fallback>
+            </mc:AlternateContent>
+          </a:graphicData>
+        </a:graphic>
+      </p:graphicFrame>
       <p:sp>
         <p:nvSpPr>
-          <p:cNvPr id="6" name="文字方塊 5"/>
+          <p:cNvPr id="10" name="文字方塊 9"/>
           <p:cNvSpPr txBox="1"/>
           <p:nvPr/>
         </p:nvSpPr>
         <p:spPr>
           <a:xfrm>
-            <a:off x="1435392" y="2285992"/>
-            <a:ext cx="2102242" cy="427425"/>
+            <a:off x="1786267" y="2721939"/>
+            <a:ext cx="2862322" cy="998735"/>
           </a:xfrm>
           <a:prstGeom prst="rect">
             <a:avLst/>
@@ -28167,156 +28224,31 @@
               </a:lnSpc>
             </a:pPr>
             <a:r>
-              <a:rPr lang="en-US" altLang="zh-TW" sz="2000" dirty="0" smtClean="0">
+              <a:rPr lang="zh-TW" altLang="en-US" sz="5400" dirty="0" smtClean="0">
                 <a:latin typeface="Segoe UI Light" panose="020B0502040204020203" pitchFamily="34" charset="0"/>
                 <a:cs typeface="Segoe UI Light" panose="020B0502040204020203" pitchFamily="34" charset="0"/>
               </a:rPr>
-              <a:t>Find PGA and PGV</a:t>
+              <a:t>資料點數</a:t>
             </a:r>
+            <a:endParaRPr lang="zh-TW" altLang="en-US" sz="5400" dirty="0" smtClean="0">
+              <a:latin typeface="Segoe UI Light" panose="020B0502040204020203" pitchFamily="34" charset="0"/>
+              <a:cs typeface="Segoe UI Light" panose="020B0502040204020203" pitchFamily="34" charset="0"/>
+            </a:endParaRPr>
           </a:p>
         </p:txBody>
       </p:sp>
-      <mc:AlternateContent xmlns:mc="http://schemas.openxmlformats.org/markup-compatibility/2006" xmlns:a14="http://schemas.microsoft.com/office/drawing/2010/main">
-        <mc:Choice Requires="a14">
-          <p:sp>
-            <p:nvSpPr>
-              <p:cNvPr id="7" name="文字方塊 6"/>
-              <p:cNvSpPr txBox="1"/>
-              <p:nvPr/>
-            </p:nvSpPr>
-            <p:spPr>
-              <a:xfrm>
-                <a:off x="1430751" y="3666869"/>
-                <a:ext cx="2066463" cy="619400"/>
-              </a:xfrm>
-              <a:prstGeom prst="rect">
-                <a:avLst/>
-              </a:prstGeom>
-              <a:noFill/>
-            </p:spPr>
-            <p:txBody>
-              <a:bodyPr wrap="none" lIns="0" rtlCol="0" anchor="t">
-                <a:spAutoFit/>
-              </a:bodyPr>
-              <a:lstStyle/>
-              <a:p>
-                <a:pPr algn="l">
-                  <a:lnSpc>
-                    <a:spcPct val="120000"/>
-                  </a:lnSpc>
-                </a:pPr>
-                <a:r>
-                  <a:rPr lang="en-US" altLang="zh-TW" sz="2000" dirty="0" smtClean="0">
-                    <a:latin typeface="Segoe UI Light" panose="020B0502040204020203" pitchFamily="34" charset="0"/>
-                    <a:cs typeface="Segoe UI Light" panose="020B0502040204020203" pitchFamily="34" charset="0"/>
-                  </a:rPr>
-                  <a:t>Calculate </a:t>
-                </a:r>
-                <a14:m>
-                  <m:oMath xmlns:m="http://schemas.openxmlformats.org/officeDocument/2006/math">
-                    <m:f>
-                      <m:fPr>
-                        <m:ctrlPr>
-                          <a:rPr lang="en-US" altLang="zh-TW" sz="2000" b="0" i="1" smtClean="0">
-                            <a:latin typeface="Cambria Math" panose="02040503050406030204" pitchFamily="18" charset="0"/>
-                            <a:cs typeface="Segoe UI Light" panose="020B0502040204020203" pitchFamily="34" charset="0"/>
-                          </a:rPr>
-                        </m:ctrlPr>
-                      </m:fPr>
-                      <m:num>
-                        <m:r>
-                          <a:rPr lang="en-US" altLang="zh-TW" sz="2000" b="0" i="1" smtClean="0">
-                            <a:latin typeface="Cambria Math" panose="02040503050406030204" pitchFamily="18" charset="0"/>
-                            <a:cs typeface="Segoe UI Light" panose="020B0502040204020203" pitchFamily="34" charset="0"/>
-                          </a:rPr>
-                          <m:t>𝑃𝐺𝐴</m:t>
-                        </m:r>
-                      </m:num>
-                      <m:den>
-                        <m:r>
-                          <a:rPr lang="en-US" altLang="zh-TW" sz="2000" b="0" i="1" smtClean="0">
-                            <a:latin typeface="Cambria Math" panose="02040503050406030204" pitchFamily="18" charset="0"/>
-                            <a:cs typeface="Segoe UI Light" panose="020B0502040204020203" pitchFamily="34" charset="0"/>
-                          </a:rPr>
-                          <m:t>𝑃𝐺𝑉</m:t>
-                        </m:r>
-                      </m:den>
-                    </m:f>
-                  </m:oMath>
-                </a14:m>
-                <a:r>
-                  <a:rPr lang="zh-TW" altLang="en-US" sz="2000" dirty="0" smtClean="0">
-                    <a:latin typeface="Segoe UI Light" panose="020B0502040204020203" pitchFamily="34" charset="0"/>
-                    <a:cs typeface="Segoe UI Light" panose="020B0502040204020203" pitchFamily="34" charset="0"/>
-                  </a:rPr>
-                  <a:t> </a:t>
-                </a:r>
-                <a:r>
-                  <a:rPr lang="en-US" altLang="zh-TW" sz="2000" dirty="0" smtClean="0">
-                    <a:latin typeface="Segoe UI Light" panose="020B0502040204020203" pitchFamily="34" charset="0"/>
-                    <a:cs typeface="Segoe UI Light" panose="020B0502040204020203" pitchFamily="34" charset="0"/>
-                  </a:rPr>
-                  <a:t>ratio</a:t>
-                </a:r>
-                <a:endParaRPr lang="zh-TW" altLang="en-US" sz="2000" dirty="0" smtClean="0">
-                  <a:latin typeface="Segoe UI Light" panose="020B0502040204020203" pitchFamily="34" charset="0"/>
-                  <a:cs typeface="Segoe UI Light" panose="020B0502040204020203" pitchFamily="34" charset="0"/>
-                </a:endParaRPr>
-              </a:p>
-            </p:txBody>
-          </p:sp>
-        </mc:Choice>
-        <mc:Fallback xmlns="">
-          <p:sp>
-            <p:nvSpPr>
-              <p:cNvPr id="7" name="文字方塊 6"/>
-              <p:cNvSpPr txBox="1">
-                <a:spLocks noRot="1" noChangeAspect="1" noMove="1" noResize="1" noEditPoints="1" noAdjustHandles="1" noChangeArrowheads="1" noChangeShapeType="1" noTextEdit="1"/>
-              </p:cNvSpPr>
-              <p:nvPr/>
-            </p:nvSpPr>
-            <p:spPr>
-              <a:xfrm>
-                <a:off x="1430751" y="3666869"/>
-                <a:ext cx="2066463" cy="619400"/>
-              </a:xfrm>
-              <a:prstGeom prst="rect">
-                <a:avLst/>
-              </a:prstGeom>
-              <a:blipFill>
-                <a:blip r:embed="rId3"/>
-                <a:stretch>
-                  <a:fillRect l="-7670" r="-2360" b="-2970"/>
-                </a:stretch>
-              </a:blipFill>
-            </p:spPr>
-            <p:txBody>
-              <a:bodyPr/>
-              <a:lstStyle/>
-              <a:p>
-                <a:r>
-                  <a:rPr lang="zh-TW" altLang="en-US">
-                    <a:noFill/>
-                  </a:rPr>
-                  <a:t> </a:t>
-                </a:r>
-              </a:p>
-            </p:txBody>
-          </p:sp>
-        </mc:Fallback>
-      </mc:AlternateContent>
       <p:cxnSp>
         <p:nvCxnSpPr>
-          <p:cNvPr id="9" name="直線單箭頭接點 8"/>
+          <p:cNvPr id="15" name="肘形接點 14"/>
           <p:cNvCxnSpPr/>
           <p:nvPr/>
         </p:nvCxnSpPr>
         <p:spPr>
-          <a:xfrm>
-            <a:off x="2190503" y="2892048"/>
-            <a:ext cx="0" cy="531628"/>
+          <a:xfrm rot="16200000" flipH="1">
+            <a:off x="2059518" y="3907213"/>
+            <a:ext cx="649010" cy="532557"/>
           </a:xfrm>
-          <a:prstGeom prst="straightConnector1">
+          <a:prstGeom prst="bentConnector2">
             <a:avLst/>
           </a:prstGeom>
           <a:ln>
@@ -28343,50 +28275,14 @@
       </p:cxnSp>
       <p:cxnSp>
         <p:nvCxnSpPr>
-          <p:cNvPr id="11" name="直線單箭頭接點 10"/>
+          <p:cNvPr id="17" name="直線單箭頭接點 16"/>
           <p:cNvCxnSpPr/>
           <p:nvPr/>
         </p:nvCxnSpPr>
         <p:spPr>
           <a:xfrm>
-            <a:off x="4526667" y="3581816"/>
-            <a:ext cx="1589266" cy="0"/>
-          </a:xfrm>
-          <a:prstGeom prst="straightConnector1">
-            <a:avLst/>
-          </a:prstGeom>
-          <a:ln>
-            <a:solidFill>
-              <a:schemeClr val="tx1"/>
-            </a:solidFill>
-            <a:tailEnd type="triangle"/>
-          </a:ln>
-        </p:spPr>
-        <p:style>
-          <a:lnRef idx="1">
-            <a:schemeClr val="accent1"/>
-          </a:lnRef>
-          <a:fillRef idx="0">
-            <a:schemeClr val="accent1"/>
-          </a:fillRef>
-          <a:effectRef idx="0">
-            <a:schemeClr val="accent1"/>
-          </a:effectRef>
-          <a:fontRef idx="minor">
-            <a:schemeClr val="tx1"/>
-          </a:fontRef>
-        </p:style>
-      </p:cxnSp>
-      <p:cxnSp>
-        <p:nvCxnSpPr>
-          <p:cNvPr id="13" name="直線單箭頭接點 12"/>
-          <p:cNvCxnSpPr/>
-          <p:nvPr/>
-        </p:nvCxnSpPr>
-        <p:spPr>
-          <a:xfrm>
-            <a:off x="2190503" y="4529462"/>
-            <a:ext cx="0" cy="627321"/>
+            <a:off x="4648589" y="4497996"/>
+            <a:ext cx="1709681" cy="0"/>
           </a:xfrm>
           <a:prstGeom prst="straightConnector1">
             <a:avLst/>
@@ -28415,14 +28311,14 @@
       </p:cxnSp>
       <p:sp>
         <p:nvSpPr>
-          <p:cNvPr id="14" name="文字方塊 13"/>
+          <p:cNvPr id="19" name="文字方塊 18"/>
           <p:cNvSpPr txBox="1"/>
           <p:nvPr/>
         </p:nvSpPr>
         <p:spPr>
           <a:xfrm>
-            <a:off x="1430751" y="5439817"/>
-            <a:ext cx="4175246" cy="461665"/>
+            <a:off x="4774565" y="3499261"/>
+            <a:ext cx="1467709" cy="998735"/>
           </a:xfrm>
           <a:prstGeom prst="rect">
             <a:avLst/>
@@ -28441,13 +28337,20 @@
               </a:lnSpc>
             </a:pPr>
             <a:r>
-              <a:rPr lang="en-US" altLang="zh-TW" sz="2000" dirty="0" smtClean="0">
+              <a:rPr lang="en-US" altLang="zh-TW" sz="5400" dirty="0" smtClean="0">
                 <a:latin typeface="Segoe UI Light" panose="020B0502040204020203" pitchFamily="34" charset="0"/>
                 <a:cs typeface="Segoe UI Light" panose="020B0502040204020203" pitchFamily="34" charset="0"/>
               </a:rPr>
-              <a:t>Min 11 ratio and no same earthquake </a:t>
+              <a:t>11</a:t>
             </a:r>
-            <a:endParaRPr lang="zh-TW" altLang="en-US" sz="2000" dirty="0" smtClean="0">
+            <a:r>
+              <a:rPr lang="zh-TW" altLang="en-US" sz="5400" dirty="0" smtClean="0">
+                <a:latin typeface="Segoe UI Light" panose="020B0502040204020203" pitchFamily="34" charset="0"/>
+                <a:cs typeface="Segoe UI Light" panose="020B0502040204020203" pitchFamily="34" charset="0"/>
+              </a:rPr>
+              <a:t> 組</a:t>
+            </a:r>
+            <a:endParaRPr lang="zh-TW" altLang="en-US" sz="5400" dirty="0" smtClean="0">
               <a:latin typeface="Segoe UI Light" panose="020B0502040204020203" pitchFamily="34" charset="0"/>
               <a:cs typeface="Segoe UI Light" panose="020B0502040204020203" pitchFamily="34" charset="0"/>
             </a:endParaRPr>
@@ -28516,7 +28419,7 @@
         <p:spPr>
           <a:xfrm>
             <a:off x="839787" y="660400"/>
-            <a:ext cx="6411617" cy="1311128"/>
+            <a:ext cx="6411617" cy="701731"/>
           </a:xfrm>
         </p:spPr>
         <p:txBody>
@@ -28525,7 +28428,15 @@
           <a:p>
             <a:r>
               <a:rPr lang="en-US" altLang="zh-TW" dirty="0"/>
-              <a:t>Hinges Only On Two Ends</a:t>
+              <a:t>Hinges Only </a:t>
+            </a:r>
+            <a:r>
+              <a:rPr lang="en-US" altLang="zh-TW" dirty="0" smtClean="0"/>
+              <a:t>On </a:t>
+            </a:r>
+            <a:r>
+              <a:rPr lang="en-US" altLang="zh-TW" dirty="0"/>
+              <a:t>Ends</a:t>
             </a:r>
             <a:endParaRPr lang="zh-TW" altLang="en-US" dirty="0"/>
           </a:p>
@@ -28624,6 +28535,125 @@
           </a:prstGeom>
         </p:spPr>
       </p:pic>
+      <p:pic>
+        <p:nvPicPr>
+          <p:cNvPr id="6" name="圖片 5"/>
+          <p:cNvPicPr/>
+          <p:nvPr/>
+        </p:nvPicPr>
+        <p:blipFill>
+          <a:blip r:embed="rId4">
+            <a:clrChange>
+              <a:clrFrom>
+                <a:srgbClr val="FFFFFF"/>
+              </a:clrFrom>
+              <a:clrTo>
+                <a:srgbClr val="FFFFFF">
+                  <a:alpha val="0"/>
+                </a:srgbClr>
+              </a:clrTo>
+            </a:clrChange>
+          </a:blip>
+          <a:stretch>
+            <a:fillRect/>
+          </a:stretch>
+        </p:blipFill>
+        <p:spPr>
+          <a:xfrm>
+            <a:off x="6266770" y="276593"/>
+            <a:ext cx="5400040" cy="2293620"/>
+          </a:xfrm>
+          <a:prstGeom prst="rect">
+            <a:avLst/>
+          </a:prstGeom>
+        </p:spPr>
+      </p:pic>
+      <p:sp>
+        <p:nvSpPr>
+          <p:cNvPr id="7" name="橢圓 6"/>
+          <p:cNvSpPr/>
+          <p:nvPr/>
+        </p:nvSpPr>
+        <p:spPr>
+          <a:xfrm>
+            <a:off x="11419693" y="1391818"/>
+            <a:ext cx="192550" cy="192550"/>
+          </a:xfrm>
+          <a:prstGeom prst="ellipse">
+            <a:avLst/>
+          </a:prstGeom>
+          <a:ln>
+            <a:noFill/>
+          </a:ln>
+        </p:spPr>
+        <p:style>
+          <a:lnRef idx="2">
+            <a:schemeClr val="accent1">
+              <a:shade val="50000"/>
+            </a:schemeClr>
+          </a:lnRef>
+          <a:fillRef idx="1">
+            <a:schemeClr val="accent1"/>
+          </a:fillRef>
+          <a:effectRef idx="0">
+            <a:schemeClr val="accent1"/>
+          </a:effectRef>
+          <a:fontRef idx="minor">
+            <a:schemeClr val="lt1"/>
+          </a:fontRef>
+        </p:style>
+        <p:txBody>
+          <a:bodyPr rtlCol="0" anchor="ctr"/>
+          <a:lstStyle/>
+          <a:p>
+            <a:pPr algn="ctr"/>
+            <a:endParaRPr lang="zh-TW" altLang="en-US"/>
+          </a:p>
+        </p:txBody>
+      </p:sp>
+      <p:sp>
+        <p:nvSpPr>
+          <p:cNvPr id="8" name="橢圓 7"/>
+          <p:cNvSpPr/>
+          <p:nvPr/>
+        </p:nvSpPr>
+        <p:spPr>
+          <a:xfrm>
+            <a:off x="7085154" y="1391818"/>
+            <a:ext cx="192550" cy="192550"/>
+          </a:xfrm>
+          <a:prstGeom prst="ellipse">
+            <a:avLst/>
+          </a:prstGeom>
+          <a:ln>
+            <a:noFill/>
+          </a:ln>
+        </p:spPr>
+        <p:style>
+          <a:lnRef idx="2">
+            <a:schemeClr val="accent1">
+              <a:shade val="50000"/>
+            </a:schemeClr>
+          </a:lnRef>
+          <a:fillRef idx="1">
+            <a:schemeClr val="accent1"/>
+          </a:fillRef>
+          <a:effectRef idx="0">
+            <a:schemeClr val="accent1"/>
+          </a:effectRef>
+          <a:fontRef idx="minor">
+            <a:schemeClr val="lt1"/>
+          </a:fontRef>
+        </p:style>
+        <p:txBody>
+          <a:bodyPr rtlCol="0" anchor="ctr"/>
+          <a:lstStyle/>
+          <a:p>
+            <a:pPr algn="ctr"/>
+            <a:endParaRPr lang="zh-TW" altLang="en-US"/>
+          </a:p>
+        </p:txBody>
+      </p:sp>
     </p:spTree>
     <p:extLst>
       <p:ext uri="{BB962C8B-B14F-4D97-AF65-F5344CB8AC3E}">
@@ -28794,6 +28824,469 @@
           </a:prstGeom>
         </p:spPr>
       </p:pic>
+      <p:pic>
+        <p:nvPicPr>
+          <p:cNvPr id="6" name="圖片 5"/>
+          <p:cNvPicPr/>
+          <p:nvPr/>
+        </p:nvPicPr>
+        <p:blipFill>
+          <a:blip r:embed="rId4">
+            <a:clrChange>
+              <a:clrFrom>
+                <a:srgbClr val="FFFFFF"/>
+              </a:clrFrom>
+              <a:clrTo>
+                <a:srgbClr val="FFFFFF">
+                  <a:alpha val="0"/>
+                </a:srgbClr>
+              </a:clrTo>
+            </a:clrChange>
+          </a:blip>
+          <a:stretch>
+            <a:fillRect/>
+          </a:stretch>
+        </p:blipFill>
+        <p:spPr>
+          <a:xfrm>
+            <a:off x="6266770" y="276593"/>
+            <a:ext cx="5400040" cy="2293620"/>
+          </a:xfrm>
+          <a:prstGeom prst="rect">
+            <a:avLst/>
+          </a:prstGeom>
+        </p:spPr>
+      </p:pic>
+      <p:sp>
+        <p:nvSpPr>
+          <p:cNvPr id="7" name="橢圓 6"/>
+          <p:cNvSpPr/>
+          <p:nvPr/>
+        </p:nvSpPr>
+        <p:spPr>
+          <a:xfrm>
+            <a:off x="7787523" y="1169581"/>
+            <a:ext cx="192550" cy="192550"/>
+          </a:xfrm>
+          <a:prstGeom prst="ellipse">
+            <a:avLst/>
+          </a:prstGeom>
+          <a:ln>
+            <a:noFill/>
+          </a:ln>
+        </p:spPr>
+        <p:style>
+          <a:lnRef idx="2">
+            <a:schemeClr val="accent1">
+              <a:shade val="50000"/>
+            </a:schemeClr>
+          </a:lnRef>
+          <a:fillRef idx="1">
+            <a:schemeClr val="accent1"/>
+          </a:fillRef>
+          <a:effectRef idx="0">
+            <a:schemeClr val="accent1"/>
+          </a:effectRef>
+          <a:fontRef idx="minor">
+            <a:schemeClr val="lt1"/>
+          </a:fontRef>
+        </p:style>
+        <p:txBody>
+          <a:bodyPr rtlCol="0" anchor="ctr"/>
+          <a:lstStyle/>
+          <a:p>
+            <a:pPr algn="ctr"/>
+            <a:endParaRPr lang="zh-TW" altLang="en-US"/>
+          </a:p>
+        </p:txBody>
+      </p:sp>
+      <p:sp>
+        <p:nvSpPr>
+          <p:cNvPr id="8" name="橢圓 7"/>
+          <p:cNvSpPr/>
+          <p:nvPr/>
+        </p:nvSpPr>
+        <p:spPr>
+          <a:xfrm>
+            <a:off x="10470715" y="1169581"/>
+            <a:ext cx="192550" cy="192550"/>
+          </a:xfrm>
+          <a:prstGeom prst="ellipse">
+            <a:avLst/>
+          </a:prstGeom>
+          <a:ln>
+            <a:noFill/>
+          </a:ln>
+        </p:spPr>
+        <p:style>
+          <a:lnRef idx="2">
+            <a:schemeClr val="accent1">
+              <a:shade val="50000"/>
+            </a:schemeClr>
+          </a:lnRef>
+          <a:fillRef idx="1">
+            <a:schemeClr val="accent1"/>
+          </a:fillRef>
+          <a:effectRef idx="0">
+            <a:schemeClr val="accent1"/>
+          </a:effectRef>
+          <a:fontRef idx="minor">
+            <a:schemeClr val="lt1"/>
+          </a:fontRef>
+        </p:style>
+        <p:txBody>
+          <a:bodyPr rtlCol="0" anchor="ctr"/>
+          <a:lstStyle/>
+          <a:p>
+            <a:pPr algn="ctr"/>
+            <a:endParaRPr lang="zh-TW" altLang="en-US"/>
+          </a:p>
+        </p:txBody>
+      </p:sp>
+      <p:sp>
+        <p:nvSpPr>
+          <p:cNvPr id="9" name="橢圓 8"/>
+          <p:cNvSpPr/>
+          <p:nvPr/>
+        </p:nvSpPr>
+        <p:spPr>
+          <a:xfrm>
+            <a:off x="7454614" y="1594032"/>
+            <a:ext cx="192550" cy="192550"/>
+          </a:xfrm>
+          <a:prstGeom prst="ellipse">
+            <a:avLst/>
+          </a:prstGeom>
+          <a:ln>
+            <a:noFill/>
+          </a:ln>
+        </p:spPr>
+        <p:style>
+          <a:lnRef idx="2">
+            <a:schemeClr val="accent1">
+              <a:shade val="50000"/>
+            </a:schemeClr>
+          </a:lnRef>
+          <a:fillRef idx="1">
+            <a:schemeClr val="accent1"/>
+          </a:fillRef>
+          <a:effectRef idx="0">
+            <a:schemeClr val="accent1"/>
+          </a:effectRef>
+          <a:fontRef idx="minor">
+            <a:schemeClr val="lt1"/>
+          </a:fontRef>
+        </p:style>
+        <p:txBody>
+          <a:bodyPr rtlCol="0" anchor="ctr"/>
+          <a:lstStyle/>
+          <a:p>
+            <a:pPr algn="ctr"/>
+            <a:endParaRPr lang="zh-TW" altLang="en-US"/>
+          </a:p>
+        </p:txBody>
+      </p:sp>
+      <p:sp>
+        <p:nvSpPr>
+          <p:cNvPr id="10" name="橢圓 9"/>
+          <p:cNvSpPr/>
+          <p:nvPr/>
+        </p:nvSpPr>
+        <p:spPr>
+          <a:xfrm>
+            <a:off x="10786149" y="1594032"/>
+            <a:ext cx="192550" cy="192550"/>
+          </a:xfrm>
+          <a:prstGeom prst="ellipse">
+            <a:avLst/>
+          </a:prstGeom>
+          <a:ln>
+            <a:noFill/>
+          </a:ln>
+        </p:spPr>
+        <p:style>
+          <a:lnRef idx="2">
+            <a:schemeClr val="accent1">
+              <a:shade val="50000"/>
+            </a:schemeClr>
+          </a:lnRef>
+          <a:fillRef idx="1">
+            <a:schemeClr val="accent1"/>
+          </a:fillRef>
+          <a:effectRef idx="0">
+            <a:schemeClr val="accent1"/>
+          </a:effectRef>
+          <a:fontRef idx="minor">
+            <a:schemeClr val="lt1"/>
+          </a:fontRef>
+        </p:style>
+        <p:txBody>
+          <a:bodyPr rtlCol="0" anchor="ctr"/>
+          <a:lstStyle/>
+          <a:p>
+            <a:pPr algn="ctr"/>
+            <a:endParaRPr lang="zh-TW" altLang="en-US"/>
+          </a:p>
+        </p:txBody>
+      </p:sp>
+      <p:sp>
+        <p:nvSpPr>
+          <p:cNvPr id="11" name="橢圓 10"/>
+          <p:cNvSpPr/>
+          <p:nvPr/>
+        </p:nvSpPr>
+        <p:spPr>
+          <a:xfrm>
+            <a:off x="11419693" y="1391818"/>
+            <a:ext cx="192550" cy="192550"/>
+          </a:xfrm>
+          <a:prstGeom prst="ellipse">
+            <a:avLst/>
+          </a:prstGeom>
+          <a:ln>
+            <a:noFill/>
+          </a:ln>
+        </p:spPr>
+        <p:style>
+          <a:lnRef idx="2">
+            <a:schemeClr val="accent1">
+              <a:shade val="50000"/>
+            </a:schemeClr>
+          </a:lnRef>
+          <a:fillRef idx="1">
+            <a:schemeClr val="accent1"/>
+          </a:fillRef>
+          <a:effectRef idx="0">
+            <a:schemeClr val="accent1"/>
+          </a:effectRef>
+          <a:fontRef idx="minor">
+            <a:schemeClr val="lt1"/>
+          </a:fontRef>
+        </p:style>
+        <p:txBody>
+          <a:bodyPr rtlCol="0" anchor="ctr"/>
+          <a:lstStyle/>
+          <a:p>
+            <a:pPr algn="ctr"/>
+            <a:endParaRPr lang="zh-TW" altLang="en-US"/>
+          </a:p>
+        </p:txBody>
+      </p:sp>
+      <p:sp>
+        <p:nvSpPr>
+          <p:cNvPr id="12" name="橢圓 11"/>
+          <p:cNvSpPr/>
+          <p:nvPr/>
+        </p:nvSpPr>
+        <p:spPr>
+          <a:xfrm>
+            <a:off x="7085154" y="1391818"/>
+            <a:ext cx="192550" cy="192550"/>
+          </a:xfrm>
+          <a:prstGeom prst="ellipse">
+            <a:avLst/>
+          </a:prstGeom>
+          <a:ln>
+            <a:noFill/>
+          </a:ln>
+        </p:spPr>
+        <p:style>
+          <a:lnRef idx="2">
+            <a:schemeClr val="accent1">
+              <a:shade val="50000"/>
+            </a:schemeClr>
+          </a:lnRef>
+          <a:fillRef idx="1">
+            <a:schemeClr val="accent1"/>
+          </a:fillRef>
+          <a:effectRef idx="0">
+            <a:schemeClr val="accent1"/>
+          </a:effectRef>
+          <a:fontRef idx="minor">
+            <a:schemeClr val="lt1"/>
+          </a:fontRef>
+        </p:style>
+        <p:txBody>
+          <a:bodyPr rtlCol="0" anchor="ctr"/>
+          <a:lstStyle/>
+          <a:p>
+            <a:pPr algn="ctr"/>
+            <a:endParaRPr lang="zh-TW" altLang="en-US"/>
+          </a:p>
+        </p:txBody>
+      </p:sp>
+      <p:sp>
+        <p:nvSpPr>
+          <p:cNvPr id="13" name="橢圓 12"/>
+          <p:cNvSpPr/>
+          <p:nvPr/>
+        </p:nvSpPr>
+        <p:spPr>
+          <a:xfrm>
+            <a:off x="8568238" y="1165137"/>
+            <a:ext cx="192550" cy="192550"/>
+          </a:xfrm>
+          <a:prstGeom prst="ellipse">
+            <a:avLst/>
+          </a:prstGeom>
+          <a:ln>
+            <a:noFill/>
+          </a:ln>
+        </p:spPr>
+        <p:style>
+          <a:lnRef idx="2">
+            <a:schemeClr val="accent1">
+              <a:shade val="50000"/>
+            </a:schemeClr>
+          </a:lnRef>
+          <a:fillRef idx="1">
+            <a:schemeClr val="accent1"/>
+          </a:fillRef>
+          <a:effectRef idx="0">
+            <a:schemeClr val="accent1"/>
+          </a:effectRef>
+          <a:fontRef idx="minor">
+            <a:schemeClr val="lt1"/>
+          </a:fontRef>
+        </p:style>
+        <p:txBody>
+          <a:bodyPr rtlCol="0" anchor="ctr"/>
+          <a:lstStyle/>
+          <a:p>
+            <a:pPr algn="ctr"/>
+            <a:endParaRPr lang="zh-TW" altLang="en-US"/>
+          </a:p>
+        </p:txBody>
+      </p:sp>
+      <p:sp>
+        <p:nvSpPr>
+          <p:cNvPr id="14" name="橢圓 13"/>
+          <p:cNvSpPr/>
+          <p:nvPr/>
+        </p:nvSpPr>
+        <p:spPr>
+          <a:xfrm>
+            <a:off x="9901705" y="1165137"/>
+            <a:ext cx="192550" cy="192550"/>
+          </a:xfrm>
+          <a:prstGeom prst="ellipse">
+            <a:avLst/>
+          </a:prstGeom>
+          <a:ln>
+            <a:noFill/>
+          </a:ln>
+        </p:spPr>
+        <p:style>
+          <a:lnRef idx="2">
+            <a:schemeClr val="accent1">
+              <a:shade val="50000"/>
+            </a:schemeClr>
+          </a:lnRef>
+          <a:fillRef idx="1">
+            <a:schemeClr val="accent1"/>
+          </a:fillRef>
+          <a:effectRef idx="0">
+            <a:schemeClr val="accent1"/>
+          </a:effectRef>
+          <a:fontRef idx="minor">
+            <a:schemeClr val="lt1"/>
+          </a:fontRef>
+        </p:style>
+        <p:txBody>
+          <a:bodyPr rtlCol="0" anchor="ctr"/>
+          <a:lstStyle/>
+          <a:p>
+            <a:pPr algn="ctr"/>
+            <a:endParaRPr lang="zh-TW" altLang="en-US"/>
+          </a:p>
+        </p:txBody>
+      </p:sp>
+      <p:sp>
+        <p:nvSpPr>
+          <p:cNvPr id="15" name="橢圓 14"/>
+          <p:cNvSpPr/>
+          <p:nvPr/>
+        </p:nvSpPr>
+        <p:spPr>
+          <a:xfrm>
+            <a:off x="8310691" y="1584368"/>
+            <a:ext cx="192550" cy="192550"/>
+          </a:xfrm>
+          <a:prstGeom prst="ellipse">
+            <a:avLst/>
+          </a:prstGeom>
+          <a:ln>
+            <a:noFill/>
+          </a:ln>
+        </p:spPr>
+        <p:style>
+          <a:lnRef idx="2">
+            <a:schemeClr val="accent1">
+              <a:shade val="50000"/>
+            </a:schemeClr>
+          </a:lnRef>
+          <a:fillRef idx="1">
+            <a:schemeClr val="accent1"/>
+          </a:fillRef>
+          <a:effectRef idx="0">
+            <a:schemeClr val="accent1"/>
+          </a:effectRef>
+          <a:fontRef idx="minor">
+            <a:schemeClr val="lt1"/>
+          </a:fontRef>
+        </p:style>
+        <p:txBody>
+          <a:bodyPr rtlCol="0" anchor="ctr"/>
+          <a:lstStyle/>
+          <a:p>
+            <a:pPr algn="ctr"/>
+            <a:endParaRPr lang="zh-TW" altLang="en-US"/>
+          </a:p>
+        </p:txBody>
+      </p:sp>
+      <p:sp>
+        <p:nvSpPr>
+          <p:cNvPr id="16" name="橢圓 15"/>
+          <p:cNvSpPr/>
+          <p:nvPr/>
+        </p:nvSpPr>
+        <p:spPr>
+          <a:xfrm>
+            <a:off x="10094255" y="1594032"/>
+            <a:ext cx="192550" cy="192550"/>
+          </a:xfrm>
+          <a:prstGeom prst="ellipse">
+            <a:avLst/>
+          </a:prstGeom>
+          <a:ln>
+            <a:noFill/>
+          </a:ln>
+        </p:spPr>
+        <p:style>
+          <a:lnRef idx="2">
+            <a:schemeClr val="accent1">
+              <a:shade val="50000"/>
+            </a:schemeClr>
+          </a:lnRef>
+          <a:fillRef idx="1">
+            <a:schemeClr val="accent1"/>
+          </a:fillRef>
+          <a:effectRef idx="0">
+            <a:schemeClr val="accent1"/>
+          </a:effectRef>
+          <a:fontRef idx="minor">
+            <a:schemeClr val="lt1"/>
+          </a:fontRef>
+        </p:style>
+        <p:txBody>
+          <a:bodyPr rtlCol="0" anchor="ctr"/>
+          <a:lstStyle/>
+          <a:p>
+            <a:pPr algn="ctr"/>
+            <a:endParaRPr lang="zh-TW" altLang="en-US"/>
+          </a:p>
+        </p:txBody>
+      </p:sp>
     </p:spTree>
     <p:extLst>
       <p:ext uri="{BB962C8B-B14F-4D97-AF65-F5344CB8AC3E}">
@@ -29468,6 +29961,41 @@
           </a:p>
         </p:txBody>
       </p:sp>
+      <p:pic>
+        <p:nvPicPr>
+          <p:cNvPr id="12" name="圖片 11"/>
+          <p:cNvPicPr>
+            <a:picLocks noChangeAspect="1"/>
+          </p:cNvPicPr>
+          <p:nvPr/>
+        </p:nvPicPr>
+        <p:blipFill>
+          <a:blip r:embed="rId4">
+            <a:clrChange>
+              <a:clrFrom>
+                <a:srgbClr val="FEFEFE"/>
+              </a:clrFrom>
+              <a:clrTo>
+                <a:srgbClr val="FEFEFE">
+                  <a:alpha val="0"/>
+                </a:srgbClr>
+              </a:clrTo>
+            </a:clrChange>
+          </a:blip>
+          <a:stretch>
+            <a:fillRect/>
+          </a:stretch>
+        </p:blipFill>
+        <p:spPr>
+          <a:xfrm>
+            <a:off x="6090790" y="2710226"/>
+            <a:ext cx="6101209" cy="3339700"/>
+          </a:xfrm>
+          <a:prstGeom prst="rect">
+            <a:avLst/>
+          </a:prstGeom>
+        </p:spPr>
+      </p:pic>
     </p:spTree>
     <p:extLst>
       <p:ext uri="{BB962C8B-B14F-4D97-AF65-F5344CB8AC3E}">
@@ -31442,7 +31970,7 @@
           <a:graphicData uri="http://schemas.openxmlformats.org/presentationml/2006/ole">
             <mc:AlternateContent xmlns:mc="http://schemas.openxmlformats.org/markup-compatibility/2006">
               <mc:Choice xmlns:v="urn:schemas-microsoft-com:vml" Requires="v">
-                <p:oleObj spid="_x0000_s10247" name="Equation" r:id="rId7" imgW="1358640" imgH="685800" progId="Equation.DSMT4">
+                <p:oleObj spid="_x0000_s10249" name="Equation" r:id="rId7" imgW="1358640" imgH="685800" progId="Equation.DSMT4">
                   <p:embed/>
                 </p:oleObj>
               </mc:Choice>
@@ -31634,7 +32162,7 @@
           <a:graphicData uri="http://schemas.openxmlformats.org/presentationml/2006/ole">
             <mc:AlternateContent xmlns:mc="http://schemas.openxmlformats.org/markup-compatibility/2006">
               <mc:Choice xmlns:v="urn:schemas-microsoft-com:vml" Requires="v">
-                <p:oleObj spid="_x0000_s1064" name="Equation" r:id="rId4" imgW="1002960" imgH="241200" progId="Equation.DSMT4">
+                <p:oleObj spid="_x0000_s1068" name="Equation" r:id="rId4" imgW="1002960" imgH="241200" progId="Equation.DSMT4">
                   <p:embed/>
                 </p:oleObj>
               </mc:Choice>
@@ -31691,7 +32219,7 @@
           <a:graphicData uri="http://schemas.openxmlformats.org/presentationml/2006/ole">
             <mc:AlternateContent xmlns:mc="http://schemas.openxmlformats.org/markup-compatibility/2006">
               <mc:Choice xmlns:v="urn:schemas-microsoft-com:vml" Requires="v">
-                <p:oleObj spid="_x0000_s1065" name="Equation" r:id="rId6" imgW="876240" imgH="241200" progId="Equation.DSMT4">
+                <p:oleObj spid="_x0000_s1069" name="Equation" r:id="rId6" imgW="876240" imgH="241200" progId="Equation.DSMT4">
                   <p:embed/>
                 </p:oleObj>
               </mc:Choice>
@@ -32364,6 +32892,15 @@
 </file>
 
 <file path=customXml/item1.xml><?xml version="1.0" encoding="utf-8"?>
+<?mso-contentType ?>
+<FormTemplates xmlns="http://schemas.microsoft.com/sharepoint/v3/contenttype/forms">
+  <Display>DocumentLibraryForm</Display>
+  <Edit>DocumentLibraryForm</Edit>
+  <New>DocumentLibraryForm</New>
+</FormTemplates>
+</file>
+
+<file path=customXml/item2.xml><?xml version="1.0" encoding="utf-8"?>
 <ct:contentTypeSchema xmlns:ct="http://schemas.microsoft.com/office/2006/metadata/contentType" xmlns:ma="http://schemas.microsoft.com/office/2006/metadata/properties/metaAttributes" ct:_="" ma:_="" ma:contentTypeName="Document" ma:contentTypeID="0x01010005FA520563873D4EB8CBD5344A351BEB" ma:contentTypeVersion="0" ma:contentTypeDescription="Crée un document." ma:contentTypeScope="" ma:versionID="005ce72954985de94fc750614f2007cc">
   <xsd:schema xmlns:xsd="http://www.w3.org/2001/XMLSchema" xmlns:xs="http://www.w3.org/2001/XMLSchema" xmlns:p="http://schemas.microsoft.com/office/2006/metadata/properties" targetNamespace="http://schemas.microsoft.com/office/2006/metadata/properties" ma:root="true" ma:fieldsID="36883d0f3030e52908f9a4448a35c02a">
     <xsd:element name="properties">
@@ -32477,15 +33014,6 @@
 </ct:contentTypeSchema>
 </file>
 
-<file path=customXml/item2.xml><?xml version="1.0" encoding="utf-8"?>
-<?mso-contentType ?>
-<FormTemplates xmlns="http://schemas.microsoft.com/sharepoint/v3/contenttype/forms">
-  <Display>DocumentLibraryForm</Display>
-  <Edit>DocumentLibraryForm</Edit>
-  <New>DocumentLibraryForm</New>
-</FormTemplates>
-</file>
-
 <file path=customXml/item3.xml><?xml version="1.0" encoding="utf-8"?>
 <p:properties xmlns:p="http://schemas.microsoft.com/office/2006/metadata/properties" xmlns:xsi="http://www.w3.org/2001/XMLSchema-instance" xmlns:pc="http://schemas.microsoft.com/office/infopath/2007/PartnerControls">
   <documentManagement/>
@@ -32493,6 +33021,14 @@
 </file>
 
 <file path=customXml/itemProps1.xml><?xml version="1.0" encoding="utf-8"?>
+<ds:datastoreItem xmlns:ds="http://schemas.openxmlformats.org/officeDocument/2006/customXml" ds:itemID="{95457E87-E546-449E-A4D1-371201992E58}">
+  <ds:schemaRefs>
+    <ds:schemaRef ds:uri="http://schemas.microsoft.com/sharepoint/v3/contenttype/forms"/>
+  </ds:schemaRefs>
+</ds:datastoreItem>
+</file>
+
+<file path=customXml/itemProps2.xml><?xml version="1.0" encoding="utf-8"?>
 <ds:datastoreItem xmlns:ds="http://schemas.openxmlformats.org/officeDocument/2006/customXml" ds:itemID="{FF14EDAB-351E-4851-B148-260C81C296AA}">
   <ds:schemaRefs>
     <ds:schemaRef ds:uri="http://schemas.microsoft.com/office/2006/metadata/contentType"/>
@@ -32504,14 +33040,6 @@
     <ds:schemaRef ds:uri="http://purl.org/dc/terms/"/>
     <ds:schemaRef ds:uri="http://schemas.microsoft.com/internal/obd"/>
     <ds:schemaRef ds:uri="http://schemas.microsoft.com/office/infopath/2007/PartnerControls"/>
-  </ds:schemaRefs>
-</ds:datastoreItem>
-</file>
-
-<file path=customXml/itemProps2.xml><?xml version="1.0" encoding="utf-8"?>
-<ds:datastoreItem xmlns:ds="http://schemas.openxmlformats.org/officeDocument/2006/customXml" ds:itemID="{95457E87-E546-449E-A4D1-371201992E58}">
-  <ds:schemaRefs>
-    <ds:schemaRef ds:uri="http://schemas.microsoft.com/sharepoint/v3/contenttype/forms"/>
   </ds:schemaRefs>
 </ds:datastoreItem>
 </file>

--- a/Meeting/20190516 Meeting/20190516 Meeting.pptx
+++ b/Meeting/20190516 Meeting/20190516 Meeting.pptx
@@ -1336,10 +1336,9 @@
           <a:lstStyle/>
           <a:p>
             <a:r>
-              <a:rPr lang="zh-TW" altLang="en-US" dirty="0" smtClean="0"/>
+              <a:rPr lang="zh-TW" altLang="en-US" dirty="0"/>
               <a:t>定義非線性驗證的邊界</a:t>
             </a:r>
-            <a:endParaRPr lang="zh-TW" altLang="en-US" dirty="0"/>
           </a:p>
         </p:txBody>
       </p:sp>
@@ -1424,45 +1423,45 @@
           <a:lstStyle/>
           <a:p>
             <a:r>
-              <a:rPr lang="zh-TW" altLang="en-US" dirty="0" smtClean="0"/>
+              <a:rPr lang="zh-TW" altLang="en-US" dirty="0"/>
               <a:t>比較 </a:t>
             </a:r>
             <a:r>
-              <a:rPr lang="en-US" altLang="zh-TW" dirty="0" smtClean="0"/>
+              <a:rPr lang="en-US" altLang="zh-TW" dirty="0"/>
               <a:t>Ra,</a:t>
             </a:r>
             <a:r>
-              <a:rPr lang="en-US" altLang="zh-TW" baseline="0" dirty="0" smtClean="0"/>
+              <a:rPr lang="en-US" altLang="zh-TW" baseline="0" dirty="0"/>
               <a:t> R</a:t>
             </a:r>
             <a:r>
-              <a:rPr lang="zh-TW" altLang="en-US" dirty="0" smtClean="0"/>
+              <a:rPr lang="zh-TW" altLang="en-US" dirty="0"/>
               <a:t> 值</a:t>
             </a:r>
-            <a:endParaRPr lang="en-US" altLang="zh-TW" dirty="0" smtClean="0"/>
+            <a:endParaRPr lang="en-US" altLang="zh-TW" dirty="0"/>
           </a:p>
           <a:p>
             <a:r>
-              <a:rPr lang="en-US" altLang="zh-TW" dirty="0" smtClean="0"/>
+              <a:rPr lang="en-US" altLang="zh-TW" dirty="0"/>
               <a:t>DBE, MCE </a:t>
             </a:r>
             <a:r>
-              <a:rPr lang="zh-TW" altLang="en-US" dirty="0" smtClean="0"/>
+              <a:rPr lang="zh-TW" altLang="en-US" dirty="0"/>
               <a:t>的性能績效點對應到 </a:t>
             </a:r>
             <a:r>
-              <a:rPr lang="en-US" altLang="zh-TW" dirty="0" err="1" smtClean="0"/>
+              <a:rPr lang="en-US" altLang="zh-TW" dirty="0" err="1"/>
               <a:t>delta_u</a:t>
             </a:r>
-            <a:endParaRPr lang="en-US" altLang="zh-TW" dirty="0" smtClean="0"/>
+            <a:endParaRPr lang="en-US" altLang="zh-TW" dirty="0"/>
           </a:p>
           <a:p>
             <a:r>
-              <a:rPr lang="zh-TW" altLang="en-US" dirty="0" smtClean="0"/>
+              <a:rPr lang="zh-TW" altLang="en-US" dirty="0"/>
               <a:t>雙線性化找到 </a:t>
             </a:r>
             <a:r>
-              <a:rPr lang="en-US" altLang="zh-TW" dirty="0" err="1" smtClean="0"/>
+              <a:rPr lang="en-US" altLang="zh-TW" dirty="0" err="1"/>
               <a:t>delta_y,eff</a:t>
             </a:r>
             <a:endParaRPr lang="zh-TW" altLang="en-US" dirty="0"/>
@@ -23324,7 +23323,7 @@
               <a:t> REBAR</a:t>
             </a:r>
             <a:r>
-              <a:rPr lang="en-US" altLang="zh-TW" sz="3600" spc="600" dirty="0" smtClean="0">
+              <a:rPr lang="en-US" altLang="zh-TW" sz="3600" spc="600" dirty="0">
                 <a:latin typeface="Segoe UI" panose="020B0502040204020203" pitchFamily="34" charset="0"/>
                 <a:cs typeface="Segoe UI" panose="020B0502040204020203" pitchFamily="34" charset="0"/>
               </a:rPr>
@@ -23635,13 +23634,6 @@
       </p:transition>
     </mc:Fallback>
   </mc:AlternateContent>
-  <p:timing>
-    <p:tnLst>
-      <p:par>
-        <p:cTn id="1" dur="indefinite" restart="never" nodeType="tmRoot"/>
-      </p:par>
-    </p:tnLst>
-  </p:timing>
 </p:sld>
 </file>
 
@@ -23783,13 +23775,13 @@
               </a:lnSpc>
             </a:pPr>
             <a:r>
-              <a:rPr lang="en-US" altLang="zh-TW" sz="2000" dirty="0" smtClean="0">
+              <a:rPr lang="en-US" altLang="zh-TW" sz="2000" dirty="0">
                 <a:latin typeface="Segoe UI Light" panose="020B0502040204020203" pitchFamily="34" charset="0"/>
                 <a:cs typeface="Segoe UI Light" panose="020B0502040204020203" pitchFamily="34" charset="0"/>
               </a:rPr>
               <a:t>Step 3</a:t>
             </a:r>
-            <a:endParaRPr lang="zh-TW" altLang="en-US" sz="2000" dirty="0" smtClean="0">
+            <a:endParaRPr lang="zh-TW" altLang="en-US" sz="2000" dirty="0">
               <a:latin typeface="Segoe UI Light" panose="020B0502040204020203" pitchFamily="34" charset="0"/>
               <a:cs typeface="Segoe UI Light" panose="020B0502040204020203" pitchFamily="34" charset="0"/>
             </a:endParaRPr>
@@ -23824,13 +23816,13 @@
               </a:lnSpc>
             </a:pPr>
             <a:r>
-              <a:rPr lang="en-US" altLang="zh-TW" sz="2000" dirty="0" smtClean="0">
+              <a:rPr lang="en-US" altLang="zh-TW" sz="2000" dirty="0">
                 <a:latin typeface="Segoe UI Light" panose="020B0502040204020203" pitchFamily="34" charset="0"/>
                 <a:cs typeface="Segoe UI Light" panose="020B0502040204020203" pitchFamily="34" charset="0"/>
               </a:rPr>
               <a:t>Step 9</a:t>
             </a:r>
-            <a:endParaRPr lang="zh-TW" altLang="en-US" sz="2000" dirty="0" smtClean="0">
+            <a:endParaRPr lang="zh-TW" altLang="en-US" sz="2000" dirty="0">
               <a:latin typeface="Segoe UI Light" panose="020B0502040204020203" pitchFamily="34" charset="0"/>
               <a:cs typeface="Segoe UI Light" panose="020B0502040204020203" pitchFamily="34" charset="0"/>
             </a:endParaRPr>
@@ -23859,13 +23851,6 @@
       </p:transition>
     </mc:Fallback>
   </mc:AlternateContent>
-  <p:timing>
-    <p:tnLst>
-      <p:par>
-        <p:cTn id="1" dur="indefinite" restart="never" nodeType="tmRoot"/>
-      </p:par>
-    </p:tnLst>
-  </p:timing>
 </p:sld>
 </file>
 
@@ -24038,7 +24023,7 @@
           <a:graphicData uri="http://schemas.openxmlformats.org/presentationml/2006/ole">
             <mc:AlternateContent xmlns:mc="http://schemas.openxmlformats.org/markup-compatibility/2006">
               <mc:Choice xmlns:v="urn:schemas-microsoft-com:vml" Requires="v">
-                <p:oleObj spid="_x0000_s2155" name="Equation" r:id="rId5" imgW="1002960" imgH="241200" progId="Equation.DSMT4">
+                <p:oleObj spid="_x0000_s2162" name="Equation" r:id="rId5" imgW="1002960" imgH="241200" progId="Equation.DSMT4">
                   <p:embed/>
                 </p:oleObj>
               </mc:Choice>
@@ -24095,7 +24080,7 @@
           <a:graphicData uri="http://schemas.openxmlformats.org/presentationml/2006/ole">
             <mc:AlternateContent xmlns:mc="http://schemas.openxmlformats.org/markup-compatibility/2006">
               <mc:Choice xmlns:v="urn:schemas-microsoft-com:vml" Requires="v">
-                <p:oleObj spid="_x0000_s2156" name="Equation" r:id="rId7" imgW="876240" imgH="241200" progId="Equation.DSMT4">
+                <p:oleObj spid="_x0000_s2163" name="Equation" r:id="rId7" imgW="876240" imgH="241200" progId="Equation.DSMT4">
                   <p:embed/>
                 </p:oleObj>
               </mc:Choice>
@@ -24152,7 +24137,7 @@
           <a:graphicData uri="http://schemas.openxmlformats.org/presentationml/2006/ole">
             <mc:AlternateContent xmlns:mc="http://schemas.openxmlformats.org/markup-compatibility/2006">
               <mc:Choice xmlns:v="urn:schemas-microsoft-com:vml" Requires="v">
-                <p:oleObj spid="_x0000_s2157" name="Equation" r:id="rId9" imgW="1028520" imgH="241200" progId="Equation.DSMT4">
+                <p:oleObj spid="_x0000_s2164" name="Equation" r:id="rId9" imgW="1028520" imgH="241200" progId="Equation.DSMT4">
                   <p:embed/>
                 </p:oleObj>
               </mc:Choice>
@@ -24209,7 +24194,7 @@
           <a:graphicData uri="http://schemas.openxmlformats.org/presentationml/2006/ole">
             <mc:AlternateContent xmlns:mc="http://schemas.openxmlformats.org/markup-compatibility/2006">
               <mc:Choice xmlns:v="urn:schemas-microsoft-com:vml" Requires="v">
-                <p:oleObj spid="_x0000_s2158" name="Equation" r:id="rId11" imgW="914400" imgH="241200" progId="Equation.DSMT4">
+                <p:oleObj spid="_x0000_s2165" name="Equation" r:id="rId11" imgW="914400" imgH="241200" progId="Equation.DSMT4">
                   <p:embed/>
                 </p:oleObj>
               </mc:Choice>
@@ -24266,7 +24251,7 @@
           <a:graphicData uri="http://schemas.openxmlformats.org/presentationml/2006/ole">
             <mc:AlternateContent xmlns:mc="http://schemas.openxmlformats.org/markup-compatibility/2006">
               <mc:Choice xmlns:v="urn:schemas-microsoft-com:vml" Requires="v">
-                <p:oleObj spid="_x0000_s2159" name="Equation" r:id="rId13" imgW="1002960" imgH="241200" progId="Equation.DSMT4">
+                <p:oleObj spid="_x0000_s2166" name="Equation" r:id="rId13" imgW="1002960" imgH="241200" progId="Equation.DSMT4">
                   <p:embed/>
                 </p:oleObj>
               </mc:Choice>
@@ -24323,7 +24308,7 @@
           <a:graphicData uri="http://schemas.openxmlformats.org/presentationml/2006/ole">
             <mc:AlternateContent xmlns:mc="http://schemas.openxmlformats.org/markup-compatibility/2006">
               <mc:Choice xmlns:v="urn:schemas-microsoft-com:vml" Requires="v">
-                <p:oleObj spid="_x0000_s2160" name="Equation" r:id="rId15" imgW="876240" imgH="241200" progId="Equation.DSMT4">
+                <p:oleObj spid="_x0000_s2167" name="Equation" r:id="rId15" imgW="876240" imgH="241200" progId="Equation.DSMT4">
                   <p:embed/>
                 </p:oleObj>
               </mc:Choice>
@@ -24380,7 +24365,7 @@
           <a:graphicData uri="http://schemas.openxmlformats.org/presentationml/2006/ole">
             <mc:AlternateContent xmlns:mc="http://schemas.openxmlformats.org/markup-compatibility/2006">
               <mc:Choice xmlns:v="urn:schemas-microsoft-com:vml" Requires="v">
-                <p:oleObj spid="_x0000_s2161" name="Equation" r:id="rId17" imgW="609480" imgH="241200" progId="Equation.DSMT4">
+                <p:oleObj spid="_x0000_s2168" name="Equation" r:id="rId17" imgW="609480" imgH="241200" progId="Equation.DSMT4">
                   <p:embed/>
                 </p:oleObj>
               </mc:Choice>
@@ -24473,13 +24458,6 @@
       </p:transition>
     </mc:Fallback>
   </mc:AlternateContent>
-  <p:timing>
-    <p:tnLst>
-      <p:par>
-        <p:cTn id="1" dur="indefinite" restart="never" nodeType="tmRoot"/>
-      </p:par>
-    </p:tnLst>
-  </p:timing>
 </p:sld>
 </file>
 
@@ -24551,7 +24529,7 @@
           <a:lstStyle/>
           <a:p>
             <a:r>
-              <a:rPr lang="en-US" altLang="zh-TW" dirty="0" smtClean="0"/>
+              <a:rPr lang="en-US" altLang="zh-TW" dirty="0"/>
               <a:t>Multiple Hinges</a:t>
             </a:r>
             <a:endParaRPr lang="zh-TW" altLang="en-US" dirty="0"/>
@@ -24603,7 +24581,7 @@
           <a:graphicData uri="http://schemas.openxmlformats.org/presentationml/2006/ole">
             <mc:AlternateContent xmlns:mc="http://schemas.openxmlformats.org/markup-compatibility/2006">
               <mc:Choice xmlns:v="urn:schemas-microsoft-com:vml" Requires="v">
-                <p:oleObj spid="_x0000_s3102" name="Equation" r:id="rId4" imgW="1015920" imgH="241200" progId="Equation.DSMT4">
+                <p:oleObj spid="_x0000_s3104" name="Equation" r:id="rId4" imgW="1015920" imgH="241200" progId="Equation.DSMT4">
                   <p:embed/>
                 </p:oleObj>
               </mc:Choice>
@@ -24660,7 +24638,7 @@
           <a:graphicData uri="http://schemas.openxmlformats.org/presentationml/2006/ole">
             <mc:AlternateContent xmlns:mc="http://schemas.openxmlformats.org/markup-compatibility/2006">
               <mc:Choice xmlns:v="urn:schemas-microsoft-com:vml" Requires="v">
-                <p:oleObj spid="_x0000_s3103" name="Equation" r:id="rId6" imgW="876240" imgH="241200" progId="Equation.DSMT4">
+                <p:oleObj spid="_x0000_s3105" name="Equation" r:id="rId6" imgW="876240" imgH="241200" progId="Equation.DSMT4">
                   <p:embed/>
                 </p:oleObj>
               </mc:Choice>
@@ -24752,13 +24730,6 @@
       </p:transition>
     </mc:Fallback>
   </mc:AlternateContent>
-  <p:timing>
-    <p:tnLst>
-      <p:par>
-        <p:cTn id="1" dur="indefinite" restart="never" nodeType="tmRoot"/>
-      </p:par>
-    </p:tnLst>
-  </p:timing>
 </p:sld>
 </file>
 
@@ -24931,7 +24902,7 @@
           <a:graphicData uri="http://schemas.openxmlformats.org/presentationml/2006/ole">
             <mc:AlternateContent xmlns:mc="http://schemas.openxmlformats.org/markup-compatibility/2006">
               <mc:Choice xmlns:v="urn:schemas-microsoft-com:vml" Requires="v">
-                <p:oleObj spid="_x0000_s4203" name="Equation" r:id="rId5" imgW="1015920" imgH="241200" progId="Equation.DSMT4">
+                <p:oleObj spid="_x0000_s4210" name="Equation" r:id="rId5" imgW="1015920" imgH="241200" progId="Equation.DSMT4">
                   <p:embed/>
                 </p:oleObj>
               </mc:Choice>
@@ -24988,7 +24959,7 @@
           <a:graphicData uri="http://schemas.openxmlformats.org/presentationml/2006/ole">
             <mc:AlternateContent xmlns:mc="http://schemas.openxmlformats.org/markup-compatibility/2006">
               <mc:Choice xmlns:v="urn:schemas-microsoft-com:vml" Requires="v">
-                <p:oleObj spid="_x0000_s4204" name="Equation" r:id="rId7" imgW="876240" imgH="241200" progId="Equation.DSMT4">
+                <p:oleObj spid="_x0000_s4211" name="Equation" r:id="rId7" imgW="876240" imgH="241200" progId="Equation.DSMT4">
                   <p:embed/>
                 </p:oleObj>
               </mc:Choice>
@@ -25045,7 +25016,7 @@
           <a:graphicData uri="http://schemas.openxmlformats.org/presentationml/2006/ole">
             <mc:AlternateContent xmlns:mc="http://schemas.openxmlformats.org/markup-compatibility/2006">
               <mc:Choice xmlns:v="urn:schemas-microsoft-com:vml" Requires="v">
-                <p:oleObj spid="_x0000_s4205" name="Equation" r:id="rId9" imgW="1028520" imgH="241200" progId="Equation.DSMT4">
+                <p:oleObj spid="_x0000_s4212" name="Equation" r:id="rId9" imgW="1028520" imgH="241200" progId="Equation.DSMT4">
                   <p:embed/>
                 </p:oleObj>
               </mc:Choice>
@@ -25102,7 +25073,7 @@
           <a:graphicData uri="http://schemas.openxmlformats.org/presentationml/2006/ole">
             <mc:AlternateContent xmlns:mc="http://schemas.openxmlformats.org/markup-compatibility/2006">
               <mc:Choice xmlns:v="urn:schemas-microsoft-com:vml" Requires="v">
-                <p:oleObj spid="_x0000_s4206" name="Equation" r:id="rId11" imgW="901440" imgH="241200" progId="Equation.DSMT4">
+                <p:oleObj spid="_x0000_s4213" name="Equation" r:id="rId11" imgW="901440" imgH="241200" progId="Equation.DSMT4">
                   <p:embed/>
                 </p:oleObj>
               </mc:Choice>
@@ -25159,7 +25130,7 @@
           <a:graphicData uri="http://schemas.openxmlformats.org/presentationml/2006/ole">
             <mc:AlternateContent xmlns:mc="http://schemas.openxmlformats.org/markup-compatibility/2006">
               <mc:Choice xmlns:v="urn:schemas-microsoft-com:vml" Requires="v">
-                <p:oleObj spid="_x0000_s4207" name="Equation" r:id="rId13" imgW="1002960" imgH="241200" progId="Equation.DSMT4">
+                <p:oleObj spid="_x0000_s4214" name="Equation" r:id="rId13" imgW="1002960" imgH="241200" progId="Equation.DSMT4">
                   <p:embed/>
                 </p:oleObj>
               </mc:Choice>
@@ -25216,7 +25187,7 @@
           <a:graphicData uri="http://schemas.openxmlformats.org/presentationml/2006/ole">
             <mc:AlternateContent xmlns:mc="http://schemas.openxmlformats.org/markup-compatibility/2006">
               <mc:Choice xmlns:v="urn:schemas-microsoft-com:vml" Requires="v">
-                <p:oleObj spid="_x0000_s4208" name="Equation" r:id="rId15" imgW="876240" imgH="241200" progId="Equation.DSMT4">
+                <p:oleObj spid="_x0000_s4215" name="Equation" r:id="rId15" imgW="876240" imgH="241200" progId="Equation.DSMT4">
                   <p:embed/>
                 </p:oleObj>
               </mc:Choice>
@@ -25267,7 +25238,7 @@
           <a:graphicData uri="http://schemas.openxmlformats.org/presentationml/2006/ole">
             <mc:AlternateContent xmlns:mc="http://schemas.openxmlformats.org/markup-compatibility/2006">
               <mc:Choice xmlns:v="urn:schemas-microsoft-com:vml" Requires="v">
-                <p:oleObj spid="_x0000_s4209" name="Equation" r:id="rId17" imgW="609480" imgH="241200" progId="Equation.DSMT4">
+                <p:oleObj spid="_x0000_s4216" name="Equation" r:id="rId17" imgW="609480" imgH="241200" progId="Equation.DSMT4">
                   <p:embed/>
                 </p:oleObj>
               </mc:Choice>
@@ -25360,13 +25331,6 @@
       </p:transition>
     </mc:Fallback>
   </mc:AlternateContent>
-  <p:timing>
-    <p:tnLst>
-      <p:par>
-        <p:cTn id="1" dur="indefinite" restart="never" nodeType="tmRoot"/>
-      </p:par>
-    </p:tnLst>
-  </p:timing>
 </p:sld>
 </file>
 
@@ -25495,7 +25459,7 @@
           <a:graphicData uri="http://schemas.openxmlformats.org/presentationml/2006/ole">
             <mc:AlternateContent xmlns:mc="http://schemas.openxmlformats.org/markup-compatibility/2006">
               <mc:Choice xmlns:v="urn:schemas-microsoft-com:vml" Requires="v">
-                <p:oleObj spid="_x0000_s5140" name="Equation" r:id="rId4" imgW="1041120" imgH="241200" progId="Equation.DSMT4">
+                <p:oleObj spid="_x0000_s5142" name="Equation" r:id="rId4" imgW="1041120" imgH="241200" progId="Equation.DSMT4">
                   <p:embed/>
                 </p:oleObj>
               </mc:Choice>
@@ -25552,7 +25516,7 @@
           <a:graphicData uri="http://schemas.openxmlformats.org/presentationml/2006/ole">
             <mc:AlternateContent xmlns:mc="http://schemas.openxmlformats.org/markup-compatibility/2006">
               <mc:Choice xmlns:v="urn:schemas-microsoft-com:vml" Requires="v">
-                <p:oleObj spid="_x0000_s5141" name="Equation" r:id="rId6" imgW="1358640" imgH="685800" progId="Equation.DSMT4">
+                <p:oleObj spid="_x0000_s5143" name="Equation" r:id="rId6" imgW="1358640" imgH="685800" progId="Equation.DSMT4">
                   <p:embed/>
                 </p:oleObj>
               </mc:Choice>
@@ -25609,13 +25573,6 @@
       </p:transition>
     </mc:Fallback>
   </mc:AlternateContent>
-  <p:timing>
-    <p:tnLst>
-      <p:par>
-        <p:cTn id="1" dur="indefinite" restart="never" nodeType="tmRoot"/>
-      </p:par>
-    </p:tnLst>
-  </p:timing>
 </p:sld>
 </file>
 
@@ -25831,7 +25788,7 @@
               </a:lnSpc>
             </a:pPr>
             <a:r>
-              <a:rPr lang="en-US" altLang="zh-TW" sz="2000" dirty="0" smtClean="0">
+              <a:rPr lang="en-US" altLang="zh-TW" sz="2000" dirty="0">
                 <a:solidFill>
                   <a:schemeClr val="bg1"/>
                 </a:solidFill>
@@ -25840,7 +25797,7 @@
               </a:rPr>
               <a:t>Step 3</a:t>
             </a:r>
-            <a:endParaRPr lang="zh-TW" altLang="en-US" sz="2000" dirty="0" smtClean="0">
+            <a:endParaRPr lang="zh-TW" altLang="en-US" sz="2000" dirty="0">
               <a:solidFill>
                 <a:schemeClr val="bg1"/>
               </a:solidFill>
@@ -25882,7 +25839,7 @@
               </a:lnSpc>
             </a:pPr>
             <a:r>
-              <a:rPr lang="en-US" altLang="zh-TW" sz="2000" dirty="0" smtClean="0">
+              <a:rPr lang="en-US" altLang="zh-TW" sz="2000" dirty="0">
                 <a:solidFill>
                   <a:schemeClr val="bg1"/>
                 </a:solidFill>
@@ -25891,7 +25848,7 @@
               </a:rPr>
               <a:t>Step 5</a:t>
             </a:r>
-            <a:endParaRPr lang="zh-TW" altLang="en-US" sz="2000" dirty="0" smtClean="0">
+            <a:endParaRPr lang="zh-TW" altLang="en-US" sz="2000" dirty="0">
               <a:solidFill>
                 <a:schemeClr val="bg1"/>
               </a:solidFill>
@@ -25933,7 +25890,7 @@
               </a:lnSpc>
             </a:pPr>
             <a:r>
-              <a:rPr lang="en-US" altLang="zh-TW" sz="2000" dirty="0" smtClean="0">
+              <a:rPr lang="en-US" altLang="zh-TW" sz="2000" dirty="0">
                 <a:solidFill>
                   <a:schemeClr val="bg1"/>
                 </a:solidFill>
@@ -25942,7 +25899,7 @@
               </a:rPr>
               <a:t>Step 7</a:t>
             </a:r>
-            <a:endParaRPr lang="zh-TW" altLang="en-US" sz="2000" dirty="0" smtClean="0">
+            <a:endParaRPr lang="zh-TW" altLang="en-US" sz="2000" dirty="0">
               <a:solidFill>
                 <a:schemeClr val="bg1"/>
               </a:solidFill>
@@ -25984,7 +25941,7 @@
               </a:lnSpc>
             </a:pPr>
             <a:r>
-              <a:rPr lang="en-US" altLang="zh-TW" sz="2000" dirty="0" smtClean="0">
+              <a:rPr lang="en-US" altLang="zh-TW" sz="2000" dirty="0">
                 <a:solidFill>
                   <a:schemeClr val="bg1"/>
                 </a:solidFill>
@@ -25993,7 +25950,7 @@
               </a:rPr>
               <a:t>Step 8</a:t>
             </a:r>
-            <a:endParaRPr lang="zh-TW" altLang="en-US" sz="2000" dirty="0" smtClean="0">
+            <a:endParaRPr lang="zh-TW" altLang="en-US" sz="2000" dirty="0">
               <a:solidFill>
                 <a:schemeClr val="bg1"/>
               </a:solidFill>
@@ -26025,13 +25982,6 @@
       </p:transition>
     </mc:Fallback>
   </mc:AlternateContent>
-  <p:timing>
-    <p:tnLst>
-      <p:par>
-        <p:cTn id="1" dur="indefinite" restart="never" nodeType="tmRoot"/>
-      </p:par>
-    </p:tnLst>
-  </p:timing>
 </p:sld>
 </file>
 
@@ -26107,7 +26057,7 @@
           <a:lstStyle/>
           <a:p>
             <a:r>
-              <a:rPr lang="en-US" altLang="zh-TW" dirty="0" smtClean="0"/>
+              <a:rPr lang="en-US" altLang="zh-TW" dirty="0"/>
               <a:t>Pushover Result</a:t>
             </a:r>
             <a:endParaRPr lang="zh-TW" altLang="en-US" dirty="0"/>
@@ -26200,13 +26150,13 @@
               </a:lnSpc>
             </a:pPr>
             <a:r>
-              <a:rPr lang="en-US" altLang="zh-TW" sz="2000" dirty="0" smtClean="0">
+              <a:rPr lang="en-US" altLang="zh-TW" sz="2000" dirty="0">
                 <a:latin typeface="Segoe UI Light" panose="020B0502040204020203" pitchFamily="34" charset="0"/>
                 <a:cs typeface="Segoe UI Light" panose="020B0502040204020203" pitchFamily="34" charset="0"/>
               </a:rPr>
               <a:t>Hinge</a:t>
             </a:r>
-            <a:endParaRPr lang="zh-TW" altLang="en-US" sz="2000" dirty="0" smtClean="0">
+            <a:endParaRPr lang="zh-TW" altLang="en-US" sz="2000" dirty="0">
               <a:latin typeface="Segoe UI Light" panose="020B0502040204020203" pitchFamily="34" charset="0"/>
               <a:cs typeface="Segoe UI Light" panose="020B0502040204020203" pitchFamily="34" charset="0"/>
             </a:endParaRPr>
@@ -26270,13 +26220,6 @@
       </p:transition>
     </mc:Fallback>
   </mc:AlternateContent>
-  <p:timing>
-    <p:tnLst>
-      <p:par>
-        <p:cTn id="1" dur="indefinite" restart="never" nodeType="tmRoot"/>
-      </p:par>
-    </p:tnLst>
-  </p:timing>
 </p:sld>
 </file>
 
@@ -26319,11 +26262,7 @@
           <a:p>
             <a:r>
               <a:rPr lang="en-US" altLang="zh-TW" dirty="0"/>
-              <a:t>Pushover </a:t>
-            </a:r>
-            <a:r>
-              <a:rPr lang="en-US" altLang="zh-TW" dirty="0" smtClean="0"/>
-              <a:t>Result</a:t>
+              <a:t>Pushover Result</a:t>
             </a:r>
             <a:endParaRPr lang="zh-TW" altLang="en-US" dirty="0"/>
           </a:p>
@@ -26415,7 +26354,7 @@
               </a:lnSpc>
             </a:pPr>
             <a:r>
-              <a:rPr lang="en-US" altLang="zh-TW" sz="2000" dirty="0" smtClean="0">
+              <a:rPr lang="en-US" altLang="zh-TW" sz="2000" dirty="0">
                 <a:latin typeface="Segoe UI Light" panose="020B0502040204020203" pitchFamily="34" charset="0"/>
                 <a:cs typeface="Segoe UI Light" panose="020B0502040204020203" pitchFamily="34" charset="0"/>
               </a:rPr>
@@ -26456,20 +26395,20 @@
               </a:lnSpc>
             </a:pPr>
             <a:r>
-              <a:rPr lang="zh-TW" altLang="en-US" sz="2000" dirty="0" smtClean="0">
+              <a:rPr lang="zh-TW" altLang="en-US" sz="2000" dirty="0">
                 <a:latin typeface="Segoe UI Light" panose="020B0502040204020203" pitchFamily="34" charset="0"/>
                 <a:cs typeface="Segoe UI Light" panose="020B0502040204020203" pitchFamily="34" charset="0"/>
               </a:rPr>
               <a:t>耐震性能檢測 </a:t>
             </a:r>
             <a:r>
-              <a:rPr lang="en-US" altLang="zh-TW" sz="2000" dirty="0" smtClean="0">
+              <a:rPr lang="en-US" altLang="zh-TW" sz="2000" dirty="0">
                 <a:latin typeface="Segoe UI Light" panose="020B0502040204020203" pitchFamily="34" charset="0"/>
                 <a:cs typeface="Segoe UI Light" panose="020B0502040204020203" pitchFamily="34" charset="0"/>
               </a:rPr>
               <a:t>PGA</a:t>
             </a:r>
-            <a:endParaRPr lang="zh-TW" altLang="en-US" sz="2000" dirty="0" smtClean="0">
+            <a:endParaRPr lang="zh-TW" altLang="en-US" sz="2000" dirty="0">
               <a:latin typeface="Segoe UI Light" panose="020B0502040204020203" pitchFamily="34" charset="0"/>
               <a:cs typeface="Segoe UI Light" panose="020B0502040204020203" pitchFamily="34" charset="0"/>
             </a:endParaRPr>
@@ -26533,13 +26472,6 @@
       </p:transition>
     </mc:Fallback>
   </mc:AlternateContent>
-  <p:timing>
-    <p:tnLst>
-      <p:par>
-        <p:cTn id="1" dur="indefinite" restart="never" nodeType="tmRoot"/>
-      </p:par>
-    </p:tnLst>
-  </p:timing>
 </p:sld>
 </file>
 
@@ -26582,11 +26514,7 @@
           <a:p>
             <a:r>
               <a:rPr lang="en-US" altLang="zh-TW" dirty="0"/>
-              <a:t>Time </a:t>
-            </a:r>
-            <a:r>
-              <a:rPr lang="en-US" altLang="zh-TW" dirty="0" smtClean="0"/>
-              <a:t>history</a:t>
+              <a:t>Time history</a:t>
             </a:r>
             <a:endParaRPr lang="zh-TW" altLang="en-US" dirty="0"/>
           </a:p>
@@ -26667,13 +26595,13 @@
               </a:lnSpc>
             </a:pPr>
             <a:r>
-              <a:rPr lang="en-US" altLang="zh-TW" sz="2000" dirty="0" smtClean="0">
+              <a:rPr lang="en-US" altLang="zh-TW" sz="2000" dirty="0">
                 <a:latin typeface="Segoe UI Light" panose="020B0502040204020203" pitchFamily="34" charset="0"/>
                 <a:cs typeface="Segoe UI Light" panose="020B0502040204020203" pitchFamily="34" charset="0"/>
               </a:rPr>
               <a:t>Scaled to DBE, MCE</a:t>
             </a:r>
-            <a:endParaRPr lang="zh-TW" altLang="en-US" sz="2000" dirty="0" smtClean="0">
+            <a:endParaRPr lang="zh-TW" altLang="en-US" sz="2000" dirty="0">
               <a:latin typeface="Segoe UI Light" panose="020B0502040204020203" pitchFamily="34" charset="0"/>
               <a:cs typeface="Segoe UI Light" panose="020B0502040204020203" pitchFamily="34" charset="0"/>
             </a:endParaRPr>
@@ -26743,13 +26671,13 @@
               </a:lnSpc>
             </a:pPr>
             <a:r>
-              <a:rPr lang="en-US" altLang="zh-TW" sz="2000" dirty="0" smtClean="0">
+              <a:rPr lang="en-US" altLang="zh-TW" sz="2000" dirty="0">
                 <a:latin typeface="Segoe UI Light" panose="020B0502040204020203" pitchFamily="34" charset="0"/>
                 <a:cs typeface="Segoe UI Light" panose="020B0502040204020203" pitchFamily="34" charset="0"/>
               </a:rPr>
               <a:t>Story Drift</a:t>
             </a:r>
-            <a:endParaRPr lang="zh-TW" altLang="en-US" sz="2000" dirty="0" smtClean="0">
+            <a:endParaRPr lang="zh-TW" altLang="en-US" sz="2000" dirty="0">
               <a:latin typeface="Segoe UI Light" panose="020B0502040204020203" pitchFamily="34" charset="0"/>
               <a:cs typeface="Segoe UI Light" panose="020B0502040204020203" pitchFamily="34" charset="0"/>
             </a:endParaRPr>
@@ -26784,7 +26712,7 @@
               </a:lnSpc>
             </a:pPr>
             <a:r>
-              <a:rPr lang="en-US" altLang="zh-TW" sz="2000" dirty="0" smtClean="0">
+              <a:rPr lang="en-US" altLang="zh-TW" sz="2000" dirty="0">
                 <a:latin typeface="Segoe UI Light" panose="020B0502040204020203" pitchFamily="34" charset="0"/>
                 <a:cs typeface="Segoe UI Light" panose="020B0502040204020203" pitchFamily="34" charset="0"/>
               </a:rPr>
@@ -26798,13 +26726,13 @@
               </a:lnSpc>
             </a:pPr>
             <a:r>
-              <a:rPr lang="en-US" altLang="zh-TW" sz="2000" dirty="0" smtClean="0">
+              <a:rPr lang="en-US" altLang="zh-TW" sz="2000" dirty="0">
                 <a:latin typeface="Segoe UI Light" panose="020B0502040204020203" pitchFamily="34" charset="0"/>
                 <a:cs typeface="Segoe UI Light" panose="020B0502040204020203" pitchFamily="34" charset="0"/>
               </a:rPr>
               <a:t>MCE &lt; 2%</a:t>
             </a:r>
-            <a:endParaRPr lang="zh-TW" altLang="en-US" sz="2000" dirty="0" smtClean="0">
+            <a:endParaRPr lang="zh-TW" altLang="en-US" sz="2000" dirty="0">
               <a:latin typeface="Segoe UI Light" panose="020B0502040204020203" pitchFamily="34" charset="0"/>
               <a:cs typeface="Segoe UI Light" panose="020B0502040204020203" pitchFamily="34" charset="0"/>
             </a:endParaRPr>
@@ -26833,13 +26761,6 @@
       </p:transition>
     </mc:Fallback>
   </mc:AlternateContent>
-  <p:timing>
-    <p:tnLst>
-      <p:par>
-        <p:cTn id="1" dur="indefinite" restart="never" nodeType="tmRoot"/>
-      </p:par>
-    </p:tnLst>
-  </p:timing>
 </p:sld>
 </file>
 
@@ -26876,7 +26797,7 @@
           <a:lstStyle/>
           <a:p>
             <a:r>
-              <a:rPr lang="en-US" altLang="zh-TW" dirty="0" smtClean="0"/>
+              <a:rPr lang="en-US" altLang="zh-TW" dirty="0"/>
               <a:t>Scaled</a:t>
             </a:r>
             <a:endParaRPr lang="zh-TW" altLang="en-US" dirty="0"/>
@@ -27036,13 +26957,6 @@
       </p:transition>
     </mc:Fallback>
   </mc:AlternateContent>
-  <p:timing>
-    <p:tnLst>
-      <p:par>
-        <p:cTn id="1" dur="indefinite" restart="never" nodeType="tmRoot"/>
-      </p:par>
-    </p:tnLst>
-  </p:timing>
 </p:sld>
 </file>
 
@@ -27079,7 +26993,7 @@
           <a:lstStyle/>
           <a:p>
             <a:r>
-              <a:rPr lang="en-US" altLang="zh-TW" dirty="0" smtClean="0"/>
+              <a:rPr lang="en-US" altLang="zh-TW" dirty="0"/>
               <a:t>Case Study</a:t>
             </a:r>
             <a:endParaRPr lang="zh-TW" altLang="en-US" dirty="0"/>
@@ -27166,7 +27080,7 @@
           <a:graphicData uri="http://schemas.openxmlformats.org/presentationml/2006/ole">
             <mc:AlternateContent xmlns:mc="http://schemas.openxmlformats.org/markup-compatibility/2006">
               <mc:Choice xmlns:v="urn:schemas-microsoft-com:vml" Requires="v">
-                <p:oleObj spid="_x0000_s9225" name="Equation" r:id="rId4" imgW="1206360" imgH="291960" progId="Equation.DSMT4">
+                <p:oleObj spid="_x0000_s9226" name="Equation" r:id="rId4" imgW="1206360" imgH="291960" progId="Equation.DSMT4">
                   <p:embed/>
                 </p:oleObj>
               </mc:Choice>
@@ -27223,13 +27137,6 @@
       </p:transition>
     </mc:Fallback>
   </mc:AlternateContent>
-  <p:timing>
-    <p:tnLst>
-      <p:par>
-        <p:cTn id="1" dur="indefinite" restart="never" nodeType="tmRoot"/>
-      </p:par>
-    </p:tnLst>
-  </p:timing>
 </p:sld>
 </file>
 
@@ -27371,13 +27278,13 @@
               </a:lnSpc>
             </a:pPr>
             <a:r>
-              <a:rPr lang="en-US" altLang="zh-TW" sz="2000" dirty="0" smtClean="0">
+              <a:rPr lang="en-US" altLang="zh-TW" sz="2000" dirty="0">
                 <a:latin typeface="Segoe UI Light" panose="020B0502040204020203" pitchFamily="34" charset="0"/>
                 <a:cs typeface="Segoe UI Light" panose="020B0502040204020203" pitchFamily="34" charset="0"/>
               </a:rPr>
               <a:t>DBE</a:t>
             </a:r>
-            <a:endParaRPr lang="zh-TW" altLang="en-US" sz="2000" dirty="0" smtClean="0">
+            <a:endParaRPr lang="zh-TW" altLang="en-US" sz="2000" dirty="0">
               <a:latin typeface="Segoe UI Light" panose="020B0502040204020203" pitchFamily="34" charset="0"/>
               <a:cs typeface="Segoe UI Light" panose="020B0502040204020203" pitchFamily="34" charset="0"/>
             </a:endParaRPr>
@@ -27412,13 +27319,13 @@
               </a:lnSpc>
             </a:pPr>
             <a:r>
-              <a:rPr lang="en-US" altLang="zh-TW" sz="2000" dirty="0" smtClean="0">
+              <a:rPr lang="en-US" altLang="zh-TW" sz="2000" dirty="0">
                 <a:latin typeface="Segoe UI Light" panose="020B0502040204020203" pitchFamily="34" charset="0"/>
                 <a:cs typeface="Segoe UI Light" panose="020B0502040204020203" pitchFamily="34" charset="0"/>
               </a:rPr>
               <a:t>MCE</a:t>
             </a:r>
-            <a:endParaRPr lang="zh-TW" altLang="en-US" sz="2000" dirty="0" smtClean="0">
+            <a:endParaRPr lang="zh-TW" altLang="en-US" sz="2000" dirty="0">
               <a:latin typeface="Segoe UI Light" panose="020B0502040204020203" pitchFamily="34" charset="0"/>
               <a:cs typeface="Segoe UI Light" panose="020B0502040204020203" pitchFamily="34" charset="0"/>
             </a:endParaRPr>
@@ -27447,13 +27354,6 @@
       </p:transition>
     </mc:Fallback>
   </mc:AlternateContent>
-  <p:timing>
-    <p:tnLst>
-      <p:par>
-        <p:cTn id="1" dur="indefinite" restart="never" nodeType="tmRoot"/>
-      </p:par>
-    </p:tnLst>
-  </p:timing>
 </p:sld>
 </file>
 
@@ -27496,15 +27396,7 @@
           <a:p>
             <a:r>
               <a:rPr lang="en-US" altLang="zh-TW" dirty="0"/>
-              <a:t>Hinges Only </a:t>
-            </a:r>
-            <a:r>
-              <a:rPr lang="en-US" altLang="zh-TW" dirty="0" smtClean="0"/>
-              <a:t>On </a:t>
-            </a:r>
-            <a:r>
-              <a:rPr lang="en-US" altLang="zh-TW" dirty="0"/>
-              <a:t>Two Ends</a:t>
+              <a:t>Hinges Only On Two Ends</a:t>
             </a:r>
             <a:endParaRPr lang="zh-TW" altLang="en-US" dirty="0"/>
           </a:p>
@@ -27625,13 +27517,6 @@
       </p:transition>
     </mc:Fallback>
   </mc:AlternateContent>
-  <p:timing>
-    <p:tnLst>
-      <p:par>
-        <p:cTn id="1" dur="indefinite" restart="never" nodeType="tmRoot"/>
-      </p:par>
-    </p:tnLst>
-  </p:timing>
 </p:sld>
 </file>
 
@@ -27790,13 +27675,6 @@
       </p:transition>
     </mc:Fallback>
   </mc:AlternateContent>
-  <p:timing>
-    <p:tnLst>
-      <p:par>
-        <p:cTn id="1" dur="indefinite" restart="never" nodeType="tmRoot"/>
-      </p:par>
-    </p:tnLst>
-  </p:timing>
 </p:sld>
 </file>
 
@@ -27833,7 +27711,7 @@
           <a:lstStyle/>
           <a:p>
             <a:r>
-              <a:rPr lang="en-US" altLang="zh-TW" dirty="0" smtClean="0"/>
+              <a:rPr lang="en-US" altLang="zh-TW" dirty="0"/>
               <a:t>IDA</a:t>
             </a:r>
             <a:endParaRPr lang="zh-TW" altLang="en-US" dirty="0"/>
@@ -27961,7 +27839,7 @@
               </a:lnSpc>
             </a:pPr>
             <a:r>
-              <a:rPr lang="en-US" altLang="zh-TW" sz="3200" dirty="0" smtClean="0">
+              <a:rPr lang="en-US" altLang="zh-TW" sz="3200" dirty="0">
                 <a:solidFill>
                   <a:schemeClr val="accent1"/>
                 </a:solidFill>
@@ -27978,7 +27856,7 @@
               </a:lnSpc>
             </a:pPr>
             <a:r>
-              <a:rPr lang="en-US" altLang="zh-TW" sz="3200" dirty="0" smtClean="0">
+              <a:rPr lang="en-US" altLang="zh-TW" sz="3200" dirty="0">
                 <a:latin typeface="Segoe UI Light" panose="020B0502040204020203" pitchFamily="34" charset="0"/>
                 <a:cs typeface="Segoe UI Light" panose="020B0502040204020203" pitchFamily="34" charset="0"/>
               </a:rPr>
@@ -27992,13 +27870,13 @@
               </a:lnSpc>
             </a:pPr>
             <a:r>
-              <a:rPr lang="en-US" altLang="zh-TW" sz="3200" dirty="0" smtClean="0">
+              <a:rPr lang="en-US" altLang="zh-TW" sz="3200" dirty="0">
                 <a:latin typeface="Segoe UI Light" panose="020B0502040204020203" pitchFamily="34" charset="0"/>
                 <a:cs typeface="Segoe UI Light" panose="020B0502040204020203" pitchFamily="34" charset="0"/>
               </a:rPr>
               <a:t>2.5% SEAOC 2000</a:t>
             </a:r>
-            <a:endParaRPr lang="zh-TW" altLang="en-US" sz="3200" dirty="0" smtClean="0">
+            <a:endParaRPr lang="zh-TW" altLang="en-US" sz="3200" dirty="0">
               <a:latin typeface="Segoe UI Light" panose="020B0502040204020203" pitchFamily="34" charset="0"/>
               <a:cs typeface="Segoe UI Light" panose="020B0502040204020203" pitchFamily="34" charset="0"/>
             </a:endParaRPr>
@@ -28027,13 +27905,6 @@
       </p:transition>
     </mc:Fallback>
   </mc:AlternateContent>
-  <p:timing>
-    <p:tnLst>
-      <p:par>
-        <p:cTn id="1" dur="indefinite" restart="never" nodeType="tmRoot"/>
-      </p:par>
-    </p:tnLst>
-  </p:timing>
 </p:sld>
 </file>
 
@@ -28054,29 +27925,6 @@
           <a:chExt cx="0" cy="0"/>
         </a:xfrm>
       </p:grpSpPr>
-      <p:sp>
-        <p:nvSpPr>
-          <p:cNvPr id="5" name="文字版面配置區 4"/>
-          <p:cNvSpPr>
-            <a:spLocks noGrp="1"/>
-          </p:cNvSpPr>
-          <p:nvPr>
-            <p:ph type="body" sz="quarter" idx="10"/>
-          </p:nvPr>
-        </p:nvSpPr>
-        <p:spPr/>
-        <p:txBody>
-          <a:bodyPr/>
-          <a:lstStyle/>
-          <a:p>
-            <a:r>
-              <a:rPr lang="en-US" altLang="zh-TW" dirty="0" smtClean="0"/>
-              <a:t>Time History</a:t>
-            </a:r>
-            <a:endParaRPr lang="zh-TW" altLang="en-US" dirty="0"/>
-          </a:p>
-        </p:txBody>
-      </p:sp>
       <p:sp>
         <p:nvSpPr>
           <p:cNvPr id="2" name="投影片編號版面配置區 1"/>
@@ -28148,20 +27996,20 @@
           <p:nvPr>
             <p:extLst>
               <p:ext uri="{D42A27DB-BD31-4B8C-83A1-F6EECF244321}">
-                <p14:modId xmlns:p14="http://schemas.microsoft.com/office/powerpoint/2010/main" val="4241928078"/>
+                <p14:modId xmlns:p14="http://schemas.microsoft.com/office/powerpoint/2010/main" val="3432505870"/>
               </p:ext>
             </p:extLst>
           </p:nvPr>
         </p:nvGraphicFramePr>
         <p:xfrm>
-          <a:off x="2925244" y="4155096"/>
+          <a:off x="2925244" y="4426562"/>
           <a:ext cx="1308100" cy="685800"/>
         </p:xfrm>
         <a:graphic>
           <a:graphicData uri="http://schemas.openxmlformats.org/presentationml/2006/ole">
             <mc:AlternateContent xmlns:mc="http://schemas.openxmlformats.org/markup-compatibility/2006">
               <mc:Choice xmlns:v="urn:schemas-microsoft-com:vml" Requires="v">
-                <p:oleObj spid="_x0000_s11267" name="Equation" r:id="rId4" imgW="1307880" imgH="685800" progId="Equation.DSMT4">
+                <p:oleObj spid="_x0000_s11268" name="Equation" r:id="rId4" imgW="1307880" imgH="685800" progId="Equation.DSMT4">
                   <p:embed/>
                 </p:oleObj>
               </mc:Choice>
@@ -28182,7 +28030,7 @@
                     </p:blipFill>
                     <p:spPr>
                       <a:xfrm>
-                        <a:off x="2925244" y="4155096"/>
+                        <a:off x="2925244" y="4426562"/>
                         <a:ext cx="1308100" cy="685800"/>
                       </a:xfrm>
                       <a:prstGeom prst="rect">
@@ -28205,7 +28053,7 @@
         <p:spPr>
           <a:xfrm>
             <a:off x="1786267" y="2721939"/>
-            <a:ext cx="2862322" cy="998735"/>
+            <a:ext cx="3554819" cy="1017907"/>
           </a:xfrm>
           <a:prstGeom prst="rect">
             <a:avLst/>
@@ -28224,13 +28072,20 @@
               </a:lnSpc>
             </a:pPr>
             <a:r>
-              <a:rPr lang="zh-TW" altLang="en-US" sz="5400" dirty="0" smtClean="0">
+              <a:rPr lang="zh-TW" altLang="en-US" sz="5400" dirty="0">
                 <a:latin typeface="Segoe UI Light" panose="020B0502040204020203" pitchFamily="34" charset="0"/>
                 <a:cs typeface="Segoe UI Light" panose="020B0502040204020203" pitchFamily="34" charset="0"/>
               </a:rPr>
               <a:t>資料點數</a:t>
             </a:r>
-            <a:endParaRPr lang="zh-TW" altLang="en-US" sz="5400" dirty="0" smtClean="0">
+            <a:r>
+              <a:rPr lang="zh-CN" altLang="en-US" sz="5400" dirty="0">
+                <a:latin typeface="Segoe UI Light" panose="020B0502040204020203" pitchFamily="34" charset="0"/>
+                <a:cs typeface="Segoe UI Light" panose="020B0502040204020203" pitchFamily="34" charset="0"/>
+              </a:rPr>
+              <a:t>少</a:t>
+            </a:r>
+            <a:endParaRPr lang="zh-TW" altLang="en-US" sz="5400" dirty="0">
               <a:latin typeface="Segoe UI Light" panose="020B0502040204020203" pitchFamily="34" charset="0"/>
               <a:cs typeface="Segoe UI Light" panose="020B0502040204020203" pitchFamily="34" charset="0"/>
             </a:endParaRPr>
@@ -28245,7 +28100,7 @@
         </p:nvCxnSpPr>
         <p:spPr>
           <a:xfrm rot="16200000" flipH="1">
-            <a:off x="2059518" y="3907213"/>
+            <a:off x="2059518" y="4178679"/>
             <a:ext cx="649010" cy="532557"/>
           </a:xfrm>
           <a:prstGeom prst="bentConnector2">
@@ -28281,7 +28136,7 @@
         </p:nvCxnSpPr>
         <p:spPr>
           <a:xfrm>
-            <a:off x="4648589" y="4497996"/>
+            <a:off x="4648589" y="4769462"/>
             <a:ext cx="1709681" cy="0"/>
           </a:xfrm>
           <a:prstGeom prst="straightConnector1">
@@ -28317,7 +28172,7 @@
         </p:nvSpPr>
         <p:spPr>
           <a:xfrm>
-            <a:off x="4774565" y="3499261"/>
+            <a:off x="4774565" y="3770727"/>
             <a:ext cx="1467709" cy="998735"/>
           </a:xfrm>
           <a:prstGeom prst="rect">
@@ -28337,23 +28192,19 @@
               </a:lnSpc>
             </a:pPr>
             <a:r>
-              <a:rPr lang="en-US" altLang="zh-TW" sz="5400" dirty="0" smtClean="0">
+              <a:rPr lang="en-US" altLang="zh-TW" sz="5400" dirty="0">
                 <a:latin typeface="Segoe UI Light" panose="020B0502040204020203" pitchFamily="34" charset="0"/>
                 <a:cs typeface="Segoe UI Light" panose="020B0502040204020203" pitchFamily="34" charset="0"/>
               </a:rPr>
               <a:t>11</a:t>
             </a:r>
             <a:r>
-              <a:rPr lang="zh-TW" altLang="en-US" sz="5400" dirty="0" smtClean="0">
+              <a:rPr lang="zh-TW" altLang="en-US" sz="5400" dirty="0">
                 <a:latin typeface="Segoe UI Light" panose="020B0502040204020203" pitchFamily="34" charset="0"/>
                 <a:cs typeface="Segoe UI Light" panose="020B0502040204020203" pitchFamily="34" charset="0"/>
               </a:rPr>
               <a:t> 組</a:t>
             </a:r>
-            <a:endParaRPr lang="zh-TW" altLang="en-US" sz="5400" dirty="0" smtClean="0">
-              <a:latin typeface="Segoe UI Light" panose="020B0502040204020203" pitchFamily="34" charset="0"/>
-              <a:cs typeface="Segoe UI Light" panose="020B0502040204020203" pitchFamily="34" charset="0"/>
-            </a:endParaRPr>
           </a:p>
         </p:txBody>
       </p:sp>
@@ -28379,13 +28230,6 @@
       </p:transition>
     </mc:Fallback>
   </mc:AlternateContent>
-  <p:timing>
-    <p:tnLst>
-      <p:par>
-        <p:cTn id="1" dur="indefinite" restart="never" nodeType="tmRoot"/>
-      </p:par>
-    </p:tnLst>
-  </p:timing>
 </p:sld>
 </file>
 
@@ -28428,15 +28272,7 @@
           <a:p>
             <a:r>
               <a:rPr lang="en-US" altLang="zh-TW" dirty="0"/>
-              <a:t>Hinges Only </a:t>
-            </a:r>
-            <a:r>
-              <a:rPr lang="en-US" altLang="zh-TW" dirty="0" smtClean="0"/>
-              <a:t>On </a:t>
-            </a:r>
-            <a:r>
-              <a:rPr lang="en-US" altLang="zh-TW" dirty="0"/>
-              <a:t>Ends</a:t>
+              <a:t>Hinges Only On Ends</a:t>
             </a:r>
             <a:endParaRPr lang="zh-TW" altLang="en-US" dirty="0"/>
           </a:p>
@@ -28676,13 +28512,6 @@
       </p:transition>
     </mc:Fallback>
   </mc:AlternateContent>
-  <p:timing>
-    <p:tnLst>
-      <p:par>
-        <p:cTn id="1" dur="indefinite" restart="never" nodeType="tmRoot"/>
-      </p:par>
-    </p:tnLst>
-  </p:timing>
 </p:sld>
 </file>
 
@@ -29309,13 +29138,6 @@
       </p:transition>
     </mc:Fallback>
   </mc:AlternateContent>
-  <p:timing>
-    <p:tnLst>
-      <p:par>
-        <p:cTn id="1" dur="indefinite" restart="never" nodeType="tmRoot"/>
-      </p:par>
-    </p:tnLst>
-  </p:timing>
 </p:sld>
 </file>
 
@@ -29336,25 +29158,6 @@
           <a:chExt cx="0" cy="0"/>
         </a:xfrm>
       </p:grpSpPr>
-      <p:sp>
-        <p:nvSpPr>
-          <p:cNvPr id="2" name="文字版面配置區 1"/>
-          <p:cNvSpPr>
-            <a:spLocks noGrp="1"/>
-          </p:cNvSpPr>
-          <p:nvPr>
-            <p:ph type="body" sz="quarter" idx="10"/>
-          </p:nvPr>
-        </p:nvSpPr>
-        <p:spPr/>
-        <p:txBody>
-          <a:bodyPr/>
-          <a:lstStyle/>
-          <a:p>
-            <a:endParaRPr lang="zh-TW" altLang="en-US"/>
-          </a:p>
-        </p:txBody>
-      </p:sp>
       <p:sp>
         <p:nvSpPr>
           <p:cNvPr id="3" name="投影片編號版面配置區 2"/>
@@ -29540,6 +29343,182 @@
           </a:p>
         </p:txBody>
       </p:sp>
+      <p:sp>
+        <p:nvSpPr>
+          <p:cNvPr id="8" name="文字方塊 7">
+            <a:extLst>
+              <a:ext uri="{FF2B5EF4-FFF2-40B4-BE49-F238E27FC236}">
+                <a16:creationId xmlns:a16="http://schemas.microsoft.com/office/drawing/2014/main" id="{41035386-9846-4E4B-8489-465770D6AAE6}"/>
+              </a:ext>
+            </a:extLst>
+          </p:cNvPr>
+          <p:cNvSpPr txBox="1"/>
+          <p:nvPr/>
+        </p:nvSpPr>
+        <p:spPr>
+          <a:xfrm>
+            <a:off x="8277733" y="1743087"/>
+            <a:ext cx="1733295" cy="437043"/>
+          </a:xfrm>
+          <a:prstGeom prst="rect">
+            <a:avLst/>
+          </a:prstGeom>
+          <a:noFill/>
+        </p:spPr>
+        <p:txBody>
+          <a:bodyPr wrap="none" lIns="0" rtlCol="0" anchor="t">
+            <a:spAutoFit/>
+          </a:bodyPr>
+          <a:lstStyle/>
+          <a:p>
+            <a:pPr>
+              <a:lnSpc>
+                <a:spcPct val="120000"/>
+              </a:lnSpc>
+            </a:pPr>
+            <a:r>
+              <a:rPr lang="en-US" altLang="zh-TW" sz="2000" dirty="0"/>
+              <a:t>Multiple Hinges</a:t>
+            </a:r>
+            <a:endParaRPr lang="zh-TW" altLang="en-US" sz="2000" dirty="0"/>
+          </a:p>
+        </p:txBody>
+      </p:sp>
+      <p:sp>
+        <p:nvSpPr>
+          <p:cNvPr id="9" name="文字方塊 8">
+            <a:extLst>
+              <a:ext uri="{FF2B5EF4-FFF2-40B4-BE49-F238E27FC236}">
+                <a16:creationId xmlns:a16="http://schemas.microsoft.com/office/drawing/2014/main" id="{6BB7BFB2-46E3-DF49-826F-69EB0C9BB44C}"/>
+              </a:ext>
+            </a:extLst>
+          </p:cNvPr>
+          <p:cNvSpPr txBox="1"/>
+          <p:nvPr/>
+        </p:nvSpPr>
+        <p:spPr>
+          <a:xfrm>
+            <a:off x="1925253" y="1743087"/>
+            <a:ext cx="2246256" cy="437043"/>
+          </a:xfrm>
+          <a:prstGeom prst="rect">
+            <a:avLst/>
+          </a:prstGeom>
+          <a:noFill/>
+        </p:spPr>
+        <p:txBody>
+          <a:bodyPr wrap="none" lIns="0" rtlCol="0" anchor="t">
+            <a:spAutoFit/>
+          </a:bodyPr>
+          <a:lstStyle/>
+          <a:p>
+            <a:pPr>
+              <a:lnSpc>
+                <a:spcPct val="120000"/>
+              </a:lnSpc>
+            </a:pPr>
+            <a:r>
+              <a:rPr lang="en-US" altLang="zh-TW" sz="2000" dirty="0"/>
+              <a:t>Hinges Only On Ends</a:t>
+            </a:r>
+            <a:endParaRPr lang="zh-TW" altLang="en-US" sz="2000" dirty="0"/>
+          </a:p>
+        </p:txBody>
+      </p:sp>
+      <p:sp>
+        <p:nvSpPr>
+          <p:cNvPr id="10" name="文字方塊 9">
+            <a:extLst>
+              <a:ext uri="{FF2B5EF4-FFF2-40B4-BE49-F238E27FC236}">
+                <a16:creationId xmlns:a16="http://schemas.microsoft.com/office/drawing/2014/main" id="{48146EAA-71DB-8A4E-9E8C-8F6F619B251F}"/>
+              </a:ext>
+            </a:extLst>
+          </p:cNvPr>
+          <p:cNvSpPr txBox="1"/>
+          <p:nvPr/>
+        </p:nvSpPr>
+        <p:spPr>
+          <a:xfrm>
+            <a:off x="5321300" y="2798799"/>
+            <a:ext cx="675826" cy="437043"/>
+          </a:xfrm>
+          <a:prstGeom prst="rect">
+            <a:avLst/>
+          </a:prstGeom>
+          <a:noFill/>
+        </p:spPr>
+        <p:txBody>
+          <a:bodyPr wrap="none" lIns="0" rtlCol="0" anchor="t">
+            <a:spAutoFit/>
+          </a:bodyPr>
+          <a:lstStyle/>
+          <a:p>
+            <a:pPr algn="l">
+              <a:lnSpc>
+                <a:spcPct val="120000"/>
+              </a:lnSpc>
+            </a:pPr>
+            <a:r>
+              <a:rPr kumimoji="1" lang="en-US" altLang="zh-TW" sz="2000" dirty="0">
+                <a:latin typeface="Segoe UI Light" panose="020B0502040204020203" pitchFamily="34" charset="0"/>
+                <a:cs typeface="Segoe UI Light" panose="020B0502040204020203" pitchFamily="34" charset="0"/>
+              </a:rPr>
+              <a:t>0.014</a:t>
+            </a:r>
+            <a:endParaRPr kumimoji="1" lang="zh-TW" altLang="en-US" sz="2000" dirty="0">
+              <a:latin typeface="Segoe UI Light" panose="020B0502040204020203" pitchFamily="34" charset="0"/>
+              <a:cs typeface="Segoe UI Light" panose="020B0502040204020203" pitchFamily="34" charset="0"/>
+            </a:endParaRPr>
+          </a:p>
+        </p:txBody>
+      </p:sp>
+      <p:sp>
+        <p:nvSpPr>
+          <p:cNvPr id="12" name="文字方塊 11">
+            <a:extLst>
+              <a:ext uri="{FF2B5EF4-FFF2-40B4-BE49-F238E27FC236}">
+                <a16:creationId xmlns:a16="http://schemas.microsoft.com/office/drawing/2014/main" id="{1520D7CD-BF4A-E040-8E85-772ADEA587E7}"/>
+              </a:ext>
+            </a:extLst>
+          </p:cNvPr>
+          <p:cNvSpPr txBox="1"/>
+          <p:nvPr/>
+        </p:nvSpPr>
+        <p:spPr>
+          <a:xfrm>
+            <a:off x="11015886" y="2798798"/>
+            <a:ext cx="871313" cy="437043"/>
+          </a:xfrm>
+          <a:prstGeom prst="rect">
+            <a:avLst/>
+          </a:prstGeom>
+          <a:noFill/>
+        </p:spPr>
+        <p:txBody>
+          <a:bodyPr wrap="square" lIns="0" rtlCol="0" anchor="t">
+            <a:spAutoFit/>
+          </a:bodyPr>
+          <a:lstStyle/>
+          <a:p>
+            <a:pPr algn="l">
+              <a:lnSpc>
+                <a:spcPct val="120000"/>
+              </a:lnSpc>
+            </a:pPr>
+            <a:r>
+              <a:rPr kumimoji="1" lang="en-US" altLang="zh-TW" sz="2000" dirty="0">
+                <a:latin typeface="Segoe UI Light" panose="020B0502040204020203" pitchFamily="34" charset="0"/>
+                <a:cs typeface="Segoe UI Light" panose="020B0502040204020203" pitchFamily="34" charset="0"/>
+              </a:rPr>
+              <a:t>0.017</a:t>
+            </a:r>
+            <a:endParaRPr kumimoji="1" lang="zh-TW" altLang="en-US" sz="2000" dirty="0">
+              <a:latin typeface="Segoe UI Light" panose="020B0502040204020203" pitchFamily="34" charset="0"/>
+              <a:cs typeface="Segoe UI Light" panose="020B0502040204020203" pitchFamily="34" charset="0"/>
+            </a:endParaRPr>
+          </a:p>
+        </p:txBody>
+      </p:sp>
     </p:spTree>
     <p:extLst>
       <p:ext uri="{BB962C8B-B14F-4D97-AF65-F5344CB8AC3E}">
@@ -29562,13 +29541,6 @@
       </p:transition>
     </mc:Fallback>
   </mc:AlternateContent>
-  <p:timing>
-    <p:tnLst>
-      <p:par>
-        <p:cTn id="1" dur="indefinite" restart="never" nodeType="tmRoot"/>
-      </p:par>
-    </p:tnLst>
-  </p:timing>
 </p:sld>
 </file>
 
@@ -29605,7 +29577,7 @@
           <a:lstStyle/>
           <a:p>
             <a:r>
-              <a:rPr lang="en-US" altLang="zh-TW" dirty="0" smtClean="0"/>
+              <a:rPr lang="en-US" altLang="zh-TW" dirty="0"/>
               <a:t>Normal Side</a:t>
             </a:r>
             <a:endParaRPr lang="zh-TW" altLang="en-US" dirty="0"/>
@@ -30018,13 +29990,6 @@
       </p:transition>
     </mc:Fallback>
   </mc:AlternateContent>
-  <p:timing>
-    <p:tnLst>
-      <p:par>
-        <p:cTn id="1" dur="indefinite" restart="never" nodeType="tmRoot"/>
-      </p:par>
-    </p:tnLst>
-  </p:timing>
 </p:sld>
 </file>
 
@@ -30061,11 +30026,11 @@
           <a:lstStyle/>
           <a:p>
             <a:r>
-              <a:rPr lang="en-US" altLang="zh-TW" dirty="0" smtClean="0"/>
+              <a:rPr lang="en-US" altLang="zh-TW" dirty="0"/>
               <a:t>Normal </a:t>
             </a:r>
             <a:r>
-              <a:rPr lang="en-US" altLang="zh-TW" dirty="0" err="1" smtClean="0"/>
+              <a:rPr lang="en-US" altLang="zh-TW" dirty="0" err="1"/>
               <a:t>NoLd</a:t>
             </a:r>
             <a:endParaRPr lang="zh-TW" altLang="en-US" dirty="0"/>
@@ -30478,13 +30443,6 @@
       </p:transition>
     </mc:Fallback>
   </mc:AlternateContent>
-  <p:timing>
-    <p:tnLst>
-      <p:par>
-        <p:cTn id="1" dur="indefinite" restart="never" nodeType="tmRoot"/>
-      </p:par>
-    </p:tnLst>
-  </p:timing>
 </p:sld>
 </file>
 
@@ -30521,7 +30479,7 @@
           <a:lstStyle/>
           <a:p>
             <a:r>
-              <a:rPr lang="en-US" altLang="zh-TW" dirty="0" smtClean="0"/>
+              <a:rPr lang="en-US" altLang="zh-TW" dirty="0"/>
               <a:t>Information</a:t>
             </a:r>
             <a:endParaRPr lang="zh-TW" altLang="en-US" dirty="0"/>
@@ -30669,13 +30627,6 @@
       </p:transition>
     </mc:Fallback>
   </mc:AlternateContent>
-  <p:timing>
-    <p:tnLst>
-      <p:par>
-        <p:cTn id="1" dur="indefinite" restart="never" nodeType="tmRoot"/>
-      </p:par>
-    </p:tnLst>
-  </p:timing>
 </p:sld>
 </file>
 
@@ -30717,7 +30668,7 @@
           <a:lstStyle/>
           <a:p>
             <a:r>
-              <a:rPr lang="en-US" altLang="zh-TW" dirty="0" smtClean="0"/>
+              <a:rPr lang="en-US" altLang="zh-TW" dirty="0"/>
               <a:t>Design Earthquake</a:t>
             </a:r>
             <a:endParaRPr lang="zh-TW" altLang="en-US" dirty="0"/>
@@ -30817,13 +30768,6 @@
       </p:transition>
     </mc:Fallback>
   </mc:AlternateContent>
-  <p:timing>
-    <p:tnLst>
-      <p:par>
-        <p:cTn id="1" dur="indefinite" restart="never" nodeType="tmRoot"/>
-      </p:par>
-    </p:tnLst>
-  </p:timing>
 </p:sld>
 </file>
 
@@ -31003,13 +30947,6 @@
       </p:transition>
     </mc:Fallback>
   </mc:AlternateContent>
-  <p:timing>
-    <p:tnLst>
-      <p:par>
-        <p:cTn id="1" dur="indefinite" restart="never" nodeType="tmRoot"/>
-      </p:par>
-    </p:tnLst>
-  </p:timing>
 </p:sld>
 </file>
 
@@ -31151,13 +31088,13 @@
               </a:lnSpc>
             </a:pPr>
             <a:r>
-              <a:rPr lang="zh-TW" altLang="en-US" sz="2000" dirty="0" smtClean="0">
+              <a:rPr lang="zh-TW" altLang="en-US" sz="2000" dirty="0">
                 <a:latin typeface="Segoe UI Light" panose="020B0502040204020203" pitchFamily="34" charset="0"/>
                 <a:cs typeface="Segoe UI Light" panose="020B0502040204020203" pitchFamily="34" charset="0"/>
               </a:rPr>
               <a:t>強柱弱梁</a:t>
             </a:r>
-            <a:endParaRPr lang="en-US" altLang="zh-TW" sz="2000" dirty="0" smtClean="0">
+            <a:endParaRPr lang="en-US" altLang="zh-TW" sz="2000" dirty="0">
               <a:latin typeface="Segoe UI Light" panose="020B0502040204020203" pitchFamily="34" charset="0"/>
               <a:cs typeface="Segoe UI Light" panose="020B0502040204020203" pitchFamily="34" charset="0"/>
             </a:endParaRPr>
@@ -31192,7 +31129,7 @@
               </a:lnSpc>
             </a:pPr>
             <a:r>
-              <a:rPr lang="zh-TW" altLang="en-US" sz="2000" dirty="0" smtClean="0">
+              <a:rPr lang="zh-TW" altLang="en-US" sz="2000" dirty="0">
                 <a:latin typeface="Segoe UI Light" panose="020B0502040204020203" pitchFamily="34" charset="0"/>
                 <a:cs typeface="Segoe UI Light" panose="020B0502040204020203" pitchFamily="34" charset="0"/>
               </a:rPr>
@@ -31223,13 +31160,6 @@
       </p:transition>
     </mc:Fallback>
   </mc:AlternateContent>
-  <p:timing>
-    <p:tnLst>
-      <p:par>
-        <p:cTn id="1" dur="indefinite" restart="never" nodeType="tmRoot"/>
-      </p:par>
-    </p:tnLst>
-  </p:timing>
 </p:sld>
 </file>
 
@@ -31337,13 +31267,9 @@
             </a:pPr>
             <a:r>
               <a:rPr lang="en-US" altLang="zh-TW" sz="5400" dirty="0"/>
-              <a:t>Story </a:t>
+              <a:t>Story Drift</a:t>
             </a:r>
-            <a:r>
-              <a:rPr lang="en-US" altLang="zh-TW" sz="5400" dirty="0" smtClean="0"/>
-              <a:t>Drift</a:t>
-            </a:r>
-            <a:endParaRPr lang="en-US" altLang="zh-TW" sz="5400" dirty="0" smtClean="0">
+            <a:endParaRPr lang="en-US" altLang="zh-TW" sz="5400" dirty="0">
               <a:latin typeface="Segoe UI Light" panose="020B0502040204020203" pitchFamily="34" charset="0"/>
               <a:cs typeface="Segoe UI Light" panose="020B0502040204020203" pitchFamily="34" charset="0"/>
             </a:endParaRPr>
@@ -31355,13 +31281,13 @@
               </a:lnSpc>
             </a:pPr>
             <a:r>
-              <a:rPr lang="en-US" altLang="zh-TW" sz="5400" dirty="0" smtClean="0">
+              <a:rPr lang="en-US" altLang="zh-TW" sz="5400" dirty="0">
                 <a:latin typeface="Segoe UI Light" panose="020B0502040204020203" pitchFamily="34" charset="0"/>
                 <a:cs typeface="Segoe UI Light" panose="020B0502040204020203" pitchFamily="34" charset="0"/>
               </a:rPr>
               <a:t>0.32%</a:t>
             </a:r>
-            <a:endParaRPr lang="zh-TW" altLang="en-US" sz="5400" dirty="0" smtClean="0">
+            <a:endParaRPr lang="zh-TW" altLang="en-US" sz="5400" dirty="0">
               <a:latin typeface="Segoe UI Light" panose="020B0502040204020203" pitchFamily="34" charset="0"/>
               <a:cs typeface="Segoe UI Light" panose="020B0502040204020203" pitchFamily="34" charset="0"/>
             </a:endParaRPr>
@@ -31390,13 +31316,6 @@
       </p:transition>
     </mc:Fallback>
   </mc:AlternateContent>
-  <p:timing>
-    <p:tnLst>
-      <p:par>
-        <p:cTn id="1" dur="indefinite" restart="never" nodeType="tmRoot"/>
-      </p:par>
-    </p:tnLst>
-  </p:timing>
 </p:sld>
 </file>
 
@@ -31438,7 +31357,7 @@
           <a:lstStyle/>
           <a:p>
             <a:r>
-              <a:rPr lang="en-US" altLang="zh-TW" dirty="0" smtClean="0"/>
+              <a:rPr lang="en-US" altLang="zh-TW" dirty="0"/>
               <a:t>Pushover Load Pattern</a:t>
             </a:r>
             <a:endParaRPr lang="zh-TW" altLang="en-US" dirty="0"/>
@@ -31531,13 +31450,13 @@
               </a:lnSpc>
             </a:pPr>
             <a:r>
-              <a:rPr lang="en-US" altLang="zh-TW" sz="2000" dirty="0" smtClean="0">
+              <a:rPr lang="en-US" altLang="zh-TW" sz="2000" dirty="0">
                 <a:latin typeface="Segoe UI Light" panose="020B0502040204020203" pitchFamily="34" charset="0"/>
                 <a:cs typeface="Segoe UI Light" panose="020B0502040204020203" pitchFamily="34" charset="0"/>
               </a:rPr>
               <a:t>Triangle</a:t>
             </a:r>
-            <a:endParaRPr lang="zh-TW" altLang="en-US" sz="2000" dirty="0" smtClean="0">
+            <a:endParaRPr lang="zh-TW" altLang="en-US" sz="2000" dirty="0">
               <a:latin typeface="Segoe UI Light" panose="020B0502040204020203" pitchFamily="34" charset="0"/>
               <a:cs typeface="Segoe UI Light" panose="020B0502040204020203" pitchFamily="34" charset="0"/>
             </a:endParaRPr>
@@ -31834,13 +31753,13 @@
               </a:lnSpc>
             </a:pPr>
             <a:r>
-              <a:rPr lang="en-US" altLang="zh-TW" sz="2000" dirty="0" smtClean="0">
+              <a:rPr lang="en-US" altLang="zh-TW" sz="2000" dirty="0">
                 <a:latin typeface="Segoe UI Light" panose="020B0502040204020203" pitchFamily="34" charset="0"/>
                 <a:cs typeface="Segoe UI Light" panose="020B0502040204020203" pitchFamily="34" charset="0"/>
               </a:rPr>
               <a:t>Modal Pushover Analysis</a:t>
             </a:r>
-            <a:endParaRPr lang="zh-TW" altLang="en-US" sz="2000" dirty="0" smtClean="0">
+            <a:endParaRPr lang="zh-TW" altLang="en-US" sz="2000" dirty="0">
               <a:latin typeface="Segoe UI Light" panose="020B0502040204020203" pitchFamily="34" charset="0"/>
               <a:cs typeface="Segoe UI Light" panose="020B0502040204020203" pitchFamily="34" charset="0"/>
             </a:endParaRPr>
@@ -31899,13 +31818,13 @@
               </a:lnSpc>
             </a:pPr>
             <a:r>
-              <a:rPr lang="en-US" altLang="zh-TW" sz="2000" dirty="0" smtClean="0">
+              <a:rPr lang="en-US" altLang="zh-TW" sz="2000" dirty="0">
                 <a:latin typeface="Segoe UI Light" panose="020B0502040204020203" pitchFamily="34" charset="0"/>
                 <a:cs typeface="Segoe UI Light" panose="020B0502040204020203" pitchFamily="34" charset="0"/>
               </a:rPr>
               <a:t>SRSS</a:t>
             </a:r>
-            <a:endParaRPr lang="zh-TW" altLang="en-US" sz="2000" dirty="0" smtClean="0">
+            <a:endParaRPr lang="zh-TW" altLang="en-US" sz="2000" dirty="0">
               <a:latin typeface="Segoe UI Light" panose="020B0502040204020203" pitchFamily="34" charset="0"/>
               <a:cs typeface="Segoe UI Light" panose="020B0502040204020203" pitchFamily="34" charset="0"/>
             </a:endParaRPr>
@@ -31970,7 +31889,7 @@
           <a:graphicData uri="http://schemas.openxmlformats.org/presentationml/2006/ole">
             <mc:AlternateContent xmlns:mc="http://schemas.openxmlformats.org/markup-compatibility/2006">
               <mc:Choice xmlns:v="urn:schemas-microsoft-com:vml" Requires="v">
-                <p:oleObj spid="_x0000_s10249" name="Equation" r:id="rId7" imgW="1358640" imgH="685800" progId="Equation.DSMT4">
+                <p:oleObj spid="_x0000_s10250" name="Equation" r:id="rId7" imgW="1358640" imgH="685800" progId="Equation.DSMT4">
                   <p:embed/>
                 </p:oleObj>
               </mc:Choice>
@@ -32027,13 +31946,6 @@
       </p:transition>
     </mc:Fallback>
   </mc:AlternateContent>
-  <p:timing>
-    <p:tnLst>
-      <p:par>
-        <p:cTn id="1" dur="indefinite" restart="never" nodeType="tmRoot"/>
-      </p:par>
-    </p:tnLst>
-  </p:timing>
 </p:sld>
 </file>
 
@@ -32110,7 +32022,7 @@
           <a:lstStyle/>
           <a:p>
             <a:r>
-              <a:rPr lang="en-US" altLang="zh-TW" dirty="0" smtClean="0"/>
+              <a:rPr lang="en-US" altLang="zh-TW" dirty="0"/>
               <a:t>Hinges Only On Two Ends</a:t>
             </a:r>
             <a:endParaRPr lang="zh-TW" altLang="en-US" dirty="0"/>
@@ -32162,7 +32074,7 @@
           <a:graphicData uri="http://schemas.openxmlformats.org/presentationml/2006/ole">
             <mc:AlternateContent xmlns:mc="http://schemas.openxmlformats.org/markup-compatibility/2006">
               <mc:Choice xmlns:v="urn:schemas-microsoft-com:vml" Requires="v">
-                <p:oleObj spid="_x0000_s1068" name="Equation" r:id="rId4" imgW="1002960" imgH="241200" progId="Equation.DSMT4">
+                <p:oleObj spid="_x0000_s1070" name="Equation" r:id="rId4" imgW="1002960" imgH="241200" progId="Equation.DSMT4">
                   <p:embed/>
                 </p:oleObj>
               </mc:Choice>
@@ -32219,7 +32131,7 @@
           <a:graphicData uri="http://schemas.openxmlformats.org/presentationml/2006/ole">
             <mc:AlternateContent xmlns:mc="http://schemas.openxmlformats.org/markup-compatibility/2006">
               <mc:Choice xmlns:v="urn:schemas-microsoft-com:vml" Requires="v">
-                <p:oleObj spid="_x0000_s1069" name="Equation" r:id="rId6" imgW="876240" imgH="241200" progId="Equation.DSMT4">
+                <p:oleObj spid="_x0000_s1071" name="Equation" r:id="rId6" imgW="876240" imgH="241200" progId="Equation.DSMT4">
                   <p:embed/>
                 </p:oleObj>
               </mc:Choice>
@@ -32311,13 +32223,6 @@
       </p:transition>
     </mc:Fallback>
   </mc:AlternateContent>
-  <p:timing>
-    <p:tnLst>
-      <p:par>
-        <p:cTn id="1" dur="indefinite" restart="never" nodeType="tmRoot"/>
-      </p:par>
-    </p:tnLst>
-  </p:timing>
 </p:sld>
 </file>
 
@@ -32892,15 +32797,6 @@
 </file>
 
 <file path=customXml/item1.xml><?xml version="1.0" encoding="utf-8"?>
-<?mso-contentType ?>
-<FormTemplates xmlns="http://schemas.microsoft.com/sharepoint/v3/contenttype/forms">
-  <Display>DocumentLibraryForm</Display>
-  <Edit>DocumentLibraryForm</Edit>
-  <New>DocumentLibraryForm</New>
-</FormTemplates>
-</file>
-
-<file path=customXml/item2.xml><?xml version="1.0" encoding="utf-8"?>
 <ct:contentTypeSchema xmlns:ct="http://schemas.microsoft.com/office/2006/metadata/contentType" xmlns:ma="http://schemas.microsoft.com/office/2006/metadata/properties/metaAttributes" ct:_="" ma:_="" ma:contentTypeName="Document" ma:contentTypeID="0x01010005FA520563873D4EB8CBD5344A351BEB" ma:contentTypeVersion="0" ma:contentTypeDescription="Crée un document." ma:contentTypeScope="" ma:versionID="005ce72954985de94fc750614f2007cc">
   <xsd:schema xmlns:xsd="http://www.w3.org/2001/XMLSchema" xmlns:xs="http://www.w3.org/2001/XMLSchema" xmlns:p="http://schemas.microsoft.com/office/2006/metadata/properties" targetNamespace="http://schemas.microsoft.com/office/2006/metadata/properties" ma:root="true" ma:fieldsID="36883d0f3030e52908f9a4448a35c02a">
     <xsd:element name="properties">
@@ -33014,6 +32910,15 @@
 </ct:contentTypeSchema>
 </file>
 
+<file path=customXml/item2.xml><?xml version="1.0" encoding="utf-8"?>
+<?mso-contentType ?>
+<FormTemplates xmlns="http://schemas.microsoft.com/sharepoint/v3/contenttype/forms">
+  <Display>DocumentLibraryForm</Display>
+  <Edit>DocumentLibraryForm</Edit>
+  <New>DocumentLibraryForm</New>
+</FormTemplates>
+</file>
+
 <file path=customXml/item3.xml><?xml version="1.0" encoding="utf-8"?>
 <p:properties xmlns:p="http://schemas.microsoft.com/office/2006/metadata/properties" xmlns:xsi="http://www.w3.org/2001/XMLSchema-instance" xmlns:pc="http://schemas.microsoft.com/office/infopath/2007/PartnerControls">
   <documentManagement/>
@@ -33021,14 +32926,6 @@
 </file>
 
 <file path=customXml/itemProps1.xml><?xml version="1.0" encoding="utf-8"?>
-<ds:datastoreItem xmlns:ds="http://schemas.openxmlformats.org/officeDocument/2006/customXml" ds:itemID="{95457E87-E546-449E-A4D1-371201992E58}">
-  <ds:schemaRefs>
-    <ds:schemaRef ds:uri="http://schemas.microsoft.com/sharepoint/v3/contenttype/forms"/>
-  </ds:schemaRefs>
-</ds:datastoreItem>
-</file>
-
-<file path=customXml/itemProps2.xml><?xml version="1.0" encoding="utf-8"?>
 <ds:datastoreItem xmlns:ds="http://schemas.openxmlformats.org/officeDocument/2006/customXml" ds:itemID="{FF14EDAB-351E-4851-B148-260C81C296AA}">
   <ds:schemaRefs>
     <ds:schemaRef ds:uri="http://schemas.microsoft.com/office/2006/metadata/contentType"/>
@@ -33040,6 +32937,14 @@
     <ds:schemaRef ds:uri="http://purl.org/dc/terms/"/>
     <ds:schemaRef ds:uri="http://schemas.microsoft.com/internal/obd"/>
     <ds:schemaRef ds:uri="http://schemas.microsoft.com/office/infopath/2007/PartnerControls"/>
+  </ds:schemaRefs>
+</ds:datastoreItem>
+</file>
+
+<file path=customXml/itemProps2.xml><?xml version="1.0" encoding="utf-8"?>
+<ds:datastoreItem xmlns:ds="http://schemas.openxmlformats.org/officeDocument/2006/customXml" ds:itemID="{95457E87-E546-449E-A4D1-371201992E58}">
+  <ds:schemaRefs>
+    <ds:schemaRef ds:uri="http://schemas.microsoft.com/sharepoint/v3/contenttype/forms"/>
   </ds:schemaRefs>
 </ds:datastoreItem>
 </file>

--- a/Meeting/20190516 Meeting/20190516 Meeting.pptx
+++ b/Meeting/20190516 Meeting/20190516 Meeting.pptx
@@ -5,7 +5,7 @@
     <p:sldMasterId id="2147483648" r:id="rId4"/>
   </p:sldMasterIdLst>
   <p:notesMasterIdLst>
-    <p:notesMasterId r:id="rId34"/>
+    <p:notesMasterId r:id="rId35"/>
   </p:notesMasterIdLst>
   <p:sldIdLst>
     <p:sldId id="314" r:id="rId5"/>
@@ -37,6 +37,7 @@
     <p:sldId id="379" r:id="rId31"/>
     <p:sldId id="366" r:id="rId32"/>
     <p:sldId id="362" r:id="rId33"/>
+    <p:sldId id="380" r:id="rId34"/>
   </p:sldIdLst>
   <p:sldSz cx="12192000" cy="6858000"/>
   <p:notesSz cx="6858000" cy="9144000"/>
@@ -23634,6 +23635,13 @@
       </p:transition>
     </mc:Fallback>
   </mc:AlternateContent>
+  <p:timing>
+    <p:tnLst>
+      <p:par>
+        <p:cTn id="1" dur="indefinite" restart="never" nodeType="tmRoot"/>
+      </p:par>
+    </p:tnLst>
+  </p:timing>
 </p:sld>
 </file>
 
@@ -24023,7 +24031,7 @@
           <a:graphicData uri="http://schemas.openxmlformats.org/presentationml/2006/ole">
             <mc:AlternateContent xmlns:mc="http://schemas.openxmlformats.org/markup-compatibility/2006">
               <mc:Choice xmlns:v="urn:schemas-microsoft-com:vml" Requires="v">
-                <p:oleObj spid="_x0000_s2162" name="Equation" r:id="rId5" imgW="1002960" imgH="241200" progId="Equation.DSMT4">
+                <p:oleObj spid="_x0000_s2169" name="Equation" r:id="rId5" imgW="1002960" imgH="241200" progId="Equation.DSMT4">
                   <p:embed/>
                 </p:oleObj>
               </mc:Choice>
@@ -24080,7 +24088,7 @@
           <a:graphicData uri="http://schemas.openxmlformats.org/presentationml/2006/ole">
             <mc:AlternateContent xmlns:mc="http://schemas.openxmlformats.org/markup-compatibility/2006">
               <mc:Choice xmlns:v="urn:schemas-microsoft-com:vml" Requires="v">
-                <p:oleObj spid="_x0000_s2163" name="Equation" r:id="rId7" imgW="876240" imgH="241200" progId="Equation.DSMT4">
+                <p:oleObj spid="_x0000_s2170" name="Equation" r:id="rId7" imgW="876240" imgH="241200" progId="Equation.DSMT4">
                   <p:embed/>
                 </p:oleObj>
               </mc:Choice>
@@ -24137,7 +24145,7 @@
           <a:graphicData uri="http://schemas.openxmlformats.org/presentationml/2006/ole">
             <mc:AlternateContent xmlns:mc="http://schemas.openxmlformats.org/markup-compatibility/2006">
               <mc:Choice xmlns:v="urn:schemas-microsoft-com:vml" Requires="v">
-                <p:oleObj spid="_x0000_s2164" name="Equation" r:id="rId9" imgW="1028520" imgH="241200" progId="Equation.DSMT4">
+                <p:oleObj spid="_x0000_s2171" name="Equation" r:id="rId9" imgW="1028520" imgH="241200" progId="Equation.DSMT4">
                   <p:embed/>
                 </p:oleObj>
               </mc:Choice>
@@ -24194,7 +24202,7 @@
           <a:graphicData uri="http://schemas.openxmlformats.org/presentationml/2006/ole">
             <mc:AlternateContent xmlns:mc="http://schemas.openxmlformats.org/markup-compatibility/2006">
               <mc:Choice xmlns:v="urn:schemas-microsoft-com:vml" Requires="v">
-                <p:oleObj spid="_x0000_s2165" name="Equation" r:id="rId11" imgW="914400" imgH="241200" progId="Equation.DSMT4">
+                <p:oleObj spid="_x0000_s2172" name="Equation" r:id="rId11" imgW="914400" imgH="241200" progId="Equation.DSMT4">
                   <p:embed/>
                 </p:oleObj>
               </mc:Choice>
@@ -24251,7 +24259,7 @@
           <a:graphicData uri="http://schemas.openxmlformats.org/presentationml/2006/ole">
             <mc:AlternateContent xmlns:mc="http://schemas.openxmlformats.org/markup-compatibility/2006">
               <mc:Choice xmlns:v="urn:schemas-microsoft-com:vml" Requires="v">
-                <p:oleObj spid="_x0000_s2166" name="Equation" r:id="rId13" imgW="1002960" imgH="241200" progId="Equation.DSMT4">
+                <p:oleObj spid="_x0000_s2173" name="Equation" r:id="rId13" imgW="1002960" imgH="241200" progId="Equation.DSMT4">
                   <p:embed/>
                 </p:oleObj>
               </mc:Choice>
@@ -24308,7 +24316,7 @@
           <a:graphicData uri="http://schemas.openxmlformats.org/presentationml/2006/ole">
             <mc:AlternateContent xmlns:mc="http://schemas.openxmlformats.org/markup-compatibility/2006">
               <mc:Choice xmlns:v="urn:schemas-microsoft-com:vml" Requires="v">
-                <p:oleObj spid="_x0000_s2167" name="Equation" r:id="rId15" imgW="876240" imgH="241200" progId="Equation.DSMT4">
+                <p:oleObj spid="_x0000_s2174" name="Equation" r:id="rId15" imgW="876240" imgH="241200" progId="Equation.DSMT4">
                   <p:embed/>
                 </p:oleObj>
               </mc:Choice>
@@ -24365,7 +24373,7 @@
           <a:graphicData uri="http://schemas.openxmlformats.org/presentationml/2006/ole">
             <mc:AlternateContent xmlns:mc="http://schemas.openxmlformats.org/markup-compatibility/2006">
               <mc:Choice xmlns:v="urn:schemas-microsoft-com:vml" Requires="v">
-                <p:oleObj spid="_x0000_s2168" name="Equation" r:id="rId17" imgW="609480" imgH="241200" progId="Equation.DSMT4">
+                <p:oleObj spid="_x0000_s2175" name="Equation" r:id="rId17" imgW="609480" imgH="241200" progId="Equation.DSMT4">
                   <p:embed/>
                 </p:oleObj>
               </mc:Choice>
@@ -24581,7 +24589,7 @@
           <a:graphicData uri="http://schemas.openxmlformats.org/presentationml/2006/ole">
             <mc:AlternateContent xmlns:mc="http://schemas.openxmlformats.org/markup-compatibility/2006">
               <mc:Choice xmlns:v="urn:schemas-microsoft-com:vml" Requires="v">
-                <p:oleObj spid="_x0000_s3104" name="Equation" r:id="rId4" imgW="1015920" imgH="241200" progId="Equation.DSMT4">
+                <p:oleObj spid="_x0000_s3106" name="Equation" r:id="rId4" imgW="1015920" imgH="241200" progId="Equation.DSMT4">
                   <p:embed/>
                 </p:oleObj>
               </mc:Choice>
@@ -24638,7 +24646,7 @@
           <a:graphicData uri="http://schemas.openxmlformats.org/presentationml/2006/ole">
             <mc:AlternateContent xmlns:mc="http://schemas.openxmlformats.org/markup-compatibility/2006">
               <mc:Choice xmlns:v="urn:schemas-microsoft-com:vml" Requires="v">
-                <p:oleObj spid="_x0000_s3105" name="Equation" r:id="rId6" imgW="876240" imgH="241200" progId="Equation.DSMT4">
+                <p:oleObj spid="_x0000_s3107" name="Equation" r:id="rId6" imgW="876240" imgH="241200" progId="Equation.DSMT4">
                   <p:embed/>
                 </p:oleObj>
               </mc:Choice>
@@ -24902,7 +24910,7 @@
           <a:graphicData uri="http://schemas.openxmlformats.org/presentationml/2006/ole">
             <mc:AlternateContent xmlns:mc="http://schemas.openxmlformats.org/markup-compatibility/2006">
               <mc:Choice xmlns:v="urn:schemas-microsoft-com:vml" Requires="v">
-                <p:oleObj spid="_x0000_s4210" name="Equation" r:id="rId5" imgW="1015920" imgH="241200" progId="Equation.DSMT4">
+                <p:oleObj spid="_x0000_s4217" name="Equation" r:id="rId5" imgW="1015920" imgH="241200" progId="Equation.DSMT4">
                   <p:embed/>
                 </p:oleObj>
               </mc:Choice>
@@ -24959,7 +24967,7 @@
           <a:graphicData uri="http://schemas.openxmlformats.org/presentationml/2006/ole">
             <mc:AlternateContent xmlns:mc="http://schemas.openxmlformats.org/markup-compatibility/2006">
               <mc:Choice xmlns:v="urn:schemas-microsoft-com:vml" Requires="v">
-                <p:oleObj spid="_x0000_s4211" name="Equation" r:id="rId7" imgW="876240" imgH="241200" progId="Equation.DSMT4">
+                <p:oleObj spid="_x0000_s4218" name="Equation" r:id="rId7" imgW="876240" imgH="241200" progId="Equation.DSMT4">
                   <p:embed/>
                 </p:oleObj>
               </mc:Choice>
@@ -25016,7 +25024,7 @@
           <a:graphicData uri="http://schemas.openxmlformats.org/presentationml/2006/ole">
             <mc:AlternateContent xmlns:mc="http://schemas.openxmlformats.org/markup-compatibility/2006">
               <mc:Choice xmlns:v="urn:schemas-microsoft-com:vml" Requires="v">
-                <p:oleObj spid="_x0000_s4212" name="Equation" r:id="rId9" imgW="1028520" imgH="241200" progId="Equation.DSMT4">
+                <p:oleObj spid="_x0000_s4219" name="Equation" r:id="rId9" imgW="1028520" imgH="241200" progId="Equation.DSMT4">
                   <p:embed/>
                 </p:oleObj>
               </mc:Choice>
@@ -25073,7 +25081,7 @@
           <a:graphicData uri="http://schemas.openxmlformats.org/presentationml/2006/ole">
             <mc:AlternateContent xmlns:mc="http://schemas.openxmlformats.org/markup-compatibility/2006">
               <mc:Choice xmlns:v="urn:schemas-microsoft-com:vml" Requires="v">
-                <p:oleObj spid="_x0000_s4213" name="Equation" r:id="rId11" imgW="901440" imgH="241200" progId="Equation.DSMT4">
+                <p:oleObj spid="_x0000_s4220" name="Equation" r:id="rId11" imgW="901440" imgH="241200" progId="Equation.DSMT4">
                   <p:embed/>
                 </p:oleObj>
               </mc:Choice>
@@ -25130,7 +25138,7 @@
           <a:graphicData uri="http://schemas.openxmlformats.org/presentationml/2006/ole">
             <mc:AlternateContent xmlns:mc="http://schemas.openxmlformats.org/markup-compatibility/2006">
               <mc:Choice xmlns:v="urn:schemas-microsoft-com:vml" Requires="v">
-                <p:oleObj spid="_x0000_s4214" name="Equation" r:id="rId13" imgW="1002960" imgH="241200" progId="Equation.DSMT4">
+                <p:oleObj spid="_x0000_s4221" name="Equation" r:id="rId13" imgW="1002960" imgH="241200" progId="Equation.DSMT4">
                   <p:embed/>
                 </p:oleObj>
               </mc:Choice>
@@ -25187,7 +25195,7 @@
           <a:graphicData uri="http://schemas.openxmlformats.org/presentationml/2006/ole">
             <mc:AlternateContent xmlns:mc="http://schemas.openxmlformats.org/markup-compatibility/2006">
               <mc:Choice xmlns:v="urn:schemas-microsoft-com:vml" Requires="v">
-                <p:oleObj spid="_x0000_s4215" name="Equation" r:id="rId15" imgW="876240" imgH="241200" progId="Equation.DSMT4">
+                <p:oleObj spid="_x0000_s4222" name="Equation" r:id="rId15" imgW="876240" imgH="241200" progId="Equation.DSMT4">
                   <p:embed/>
                 </p:oleObj>
               </mc:Choice>
@@ -25238,7 +25246,7 @@
           <a:graphicData uri="http://schemas.openxmlformats.org/presentationml/2006/ole">
             <mc:AlternateContent xmlns:mc="http://schemas.openxmlformats.org/markup-compatibility/2006">
               <mc:Choice xmlns:v="urn:schemas-microsoft-com:vml" Requires="v">
-                <p:oleObj spid="_x0000_s4216" name="Equation" r:id="rId17" imgW="609480" imgH="241200" progId="Equation.DSMT4">
+                <p:oleObj spid="_x0000_s4223" name="Equation" r:id="rId17" imgW="609480" imgH="241200" progId="Equation.DSMT4">
                   <p:embed/>
                 </p:oleObj>
               </mc:Choice>
@@ -25459,7 +25467,7 @@
           <a:graphicData uri="http://schemas.openxmlformats.org/presentationml/2006/ole">
             <mc:AlternateContent xmlns:mc="http://schemas.openxmlformats.org/markup-compatibility/2006">
               <mc:Choice xmlns:v="urn:schemas-microsoft-com:vml" Requires="v">
-                <p:oleObj spid="_x0000_s5142" name="Equation" r:id="rId4" imgW="1041120" imgH="241200" progId="Equation.DSMT4">
+                <p:oleObj spid="_x0000_s5144" name="Equation" r:id="rId4" imgW="1041120" imgH="241200" progId="Equation.DSMT4">
                   <p:embed/>
                 </p:oleObj>
               </mc:Choice>
@@ -25516,7 +25524,7 @@
           <a:graphicData uri="http://schemas.openxmlformats.org/presentationml/2006/ole">
             <mc:AlternateContent xmlns:mc="http://schemas.openxmlformats.org/markup-compatibility/2006">
               <mc:Choice xmlns:v="urn:schemas-microsoft-com:vml" Requires="v">
-                <p:oleObj spid="_x0000_s5143" name="Equation" r:id="rId6" imgW="1358640" imgH="685800" progId="Equation.DSMT4">
+                <p:oleObj spid="_x0000_s5145" name="Equation" r:id="rId6" imgW="1358640" imgH="685800" progId="Equation.DSMT4">
                   <p:embed/>
                 </p:oleObj>
               </mc:Choice>
@@ -27080,7 +27088,7 @@
           <a:graphicData uri="http://schemas.openxmlformats.org/presentationml/2006/ole">
             <mc:AlternateContent xmlns:mc="http://schemas.openxmlformats.org/markup-compatibility/2006">
               <mc:Choice xmlns:v="urn:schemas-microsoft-com:vml" Requires="v">
-                <p:oleObj spid="_x0000_s9226" name="Equation" r:id="rId4" imgW="1206360" imgH="291960" progId="Equation.DSMT4">
+                <p:oleObj spid="_x0000_s9227" name="Equation" r:id="rId4" imgW="1206360" imgH="291960" progId="Equation.DSMT4">
                   <p:embed/>
                 </p:oleObj>
               </mc:Choice>
@@ -28009,7 +28017,7 @@
           <a:graphicData uri="http://schemas.openxmlformats.org/presentationml/2006/ole">
             <mc:AlternateContent xmlns:mc="http://schemas.openxmlformats.org/markup-compatibility/2006">
               <mc:Choice xmlns:v="urn:schemas-microsoft-com:vml" Requires="v">
-                <p:oleObj spid="_x0000_s11268" name="Equation" r:id="rId4" imgW="1307880" imgH="685800" progId="Equation.DSMT4">
+                <p:oleObj spid="_x0000_s11269" name="Equation" r:id="rId4" imgW="1307880" imgH="685800" progId="Equation.DSMT4">
                   <p:embed/>
                 </p:oleObj>
               </mc:Choice>
@@ -29138,6 +29146,13 @@
       </p:transition>
     </mc:Fallback>
   </mc:AlternateContent>
+  <p:timing>
+    <p:tnLst>
+      <p:par>
+        <p:cTn id="1" dur="indefinite" restart="never" nodeType="tmRoot"/>
+      </p:par>
+    </p:tnLst>
+  </p:timing>
 </p:sld>
 </file>
 
@@ -29541,6 +29556,13 @@
       </p:transition>
     </mc:Fallback>
   </mc:AlternateContent>
+  <p:timing>
+    <p:tnLst>
+      <p:par>
+        <p:cTn id="1" dur="indefinite" restart="never" nodeType="tmRoot"/>
+      </p:par>
+    </p:tnLst>
+  </p:timing>
 </p:sld>
 </file>
 
@@ -29990,6 +30012,13 @@
       </p:transition>
     </mc:Fallback>
   </mc:AlternateContent>
+  <p:timing>
+    <p:tnLst>
+      <p:par>
+        <p:cTn id="1" dur="indefinite" restart="never" nodeType="tmRoot"/>
+      </p:par>
+    </p:tnLst>
+  </p:timing>
 </p:sld>
 </file>
 
@@ -30443,6 +30472,13 @@
       </p:transition>
     </mc:Fallback>
   </mc:AlternateContent>
+  <p:timing>
+    <p:tnLst>
+      <p:par>
+        <p:cTn id="1" dur="indefinite" restart="never" nodeType="tmRoot"/>
+      </p:par>
+    </p:tnLst>
+  </p:timing>
 </p:sld>
 </file>
 
@@ -30627,6 +30663,145 @@
       </p:transition>
     </mc:Fallback>
   </mc:AlternateContent>
+</p:sld>
+</file>
+
+<file path=ppt/slides/slide30.xml><?xml version="1.0" encoding="utf-8"?>
+<p:sld xmlns:a="http://schemas.openxmlformats.org/drawingml/2006/main" xmlns:r="http://schemas.openxmlformats.org/officeDocument/2006/relationships" xmlns:p="http://schemas.openxmlformats.org/presentationml/2006/main">
+  <p:cSld>
+    <p:spTree>
+      <p:nvGrpSpPr>
+        <p:cNvPr id="1" name=""/>
+        <p:cNvGrpSpPr/>
+        <p:nvPr/>
+      </p:nvGrpSpPr>
+      <p:grpSpPr>
+        <a:xfrm>
+          <a:off x="0" y="0"/>
+          <a:ext cx="0" cy="0"/>
+          <a:chOff x="0" y="0"/>
+          <a:chExt cx="0" cy="0"/>
+        </a:xfrm>
+      </p:grpSpPr>
+      <p:sp>
+        <p:nvSpPr>
+          <p:cNvPr id="2" name="文字版面配置區 1"/>
+          <p:cNvSpPr>
+            <a:spLocks noGrp="1"/>
+          </p:cNvSpPr>
+          <p:nvPr>
+            <p:ph type="body" sz="quarter" idx="10"/>
+          </p:nvPr>
+        </p:nvSpPr>
+        <p:spPr>
+          <a:xfrm>
+            <a:off x="839788" y="660400"/>
+            <a:ext cx="4481512" cy="701731"/>
+          </a:xfrm>
+        </p:spPr>
+        <p:txBody>
+          <a:bodyPr/>
+          <a:lstStyle/>
+          <a:p>
+            <a:r>
+              <a:rPr lang="en-US" altLang="zh-TW" dirty="0"/>
+              <a:t>Normal </a:t>
+            </a:r>
+            <a:r>
+              <a:rPr lang="en-US" altLang="zh-TW" dirty="0" err="1" smtClean="0"/>
+              <a:t>Ld</a:t>
+            </a:r>
+            <a:endParaRPr lang="zh-TW" altLang="en-US" dirty="0"/>
+          </a:p>
+        </p:txBody>
+      </p:sp>
+      <p:sp>
+        <p:nvSpPr>
+          <p:cNvPr id="3" name="投影片編號版面配置區 2"/>
+          <p:cNvSpPr>
+            <a:spLocks noGrp="1"/>
+          </p:cNvSpPr>
+          <p:nvPr>
+            <p:ph type="sldNum" sz="quarter" idx="4"/>
+          </p:nvPr>
+        </p:nvSpPr>
+        <p:spPr/>
+        <p:txBody>
+          <a:bodyPr/>
+          <a:lstStyle/>
+          <a:p>
+            <a:fld id="{6F0746BA-D1AA-4FF4-8D48-BDBC7FF48778}" type="slidenum">
+              <a:rPr lang="fr-FR" smtClean="0"/>
+              <a:t>30</a:t>
+            </a:fld>
+            <a:endParaRPr lang="fr-FR"/>
+          </a:p>
+        </p:txBody>
+      </p:sp>
+      <p:pic>
+        <p:nvPicPr>
+          <p:cNvPr id="4" name="圖片 3"/>
+          <p:cNvPicPr>
+            <a:picLocks noChangeAspect="1"/>
+          </p:cNvPicPr>
+          <p:nvPr/>
+        </p:nvPicPr>
+        <p:blipFill>
+          <a:blip r:embed="rId2">
+            <a:clrChange>
+              <a:clrFrom>
+                <a:srgbClr val="FFFFFF"/>
+              </a:clrFrom>
+              <a:clrTo>
+                <a:srgbClr val="FFFFFF">
+                  <a:alpha val="0"/>
+                </a:srgbClr>
+              </a:clrTo>
+            </a:clrChange>
+          </a:blip>
+          <a:stretch>
+            <a:fillRect/>
+          </a:stretch>
+        </p:blipFill>
+        <p:spPr>
+          <a:xfrm>
+            <a:off x="0" y="1743471"/>
+            <a:ext cx="6095238" cy="4561905"/>
+          </a:xfrm>
+          <a:prstGeom prst="rect">
+            <a:avLst/>
+          </a:prstGeom>
+        </p:spPr>
+      </p:pic>
+    </p:spTree>
+    <p:extLst>
+      <p:ext uri="{BB962C8B-B14F-4D97-AF65-F5344CB8AC3E}">
+        <p14:creationId xmlns:p14="http://schemas.microsoft.com/office/powerpoint/2010/main" val="1193489651"/>
+      </p:ext>
+    </p:extLst>
+  </p:cSld>
+  <p:clrMapOvr>
+    <a:masterClrMapping/>
+  </p:clrMapOvr>
+  <mc:AlternateContent xmlns:mc="http://schemas.openxmlformats.org/markup-compatibility/2006" xmlns:p14="http://schemas.microsoft.com/office/powerpoint/2010/main">
+    <mc:Choice Requires="p14">
+      <p:transition spd="med" p14:dur="700">
+        <p:fade/>
+      </p:transition>
+    </mc:Choice>
+    <mc:Fallback xmlns="">
+      <p:transition spd="med">
+        <p:fade/>
+      </p:transition>
+    </mc:Fallback>
+  </mc:AlternateContent>
+  <p:timing>
+    <p:tnLst>
+      <p:par>
+        <p:cTn id="1" dur="indefinite" restart="never" nodeType="tmRoot"/>
+      </p:par>
+    </p:tnLst>
+  </p:timing>
 </p:sld>
 </file>
 
@@ -31889,7 +32064,7 @@
           <a:graphicData uri="http://schemas.openxmlformats.org/presentationml/2006/ole">
             <mc:AlternateContent xmlns:mc="http://schemas.openxmlformats.org/markup-compatibility/2006">
               <mc:Choice xmlns:v="urn:schemas-microsoft-com:vml" Requires="v">
-                <p:oleObj spid="_x0000_s10250" name="Equation" r:id="rId7" imgW="1358640" imgH="685800" progId="Equation.DSMT4">
+                <p:oleObj spid="_x0000_s10251" name="Equation" r:id="rId7" imgW="1358640" imgH="685800" progId="Equation.DSMT4">
                   <p:embed/>
                 </p:oleObj>
               </mc:Choice>
@@ -32074,7 +32249,7 @@
           <a:graphicData uri="http://schemas.openxmlformats.org/presentationml/2006/ole">
             <mc:AlternateContent xmlns:mc="http://schemas.openxmlformats.org/markup-compatibility/2006">
               <mc:Choice xmlns:v="urn:schemas-microsoft-com:vml" Requires="v">
-                <p:oleObj spid="_x0000_s1070" name="Equation" r:id="rId4" imgW="1002960" imgH="241200" progId="Equation.DSMT4">
+                <p:oleObj spid="_x0000_s1072" name="Equation" r:id="rId4" imgW="1002960" imgH="241200" progId="Equation.DSMT4">
                   <p:embed/>
                 </p:oleObj>
               </mc:Choice>
@@ -32131,7 +32306,7 @@
           <a:graphicData uri="http://schemas.openxmlformats.org/presentationml/2006/ole">
             <mc:AlternateContent xmlns:mc="http://schemas.openxmlformats.org/markup-compatibility/2006">
               <mc:Choice xmlns:v="urn:schemas-microsoft-com:vml" Requires="v">
-                <p:oleObj spid="_x0000_s1071" name="Equation" r:id="rId6" imgW="876240" imgH="241200" progId="Equation.DSMT4">
+                <p:oleObj spid="_x0000_s1073" name="Equation" r:id="rId6" imgW="876240" imgH="241200" progId="Equation.DSMT4">
                   <p:embed/>
                 </p:oleObj>
               </mc:Choice>
@@ -32797,6 +32972,15 @@
 </file>
 
 <file path=customXml/item1.xml><?xml version="1.0" encoding="utf-8"?>
+<?mso-contentType ?>
+<FormTemplates xmlns="http://schemas.microsoft.com/sharepoint/v3/contenttype/forms">
+  <Display>DocumentLibraryForm</Display>
+  <Edit>DocumentLibraryForm</Edit>
+  <New>DocumentLibraryForm</New>
+</FormTemplates>
+</file>
+
+<file path=customXml/item2.xml><?xml version="1.0" encoding="utf-8"?>
 <ct:contentTypeSchema xmlns:ct="http://schemas.microsoft.com/office/2006/metadata/contentType" xmlns:ma="http://schemas.microsoft.com/office/2006/metadata/properties/metaAttributes" ct:_="" ma:_="" ma:contentTypeName="Document" ma:contentTypeID="0x01010005FA520563873D4EB8CBD5344A351BEB" ma:contentTypeVersion="0" ma:contentTypeDescription="Crée un document." ma:contentTypeScope="" ma:versionID="005ce72954985de94fc750614f2007cc">
   <xsd:schema xmlns:xsd="http://www.w3.org/2001/XMLSchema" xmlns:xs="http://www.w3.org/2001/XMLSchema" xmlns:p="http://schemas.microsoft.com/office/2006/metadata/properties" targetNamespace="http://schemas.microsoft.com/office/2006/metadata/properties" ma:root="true" ma:fieldsID="36883d0f3030e52908f9a4448a35c02a">
     <xsd:element name="properties">
@@ -32910,15 +33094,6 @@
 </ct:contentTypeSchema>
 </file>
 
-<file path=customXml/item2.xml><?xml version="1.0" encoding="utf-8"?>
-<?mso-contentType ?>
-<FormTemplates xmlns="http://schemas.microsoft.com/sharepoint/v3/contenttype/forms">
-  <Display>DocumentLibraryForm</Display>
-  <Edit>DocumentLibraryForm</Edit>
-  <New>DocumentLibraryForm</New>
-</FormTemplates>
-</file>
-
 <file path=customXml/item3.xml><?xml version="1.0" encoding="utf-8"?>
 <p:properties xmlns:p="http://schemas.microsoft.com/office/2006/metadata/properties" xmlns:xsi="http://www.w3.org/2001/XMLSchema-instance" xmlns:pc="http://schemas.microsoft.com/office/infopath/2007/PartnerControls">
   <documentManagement/>
@@ -32926,6 +33101,14 @@
 </file>
 
 <file path=customXml/itemProps1.xml><?xml version="1.0" encoding="utf-8"?>
+<ds:datastoreItem xmlns:ds="http://schemas.openxmlformats.org/officeDocument/2006/customXml" ds:itemID="{95457E87-E546-449E-A4D1-371201992E58}">
+  <ds:schemaRefs>
+    <ds:schemaRef ds:uri="http://schemas.microsoft.com/sharepoint/v3/contenttype/forms"/>
+  </ds:schemaRefs>
+</ds:datastoreItem>
+</file>
+
+<file path=customXml/itemProps2.xml><?xml version="1.0" encoding="utf-8"?>
 <ds:datastoreItem xmlns:ds="http://schemas.openxmlformats.org/officeDocument/2006/customXml" ds:itemID="{FF14EDAB-351E-4851-B148-260C81C296AA}">
   <ds:schemaRefs>
     <ds:schemaRef ds:uri="http://schemas.microsoft.com/office/2006/metadata/contentType"/>
@@ -32937,14 +33120,6 @@
     <ds:schemaRef ds:uri="http://purl.org/dc/terms/"/>
     <ds:schemaRef ds:uri="http://schemas.microsoft.com/internal/obd"/>
     <ds:schemaRef ds:uri="http://schemas.microsoft.com/office/infopath/2007/PartnerControls"/>
-  </ds:schemaRefs>
-</ds:datastoreItem>
-</file>
-
-<file path=customXml/itemProps2.xml><?xml version="1.0" encoding="utf-8"?>
-<ds:datastoreItem xmlns:ds="http://schemas.openxmlformats.org/officeDocument/2006/customXml" ds:itemID="{95457E87-E546-449E-A4D1-371201992E58}">
-  <ds:schemaRefs>
-    <ds:schemaRef ds:uri="http://schemas.microsoft.com/sharepoint/v3/contenttype/forms"/>
   </ds:schemaRefs>
 </ds:datastoreItem>
 </file>
